--- a/mss_ai_ppt_sample_assets/backend/data/templates/mss_technical_v2.pptx
+++ b/mss_ai_ppt_sample_assets/backend/data/templates/mss_technical_v2.pptx
@@ -3158,7 +3158,7 @@
               <a:defRPr sz="1800" b="0"/>
             </a:pPr>
             <a:r>
-              <a:t>客户：{{CUSTOMER_NAME}}</a:t>
+              <a:t>{{CUSTOMER_LABEL}}</a:t>
             </a:r>
           </a:p>
         </p:txBody>
@@ -3189,7 +3189,7 @@
               <a:defRPr sz="1400" b="0"/>
             </a:pPr>
             <a:r>
-              <a:t>周期：{{PERIOD}}</a:t>
+              <a:t>{{PERIOD_LABEL}}</a:t>
             </a:r>
           </a:p>
         </p:txBody>
@@ -3255,7 +3255,7 @@
               <a:defRPr sz="1200" b="0"/>
             </a:pPr>
             <a:r>
-              <a:t>保密等级：{{CONFIDENTIALITY}}</a:t>
+              <a:t>{{CONFIDENTIALITY_LABEL}}</a:t>
             </a:r>
           </a:p>
         </p:txBody>
@@ -3286,7 +3286,7 @@
               <a:defRPr sz="1000" b="0"/>
             </a:pPr>
             <a:r>
-              <a:t>生成时间：{{GENERATED_AT}}</a:t>
+              <a:t>{{GENERATED_AT_LABEL}}</a:t>
             </a:r>
           </a:p>
         </p:txBody>
@@ -3352,7 +3352,7 @@
         </p:nvSpPr>
         <p:spPr>
           <a:xfrm>
-            <a:off x="457200" y="1097280"/>
+            <a:off x="457200" y="914400"/>
             <a:ext cx="5486400" cy="365760"/>
           </a:xfrm>
           <a:prstGeom prst="rect">
@@ -3370,7 +3370,7 @@
               <a:defRPr sz="1200" b="1"/>
             </a:pPr>
             <a:r>
-              <a:t>数据新鲜度</a:t>
+              <a:t>{{EVIDENCE_TITLE}}</a:t>
             </a:r>
           </a:p>
         </p:txBody>
@@ -3383,22 +3383,84 @@
         </p:nvSpPr>
         <p:spPr>
           <a:xfrm>
-            <a:off x="457200" y="1371600"/>
-            <a:ext cx="5486400" cy="365760"/>
-          </a:xfrm>
-          <a:prstGeom prst="rect">
-            <a:avLst/>
-          </a:prstGeom>
-          <a:noFill/>
-        </p:spPr>
-        <p:txBody>
-          <a:bodyPr wrap="square">
-            <a:spAutoFit/>
-          </a:bodyPr>
-          <a:lstStyle/>
-          <a:p>
-            <a:pPr>
-              <a:defRPr sz="1000"/>
+            <a:off x="457200" y="1188720"/>
+            <a:ext cx="5486400" cy="731520"/>
+          </a:xfrm>
+          <a:prstGeom prst="rect">
+            <a:avLst/>
+          </a:prstGeom>
+          <a:noFill/>
+        </p:spPr>
+        <p:txBody>
+          <a:bodyPr wrap="square">
+            <a:spAutoFit/>
+          </a:bodyPr>
+          <a:lstStyle/>
+          <a:p>
+            <a:pPr>
+              <a:defRPr sz="900" b="0"/>
+            </a:pPr>
+            <a:r>
+              <a:t>{{EVIDENCE_INDEX}}</a:t>
+            </a:r>
+          </a:p>
+        </p:txBody>
+      </p:sp>
+      <p:sp>
+        <p:nvSpPr>
+          <p:cNvPr id="5" name="TextBox 4"/>
+          <p:cNvSpPr txBox="1"/>
+          <p:nvPr/>
+        </p:nvSpPr>
+        <p:spPr>
+          <a:xfrm>
+            <a:off x="6400800" y="914400"/>
+            <a:ext cx="5029200" cy="365760"/>
+          </a:xfrm>
+          <a:prstGeom prst="rect">
+            <a:avLst/>
+          </a:prstGeom>
+          <a:noFill/>
+        </p:spPr>
+        <p:txBody>
+          <a:bodyPr wrap="square">
+            <a:spAutoFit/>
+          </a:bodyPr>
+          <a:lstStyle/>
+          <a:p>
+            <a:pPr>
+              <a:defRPr sz="1200" b="1"/>
+            </a:pPr>
+            <a:r>
+              <a:t>{{FRESHNESS_TITLE}}</a:t>
+            </a:r>
+          </a:p>
+        </p:txBody>
+      </p:sp>
+      <p:sp>
+        <p:nvSpPr>
+          <p:cNvPr id="6" name="TextBox 5"/>
+          <p:cNvSpPr txBox="1"/>
+          <p:nvPr/>
+        </p:nvSpPr>
+        <p:spPr>
+          <a:xfrm>
+            <a:off x="6400800" y="1188720"/>
+            <a:ext cx="5029200" cy="365760"/>
+          </a:xfrm>
+          <a:prstGeom prst="rect">
+            <a:avLst/>
+          </a:prstGeom>
+          <a:noFill/>
+        </p:spPr>
+        <p:txBody>
+          <a:bodyPr wrap="square">
+            <a:spAutoFit/>
+          </a:bodyPr>
+          <a:lstStyle/>
+          <a:p>
+            <a:pPr>
+              <a:defRPr sz="1000" b="0"/>
             </a:pPr>
             <a:r>
               <a:t>{{DATA_FRESHNESS}}</a:t>
@@ -3408,13 +3470,13 @@
       </p:sp>
       <p:sp>
         <p:nvSpPr>
-          <p:cNvPr id="5" name="TextBox 4"/>
-          <p:cNvSpPr txBox="1"/>
-          <p:nvPr/>
-        </p:nvSpPr>
-        <p:spPr>
-          <a:xfrm>
-            <a:off x="457200" y="1828800"/>
+          <p:cNvPr id="7" name="TextBox 6"/>
+          <p:cNvSpPr txBox="1"/>
+          <p:nvPr/>
+        </p:nvSpPr>
+        <p:spPr>
+          <a:xfrm>
+            <a:off x="457200" y="2011680"/>
             <a:ext cx="10972800" cy="365760"/>
           </a:xfrm>
           <a:prstGeom prst="rect">
@@ -3432,35 +3494,35 @@
               <a:defRPr sz="1200" b="1"/>
             </a:pPr>
             <a:r>
-              <a:t>数据口径说明</a:t>
-            </a:r>
-          </a:p>
-        </p:txBody>
-      </p:sp>
-      <p:sp>
-        <p:nvSpPr>
-          <p:cNvPr id="6" name="TextBox 5"/>
-          <p:cNvSpPr txBox="1"/>
-          <p:nvPr/>
-        </p:nvSpPr>
-        <p:spPr>
-          <a:xfrm>
-            <a:off x="457200" y="2194560"/>
-            <a:ext cx="10972800" cy="731520"/>
-          </a:xfrm>
-          <a:prstGeom prst="rect">
-            <a:avLst/>
-          </a:prstGeom>
-          <a:noFill/>
-        </p:spPr>
-        <p:txBody>
-          <a:bodyPr wrap="square">
-            <a:spAutoFit/>
-          </a:bodyPr>
-          <a:lstStyle/>
-          <a:p>
-            <a:pPr>
-              <a:defRPr sz="1000"/>
+              <a:t>{{DATA_SCOPE_TITLE}}</a:t>
+            </a:r>
+          </a:p>
+        </p:txBody>
+      </p:sp>
+      <p:sp>
+        <p:nvSpPr>
+          <p:cNvPr id="8" name="TextBox 7"/>
+          <p:cNvSpPr txBox="1"/>
+          <p:nvPr/>
+        </p:nvSpPr>
+        <p:spPr>
+          <a:xfrm>
+            <a:off x="457200" y="2377440"/>
+            <a:ext cx="10972800" cy="548640"/>
+          </a:xfrm>
+          <a:prstGeom prst="rect">
+            <a:avLst/>
+          </a:prstGeom>
+          <a:noFill/>
+        </p:spPr>
+        <p:txBody>
+          <a:bodyPr wrap="square">
+            <a:spAutoFit/>
+          </a:bodyPr>
+          <a:lstStyle/>
+          <a:p>
+            <a:pPr>
+              <a:defRPr sz="1000" b="0"/>
             </a:pPr>
             <a:r>
               <a:t>{{DATA_SCOPE_NOTES}}</a:t>
@@ -3470,7 +3532,7 @@
       </p:sp>
       <p:sp>
         <p:nvSpPr>
-          <p:cNvPr id="7" name="TextBox 6"/>
+          <p:cNvPr id="9" name="TextBox 8"/>
           <p:cNvSpPr txBox="1"/>
           <p:nvPr/>
         </p:nvSpPr>
@@ -3494,35 +3556,35 @@
               <a:defRPr sz="1200" b="1"/>
             </a:pPr>
             <a:r>
-              <a:t>漏洞统计说明</a:t>
-            </a:r>
-          </a:p>
-        </p:txBody>
-      </p:sp>
-      <p:sp>
-        <p:nvSpPr>
-          <p:cNvPr id="8" name="TextBox 7"/>
-          <p:cNvSpPr txBox="1"/>
-          <p:nvPr/>
-        </p:nvSpPr>
-        <p:spPr>
-          <a:xfrm>
-            <a:off x="457200" y="3474720"/>
-            <a:ext cx="5486400" cy="457200"/>
-          </a:xfrm>
-          <a:prstGeom prst="rect">
-            <a:avLst/>
-          </a:prstGeom>
-          <a:noFill/>
-        </p:spPr>
-        <p:txBody>
-          <a:bodyPr wrap="square">
-            <a:spAutoFit/>
-          </a:bodyPr>
-          <a:lstStyle/>
-          <a:p>
-            <a:pPr>
-              <a:defRPr sz="1000"/>
+              <a:t>{{VULN_NOTES_TITLE}}</a:t>
+            </a:r>
+          </a:p>
+        </p:txBody>
+      </p:sp>
+      <p:sp>
+        <p:nvSpPr>
+          <p:cNvPr id="10" name="TextBox 9"/>
+          <p:cNvSpPr txBox="1"/>
+          <p:nvPr/>
+        </p:nvSpPr>
+        <p:spPr>
+          <a:xfrm>
+            <a:off x="457200" y="3383280"/>
+            <a:ext cx="5486400" cy="365760"/>
+          </a:xfrm>
+          <a:prstGeom prst="rect">
+            <a:avLst/>
+          </a:prstGeom>
+          <a:noFill/>
+        </p:spPr>
+        <p:txBody>
+          <a:bodyPr wrap="square">
+            <a:spAutoFit/>
+          </a:bodyPr>
+          <a:lstStyle/>
+          <a:p>
+            <a:pPr>
+              <a:defRPr sz="1000" b="0"/>
             </a:pPr>
             <a:r>
               <a:t>{{VULN_NOTES}}</a:t>
@@ -3532,7 +3594,7 @@
       </p:sp>
       <p:sp>
         <p:nvSpPr>
-          <p:cNvPr id="9" name="TextBox 8"/>
+          <p:cNvPr id="11" name="TextBox 10"/>
           <p:cNvSpPr txBox="1"/>
           <p:nvPr/>
         </p:nvSpPr>
@@ -3556,20 +3618,144 @@
               <a:defRPr sz="1200" b="1"/>
             </a:pPr>
             <a:r>
-              <a:t>证据索引说明</a:t>
-            </a:r>
-          </a:p>
-        </p:txBody>
-      </p:sp>
-      <p:sp>
-        <p:nvSpPr>
-          <p:cNvPr id="10" name="TextBox 9"/>
-          <p:cNvSpPr txBox="1"/>
-          <p:nvPr/>
-        </p:nvSpPr>
-        <p:spPr>
-          <a:xfrm>
-            <a:off x="6400800" y="3474720"/>
+              <a:t>{{EVIDENCE_NOTES_TITLE}}</a:t>
+            </a:r>
+          </a:p>
+        </p:txBody>
+      </p:sp>
+      <p:sp>
+        <p:nvSpPr>
+          <p:cNvPr id="12" name="TextBox 11"/>
+          <p:cNvSpPr txBox="1"/>
+          <p:nvPr/>
+        </p:nvSpPr>
+        <p:spPr>
+          <a:xfrm>
+            <a:off x="6400800" y="3383280"/>
+            <a:ext cx="5029200" cy="365760"/>
+          </a:xfrm>
+          <a:prstGeom prst="rect">
+            <a:avLst/>
+          </a:prstGeom>
+          <a:noFill/>
+        </p:spPr>
+        <p:txBody>
+          <a:bodyPr wrap="square">
+            <a:spAutoFit/>
+          </a:bodyPr>
+          <a:lstStyle/>
+          <a:p>
+            <a:pPr>
+              <a:defRPr sz="1000" b="0"/>
+            </a:pPr>
+            <a:r>
+              <a:t>{{EVIDENCE_NOTES}}</a:t>
+            </a:r>
+          </a:p>
+        </p:txBody>
+      </p:sp>
+      <p:sp>
+        <p:nvSpPr>
+          <p:cNvPr id="13" name="TextBox 12"/>
+          <p:cNvSpPr txBox="1"/>
+          <p:nvPr/>
+        </p:nvSpPr>
+        <p:spPr>
+          <a:xfrm>
+            <a:off x="457200" y="3931920"/>
+            <a:ext cx="5486400" cy="365760"/>
+          </a:xfrm>
+          <a:prstGeom prst="rect">
+            <a:avLst/>
+          </a:prstGeom>
+          <a:noFill/>
+        </p:spPr>
+        <p:txBody>
+          <a:bodyPr wrap="square">
+            <a:spAutoFit/>
+          </a:bodyPr>
+          <a:lstStyle/>
+          <a:p>
+            <a:pPr>
+              <a:defRPr sz="1200" b="1"/>
+            </a:pPr>
+            <a:r>
+              <a:t>{{ASSETS_TITLE}}</a:t>
+            </a:r>
+          </a:p>
+        </p:txBody>
+      </p:sp>
+      <p:sp>
+        <p:nvSpPr>
+          <p:cNvPr id="14" name="TextBox 13"/>
+          <p:cNvSpPr txBox="1"/>
+          <p:nvPr/>
+        </p:nvSpPr>
+        <p:spPr>
+          <a:xfrm>
+            <a:off x="457200" y="4206240"/>
+            <a:ext cx="5486400" cy="731520"/>
+          </a:xfrm>
+          <a:prstGeom prst="rect">
+            <a:avLst/>
+          </a:prstGeom>
+          <a:noFill/>
+        </p:spPr>
+        <p:txBody>
+          <a:bodyPr wrap="square">
+            <a:spAutoFit/>
+          </a:bodyPr>
+          <a:lstStyle/>
+          <a:p>
+            <a:pPr>
+              <a:defRPr sz="1000" b="0"/>
+            </a:pPr>
+            <a:r>
+              <a:t>{{ASSET_GROUPS_LIST}}</a:t>
+            </a:r>
+          </a:p>
+        </p:txBody>
+      </p:sp>
+      <p:sp>
+        <p:nvSpPr>
+          <p:cNvPr id="15" name="TextBox 14"/>
+          <p:cNvSpPr txBox="1"/>
+          <p:nvPr/>
+        </p:nvSpPr>
+        <p:spPr>
+          <a:xfrm>
+            <a:off x="6400800" y="3931920"/>
+            <a:ext cx="5029200" cy="365760"/>
+          </a:xfrm>
+          <a:prstGeom prst="rect">
+            <a:avLst/>
+          </a:prstGeom>
+          <a:noFill/>
+        </p:spPr>
+        <p:txBody>
+          <a:bodyPr wrap="square">
+            <a:spAutoFit/>
+          </a:bodyPr>
+          <a:lstStyle/>
+          <a:p>
+            <a:pPr>
+              <a:defRPr sz="1200" b="1"/>
+            </a:pPr>
+            <a:r>
+              <a:t>{{SERVICES_TITLE}}</a:t>
+            </a:r>
+          </a:p>
+        </p:txBody>
+      </p:sp>
+      <p:sp>
+        <p:nvSpPr>
+          <p:cNvPr id="16" name="TextBox 15"/>
+          <p:cNvSpPr txBox="1"/>
+          <p:nvPr/>
+        </p:nvSpPr>
+        <p:spPr>
+          <a:xfrm>
+            <a:off x="6400800" y="4206240"/>
             <a:ext cx="5029200" cy="457200"/>
           </a:xfrm>
           <a:prstGeom prst="rect">
@@ -3584,24 +3770,24 @@
           <a:lstStyle/>
           <a:p>
             <a:pPr>
-              <a:defRPr sz="1000"/>
-            </a:pPr>
-            <a:r>
-              <a:t>{{EVIDENCE_NOTES}}</a:t>
-            </a:r>
-          </a:p>
-        </p:txBody>
-      </p:sp>
-      <p:sp>
-        <p:nvSpPr>
-          <p:cNvPr id="11" name="TextBox 10"/>
-          <p:cNvSpPr txBox="1"/>
-          <p:nvPr/>
-        </p:nvSpPr>
-        <p:spPr>
-          <a:xfrm>
-            <a:off x="457200" y="4114800"/>
-            <a:ext cx="5486400" cy="365760"/>
+              <a:defRPr sz="1000" b="0"/>
+            </a:pPr>
+            <a:r>
+              <a:t>{{KEY_SERVICES_LIST}}</a:t>
+            </a:r>
+          </a:p>
+        </p:txBody>
+      </p:sp>
+      <p:sp>
+        <p:nvSpPr>
+          <p:cNvPr id="17" name="TextBox 16"/>
+          <p:cNvSpPr txBox="1"/>
+          <p:nvPr/>
+        </p:nvSpPr>
+        <p:spPr>
+          <a:xfrm>
+            <a:off x="457200" y="5120640"/>
+            <a:ext cx="10972800" cy="365760"/>
           </a:xfrm>
           <a:prstGeom prst="rect">
             <a:avLst/>
@@ -3618,159 +3804,35 @@
               <a:defRPr sz="1200" b="1"/>
             </a:pPr>
             <a:r>
-              <a:t>资产组</a:t>
-            </a:r>
-          </a:p>
-        </p:txBody>
-      </p:sp>
-      <p:sp>
-        <p:nvSpPr>
-          <p:cNvPr id="12" name="TextBox 11"/>
-          <p:cNvSpPr txBox="1"/>
-          <p:nvPr/>
-        </p:nvSpPr>
-        <p:spPr>
-          <a:xfrm>
-            <a:off x="457200" y="4480560"/>
-            <a:ext cx="5486400" cy="731520"/>
-          </a:xfrm>
-          <a:prstGeom prst="rect">
-            <a:avLst/>
-          </a:prstGeom>
-          <a:noFill/>
-        </p:spPr>
-        <p:txBody>
-          <a:bodyPr wrap="square">
-            <a:spAutoFit/>
-          </a:bodyPr>
-          <a:lstStyle/>
-          <a:p>
-            <a:pPr>
-              <a:defRPr sz="1000"/>
-            </a:pPr>
-            <a:r>
-              <a:t>{{ASSET_GROUPS_LIST}}</a:t>
-            </a:r>
-          </a:p>
-        </p:txBody>
-      </p:sp>
-      <p:sp>
-        <p:nvSpPr>
-          <p:cNvPr id="13" name="TextBox 12"/>
-          <p:cNvSpPr txBox="1"/>
-          <p:nvPr/>
-        </p:nvSpPr>
-        <p:spPr>
-          <a:xfrm>
-            <a:off x="6400800" y="4114800"/>
-            <a:ext cx="5029200" cy="365760"/>
-          </a:xfrm>
-          <a:prstGeom prst="rect">
-            <a:avLst/>
-          </a:prstGeom>
-          <a:noFill/>
-        </p:spPr>
-        <p:txBody>
-          <a:bodyPr wrap="square">
-            <a:spAutoFit/>
-          </a:bodyPr>
-          <a:lstStyle/>
-          <a:p>
-            <a:pPr>
-              <a:defRPr sz="1200" b="1"/>
-            </a:pPr>
-            <a:r>
-              <a:t>关键服务</a:t>
-            </a:r>
-          </a:p>
-        </p:txBody>
-      </p:sp>
-      <p:sp>
-        <p:nvSpPr>
-          <p:cNvPr id="14" name="TextBox 13"/>
-          <p:cNvSpPr txBox="1"/>
-          <p:nvPr/>
-        </p:nvSpPr>
-        <p:spPr>
-          <a:xfrm>
-            <a:off x="6400800" y="4480560"/>
-            <a:ext cx="5029200" cy="457200"/>
-          </a:xfrm>
-          <a:prstGeom prst="rect">
-            <a:avLst/>
-          </a:prstGeom>
-          <a:noFill/>
-        </p:spPr>
-        <p:txBody>
-          <a:bodyPr wrap="square">
-            <a:spAutoFit/>
-          </a:bodyPr>
-          <a:lstStyle/>
-          <a:p>
-            <a:pPr>
-              <a:defRPr sz="1000"/>
-            </a:pPr>
-            <a:r>
-              <a:t>{{KEY_SERVICES_LIST}}</a:t>
-            </a:r>
-          </a:p>
-        </p:txBody>
-      </p:sp>
-      <p:sp>
-        <p:nvSpPr>
-          <p:cNvPr id="15" name="TextBox 14"/>
-          <p:cNvSpPr txBox="1"/>
-          <p:nvPr/>
-        </p:nvSpPr>
-        <p:spPr>
-          <a:xfrm>
-            <a:off x="457200" y="5394960"/>
-            <a:ext cx="10972800" cy="365760"/>
-          </a:xfrm>
-          <a:prstGeom prst="rect">
-            <a:avLst/>
-          </a:prstGeom>
-          <a:noFill/>
-        </p:spPr>
-        <p:txBody>
-          <a:bodyPr wrap="square">
-            <a:spAutoFit/>
-          </a:bodyPr>
-          <a:lstStyle/>
-          <a:p>
-            <a:pPr>
-              <a:defRPr sz="1200" b="1"/>
-            </a:pPr>
-            <a:r>
-              <a:t>技术术语表</a:t>
-            </a:r>
-          </a:p>
-        </p:txBody>
-      </p:sp>
-      <p:sp>
-        <p:nvSpPr>
-          <p:cNvPr id="16" name="TextBox 15"/>
-          <p:cNvSpPr txBox="1"/>
-          <p:nvPr/>
-        </p:nvSpPr>
-        <p:spPr>
-          <a:xfrm>
-            <a:off x="457200" y="5760720"/>
-            <a:ext cx="10972800" cy="914400"/>
-          </a:xfrm>
-          <a:prstGeom prst="rect">
-            <a:avLst/>
-          </a:prstGeom>
-          <a:noFill/>
-        </p:spPr>
-        <p:txBody>
-          <a:bodyPr wrap="square">
-            <a:spAutoFit/>
-          </a:bodyPr>
-          <a:lstStyle/>
-          <a:p>
-            <a:pPr>
-              <a:defRPr sz="900"/>
+              <a:t>{{TERMINOLOGY_TITLE}}</a:t>
+            </a:r>
+          </a:p>
+        </p:txBody>
+      </p:sp>
+      <p:sp>
+        <p:nvSpPr>
+          <p:cNvPr id="18" name="TextBox 17"/>
+          <p:cNvSpPr txBox="1"/>
+          <p:nvPr/>
+        </p:nvSpPr>
+        <p:spPr>
+          <a:xfrm>
+            <a:off x="457200" y="5486400"/>
+            <a:ext cx="10972800" cy="1097280"/>
+          </a:xfrm>
+          <a:prstGeom prst="rect">
+            <a:avLst/>
+          </a:prstGeom>
+          <a:noFill/>
+        </p:spPr>
+        <p:txBody>
+          <a:bodyPr wrap="square">
+            <a:spAutoFit/>
+          </a:bodyPr>
+          <a:lstStyle/>
+          <a:p>
+            <a:pPr>
+              <a:defRPr sz="900" b="0"/>
             </a:pPr>
             <a:r>
               <a:t>{{TERMINOLOGY_TECHNICAL}}</a:t>
@@ -3839,25 +3901,25 @@
         </p:nvSpPr>
         <p:spPr>
           <a:xfrm>
-            <a:off x="457200" y="1097280"/>
-            <a:ext cx="2560320" cy="274320"/>
-          </a:xfrm>
-          <a:prstGeom prst="rect">
-            <a:avLst/>
-          </a:prstGeom>
-          <a:noFill/>
-        </p:spPr>
-        <p:txBody>
-          <a:bodyPr wrap="square">
-            <a:spAutoFit/>
-          </a:bodyPr>
-          <a:lstStyle/>
-          <a:p>
-            <a:pPr>
-              <a:defRPr sz="1000" b="0"/>
-            </a:pPr>
-            <a:r>
-              <a:t>告警总数</a:t>
+            <a:off x="457200" y="914400"/>
+            <a:ext cx="11430000" cy="3200400"/>
+          </a:xfrm>
+          <a:prstGeom prst="rect">
+            <a:avLst/>
+          </a:prstGeom>
+          <a:noFill/>
+        </p:spPr>
+        <p:txBody>
+          <a:bodyPr wrap="square">
+            <a:spAutoFit/>
+          </a:bodyPr>
+          <a:lstStyle/>
+          <a:p>
+            <a:pPr>
+              <a:defRPr sz="1100" b="0"/>
+            </a:pPr>
+            <a:r>
+              <a:t>{{KPI_DASHBOARD}}</a:t>
             </a:r>
           </a:p>
         </p:txBody>
@@ -3865,719 +3927,6 @@
       <p:sp>
         <p:nvSpPr>
           <p:cNvPr id="4" name="TextBox 3"/>
-          <p:cNvSpPr txBox="1"/>
-          <p:nvPr/>
-        </p:nvSpPr>
-        <p:spPr>
-          <a:xfrm>
-            <a:off x="457200" y="1371600"/>
-            <a:ext cx="2560320" cy="457200"/>
-          </a:xfrm>
-          <a:prstGeom prst="rect">
-            <a:avLst/>
-          </a:prstGeom>
-          <a:noFill/>
-        </p:spPr>
-        <p:txBody>
-          <a:bodyPr wrap="square">
-            <a:spAutoFit/>
-          </a:bodyPr>
-          <a:lstStyle/>
-          <a:p>
-            <a:pPr>
-              <a:defRPr sz="2000"/>
-            </a:pPr>
-            <a:r>
-              <a:t>{{KPI_ALERTS_TOTAL}}</a:t>
-            </a:r>
-          </a:p>
-        </p:txBody>
-      </p:sp>
-      <p:sp>
-        <p:nvSpPr>
-          <p:cNvPr id="5" name="TextBox 4"/>
-          <p:cNvSpPr txBox="1"/>
-          <p:nvPr/>
-        </p:nvSpPr>
-        <p:spPr>
-          <a:xfrm>
-            <a:off x="3291840" y="1097280"/>
-            <a:ext cx="2560320" cy="274320"/>
-          </a:xfrm>
-          <a:prstGeom prst="rect">
-            <a:avLst/>
-          </a:prstGeom>
-          <a:noFill/>
-        </p:spPr>
-        <p:txBody>
-          <a:bodyPr wrap="square">
-            <a:spAutoFit/>
-          </a:bodyPr>
-          <a:lstStyle/>
-          <a:p>
-            <a:pPr>
-              <a:defRPr sz="1000" b="0"/>
-            </a:pPr>
-            <a:r>
-              <a:t>高危告警</a:t>
-            </a:r>
-          </a:p>
-        </p:txBody>
-      </p:sp>
-      <p:sp>
-        <p:nvSpPr>
-          <p:cNvPr id="6" name="TextBox 5"/>
-          <p:cNvSpPr txBox="1"/>
-          <p:nvPr/>
-        </p:nvSpPr>
-        <p:spPr>
-          <a:xfrm>
-            <a:off x="3291840" y="1371600"/>
-            <a:ext cx="2560320" cy="457200"/>
-          </a:xfrm>
-          <a:prstGeom prst="rect">
-            <a:avLst/>
-          </a:prstGeom>
-          <a:noFill/>
-        </p:spPr>
-        <p:txBody>
-          <a:bodyPr wrap="square">
-            <a:spAutoFit/>
-          </a:bodyPr>
-          <a:lstStyle/>
-          <a:p>
-            <a:pPr>
-              <a:defRPr sz="2000"/>
-            </a:pPr>
-            <a:r>
-              <a:t>{{KPI_ALERTS_HIGH}}</a:t>
-            </a:r>
-          </a:p>
-        </p:txBody>
-      </p:sp>
-      <p:sp>
-        <p:nvSpPr>
-          <p:cNvPr id="7" name="TextBox 6"/>
-          <p:cNvSpPr txBox="1"/>
-          <p:nvPr/>
-        </p:nvSpPr>
-        <p:spPr>
-          <a:xfrm>
-            <a:off x="6126480" y="1097280"/>
-            <a:ext cx="2560320" cy="274320"/>
-          </a:xfrm>
-          <a:prstGeom prst="rect">
-            <a:avLst/>
-          </a:prstGeom>
-          <a:noFill/>
-        </p:spPr>
-        <p:txBody>
-          <a:bodyPr wrap="square">
-            <a:spAutoFit/>
-          </a:bodyPr>
-          <a:lstStyle/>
-          <a:p>
-            <a:pPr>
-              <a:defRPr sz="1000" b="0"/>
-            </a:pPr>
-            <a:r>
-              <a:t>中危告警</a:t>
-            </a:r>
-          </a:p>
-        </p:txBody>
-      </p:sp>
-      <p:sp>
-        <p:nvSpPr>
-          <p:cNvPr id="8" name="TextBox 7"/>
-          <p:cNvSpPr txBox="1"/>
-          <p:nvPr/>
-        </p:nvSpPr>
-        <p:spPr>
-          <a:xfrm>
-            <a:off x="6126480" y="1371600"/>
-            <a:ext cx="2560320" cy="457200"/>
-          </a:xfrm>
-          <a:prstGeom prst="rect">
-            <a:avLst/>
-          </a:prstGeom>
-          <a:noFill/>
-        </p:spPr>
-        <p:txBody>
-          <a:bodyPr wrap="square">
-            <a:spAutoFit/>
-          </a:bodyPr>
-          <a:lstStyle/>
-          <a:p>
-            <a:pPr>
-              <a:defRPr sz="2000"/>
-            </a:pPr>
-            <a:r>
-              <a:t>{{KPI_ALERTS_MEDIUM}}</a:t>
-            </a:r>
-          </a:p>
-        </p:txBody>
-      </p:sp>
-      <p:sp>
-        <p:nvSpPr>
-          <p:cNvPr id="9" name="TextBox 8"/>
-          <p:cNvSpPr txBox="1"/>
-          <p:nvPr/>
-        </p:nvSpPr>
-        <p:spPr>
-          <a:xfrm>
-            <a:off x="8961120" y="1097280"/>
-            <a:ext cx="2560320" cy="274320"/>
-          </a:xfrm>
-          <a:prstGeom prst="rect">
-            <a:avLst/>
-          </a:prstGeom>
-          <a:noFill/>
-        </p:spPr>
-        <p:txBody>
-          <a:bodyPr wrap="square">
-            <a:spAutoFit/>
-          </a:bodyPr>
-          <a:lstStyle/>
-          <a:p>
-            <a:pPr>
-              <a:defRPr sz="1000" b="0"/>
-            </a:pPr>
-            <a:r>
-              <a:t>低危告警</a:t>
-            </a:r>
-          </a:p>
-        </p:txBody>
-      </p:sp>
-      <p:sp>
-        <p:nvSpPr>
-          <p:cNvPr id="10" name="TextBox 9"/>
-          <p:cNvSpPr txBox="1"/>
-          <p:nvPr/>
-        </p:nvSpPr>
-        <p:spPr>
-          <a:xfrm>
-            <a:off x="8961120" y="1371600"/>
-            <a:ext cx="2560320" cy="457200"/>
-          </a:xfrm>
-          <a:prstGeom prst="rect">
-            <a:avLst/>
-          </a:prstGeom>
-          <a:noFill/>
-        </p:spPr>
-        <p:txBody>
-          <a:bodyPr wrap="square">
-            <a:spAutoFit/>
-          </a:bodyPr>
-          <a:lstStyle/>
-          <a:p>
-            <a:pPr>
-              <a:defRPr sz="2000"/>
-            </a:pPr>
-            <a:r>
-              <a:t>{{KPI_ALERTS_LOW}}</a:t>
-            </a:r>
-          </a:p>
-        </p:txBody>
-      </p:sp>
-      <p:sp>
-        <p:nvSpPr>
-          <p:cNvPr id="11" name="TextBox 10"/>
-          <p:cNvSpPr txBox="1"/>
-          <p:nvPr/>
-        </p:nvSpPr>
-        <p:spPr>
-          <a:xfrm>
-            <a:off x="457200" y="2103120"/>
-            <a:ext cx="2560320" cy="274320"/>
-          </a:xfrm>
-          <a:prstGeom prst="rect">
-            <a:avLst/>
-          </a:prstGeom>
-          <a:noFill/>
-        </p:spPr>
-        <p:txBody>
-          <a:bodyPr wrap="square">
-            <a:spAutoFit/>
-          </a:bodyPr>
-          <a:lstStyle/>
-          <a:p>
-            <a:pPr>
-              <a:defRPr sz="1000" b="0"/>
-            </a:pPr>
-            <a:r>
-              <a:t>事件总数</a:t>
-            </a:r>
-          </a:p>
-        </p:txBody>
-      </p:sp>
-      <p:sp>
-        <p:nvSpPr>
-          <p:cNvPr id="12" name="TextBox 11"/>
-          <p:cNvSpPr txBox="1"/>
-          <p:nvPr/>
-        </p:nvSpPr>
-        <p:spPr>
-          <a:xfrm>
-            <a:off x="457200" y="2377439"/>
-            <a:ext cx="2560320" cy="457200"/>
-          </a:xfrm>
-          <a:prstGeom prst="rect">
-            <a:avLst/>
-          </a:prstGeom>
-          <a:noFill/>
-        </p:spPr>
-        <p:txBody>
-          <a:bodyPr wrap="square">
-            <a:spAutoFit/>
-          </a:bodyPr>
-          <a:lstStyle/>
-          <a:p>
-            <a:pPr>
-              <a:defRPr sz="2000"/>
-            </a:pPr>
-            <a:r>
-              <a:t>{{KPI_INCIDENTS_TOTAL}}</a:t>
-            </a:r>
-          </a:p>
-        </p:txBody>
-      </p:sp>
-      <p:sp>
-        <p:nvSpPr>
-          <p:cNvPr id="13" name="TextBox 12"/>
-          <p:cNvSpPr txBox="1"/>
-          <p:nvPr/>
-        </p:nvSpPr>
-        <p:spPr>
-          <a:xfrm>
-            <a:off x="3291840" y="2103120"/>
-            <a:ext cx="2560320" cy="274320"/>
-          </a:xfrm>
-          <a:prstGeom prst="rect">
-            <a:avLst/>
-          </a:prstGeom>
-          <a:noFill/>
-        </p:spPr>
-        <p:txBody>
-          <a:bodyPr wrap="square">
-            <a:spAutoFit/>
-          </a:bodyPr>
-          <a:lstStyle/>
-          <a:p>
-            <a:pPr>
-              <a:defRPr sz="1000" b="0"/>
-            </a:pPr>
-            <a:r>
-              <a:t>高危事件</a:t>
-            </a:r>
-          </a:p>
-        </p:txBody>
-      </p:sp>
-      <p:sp>
-        <p:nvSpPr>
-          <p:cNvPr id="14" name="TextBox 13"/>
-          <p:cNvSpPr txBox="1"/>
-          <p:nvPr/>
-        </p:nvSpPr>
-        <p:spPr>
-          <a:xfrm>
-            <a:off x="3291840" y="2377439"/>
-            <a:ext cx="2560320" cy="457200"/>
-          </a:xfrm>
-          <a:prstGeom prst="rect">
-            <a:avLst/>
-          </a:prstGeom>
-          <a:noFill/>
-        </p:spPr>
-        <p:txBody>
-          <a:bodyPr wrap="square">
-            <a:spAutoFit/>
-          </a:bodyPr>
-          <a:lstStyle/>
-          <a:p>
-            <a:pPr>
-              <a:defRPr sz="2000"/>
-            </a:pPr>
-            <a:r>
-              <a:t>{{KPI_INCIDENTS_HIGH}}</a:t>
-            </a:r>
-          </a:p>
-        </p:txBody>
-      </p:sp>
-      <p:sp>
-        <p:nvSpPr>
-          <p:cNvPr id="15" name="TextBox 14"/>
-          <p:cNvSpPr txBox="1"/>
-          <p:nvPr/>
-        </p:nvSpPr>
-        <p:spPr>
-          <a:xfrm>
-            <a:off x="6126480" y="2103120"/>
-            <a:ext cx="2560320" cy="274320"/>
-          </a:xfrm>
-          <a:prstGeom prst="rect">
-            <a:avLst/>
-          </a:prstGeom>
-          <a:noFill/>
-        </p:spPr>
-        <p:txBody>
-          <a:bodyPr wrap="square">
-            <a:spAutoFit/>
-          </a:bodyPr>
-          <a:lstStyle/>
-          <a:p>
-            <a:pPr>
-              <a:defRPr sz="1000" b="0"/>
-            </a:pPr>
-            <a:r>
-              <a:t>平均MTTD</a:t>
-            </a:r>
-          </a:p>
-        </p:txBody>
-      </p:sp>
-      <p:sp>
-        <p:nvSpPr>
-          <p:cNvPr id="16" name="TextBox 15"/>
-          <p:cNvSpPr txBox="1"/>
-          <p:nvPr/>
-        </p:nvSpPr>
-        <p:spPr>
-          <a:xfrm>
-            <a:off x="6126480" y="2377439"/>
-            <a:ext cx="2560320" cy="457200"/>
-          </a:xfrm>
-          <a:prstGeom prst="rect">
-            <a:avLst/>
-          </a:prstGeom>
-          <a:noFill/>
-        </p:spPr>
-        <p:txBody>
-          <a:bodyPr wrap="square">
-            <a:spAutoFit/>
-          </a:bodyPr>
-          <a:lstStyle/>
-          <a:p>
-            <a:pPr>
-              <a:defRPr sz="2000"/>
-            </a:pPr>
-            <a:r>
-              <a:t>{{KPI_MTTD_MINUTES}}</a:t>
-            </a:r>
-          </a:p>
-        </p:txBody>
-      </p:sp>
-      <p:sp>
-        <p:nvSpPr>
-          <p:cNvPr id="17" name="TextBox 16"/>
-          <p:cNvSpPr txBox="1"/>
-          <p:nvPr/>
-        </p:nvSpPr>
-        <p:spPr>
-          <a:xfrm>
-            <a:off x="8961120" y="2103120"/>
-            <a:ext cx="2560320" cy="274320"/>
-          </a:xfrm>
-          <a:prstGeom prst="rect">
-            <a:avLst/>
-          </a:prstGeom>
-          <a:noFill/>
-        </p:spPr>
-        <p:txBody>
-          <a:bodyPr wrap="square">
-            <a:spAutoFit/>
-          </a:bodyPr>
-          <a:lstStyle/>
-          <a:p>
-            <a:pPr>
-              <a:defRPr sz="1000" b="0"/>
-            </a:pPr>
-            <a:r>
-              <a:t>平均MTTR</a:t>
-            </a:r>
-          </a:p>
-        </p:txBody>
-      </p:sp>
-      <p:sp>
-        <p:nvSpPr>
-          <p:cNvPr id="18" name="TextBox 17"/>
-          <p:cNvSpPr txBox="1"/>
-          <p:nvPr/>
-        </p:nvSpPr>
-        <p:spPr>
-          <a:xfrm>
-            <a:off x="8961120" y="2377439"/>
-            <a:ext cx="2560320" cy="457200"/>
-          </a:xfrm>
-          <a:prstGeom prst="rect">
-            <a:avLst/>
-          </a:prstGeom>
-          <a:noFill/>
-        </p:spPr>
-        <p:txBody>
-          <a:bodyPr wrap="square">
-            <a:spAutoFit/>
-          </a:bodyPr>
-          <a:lstStyle/>
-          <a:p>
-            <a:pPr>
-              <a:defRPr sz="2000"/>
-            </a:pPr>
-            <a:r>
-              <a:t>{{KPI_MTTR_HOURS}}</a:t>
-            </a:r>
-          </a:p>
-        </p:txBody>
-      </p:sp>
-      <p:sp>
-        <p:nvSpPr>
-          <p:cNvPr id="19" name="TextBox 18"/>
-          <p:cNvSpPr txBox="1"/>
-          <p:nvPr/>
-        </p:nvSpPr>
-        <p:spPr>
-          <a:xfrm>
-            <a:off x="457200" y="3108960"/>
-            <a:ext cx="2560320" cy="274320"/>
-          </a:xfrm>
-          <a:prstGeom prst="rect">
-            <a:avLst/>
-          </a:prstGeom>
-          <a:noFill/>
-        </p:spPr>
-        <p:txBody>
-          <a:bodyPr wrap="square">
-            <a:spAutoFit/>
-          </a:bodyPr>
-          <a:lstStyle/>
-          <a:p>
-            <a:pPr>
-              <a:defRPr sz="1000" b="0"/>
-            </a:pPr>
-            <a:r>
-              <a:t>严重漏洞</a:t>
-            </a:r>
-          </a:p>
-        </p:txBody>
-      </p:sp>
-      <p:sp>
-        <p:nvSpPr>
-          <p:cNvPr id="20" name="TextBox 19"/>
-          <p:cNvSpPr txBox="1"/>
-          <p:nvPr/>
-        </p:nvSpPr>
-        <p:spPr>
-          <a:xfrm>
-            <a:off x="457200" y="3383279"/>
-            <a:ext cx="2560320" cy="457200"/>
-          </a:xfrm>
-          <a:prstGeom prst="rect">
-            <a:avLst/>
-          </a:prstGeom>
-          <a:noFill/>
-        </p:spPr>
-        <p:txBody>
-          <a:bodyPr wrap="square">
-            <a:spAutoFit/>
-          </a:bodyPr>
-          <a:lstStyle/>
-          <a:p>
-            <a:pPr>
-              <a:defRPr sz="2000"/>
-            </a:pPr>
-            <a:r>
-              <a:t>{{KPI_VULN_CRITICAL}}</a:t>
-            </a:r>
-          </a:p>
-        </p:txBody>
-      </p:sp>
-      <p:sp>
-        <p:nvSpPr>
-          <p:cNvPr id="21" name="TextBox 20"/>
-          <p:cNvSpPr txBox="1"/>
-          <p:nvPr/>
-        </p:nvSpPr>
-        <p:spPr>
-          <a:xfrm>
-            <a:off x="3291840" y="3108960"/>
-            <a:ext cx="2560320" cy="274320"/>
-          </a:xfrm>
-          <a:prstGeom prst="rect">
-            <a:avLst/>
-          </a:prstGeom>
-          <a:noFill/>
-        </p:spPr>
-        <p:txBody>
-          <a:bodyPr wrap="square">
-            <a:spAutoFit/>
-          </a:bodyPr>
-          <a:lstStyle/>
-          <a:p>
-            <a:pPr>
-              <a:defRPr sz="1000" b="0"/>
-            </a:pPr>
-            <a:r>
-              <a:t>高危漏洞</a:t>
-            </a:r>
-          </a:p>
-        </p:txBody>
-      </p:sp>
-      <p:sp>
-        <p:nvSpPr>
-          <p:cNvPr id="22" name="TextBox 21"/>
-          <p:cNvSpPr txBox="1"/>
-          <p:nvPr/>
-        </p:nvSpPr>
-        <p:spPr>
-          <a:xfrm>
-            <a:off x="3291840" y="3383279"/>
-            <a:ext cx="2560320" cy="457200"/>
-          </a:xfrm>
-          <a:prstGeom prst="rect">
-            <a:avLst/>
-          </a:prstGeom>
-          <a:noFill/>
-        </p:spPr>
-        <p:txBody>
-          <a:bodyPr wrap="square">
-            <a:spAutoFit/>
-          </a:bodyPr>
-          <a:lstStyle/>
-          <a:p>
-            <a:pPr>
-              <a:defRPr sz="2000"/>
-            </a:pPr>
-            <a:r>
-              <a:t>{{KPI_VULN_HIGH}}</a:t>
-            </a:r>
-          </a:p>
-        </p:txBody>
-      </p:sp>
-      <p:sp>
-        <p:nvSpPr>
-          <p:cNvPr id="23" name="TextBox 22"/>
-          <p:cNvSpPr txBox="1"/>
-          <p:nvPr/>
-        </p:nvSpPr>
-        <p:spPr>
-          <a:xfrm>
-            <a:off x="6126480" y="3108960"/>
-            <a:ext cx="2560320" cy="274320"/>
-          </a:xfrm>
-          <a:prstGeom prst="rect">
-            <a:avLst/>
-          </a:prstGeom>
-          <a:noFill/>
-        </p:spPr>
-        <p:txBody>
-          <a:bodyPr wrap="square">
-            <a:spAutoFit/>
-          </a:bodyPr>
-          <a:lstStyle/>
-          <a:p>
-            <a:pPr>
-              <a:defRPr sz="1000" b="0"/>
-            </a:pPr>
-            <a:r>
-              <a:t>误报率</a:t>
-            </a:r>
-          </a:p>
-        </p:txBody>
-      </p:sp>
-      <p:sp>
-        <p:nvSpPr>
-          <p:cNvPr id="24" name="TextBox 23"/>
-          <p:cNvSpPr txBox="1"/>
-          <p:nvPr/>
-        </p:nvSpPr>
-        <p:spPr>
-          <a:xfrm>
-            <a:off x="6126480" y="3383279"/>
-            <a:ext cx="2560320" cy="457200"/>
-          </a:xfrm>
-          <a:prstGeom prst="rect">
-            <a:avLst/>
-          </a:prstGeom>
-          <a:noFill/>
-        </p:spPr>
-        <p:txBody>
-          <a:bodyPr wrap="square">
-            <a:spAutoFit/>
-          </a:bodyPr>
-          <a:lstStyle/>
-          <a:p>
-            <a:pPr>
-              <a:defRPr sz="2000"/>
-            </a:pPr>
-            <a:r>
-              <a:t>{{KPI_FALSE_POSITIVE}}</a:t>
-            </a:r>
-          </a:p>
-        </p:txBody>
-      </p:sp>
-      <p:sp>
-        <p:nvSpPr>
-          <p:cNvPr id="25" name="TextBox 24"/>
-          <p:cNvSpPr txBox="1"/>
-          <p:nvPr/>
-        </p:nvSpPr>
-        <p:spPr>
-          <a:xfrm>
-            <a:off x="8961120" y="3108960"/>
-            <a:ext cx="2560320" cy="274320"/>
-          </a:xfrm>
-          <a:prstGeom prst="rect">
-            <a:avLst/>
-          </a:prstGeom>
-          <a:noFill/>
-        </p:spPr>
-        <p:txBody>
-          <a:bodyPr wrap="square">
-            <a:spAutoFit/>
-          </a:bodyPr>
-          <a:lstStyle/>
-          <a:p>
-            <a:pPr>
-              <a:defRPr sz="1000" b="0"/>
-            </a:pPr>
-            <a:r>
-              <a:t>EDR覆盖</a:t>
-            </a:r>
-          </a:p>
-        </p:txBody>
-      </p:sp>
-      <p:sp>
-        <p:nvSpPr>
-          <p:cNvPr id="26" name="TextBox 25"/>
-          <p:cNvSpPr txBox="1"/>
-          <p:nvPr/>
-        </p:nvSpPr>
-        <p:spPr>
-          <a:xfrm>
-            <a:off x="8961120" y="3383279"/>
-            <a:ext cx="2560320" cy="457200"/>
-          </a:xfrm>
-          <a:prstGeom prst="rect">
-            <a:avLst/>
-          </a:prstGeom>
-          <a:noFill/>
-        </p:spPr>
-        <p:txBody>
-          <a:bodyPr wrap="square">
-            <a:spAutoFit/>
-          </a:bodyPr>
-          <a:lstStyle/>
-          <a:p>
-            <a:pPr>
-              <a:defRPr sz="2000"/>
-            </a:pPr>
-            <a:r>
-              <a:t>{{KPI_EDR_COVERAGE}}</a:t>
-            </a:r>
-          </a:p>
-        </p:txBody>
-      </p:sp>
-      <p:sp>
-        <p:nvSpPr>
-          <p:cNvPr id="27" name="TextBox 26"/>
           <p:cNvSpPr txBox="1"/>
           <p:nvPr/>
         </p:nvSpPr>
@@ -4601,14 +3950,14 @@
               <a:defRPr sz="1400" b="1"/>
             </a:pPr>
             <a:r>
-              <a:t>技术评估</a:t>
-            </a:r>
-          </a:p>
-        </p:txBody>
-      </p:sp>
-      <p:sp>
-        <p:nvSpPr>
-          <p:cNvPr id="28" name="TextBox 27"/>
+              <a:t>{{ASSESSMENT_TITLE}}</a:t>
+            </a:r>
+          </a:p>
+        </p:txBody>
+      </p:sp>
+      <p:sp>
+        <p:nvSpPr>
+          <p:cNvPr id="5" name="TextBox 4"/>
           <p:cNvSpPr txBox="1"/>
           <p:nvPr/>
         </p:nvSpPr>
@@ -4629,7 +3978,7 @@
           <a:lstStyle/>
           <a:p>
             <a:pPr>
-              <a:defRPr sz="1100"/>
+              <a:defRPr sz="1100" b="0"/>
             </a:pPr>
             <a:r>
               <a:t>{{TECHNICAL_ASSESSMENT}}</a:t>
@@ -4698,7 +4047,7 @@
         </p:nvSpPr>
         <p:spPr>
           <a:xfrm>
-            <a:off x="457200" y="1097280"/>
+            <a:off x="457200" y="914400"/>
             <a:ext cx="10972800" cy="365760"/>
           </a:xfrm>
           <a:prstGeom prst="rect">
@@ -4716,7 +4065,7 @@
               <a:defRPr sz="1400" b="1"/>
             </a:pPr>
             <a:r>
-              <a:t>严重程度分布分析</a:t>
+              <a:t>{{SEVERITY_TITLE}}</a:t>
             </a:r>
           </a:p>
         </p:txBody>
@@ -4729,22 +4078,22 @@
         </p:nvSpPr>
         <p:spPr>
           <a:xfrm>
-            <a:off x="457200" y="1463040"/>
-            <a:ext cx="10972800" cy="1188720"/>
-          </a:xfrm>
-          <a:prstGeom prst="rect">
-            <a:avLst/>
-          </a:prstGeom>
-          <a:noFill/>
-        </p:spPr>
-        <p:txBody>
-          <a:bodyPr wrap="square">
-            <a:spAutoFit/>
-          </a:bodyPr>
-          <a:lstStyle/>
-          <a:p>
-            <a:pPr>
-              <a:defRPr sz="1100"/>
+            <a:off x="457200" y="1280160"/>
+            <a:ext cx="10972800" cy="914400"/>
+          </a:xfrm>
+          <a:prstGeom prst="rect">
+            <a:avLst/>
+          </a:prstGeom>
+          <a:noFill/>
+        </p:spPr>
+        <p:txBody>
+          <a:bodyPr wrap="square">
+            <a:spAutoFit/>
+          </a:bodyPr>
+          <a:lstStyle/>
+          <a:p>
+            <a:pPr>
+              <a:defRPr sz="1100" b="0"/>
             </a:pPr>
             <a:r>
               <a:t>{{SEVERITY_BREAKDOWN}}</a:t>
@@ -4760,7 +4109,131 @@
         </p:nvSpPr>
         <p:spPr>
           <a:xfrm>
-            <a:off x="457200" y="2834640"/>
+            <a:off x="457200" y="2377440"/>
+            <a:ext cx="5486400" cy="365760"/>
+          </a:xfrm>
+          <a:prstGeom prst="rect">
+            <a:avLst/>
+          </a:prstGeom>
+          <a:noFill/>
+        </p:spPr>
+        <p:txBody>
+          <a:bodyPr wrap="square">
+            <a:spAutoFit/>
+          </a:bodyPr>
+          <a:lstStyle/>
+          <a:p>
+            <a:pPr>
+              <a:defRPr sz="1400" b="1"/>
+            </a:pPr>
+            <a:r>
+              <a:t>{{TOP_RULES_TITLE}}</a:t>
+            </a:r>
+          </a:p>
+        </p:txBody>
+      </p:sp>
+      <p:sp>
+        <p:nvSpPr>
+          <p:cNvPr id="6" name="TextBox 5"/>
+          <p:cNvSpPr txBox="1"/>
+          <p:nvPr/>
+        </p:nvSpPr>
+        <p:spPr>
+          <a:xfrm>
+            <a:off x="457200" y="2743200"/>
+            <a:ext cx="5486400" cy="1371600"/>
+          </a:xfrm>
+          <a:prstGeom prst="rect">
+            <a:avLst/>
+          </a:prstGeom>
+          <a:noFill/>
+        </p:spPr>
+        <p:txBody>
+          <a:bodyPr wrap="square">
+            <a:spAutoFit/>
+          </a:bodyPr>
+          <a:lstStyle/>
+          <a:p>
+            <a:pPr>
+              <a:defRPr sz="900" b="0"/>
+            </a:pPr>
+            <a:r>
+              <a:t>{{TOP_RULES_TABLE}}</a:t>
+            </a:r>
+          </a:p>
+        </p:txBody>
+      </p:sp>
+      <p:sp>
+        <p:nvSpPr>
+          <p:cNvPr id="7" name="TextBox 6"/>
+          <p:cNvSpPr txBox="1"/>
+          <p:nvPr/>
+        </p:nvSpPr>
+        <p:spPr>
+          <a:xfrm>
+            <a:off x="6400800" y="2377440"/>
+            <a:ext cx="5029200" cy="365760"/>
+          </a:xfrm>
+          <a:prstGeom prst="rect">
+            <a:avLst/>
+          </a:prstGeom>
+          <a:noFill/>
+        </p:spPr>
+        <p:txBody>
+          <a:bodyPr wrap="square">
+            <a:spAutoFit/>
+          </a:bodyPr>
+          <a:lstStyle/>
+          <a:p>
+            <a:pPr>
+              <a:defRPr sz="1400" b="1"/>
+            </a:pPr>
+            <a:r>
+              <a:t>{{RULES_ANALYSIS_TITLE}}</a:t>
+            </a:r>
+          </a:p>
+        </p:txBody>
+      </p:sp>
+      <p:sp>
+        <p:nvSpPr>
+          <p:cNvPr id="8" name="TextBox 7"/>
+          <p:cNvSpPr txBox="1"/>
+          <p:nvPr/>
+        </p:nvSpPr>
+        <p:spPr>
+          <a:xfrm>
+            <a:off x="6400800" y="2743200"/>
+            <a:ext cx="5029200" cy="1371600"/>
+          </a:xfrm>
+          <a:prstGeom prst="rect">
+            <a:avLst/>
+          </a:prstGeom>
+          <a:noFill/>
+        </p:spPr>
+        <p:txBody>
+          <a:bodyPr wrap="square">
+            <a:spAutoFit/>
+          </a:bodyPr>
+          <a:lstStyle/>
+          <a:p>
+            <a:pPr>
+              <a:defRPr sz="1000" b="0"/>
+            </a:pPr>
+            <a:r>
+              <a:t>{{TOP_RULES_ANALYSIS}}</a:t>
+            </a:r>
+          </a:p>
+        </p:txBody>
+      </p:sp>
+      <p:sp>
+        <p:nvSpPr>
+          <p:cNvPr id="9" name="TextBox 8"/>
+          <p:cNvSpPr txBox="1"/>
+          <p:nvPr/>
+        </p:nvSpPr>
+        <p:spPr>
+          <a:xfrm>
+            <a:off x="457200" y="4389120"/>
             <a:ext cx="10972800" cy="365760"/>
           </a:xfrm>
           <a:prstGeom prst="rect">
@@ -4778,97 +4251,35 @@
               <a:defRPr sz="1400" b="1"/>
             </a:pPr>
             <a:r>
-              <a:t>Top规则分析</a:t>
-            </a:r>
-          </a:p>
-        </p:txBody>
-      </p:sp>
-      <p:sp>
-        <p:nvSpPr>
-          <p:cNvPr id="6" name="TextBox 5"/>
-          <p:cNvSpPr txBox="1"/>
-          <p:nvPr/>
-        </p:nvSpPr>
-        <p:spPr>
-          <a:xfrm>
-            <a:off x="457200" y="3200400"/>
-            <a:ext cx="10972800" cy="1645920"/>
-          </a:xfrm>
-          <a:prstGeom prst="rect">
-            <a:avLst/>
-          </a:prstGeom>
-          <a:noFill/>
-        </p:spPr>
-        <p:txBody>
-          <a:bodyPr wrap="square">
-            <a:spAutoFit/>
-          </a:bodyPr>
-          <a:lstStyle/>
-          <a:p>
-            <a:pPr>
-              <a:defRPr sz="1100"/>
-            </a:pPr>
-            <a:r>
-              <a:t>{{TOP_RULES_ANALYSIS}}</a:t>
-            </a:r>
-          </a:p>
-        </p:txBody>
-      </p:sp>
-      <p:sp>
-        <p:nvSpPr>
-          <p:cNvPr id="7" name="TextBox 6"/>
-          <p:cNvSpPr txBox="1"/>
-          <p:nvPr/>
-        </p:nvSpPr>
-        <p:spPr>
-          <a:xfrm>
-            <a:off x="457200" y="5029200"/>
-            <a:ext cx="10972800" cy="365760"/>
-          </a:xfrm>
-          <a:prstGeom prst="rect">
-            <a:avLst/>
-          </a:prstGeom>
-          <a:noFill/>
-        </p:spPr>
-        <p:txBody>
-          <a:bodyPr wrap="square">
-            <a:spAutoFit/>
-          </a:bodyPr>
-          <a:lstStyle/>
-          <a:p>
-            <a:pPr>
-              <a:defRPr sz="1400" b="1"/>
-            </a:pPr>
-            <a:r>
-              <a:t>误报治理建议</a:t>
-            </a:r>
-          </a:p>
-        </p:txBody>
-      </p:sp>
-      <p:sp>
-        <p:nvSpPr>
-          <p:cNvPr id="8" name="TextBox 7"/>
-          <p:cNvSpPr txBox="1"/>
-          <p:nvPr/>
-        </p:nvSpPr>
-        <p:spPr>
-          <a:xfrm>
-            <a:off x="457200" y="5394960"/>
-            <a:ext cx="10972800" cy="1188720"/>
-          </a:xfrm>
-          <a:prstGeom prst="rect">
-            <a:avLst/>
-          </a:prstGeom>
-          <a:noFill/>
-        </p:spPr>
-        <p:txBody>
-          <a:bodyPr wrap="square">
-            <a:spAutoFit/>
-          </a:bodyPr>
-          <a:lstStyle/>
-          <a:p>
-            <a:pPr>
-              <a:defRPr sz="1100"/>
+              <a:t>{{FP_TITLE}}</a:t>
+            </a:r>
+          </a:p>
+        </p:txBody>
+      </p:sp>
+      <p:sp>
+        <p:nvSpPr>
+          <p:cNvPr id="10" name="TextBox 9"/>
+          <p:cNvSpPr txBox="1"/>
+          <p:nvPr/>
+        </p:nvSpPr>
+        <p:spPr>
+          <a:xfrm>
+            <a:off x="457200" y="4754880"/>
+            <a:ext cx="10972800" cy="1828800"/>
+          </a:xfrm>
+          <a:prstGeom prst="rect">
+            <a:avLst/>
+          </a:prstGeom>
+          <a:noFill/>
+        </p:spPr>
+        <p:txBody>
+          <a:bodyPr wrap="square">
+            <a:spAutoFit/>
+          </a:bodyPr>
+          <a:lstStyle/>
+          <a:p>
+            <a:pPr>
+              <a:defRPr sz="1100" b="0"/>
             </a:pPr>
             <a:r>
               <a:t>{{FALSE_POSITIVE_INSIGHT}}</a:t>
@@ -4955,7 +4366,7 @@
               <a:defRPr sz="1400" b="1"/>
             </a:pPr>
             <a:r>
-              <a:t>事件时间线叙述</a:t>
+              <a:t>{{TIMELINE_TITLE}}</a:t>
             </a:r>
           </a:p>
         </p:txBody>
@@ -4983,7 +4394,7 @@
           <a:lstStyle/>
           <a:p>
             <a:pPr>
-              <a:defRPr sz="1100"/>
+              <a:defRPr sz="1100" b="0"/>
             </a:pPr>
             <a:r>
               <a:t>{{TIMELINE_NARRATIVE}}</a:t>
@@ -5017,7 +4428,7 @@
               <a:defRPr sz="1400" b="1"/>
             </a:pPr>
             <a:r>
-              <a:t>响应效率分析</a:t>
+              <a:t>{{RESPONSE_TITLE}}</a:t>
             </a:r>
           </a:p>
         </p:txBody>
@@ -5045,7 +4456,7 @@
           <a:lstStyle/>
           <a:p>
             <a:pPr>
-              <a:defRPr sz="1100"/>
+              <a:defRPr sz="1100" b="0"/>
             </a:pPr>
             <a:r>
               <a:t>{{RESPONSE_METRICS}}</a:t>
@@ -5079,7 +4490,7 @@
               <a:defRPr sz="1400" b="1"/>
             </a:pPr>
             <a:r>
-              <a:t>经验教训</a:t>
+              <a:t>{{LESSONS_TITLE}}</a:t>
             </a:r>
           </a:p>
         </p:txBody>
@@ -5107,7 +4518,7 @@
           <a:lstStyle/>
           <a:p>
             <a:pPr>
-              <a:defRPr sz="1100"/>
+              <a:defRPr sz="1100" b="0"/>
             </a:pPr>
             <a:r>
               <a:t>{{LESSONS_LEARNED}}</a:t>
@@ -5194,7 +4605,7 @@
               <a:defRPr sz="1400" b="1"/>
             </a:pPr>
             <a:r>
-              <a:t>高危事件1 - 详细分析</a:t>
+              <a:t>{{INCIDENT1_TITLE}}</a:t>
             </a:r>
           </a:p>
         </p:txBody>
@@ -5222,7 +4633,7 @@
           <a:lstStyle/>
           <a:p>
             <a:pPr>
-              <a:defRPr sz="1000"/>
+              <a:defRPr sz="1000" b="0"/>
             </a:pPr>
             <a:r>
               <a:t>{{INCIDENT_DETAIL_1}}</a:t>
@@ -5256,7 +4667,7 @@
               <a:defRPr sz="1400" b="1"/>
             </a:pPr>
             <a:r>
-              <a:t>高危事件2 - 详细分析</a:t>
+              <a:t>{{INCIDENT2_TITLE}}</a:t>
             </a:r>
           </a:p>
         </p:txBody>
@@ -5284,7 +4695,7 @@
           <a:lstStyle/>
           <a:p>
             <a:pPr>
-              <a:defRPr sz="1000"/>
+              <a:defRPr sz="1000" b="0"/>
             </a:pPr>
             <a:r>
               <a:t>{{INCIDENT_DETAIL_2}}</a:t>
@@ -5301,52 +4712,21 @@
         <p:spPr>
           <a:xfrm>
             <a:off x="457200" y="6217920"/>
-            <a:ext cx="10972800" cy="365760"/>
-          </a:xfrm>
-          <a:prstGeom prst="rect">
-            <a:avLst/>
-          </a:prstGeom>
-          <a:noFill/>
-        </p:spPr>
-        <p:txBody>
-          <a:bodyPr wrap="square">
-            <a:spAutoFit/>
-          </a:bodyPr>
-          <a:lstStyle/>
-          <a:p>
-            <a:pPr>
-              <a:defRPr sz="1200" b="1"/>
-            </a:pPr>
-            <a:r>
-              <a:t>攻击模式总结</a:t>
-            </a:r>
-          </a:p>
-        </p:txBody>
-      </p:sp>
-      <p:sp>
-        <p:nvSpPr>
-          <p:cNvPr id="8" name="TextBox 7"/>
-          <p:cNvSpPr txBox="1"/>
-          <p:nvPr/>
-        </p:nvSpPr>
-        <p:spPr>
-          <a:xfrm>
-            <a:off x="457200" y="6400800"/>
-            <a:ext cx="10972800" cy="365760"/>
-          </a:xfrm>
-          <a:prstGeom prst="rect">
-            <a:avLst/>
-          </a:prstGeom>
-          <a:noFill/>
-        </p:spPr>
-        <p:txBody>
-          <a:bodyPr wrap="square">
-            <a:spAutoFit/>
-          </a:bodyPr>
-          <a:lstStyle/>
-          <a:p>
-            <a:pPr>
-              <a:defRPr sz="900"/>
+            <a:ext cx="10972800" cy="457200"/>
+          </a:xfrm>
+          <a:prstGeom prst="rect">
+            <a:avLst/>
+          </a:prstGeom>
+          <a:noFill/>
+        </p:spPr>
+        <p:txBody>
+          <a:bodyPr wrap="square">
+            <a:spAutoFit/>
+          </a:bodyPr>
+          <a:lstStyle/>
+          <a:p>
+            <a:pPr>
+              <a:defRPr sz="900" b="0"/>
             </a:pPr>
             <a:r>
               <a:t>{{ATTACK_PATTERN_SUMMARY}}</a:t>
@@ -5433,7 +4813,7 @@
               <a:defRPr sz="1400" b="1"/>
             </a:pPr>
             <a:r>
-              <a:t>漏洞分布分析</a:t>
+              <a:t>{{VULN_DIST_TITLE}}</a:t>
             </a:r>
           </a:p>
         </p:txBody>
@@ -5461,7 +4841,7 @@
           <a:lstStyle/>
           <a:p>
             <a:pPr>
-              <a:defRPr sz="1100"/>
+              <a:defRPr sz="1100" b="0"/>
             </a:pPr>
             <a:r>
               <a:t>{{VULN_DISTRIBUTION}}</a:t>
@@ -5495,7 +4875,7 @@
               <a:defRPr sz="1400" b="1"/>
             </a:pPr>
             <a:r>
-              <a:t>CVE技术分析</a:t>
+              <a:t>{{CVE_ANALYSIS_TITLE}}</a:t>
             </a:r>
           </a:p>
         </p:txBody>
@@ -5523,7 +4903,7 @@
           <a:lstStyle/>
           <a:p>
             <a:pPr>
-              <a:defRPr sz="1000"/>
+              <a:defRPr sz="1000" b="0"/>
             </a:pPr>
             <a:r>
               <a:t>{{CVE_TECHNICAL_ANALYSIS}}</a:t>
@@ -5557,7 +4937,7 @@
               <a:defRPr sz="1400" b="1"/>
             </a:pPr>
             <a:r>
-              <a:t>补丁状态追踪</a:t>
+              <a:t>{{PATCH_TITLE}}</a:t>
             </a:r>
           </a:p>
         </p:txBody>
@@ -5585,7 +4965,7 @@
           <a:lstStyle/>
           <a:p>
             <a:pPr>
-              <a:defRPr sz="1000"/>
+              <a:defRPr sz="1000" b="0"/>
             </a:pPr>
             <a:r>
               <a:t>{{PATCH_STATUS}}</a:t>
@@ -5654,8 +5034,8 @@
         </p:nvSpPr>
         <p:spPr>
           <a:xfrm>
-            <a:off x="457200" y="1097280"/>
-            <a:ext cx="10972800" cy="365760"/>
+            <a:off x="457200" y="914400"/>
+            <a:ext cx="5486400" cy="365760"/>
           </a:xfrm>
           <a:prstGeom prst="rect">
             <a:avLst/>
@@ -5672,7 +5052,7 @@
               <a:defRPr sz="1400" b="1"/>
             </a:pPr>
             <a:r>
-              <a:t>对外暴露服务分析</a:t>
+              <a:t>{{EXPOSED_SERVICES_TITLE}}</a:t>
             </a:r>
           </a:p>
         </p:txBody>
@@ -5685,22 +5065,84 @@
         </p:nvSpPr>
         <p:spPr>
           <a:xfrm>
-            <a:off x="457200" y="1463040"/>
-            <a:ext cx="10972800" cy="1645920"/>
-          </a:xfrm>
-          <a:prstGeom prst="rect">
-            <a:avLst/>
-          </a:prstGeom>
-          <a:noFill/>
-        </p:spPr>
-        <p:txBody>
-          <a:bodyPr wrap="square">
-            <a:spAutoFit/>
-          </a:bodyPr>
-          <a:lstStyle/>
-          <a:p>
-            <a:pPr>
-              <a:defRPr sz="1100"/>
+            <a:off x="457200" y="1280160"/>
+            <a:ext cx="5486400" cy="1097280"/>
+          </a:xfrm>
+          <a:prstGeom prst="rect">
+            <a:avLst/>
+          </a:prstGeom>
+          <a:noFill/>
+        </p:spPr>
+        <p:txBody>
+          <a:bodyPr wrap="square">
+            <a:spAutoFit/>
+          </a:bodyPr>
+          <a:lstStyle/>
+          <a:p>
+            <a:pPr>
+              <a:defRPr sz="900" b="0"/>
+            </a:pPr>
+            <a:r>
+              <a:t>{{EXPOSED_SERVICES_TABLE}}</a:t>
+            </a:r>
+          </a:p>
+        </p:txBody>
+      </p:sp>
+      <p:sp>
+        <p:nvSpPr>
+          <p:cNvPr id="5" name="TextBox 4"/>
+          <p:cNvSpPr txBox="1"/>
+          <p:nvPr/>
+        </p:nvSpPr>
+        <p:spPr>
+          <a:xfrm>
+            <a:off x="6400800" y="914400"/>
+            <a:ext cx="5029200" cy="365760"/>
+          </a:xfrm>
+          <a:prstGeom prst="rect">
+            <a:avLst/>
+          </a:prstGeom>
+          <a:noFill/>
+        </p:spPr>
+        <p:txBody>
+          <a:bodyPr wrap="square">
+            <a:spAutoFit/>
+          </a:bodyPr>
+          <a:lstStyle/>
+          <a:p>
+            <a:pPr>
+              <a:defRPr sz="1400" b="1"/>
+            </a:pPr>
+            <a:r>
+              <a:t>{{EXPOSURE_ANALYSIS_TITLE}}</a:t>
+            </a:r>
+          </a:p>
+        </p:txBody>
+      </p:sp>
+      <p:sp>
+        <p:nvSpPr>
+          <p:cNvPr id="6" name="TextBox 5"/>
+          <p:cNvSpPr txBox="1"/>
+          <p:nvPr/>
+        </p:nvSpPr>
+        <p:spPr>
+          <a:xfrm>
+            <a:off x="6400800" y="1280160"/>
+            <a:ext cx="5029200" cy="1097280"/>
+          </a:xfrm>
+          <a:prstGeom prst="rect">
+            <a:avLst/>
+          </a:prstGeom>
+          <a:noFill/>
+        </p:spPr>
+        <p:txBody>
+          <a:bodyPr wrap="square">
+            <a:spAutoFit/>
+          </a:bodyPr>
+          <a:lstStyle/>
+          <a:p>
+            <a:pPr>
+              <a:defRPr sz="1000" b="0"/>
             </a:pPr>
             <a:r>
               <a:t>{{EXTERNAL_EXPOSURE}}</a:t>
@@ -5710,13 +5152,13 @@
       </p:sp>
       <p:sp>
         <p:nvSpPr>
-          <p:cNvPr id="5" name="TextBox 4"/>
-          <p:cNvSpPr txBox="1"/>
-          <p:nvPr/>
-        </p:nvSpPr>
-        <p:spPr>
-          <a:xfrm>
-            <a:off x="457200" y="3291840"/>
+          <p:cNvPr id="7" name="TextBox 6"/>
+          <p:cNvSpPr txBox="1"/>
+          <p:nvPr/>
+        </p:nvSpPr>
+        <p:spPr>
+          <a:xfrm>
+            <a:off x="457200" y="2560320"/>
             <a:ext cx="5486400" cy="365760"/>
           </a:xfrm>
           <a:prstGeom prst="rect">
@@ -5734,20 +5176,20 @@
               <a:defRPr sz="1400" b="1"/>
             </a:pPr>
             <a:r>
-              <a:t>攻击面趋势</a:t>
-            </a:r>
-          </a:p>
-        </p:txBody>
-      </p:sp>
-      <p:sp>
-        <p:nvSpPr>
-          <p:cNvPr id="6" name="TextBox 5"/>
-          <p:cNvSpPr txBox="1"/>
-          <p:nvPr/>
-        </p:nvSpPr>
-        <p:spPr>
-          <a:xfrm>
-            <a:off x="457200" y="3657600"/>
+              <a:t>{{SURFACE_TREND_TITLE}}</a:t>
+            </a:r>
+          </a:p>
+        </p:txBody>
+      </p:sp>
+      <p:sp>
+        <p:nvSpPr>
+          <p:cNvPr id="8" name="TextBox 7"/>
+          <p:cNvSpPr txBox="1"/>
+          <p:nvPr/>
+        </p:nvSpPr>
+        <p:spPr>
+          <a:xfrm>
+            <a:off x="457200" y="2926080"/>
             <a:ext cx="5486400" cy="1371600"/>
           </a:xfrm>
           <a:prstGeom prst="rect">
@@ -5762,7 +5204,7 @@
           <a:lstStyle/>
           <a:p>
             <a:pPr>
-              <a:defRPr sz="1100"/>
+              <a:defRPr sz="1100" b="0"/>
             </a:pPr>
             <a:r>
               <a:t>{{ATTACK_SURFACE_TREND}}</a:t>
@@ -5772,13 +5214,13 @@
       </p:sp>
       <p:sp>
         <p:nvSpPr>
-          <p:cNvPr id="7" name="TextBox 6"/>
-          <p:cNvSpPr txBox="1"/>
-          <p:nvPr/>
-        </p:nvSpPr>
-        <p:spPr>
-          <a:xfrm>
-            <a:off x="6400800" y="3291840"/>
+          <p:cNvPr id="9" name="TextBox 8"/>
+          <p:cNvSpPr txBox="1"/>
+          <p:nvPr/>
+        </p:nvSpPr>
+        <p:spPr>
+          <a:xfrm>
+            <a:off x="6400800" y="2560320"/>
             <a:ext cx="5029200" cy="365760"/>
           </a:xfrm>
           <a:prstGeom prst="rect">
@@ -5796,35 +5238,35 @@
               <a:defRPr sz="1400" b="1"/>
             </a:pPr>
             <a:r>
-              <a:t>收敛技术方案</a:t>
-            </a:r>
-          </a:p>
-        </p:txBody>
-      </p:sp>
-      <p:sp>
-        <p:nvSpPr>
-          <p:cNvPr id="8" name="TextBox 7"/>
-          <p:cNvSpPr txBox="1"/>
-          <p:nvPr/>
-        </p:nvSpPr>
-        <p:spPr>
-          <a:xfrm>
-            <a:off x="6400800" y="3657600"/>
-            <a:ext cx="5029200" cy="2926080"/>
-          </a:xfrm>
-          <a:prstGeom prst="rect">
-            <a:avLst/>
-          </a:prstGeom>
-          <a:noFill/>
-        </p:spPr>
-        <p:txBody>
-          <a:bodyPr wrap="square">
-            <a:spAutoFit/>
-          </a:bodyPr>
-          <a:lstStyle/>
-          <a:p>
-            <a:pPr>
-              <a:defRPr sz="1000"/>
+              <a:t>{{REMEDIATION_TITLE}}</a:t>
+            </a:r>
+          </a:p>
+        </p:txBody>
+      </p:sp>
+      <p:sp>
+        <p:nvSpPr>
+          <p:cNvPr id="10" name="TextBox 9"/>
+          <p:cNvSpPr txBox="1"/>
+          <p:nvPr/>
+        </p:nvSpPr>
+        <p:spPr>
+          <a:xfrm>
+            <a:off x="6400800" y="2926080"/>
+            <a:ext cx="5029200" cy="3657600"/>
+          </a:xfrm>
+          <a:prstGeom prst="rect">
+            <a:avLst/>
+          </a:prstGeom>
+          <a:noFill/>
+        </p:spPr>
+        <p:txBody>
+          <a:bodyPr wrap="square">
+            <a:spAutoFit/>
+          </a:bodyPr>
+          <a:lstStyle/>
+          <a:p>
+            <a:pPr>
+              <a:defRPr sz="1000" b="0"/>
             </a:pPr>
             <a:r>
               <a:t>{{EXPOSURE_REMEDIATION}}</a:t>
@@ -5911,7 +5353,7 @@
               <a:defRPr sz="1400" b="1"/>
             </a:pPr>
             <a:r>
-              <a:t>云配置问题详情</a:t>
+              <a:t>{{CLOUD_MISCONFIG_TITLE}}</a:t>
             </a:r>
           </a:p>
         </p:txBody>
@@ -5939,7 +5381,7 @@
           <a:lstStyle/>
           <a:p>
             <a:pPr>
-              <a:defRPr sz="1000"/>
+              <a:defRPr sz="1000" b="0"/>
             </a:pPr>
             <a:r>
               <a:t>{{CLOUD_MISCONFIG_DETAILS}}</a:t>
@@ -5973,7 +5415,7 @@
               <a:defRPr sz="1400" b="1"/>
             </a:pPr>
             <a:r>
-              <a:t>IAM权限风险分析</a:t>
+              <a:t>{{IAM_TITLE}}</a:t>
             </a:r>
           </a:p>
         </p:txBody>
@@ -6001,7 +5443,7 @@
           <a:lstStyle/>
           <a:p>
             <a:pPr>
-              <a:defRPr sz="1000"/>
+              <a:defRPr sz="1000" b="0"/>
             </a:pPr>
             <a:r>
               <a:t>{{IAM_RISK_ANALYSIS}}</a:t>
@@ -6035,7 +5477,7 @@
               <a:defRPr sz="1400" b="1"/>
             </a:pPr>
             <a:r>
-              <a:t>云安全合规检查</a:t>
+              <a:t>{{COMPLIANCE_TITLE}}</a:t>
             </a:r>
           </a:p>
         </p:txBody>
@@ -6063,7 +5505,7 @@
           <a:lstStyle/>
           <a:p>
             <a:pPr>
-              <a:defRPr sz="1000"/>
+              <a:defRPr sz="1000" b="0"/>
             </a:pPr>
             <a:r>
               <a:t>{{CLOUD_COMPLIANCE}}</a:t>
@@ -6150,7 +5592,7 @@
               <a:defRPr sz="1400" b="1"/>
             </a:pPr>
             <a:r>
-              <a:t>技术整改方案</a:t>
+              <a:t>{{TECH_REC_TITLE}}</a:t>
             </a:r>
           </a:p>
         </p:txBody>
@@ -6178,7 +5620,7 @@
           <a:lstStyle/>
           <a:p>
             <a:pPr>
-              <a:defRPr sz="1000"/>
+              <a:defRPr sz="1000" b="0"/>
             </a:pPr>
             <a:r>
               <a:t>{{TECHNICAL_RECOMMENDATIONS}}</a:t>
@@ -6212,7 +5654,7 @@
               <a:defRPr sz="1400" b="1"/>
             </a:pPr>
             <a:r>
-              <a:t>检测能力提升</a:t>
+              <a:t>{{DETECTION_TITLE}}</a:t>
             </a:r>
           </a:p>
         </p:txBody>
@@ -6240,7 +5682,7 @@
           <a:lstStyle/>
           <a:p>
             <a:pPr>
-              <a:defRPr sz="1000"/>
+              <a:defRPr sz="1000" b="0"/>
             </a:pPr>
             <a:r>
               <a:t>{{DETECTION_IMPROVEMENTS}}</a:t>
@@ -6274,7 +5716,7 @@
               <a:defRPr sz="1400" b="1"/>
             </a:pPr>
             <a:r>
-              <a:t>加固检查清单</a:t>
+              <a:t>{{HARDENING_TITLE}}</a:t>
             </a:r>
           </a:p>
         </p:txBody>
@@ -6302,7 +5744,7 @@
           <a:lstStyle/>
           <a:p>
             <a:pPr>
-              <a:defRPr sz="1000"/>
+              <a:defRPr sz="1000" b="0"/>
             </a:pPr>
             <a:r>
               <a:t>{{HARDENING_CHECKLIST}}</a:t>

--- a/mss_ai_ppt_sample_assets/backend/data/templates/mss_technical_v2.pptx
+++ b/mss_ai_ppt_sample_assets/backend/data/templates/mss_technical_v2.pptx
@@ -3090,6 +3090,14 @@
 <file path=ppt/slides/slide1.xml><?xml version="1.0" encoding="utf-8"?>
 <p:sld xmlns:a="http://schemas.openxmlformats.org/drawingml/2006/main" xmlns:p="http://schemas.openxmlformats.org/presentationml/2006/main" xmlns:r="http://schemas.openxmlformats.org/officeDocument/2006/relationships">
   <p:cSld>
+    <p:bg>
+      <p:bgPr>
+        <a:solidFill>
+          <a:srgbClr val="0B1220"/>
+        </a:solidFill>
+        <a:effectLst/>
+      </p:bgPr>
+    </p:bg>
     <p:spTree>
       <p:nvGrpSpPr>
         <p:cNvPr id="1" name=""/>
@@ -3099,14 +3107,360 @@
       <p:grpSpPr/>
       <p:sp>
         <p:nvSpPr>
-          <p:cNvPr id="2" name="TextBox 1"/>
+          <p:cNvPr id="2" name="Rectangle 1"/>
+          <p:cNvSpPr/>
+          <p:nvPr/>
+        </p:nvSpPr>
+        <p:spPr>
+          <a:xfrm>
+            <a:off x="0" y="0"/>
+            <a:ext cx="12191695" cy="960120"/>
+          </a:xfrm>
+          <a:prstGeom prst="rect">
+            <a:avLst/>
+          </a:prstGeom>
+          <a:solidFill>
+            <a:srgbClr val="0F172A"/>
+          </a:solidFill>
+          <a:ln>
+            <a:noFill/>
+          </a:ln>
+        </p:spPr>
+        <p:style>
+          <a:lnRef idx="1">
+            <a:schemeClr val="accent1"/>
+          </a:lnRef>
+          <a:fillRef idx="3">
+            <a:schemeClr val="accent1"/>
+          </a:fillRef>
+          <a:effectRef idx="2">
+            <a:schemeClr val="accent1"/>
+          </a:effectRef>
+          <a:fontRef idx="minor">
+            <a:schemeClr val="lt1"/>
+          </a:fontRef>
+        </p:style>
+        <p:txBody>
+          <a:bodyPr rtlCol="0" anchor="ctr"/>
+          <a:lstStyle/>
+          <a:p>
+            <a:pPr algn="ctr"/>
+          </a:p>
+        </p:txBody>
+      </p:sp>
+      <p:sp>
+        <p:nvSpPr>
+          <p:cNvPr id="3" name="Rectangle 2"/>
+          <p:cNvSpPr/>
+          <p:nvPr/>
+        </p:nvSpPr>
+        <p:spPr>
+          <a:xfrm>
+            <a:off x="0" y="896112"/>
+            <a:ext cx="12191695" cy="54864"/>
+          </a:xfrm>
+          <a:prstGeom prst="rect">
+            <a:avLst/>
+          </a:prstGeom>
+          <a:solidFill>
+            <a:srgbClr val="22C55E"/>
+          </a:solidFill>
+          <a:ln>
+            <a:noFill/>
+          </a:ln>
+        </p:spPr>
+        <p:style>
+          <a:lnRef idx="1">
+            <a:schemeClr val="accent1"/>
+          </a:lnRef>
+          <a:fillRef idx="3">
+            <a:schemeClr val="accent1"/>
+          </a:fillRef>
+          <a:effectRef idx="2">
+            <a:schemeClr val="accent1"/>
+          </a:effectRef>
+          <a:fontRef idx="minor">
+            <a:schemeClr val="lt1"/>
+          </a:fontRef>
+        </p:style>
+        <p:txBody>
+          <a:bodyPr rtlCol="0" anchor="ctr"/>
+          <a:lstStyle/>
+          <a:p>
+            <a:pPr algn="ctr"/>
+          </a:p>
+        </p:txBody>
+      </p:sp>
+      <p:sp>
+        <p:nvSpPr>
+          <p:cNvPr id="4" name="Oval 3"/>
+          <p:cNvSpPr/>
+          <p:nvPr/>
+        </p:nvSpPr>
+        <p:spPr>
+          <a:xfrm>
+            <a:off x="10241280" y="-731520"/>
+            <a:ext cx="3108960" cy="3108960"/>
+          </a:xfrm>
+          <a:prstGeom prst="ellipse">
+            <a:avLst/>
+          </a:prstGeom>
+          <a:solidFill>
+            <a:srgbClr val="22C55E"/>
+          </a:solidFill>
+          <a:ln>
+            <a:noFill/>
+          </a:ln>
+        </p:spPr>
+        <p:style>
+          <a:lnRef idx="1">
+            <a:schemeClr val="accent1"/>
+          </a:lnRef>
+          <a:fillRef idx="3">
+            <a:schemeClr val="accent1"/>
+          </a:fillRef>
+          <a:effectRef idx="2">
+            <a:schemeClr val="accent1"/>
+          </a:effectRef>
+          <a:fontRef idx="minor">
+            <a:schemeClr val="lt1"/>
+          </a:fontRef>
+        </p:style>
+        <p:txBody>
+          <a:bodyPr rtlCol="0" anchor="ctr"/>
+          <a:lstStyle/>
+          <a:p>
+            <a:pPr algn="ctr"/>
+          </a:p>
+        </p:txBody>
+      </p:sp>
+      <p:sp>
+        <p:nvSpPr>
+          <p:cNvPr id="5" name="Oval 4"/>
+          <p:cNvSpPr/>
+          <p:nvPr/>
+        </p:nvSpPr>
+        <p:spPr>
+          <a:xfrm>
+            <a:off x="-1280160" y="5577840"/>
+            <a:ext cx="2743200" cy="2743200"/>
+          </a:xfrm>
+          <a:prstGeom prst="ellipse">
+            <a:avLst/>
+          </a:prstGeom>
+          <a:solidFill>
+            <a:srgbClr val="3B82F6"/>
+          </a:solidFill>
+          <a:ln>
+            <a:noFill/>
+          </a:ln>
+        </p:spPr>
+        <p:style>
+          <a:lnRef idx="1">
+            <a:schemeClr val="accent1"/>
+          </a:lnRef>
+          <a:fillRef idx="3">
+            <a:schemeClr val="accent1"/>
+          </a:fillRef>
+          <a:effectRef idx="2">
+            <a:schemeClr val="accent1"/>
+          </a:effectRef>
+          <a:fontRef idx="minor">
+            <a:schemeClr val="lt1"/>
+          </a:fontRef>
+        </p:style>
+        <p:txBody>
+          <a:bodyPr rtlCol="0" anchor="ctr"/>
+          <a:lstStyle/>
+          <a:p>
+            <a:pPr algn="ctr"/>
+          </a:p>
+        </p:txBody>
+      </p:sp>
+      <p:sp>
+        <p:nvSpPr>
+          <p:cNvPr id="6" name="Rectangle 5"/>
+          <p:cNvSpPr/>
+          <p:nvPr/>
+        </p:nvSpPr>
+        <p:spPr>
+          <a:xfrm>
+            <a:off x="274320" y="1143000"/>
+            <a:ext cx="11658600" cy="5486400"/>
+          </a:xfrm>
+          <a:prstGeom prst="rect">
+            <a:avLst/>
+          </a:prstGeom>
+          <a:solidFill>
+            <a:srgbClr val="0F172A"/>
+          </a:solidFill>
+          <a:ln>
+            <a:noFill/>
+          </a:ln>
+        </p:spPr>
+        <p:style>
+          <a:lnRef idx="1">
+            <a:schemeClr val="accent1"/>
+          </a:lnRef>
+          <a:fillRef idx="3">
+            <a:schemeClr val="accent1"/>
+          </a:fillRef>
+          <a:effectRef idx="2">
+            <a:schemeClr val="accent1"/>
+          </a:effectRef>
+          <a:fontRef idx="minor">
+            <a:schemeClr val="lt1"/>
+          </a:fontRef>
+        </p:style>
+        <p:txBody>
+          <a:bodyPr rtlCol="0" anchor="ctr"/>
+          <a:lstStyle/>
+          <a:p>
+            <a:pPr algn="ctr"/>
+          </a:p>
+        </p:txBody>
+      </p:sp>
+      <p:sp>
+        <p:nvSpPr>
+          <p:cNvPr id="7" name="Rectangle 6"/>
+          <p:cNvSpPr/>
+          <p:nvPr/>
+        </p:nvSpPr>
+        <p:spPr>
+          <a:xfrm>
+            <a:off x="0" y="0"/>
+            <a:ext cx="164592" cy="6858000"/>
+          </a:xfrm>
+          <a:prstGeom prst="rect">
+            <a:avLst/>
+          </a:prstGeom>
+          <a:solidFill>
+            <a:srgbClr val="22C55E"/>
+          </a:solidFill>
+          <a:ln>
+            <a:noFill/>
+          </a:ln>
+        </p:spPr>
+        <p:style>
+          <a:lnRef idx="1">
+            <a:schemeClr val="accent1"/>
+          </a:lnRef>
+          <a:fillRef idx="3">
+            <a:schemeClr val="accent1"/>
+          </a:fillRef>
+          <a:effectRef idx="2">
+            <a:schemeClr val="accent1"/>
+          </a:effectRef>
+          <a:fontRef idx="minor">
+            <a:schemeClr val="lt1"/>
+          </a:fontRef>
+        </p:style>
+        <p:txBody>
+          <a:bodyPr rtlCol="0" anchor="ctr"/>
+          <a:lstStyle/>
+          <a:p>
+            <a:pPr algn="ctr"/>
+          </a:p>
+        </p:txBody>
+      </p:sp>
+      <p:sp>
+        <p:nvSpPr>
+          <p:cNvPr id="8" name="Rounded Rectangle 7"/>
+          <p:cNvSpPr/>
+          <p:nvPr/>
+        </p:nvSpPr>
+        <p:spPr>
+          <a:xfrm>
+            <a:off x="649224" y="1883664"/>
+            <a:ext cx="11247120" cy="2148840"/>
+          </a:xfrm>
+          <a:prstGeom prst="roundRect">
+            <a:avLst/>
+          </a:prstGeom>
+          <a:solidFill>
+            <a:srgbClr val="000000"/>
+          </a:solidFill>
+          <a:ln>
+            <a:noFill/>
+          </a:ln>
+        </p:spPr>
+        <p:style>
+          <a:lnRef idx="1">
+            <a:schemeClr val="accent1"/>
+          </a:lnRef>
+          <a:fillRef idx="3">
+            <a:schemeClr val="accent1"/>
+          </a:fillRef>
+          <a:effectRef idx="2">
+            <a:schemeClr val="accent1"/>
+          </a:effectRef>
+          <a:fontRef idx="minor">
+            <a:schemeClr val="lt1"/>
+          </a:fontRef>
+        </p:style>
+        <p:txBody>
+          <a:bodyPr rtlCol="0" anchor="ctr"/>
+          <a:lstStyle/>
+          <a:p>
+            <a:pPr algn="ctr"/>
+          </a:p>
+        </p:txBody>
+      </p:sp>
+      <p:sp>
+        <p:nvSpPr>
+          <p:cNvPr id="9" name="Rounded Rectangle 8"/>
+          <p:cNvSpPr/>
+          <p:nvPr/>
+        </p:nvSpPr>
+        <p:spPr>
+          <a:xfrm>
+            <a:off x="594360" y="1828800"/>
+            <a:ext cx="11247120" cy="2148840"/>
+          </a:xfrm>
+          <a:prstGeom prst="roundRect">
+            <a:avLst/>
+          </a:prstGeom>
+          <a:solidFill>
+            <a:srgbClr val="111827"/>
+          </a:solidFill>
+          <a:ln w="12700">
+            <a:solidFill>
+              <a:srgbClr val="1F2937"/>
+            </a:solidFill>
+          </a:ln>
+        </p:spPr>
+        <p:style>
+          <a:lnRef idx="1">
+            <a:schemeClr val="accent1"/>
+          </a:lnRef>
+          <a:fillRef idx="3">
+            <a:schemeClr val="accent1"/>
+          </a:fillRef>
+          <a:effectRef idx="2">
+            <a:schemeClr val="accent1"/>
+          </a:effectRef>
+          <a:fontRef idx="minor">
+            <a:schemeClr val="lt1"/>
+          </a:fontRef>
+        </p:style>
+        <p:txBody>
+          <a:bodyPr rtlCol="0" anchor="ctr"/>
+          <a:lstStyle/>
+          <a:p>
+            <a:pPr algn="ctr"/>
+          </a:p>
+        </p:txBody>
+      </p:sp>
+      <p:sp>
+        <p:nvSpPr>
+          <p:cNvPr id="10" name="TextBox 9"/>
           <p:cNvSpPr txBox="1"/>
           <p:nvPr/>
         </p:nvSpPr>
         <p:spPr>
           <a:xfrm>
-            <a:off x="457200" y="2286000"/>
-            <a:ext cx="10972800" cy="914400"/>
+            <a:off x="777240" y="2011680"/>
+            <a:ext cx="10881360" cy="868680"/>
           </a:xfrm>
           <a:prstGeom prst="rect">
             <a:avLst/>
@@ -3114,16 +3468,17 @@
           <a:noFill/>
         </p:spPr>
         <p:txBody>
-          <a:bodyPr wrap="square">
+          <a:bodyPr wrap="square" lIns="127000" rIns="127000" tIns="76200" bIns="76200">
             <a:spAutoFit/>
           </a:bodyPr>
           <a:lstStyle/>
           <a:p>
             <a:pPr>
-              <a:defRPr sz="3600" b="1">
+              <a:defRPr sz="3400" b="1">
                 <a:solidFill>
                   <a:srgbClr val="22C55E"/>
                 </a:solidFill>
+                <a:latin typeface="Microsoft YaHei"/>
               </a:defRPr>
             </a:pPr>
             <a:r>
@@ -3134,14 +3489,59 @@
       </p:sp>
       <p:sp>
         <p:nvSpPr>
-          <p:cNvPr id="3" name="TextBox 2"/>
+          <p:cNvPr id="11" name="Rounded Rectangle 10"/>
+          <p:cNvSpPr/>
+          <p:nvPr/>
+        </p:nvSpPr>
+        <p:spPr>
+          <a:xfrm>
+            <a:off x="594360" y="4160520"/>
+            <a:ext cx="7132320" cy="2057400"/>
+          </a:xfrm>
+          <a:prstGeom prst="roundRect">
+            <a:avLst/>
+          </a:prstGeom>
+          <a:solidFill>
+            <a:srgbClr val="111827"/>
+          </a:solidFill>
+          <a:ln w="12700">
+            <a:solidFill>
+              <a:srgbClr val="1F2937"/>
+            </a:solidFill>
+          </a:ln>
+        </p:spPr>
+        <p:style>
+          <a:lnRef idx="1">
+            <a:schemeClr val="accent1"/>
+          </a:lnRef>
+          <a:fillRef idx="3">
+            <a:schemeClr val="accent1"/>
+          </a:fillRef>
+          <a:effectRef idx="2">
+            <a:schemeClr val="accent1"/>
+          </a:effectRef>
+          <a:fontRef idx="minor">
+            <a:schemeClr val="lt1"/>
+          </a:fontRef>
+        </p:style>
+        <p:txBody>
+          <a:bodyPr rtlCol="0" anchor="ctr"/>
+          <a:lstStyle/>
+          <a:p>
+            <a:pPr algn="ctr"/>
+          </a:p>
+        </p:txBody>
+      </p:sp>
+      <p:sp>
+        <p:nvSpPr>
+          <p:cNvPr id="12" name="TextBox 11"/>
           <p:cNvSpPr txBox="1"/>
           <p:nvPr/>
         </p:nvSpPr>
         <p:spPr>
           <a:xfrm>
-            <a:off x="457200" y="3474720"/>
-            <a:ext cx="5486400" cy="457200"/>
+            <a:off x="777240" y="4315968"/>
+            <a:ext cx="6766560" cy="502920"/>
           </a:xfrm>
           <a:prstGeom prst="rect">
             <a:avLst/>
@@ -3149,13 +3549,18 @@
           <a:noFill/>
         </p:spPr>
         <p:txBody>
-          <a:bodyPr wrap="square">
+          <a:bodyPr wrap="square" lIns="127000" rIns="127000" tIns="76200" bIns="76200">
             <a:spAutoFit/>
           </a:bodyPr>
           <a:lstStyle/>
           <a:p>
             <a:pPr>
-              <a:defRPr sz="1800" b="0"/>
+              <a:defRPr sz="1800" b="1">
+                <a:solidFill>
+                  <a:srgbClr val="E2E8F0"/>
+                </a:solidFill>
+                <a:latin typeface="Microsoft YaHei"/>
+              </a:defRPr>
             </a:pPr>
             <a:r>
               <a:t>{{CUSTOMER_LABEL}}</a:t>
@@ -3165,14 +3570,14 @@
       </p:sp>
       <p:sp>
         <p:nvSpPr>
-          <p:cNvPr id="4" name="TextBox 3"/>
+          <p:cNvPr id="13" name="TextBox 12"/>
           <p:cNvSpPr txBox="1"/>
           <p:nvPr/>
         </p:nvSpPr>
         <p:spPr>
           <a:xfrm>
-            <a:off x="457200" y="4023360"/>
-            <a:ext cx="5486400" cy="457200"/>
+            <a:off x="777240" y="4873752"/>
+            <a:ext cx="6766560" cy="411480"/>
           </a:xfrm>
           <a:prstGeom prst="rect">
             <a:avLst/>
@@ -3180,13 +3585,18 @@
           <a:noFill/>
         </p:spPr>
         <p:txBody>
-          <a:bodyPr wrap="square">
+          <a:bodyPr wrap="square" lIns="127000" rIns="127000" tIns="76200" bIns="76200">
             <a:spAutoFit/>
           </a:bodyPr>
           <a:lstStyle/>
           <a:p>
             <a:pPr>
-              <a:defRPr sz="1400" b="0"/>
+              <a:defRPr sz="1400" b="0">
+                <a:solidFill>
+                  <a:srgbClr val="94A3B8"/>
+                </a:solidFill>
+                <a:latin typeface="Microsoft YaHei"/>
+              </a:defRPr>
             </a:pPr>
             <a:r>
               <a:t>{{PERIOD_LABEL}}</a:t>
@@ -3196,14 +3606,14 @@
       </p:sp>
       <p:sp>
         <p:nvSpPr>
-          <p:cNvPr id="5" name="TextBox 4"/>
+          <p:cNvPr id="14" name="TextBox 13"/>
           <p:cNvSpPr txBox="1"/>
           <p:nvPr/>
         </p:nvSpPr>
         <p:spPr>
           <a:xfrm>
-            <a:off x="457200" y="4572000"/>
-            <a:ext cx="5486400" cy="457200"/>
+            <a:off x="777240" y="5330952"/>
+            <a:ext cx="6766560" cy="411480"/>
           </a:xfrm>
           <a:prstGeom prst="rect">
             <a:avLst/>
@@ -3211,7 +3621,7 @@
           <a:noFill/>
         </p:spPr>
         <p:txBody>
-          <a:bodyPr wrap="square">
+          <a:bodyPr wrap="square" lIns="127000" rIns="127000" tIns="76200" bIns="76200">
             <a:spAutoFit/>
           </a:bodyPr>
           <a:lstStyle/>
@@ -3221,6 +3631,7 @@
                 <a:solidFill>
                   <a:srgbClr val="22C55E"/>
                 </a:solidFill>
+                <a:latin typeface="Microsoft YaHei"/>
               </a:defRPr>
             </a:pPr>
             <a:r>
@@ -3231,14 +3642,14 @@
       </p:sp>
       <p:sp>
         <p:nvSpPr>
-          <p:cNvPr id="6" name="TextBox 5"/>
+          <p:cNvPr id="15" name="TextBox 14"/>
           <p:cNvSpPr txBox="1"/>
           <p:nvPr/>
         </p:nvSpPr>
         <p:spPr>
           <a:xfrm>
-            <a:off x="457200" y="5120640"/>
-            <a:ext cx="5486400" cy="457200"/>
+            <a:off x="777240" y="5742432"/>
+            <a:ext cx="6766560" cy="411480"/>
           </a:xfrm>
           <a:prstGeom prst="rect">
             <a:avLst/>
@@ -3246,13 +3657,18 @@
           <a:noFill/>
         </p:spPr>
         <p:txBody>
-          <a:bodyPr wrap="square">
+          <a:bodyPr wrap="square" lIns="127000" rIns="127000" tIns="76200" bIns="76200">
             <a:spAutoFit/>
           </a:bodyPr>
           <a:lstStyle/>
           <a:p>
             <a:pPr>
-              <a:defRPr sz="1200" b="0"/>
+              <a:defRPr sz="1200" b="0">
+                <a:solidFill>
+                  <a:srgbClr val="94A3B8"/>
+                </a:solidFill>
+                <a:latin typeface="Microsoft YaHei"/>
+              </a:defRPr>
             </a:pPr>
             <a:r>
               <a:t>{{CONFIDENTIALITY_LABEL}}</a:t>
@@ -3262,14 +3678,14 @@
       </p:sp>
       <p:sp>
         <p:nvSpPr>
-          <p:cNvPr id="7" name="TextBox 6"/>
+          <p:cNvPr id="16" name="TextBox 15"/>
           <p:cNvSpPr txBox="1"/>
           <p:nvPr/>
         </p:nvSpPr>
         <p:spPr>
           <a:xfrm>
-            <a:off x="457200" y="5943600"/>
-            <a:ext cx="5486400" cy="457200"/>
+            <a:off x="777240" y="6153912"/>
+            <a:ext cx="6766560" cy="411480"/>
           </a:xfrm>
           <a:prstGeom prst="rect">
             <a:avLst/>
@@ -3277,13 +3693,18 @@
           <a:noFill/>
         </p:spPr>
         <p:txBody>
-          <a:bodyPr wrap="square">
+          <a:bodyPr wrap="square" lIns="127000" rIns="127000" tIns="76200" bIns="76200">
             <a:spAutoFit/>
           </a:bodyPr>
           <a:lstStyle/>
           <a:p>
             <a:pPr>
-              <a:defRPr sz="1000" b="0"/>
+              <a:defRPr sz="1000" b="0">
+                <a:solidFill>
+                  <a:srgbClr val="94A3B8"/>
+                </a:solidFill>
+                <a:latin typeface="Microsoft YaHei"/>
+              </a:defRPr>
             </a:pPr>
             <a:r>
               <a:t>{{GENERATED_AT_LABEL}}</a:t>
@@ -3302,6 +3723,14 @@
 <file path=ppt/slides/slide10.xml><?xml version="1.0" encoding="utf-8"?>
 <p:sld xmlns:a="http://schemas.openxmlformats.org/drawingml/2006/main" xmlns:p="http://schemas.openxmlformats.org/presentationml/2006/main" xmlns:r="http://schemas.openxmlformats.org/officeDocument/2006/relationships">
   <p:cSld>
+    <p:bg>
+      <p:bgPr>
+        <a:solidFill>
+          <a:srgbClr val="0B1220"/>
+        </a:solidFill>
+        <a:effectLst/>
+      </p:bgPr>
+    </p:bg>
     <p:spTree>
       <p:nvGrpSpPr>
         <p:cNvPr id="1" name=""/>
@@ -3311,14 +3740,229 @@
       <p:grpSpPr/>
       <p:sp>
         <p:nvSpPr>
-          <p:cNvPr id="2" name="TextBox 1"/>
+          <p:cNvPr id="2" name="Rectangle 1"/>
+          <p:cNvSpPr/>
+          <p:nvPr/>
+        </p:nvSpPr>
+        <p:spPr>
+          <a:xfrm>
+            <a:off x="0" y="0"/>
+            <a:ext cx="12191695" cy="960120"/>
+          </a:xfrm>
+          <a:prstGeom prst="rect">
+            <a:avLst/>
+          </a:prstGeom>
+          <a:solidFill>
+            <a:srgbClr val="0F172A"/>
+          </a:solidFill>
+          <a:ln>
+            <a:noFill/>
+          </a:ln>
+        </p:spPr>
+        <p:style>
+          <a:lnRef idx="1">
+            <a:schemeClr val="accent1"/>
+          </a:lnRef>
+          <a:fillRef idx="3">
+            <a:schemeClr val="accent1"/>
+          </a:fillRef>
+          <a:effectRef idx="2">
+            <a:schemeClr val="accent1"/>
+          </a:effectRef>
+          <a:fontRef idx="minor">
+            <a:schemeClr val="lt1"/>
+          </a:fontRef>
+        </p:style>
+        <p:txBody>
+          <a:bodyPr rtlCol="0" anchor="ctr"/>
+          <a:lstStyle/>
+          <a:p>
+            <a:pPr algn="ctr"/>
+          </a:p>
+        </p:txBody>
+      </p:sp>
+      <p:sp>
+        <p:nvSpPr>
+          <p:cNvPr id="3" name="Rectangle 2"/>
+          <p:cNvSpPr/>
+          <p:nvPr/>
+        </p:nvSpPr>
+        <p:spPr>
+          <a:xfrm>
+            <a:off x="0" y="896112"/>
+            <a:ext cx="12191695" cy="54864"/>
+          </a:xfrm>
+          <a:prstGeom prst="rect">
+            <a:avLst/>
+          </a:prstGeom>
+          <a:solidFill>
+            <a:srgbClr val="22C55E"/>
+          </a:solidFill>
+          <a:ln>
+            <a:noFill/>
+          </a:ln>
+        </p:spPr>
+        <p:style>
+          <a:lnRef idx="1">
+            <a:schemeClr val="accent1"/>
+          </a:lnRef>
+          <a:fillRef idx="3">
+            <a:schemeClr val="accent1"/>
+          </a:fillRef>
+          <a:effectRef idx="2">
+            <a:schemeClr val="accent1"/>
+          </a:effectRef>
+          <a:fontRef idx="minor">
+            <a:schemeClr val="lt1"/>
+          </a:fontRef>
+        </p:style>
+        <p:txBody>
+          <a:bodyPr rtlCol="0" anchor="ctr"/>
+          <a:lstStyle/>
+          <a:p>
+            <a:pPr algn="ctr"/>
+          </a:p>
+        </p:txBody>
+      </p:sp>
+      <p:sp>
+        <p:nvSpPr>
+          <p:cNvPr id="4" name="Oval 3"/>
+          <p:cNvSpPr/>
+          <p:nvPr/>
+        </p:nvSpPr>
+        <p:spPr>
+          <a:xfrm>
+            <a:off x="10241280" y="-731520"/>
+            <a:ext cx="3108960" cy="3108960"/>
+          </a:xfrm>
+          <a:prstGeom prst="ellipse">
+            <a:avLst/>
+          </a:prstGeom>
+          <a:solidFill>
+            <a:srgbClr val="22C55E"/>
+          </a:solidFill>
+          <a:ln>
+            <a:noFill/>
+          </a:ln>
+        </p:spPr>
+        <p:style>
+          <a:lnRef idx="1">
+            <a:schemeClr val="accent1"/>
+          </a:lnRef>
+          <a:fillRef idx="3">
+            <a:schemeClr val="accent1"/>
+          </a:fillRef>
+          <a:effectRef idx="2">
+            <a:schemeClr val="accent1"/>
+          </a:effectRef>
+          <a:fontRef idx="minor">
+            <a:schemeClr val="lt1"/>
+          </a:fontRef>
+        </p:style>
+        <p:txBody>
+          <a:bodyPr rtlCol="0" anchor="ctr"/>
+          <a:lstStyle/>
+          <a:p>
+            <a:pPr algn="ctr"/>
+          </a:p>
+        </p:txBody>
+      </p:sp>
+      <p:sp>
+        <p:nvSpPr>
+          <p:cNvPr id="5" name="Oval 4"/>
+          <p:cNvSpPr/>
+          <p:nvPr/>
+        </p:nvSpPr>
+        <p:spPr>
+          <a:xfrm>
+            <a:off x="-1280160" y="5577840"/>
+            <a:ext cx="2743200" cy="2743200"/>
+          </a:xfrm>
+          <a:prstGeom prst="ellipse">
+            <a:avLst/>
+          </a:prstGeom>
+          <a:solidFill>
+            <a:srgbClr val="3B82F6"/>
+          </a:solidFill>
+          <a:ln>
+            <a:noFill/>
+          </a:ln>
+        </p:spPr>
+        <p:style>
+          <a:lnRef idx="1">
+            <a:schemeClr val="accent1"/>
+          </a:lnRef>
+          <a:fillRef idx="3">
+            <a:schemeClr val="accent1"/>
+          </a:fillRef>
+          <a:effectRef idx="2">
+            <a:schemeClr val="accent1"/>
+          </a:effectRef>
+          <a:fontRef idx="minor">
+            <a:schemeClr val="lt1"/>
+          </a:fontRef>
+        </p:style>
+        <p:txBody>
+          <a:bodyPr rtlCol="0" anchor="ctr"/>
+          <a:lstStyle/>
+          <a:p>
+            <a:pPr algn="ctr"/>
+          </a:p>
+        </p:txBody>
+      </p:sp>
+      <p:sp>
+        <p:nvSpPr>
+          <p:cNvPr id="6" name="Rectangle 5"/>
+          <p:cNvSpPr/>
+          <p:nvPr/>
+        </p:nvSpPr>
+        <p:spPr>
+          <a:xfrm>
+            <a:off x="274320" y="1143000"/>
+            <a:ext cx="11658600" cy="5486400"/>
+          </a:xfrm>
+          <a:prstGeom prst="rect">
+            <a:avLst/>
+          </a:prstGeom>
+          <a:solidFill>
+            <a:srgbClr val="0F172A"/>
+          </a:solidFill>
+          <a:ln>
+            <a:noFill/>
+          </a:ln>
+        </p:spPr>
+        <p:style>
+          <a:lnRef idx="1">
+            <a:schemeClr val="accent1"/>
+          </a:lnRef>
+          <a:fillRef idx="3">
+            <a:schemeClr val="accent1"/>
+          </a:fillRef>
+          <a:effectRef idx="2">
+            <a:schemeClr val="accent1"/>
+          </a:effectRef>
+          <a:fontRef idx="minor">
+            <a:schemeClr val="lt1"/>
+          </a:fontRef>
+        </p:style>
+        <p:txBody>
+          <a:bodyPr rtlCol="0" anchor="ctr"/>
+          <a:lstStyle/>
+          <a:p>
+            <a:pPr algn="ctr"/>
+          </a:p>
+        </p:txBody>
+      </p:sp>
+      <p:sp>
+        <p:nvSpPr>
+          <p:cNvPr id="7" name="TextBox 6"/>
           <p:cNvSpPr txBox="1"/>
           <p:nvPr/>
         </p:nvSpPr>
         <p:spPr>
           <a:xfrm>
-            <a:off x="457200" y="274320"/>
-            <a:ext cx="10972800" cy="548640"/>
+            <a:off x="594360" y="201168"/>
+            <a:ext cx="11247120" cy="621792"/>
           </a:xfrm>
           <a:prstGeom prst="rect">
             <a:avLst/>
@@ -3326,7 +3970,7 @@
           <a:noFill/>
         </p:spPr>
         <p:txBody>
-          <a:bodyPr wrap="square">
+          <a:bodyPr wrap="square" lIns="127000" rIns="127000" tIns="76200" bIns="76200">
             <a:spAutoFit/>
           </a:bodyPr>
           <a:lstStyle/>
@@ -3334,26 +3978,151 @@
             <a:pPr>
               <a:defRPr sz="2800" b="1">
                 <a:solidFill>
+                  <a:srgbClr val="E2E8F0"/>
+                </a:solidFill>
+                <a:latin typeface="Microsoft YaHei"/>
+              </a:defRPr>
+            </a:pPr>
+            <a:r>
+              <a:t>{{SLIDE_TITLE}}</a:t>
+            </a:r>
+          </a:p>
+        </p:txBody>
+      </p:sp>
+      <p:sp>
+        <p:nvSpPr>
+          <p:cNvPr id="8" name="Rounded Rectangle 7"/>
+          <p:cNvSpPr/>
+          <p:nvPr/>
+        </p:nvSpPr>
+        <p:spPr>
+          <a:xfrm>
+            <a:off x="649224" y="1014984"/>
+            <a:ext cx="5532120" cy="1097280"/>
+          </a:xfrm>
+          <a:prstGeom prst="roundRect">
+            <a:avLst/>
+          </a:prstGeom>
+          <a:solidFill>
+            <a:srgbClr val="000000"/>
+          </a:solidFill>
+          <a:ln>
+            <a:noFill/>
+          </a:ln>
+        </p:spPr>
+        <p:style>
+          <a:lnRef idx="1">
+            <a:schemeClr val="accent1"/>
+          </a:lnRef>
+          <a:fillRef idx="3">
+            <a:schemeClr val="accent1"/>
+          </a:fillRef>
+          <a:effectRef idx="2">
+            <a:schemeClr val="accent1"/>
+          </a:effectRef>
+          <a:fontRef idx="minor">
+            <a:schemeClr val="lt1"/>
+          </a:fontRef>
+        </p:style>
+        <p:txBody>
+          <a:bodyPr rtlCol="0" anchor="ctr"/>
+          <a:lstStyle/>
+          <a:p>
+            <a:pPr algn="ctr"/>
+          </a:p>
+        </p:txBody>
+      </p:sp>
+      <p:sp>
+        <p:nvSpPr>
+          <p:cNvPr id="9" name="Rounded Rectangle 8"/>
+          <p:cNvSpPr/>
+          <p:nvPr/>
+        </p:nvSpPr>
+        <p:spPr>
+          <a:xfrm>
+            <a:off x="594360" y="960120"/>
+            <a:ext cx="5532120" cy="1097280"/>
+          </a:xfrm>
+          <a:prstGeom prst="roundRect">
+            <a:avLst/>
+          </a:prstGeom>
+          <a:solidFill>
+            <a:srgbClr val="111827"/>
+          </a:solidFill>
+          <a:ln w="12700">
+            <a:solidFill>
+              <a:srgbClr val="1F2937"/>
+            </a:solidFill>
+          </a:ln>
+        </p:spPr>
+        <p:style>
+          <a:lnRef idx="1">
+            <a:schemeClr val="accent1"/>
+          </a:lnRef>
+          <a:fillRef idx="3">
+            <a:schemeClr val="accent1"/>
+          </a:fillRef>
+          <a:effectRef idx="2">
+            <a:schemeClr val="accent1"/>
+          </a:effectRef>
+          <a:fontRef idx="minor">
+            <a:schemeClr val="lt1"/>
+          </a:fontRef>
+        </p:style>
+        <p:txBody>
+          <a:bodyPr rtlCol="0" anchor="ctr"/>
+          <a:lstStyle/>
+          <a:p>
+            <a:pPr algn="ctr"/>
+          </a:p>
+        </p:txBody>
+      </p:sp>
+      <p:sp>
+        <p:nvSpPr>
+          <p:cNvPr id="10" name="TextBox 9"/>
+          <p:cNvSpPr txBox="1"/>
+          <p:nvPr/>
+        </p:nvSpPr>
+        <p:spPr>
+          <a:xfrm>
+            <a:off x="777240" y="1051560"/>
+            <a:ext cx="5166360" cy="320040"/>
+          </a:xfrm>
+          <a:prstGeom prst="rect">
+            <a:avLst/>
+          </a:prstGeom>
+          <a:noFill/>
+        </p:spPr>
+        <p:txBody>
+          <a:bodyPr wrap="square" lIns="127000" rIns="127000" tIns="76200" bIns="76200">
+            <a:spAutoFit/>
+          </a:bodyPr>
+          <a:lstStyle/>
+          <a:p>
+            <a:pPr>
+              <a:defRPr sz="1200" b="1">
+                <a:solidFill>
                   <a:srgbClr val="22C55E"/>
                 </a:solidFill>
+                <a:latin typeface="Microsoft YaHei"/>
               </a:defRPr>
             </a:pPr>
             <a:r>
-              <a:t>{{SLIDE_TITLE}}</a:t>
-            </a:r>
-          </a:p>
-        </p:txBody>
-      </p:sp>
-      <p:sp>
-        <p:nvSpPr>
-          <p:cNvPr id="3" name="TextBox 2"/>
+              <a:t>{{EVIDENCE_TITLE}}</a:t>
+            </a:r>
+          </a:p>
+        </p:txBody>
+      </p:sp>
+      <p:sp>
+        <p:nvSpPr>
+          <p:cNvPr id="11" name="TextBox 10"/>
           <p:cNvSpPr txBox="1"/>
           <p:nvPr/>
         </p:nvSpPr>
         <p:spPr>
           <a:xfrm>
-            <a:off x="457200" y="914400"/>
-            <a:ext cx="5486400" cy="365760"/>
+            <a:off x="777240" y="1325880"/>
+            <a:ext cx="5166360" cy="685800"/>
           </a:xfrm>
           <a:prstGeom prst="rect">
             <a:avLst/>
@@ -3361,30 +4130,123 @@
           <a:noFill/>
         </p:spPr>
         <p:txBody>
-          <a:bodyPr wrap="square">
+          <a:bodyPr wrap="square" lIns="127000" rIns="127000" tIns="76200" bIns="76200">
             <a:spAutoFit/>
           </a:bodyPr>
           <a:lstStyle/>
           <a:p>
             <a:pPr>
-              <a:defRPr sz="1200" b="1"/>
+              <a:defRPr sz="900" b="0">
+                <a:solidFill>
+                  <a:srgbClr val="E2E8F0"/>
+                </a:solidFill>
+                <a:latin typeface="Microsoft YaHei"/>
+              </a:defRPr>
             </a:pPr>
             <a:r>
-              <a:t>{{EVIDENCE_TITLE}}</a:t>
-            </a:r>
-          </a:p>
-        </p:txBody>
-      </p:sp>
-      <p:sp>
-        <p:nvSpPr>
-          <p:cNvPr id="4" name="TextBox 3"/>
+              <a:t>{{EVIDENCE_INDEX}}</a:t>
+            </a:r>
+          </a:p>
+        </p:txBody>
+      </p:sp>
+      <p:sp>
+        <p:nvSpPr>
+          <p:cNvPr id="12" name="Rounded Rectangle 11"/>
+          <p:cNvSpPr/>
+          <p:nvPr/>
+        </p:nvSpPr>
+        <p:spPr>
+          <a:xfrm>
+            <a:off x="6364224" y="1014984"/>
+            <a:ext cx="5532120" cy="1097280"/>
+          </a:xfrm>
+          <a:prstGeom prst="roundRect">
+            <a:avLst/>
+          </a:prstGeom>
+          <a:solidFill>
+            <a:srgbClr val="000000"/>
+          </a:solidFill>
+          <a:ln>
+            <a:noFill/>
+          </a:ln>
+        </p:spPr>
+        <p:style>
+          <a:lnRef idx="1">
+            <a:schemeClr val="accent1"/>
+          </a:lnRef>
+          <a:fillRef idx="3">
+            <a:schemeClr val="accent1"/>
+          </a:fillRef>
+          <a:effectRef idx="2">
+            <a:schemeClr val="accent1"/>
+          </a:effectRef>
+          <a:fontRef idx="minor">
+            <a:schemeClr val="lt1"/>
+          </a:fontRef>
+        </p:style>
+        <p:txBody>
+          <a:bodyPr rtlCol="0" anchor="ctr"/>
+          <a:lstStyle/>
+          <a:p>
+            <a:pPr algn="ctr"/>
+          </a:p>
+        </p:txBody>
+      </p:sp>
+      <p:sp>
+        <p:nvSpPr>
+          <p:cNvPr id="13" name="Rounded Rectangle 12"/>
+          <p:cNvSpPr/>
+          <p:nvPr/>
+        </p:nvSpPr>
+        <p:spPr>
+          <a:xfrm>
+            <a:off x="6309360" y="960120"/>
+            <a:ext cx="5532120" cy="1097280"/>
+          </a:xfrm>
+          <a:prstGeom prst="roundRect">
+            <a:avLst/>
+          </a:prstGeom>
+          <a:solidFill>
+            <a:srgbClr val="111827"/>
+          </a:solidFill>
+          <a:ln w="12700">
+            <a:solidFill>
+              <a:srgbClr val="1F2937"/>
+            </a:solidFill>
+          </a:ln>
+        </p:spPr>
+        <p:style>
+          <a:lnRef idx="1">
+            <a:schemeClr val="accent1"/>
+          </a:lnRef>
+          <a:fillRef idx="3">
+            <a:schemeClr val="accent1"/>
+          </a:fillRef>
+          <a:effectRef idx="2">
+            <a:schemeClr val="accent1"/>
+          </a:effectRef>
+          <a:fontRef idx="minor">
+            <a:schemeClr val="lt1"/>
+          </a:fontRef>
+        </p:style>
+        <p:txBody>
+          <a:bodyPr rtlCol="0" anchor="ctr"/>
+          <a:lstStyle/>
+          <a:p>
+            <a:pPr algn="ctr"/>
+          </a:p>
+        </p:txBody>
+      </p:sp>
+      <p:sp>
+        <p:nvSpPr>
+          <p:cNvPr id="14" name="TextBox 13"/>
           <p:cNvSpPr txBox="1"/>
           <p:nvPr/>
         </p:nvSpPr>
         <p:spPr>
           <a:xfrm>
-            <a:off x="457200" y="1188720"/>
-            <a:ext cx="5486400" cy="731520"/>
+            <a:off x="6492240" y="1051560"/>
+            <a:ext cx="5166360" cy="320040"/>
           </a:xfrm>
           <a:prstGeom prst="rect">
             <a:avLst/>
@@ -3392,30 +4254,35 @@
           <a:noFill/>
         </p:spPr>
         <p:txBody>
-          <a:bodyPr wrap="square">
+          <a:bodyPr wrap="square" lIns="127000" rIns="127000" tIns="76200" bIns="76200">
             <a:spAutoFit/>
           </a:bodyPr>
           <a:lstStyle/>
           <a:p>
             <a:pPr>
-              <a:defRPr sz="900" b="0"/>
+              <a:defRPr sz="1200" b="1">
+                <a:solidFill>
+                  <a:srgbClr val="22C55E"/>
+                </a:solidFill>
+                <a:latin typeface="Microsoft YaHei"/>
+              </a:defRPr>
             </a:pPr>
             <a:r>
-              <a:t>{{EVIDENCE_INDEX}}</a:t>
-            </a:r>
-          </a:p>
-        </p:txBody>
-      </p:sp>
-      <p:sp>
-        <p:nvSpPr>
-          <p:cNvPr id="5" name="TextBox 4"/>
+              <a:t>{{FRESHNESS_TITLE}}</a:t>
+            </a:r>
+          </a:p>
+        </p:txBody>
+      </p:sp>
+      <p:sp>
+        <p:nvSpPr>
+          <p:cNvPr id="15" name="TextBox 14"/>
           <p:cNvSpPr txBox="1"/>
           <p:nvPr/>
         </p:nvSpPr>
         <p:spPr>
           <a:xfrm>
-            <a:off x="6400800" y="914400"/>
-            <a:ext cx="5029200" cy="365760"/>
+            <a:off x="6492240" y="1325880"/>
+            <a:ext cx="5166360" cy="685800"/>
           </a:xfrm>
           <a:prstGeom prst="rect">
             <a:avLst/>
@@ -3423,30 +4290,123 @@
           <a:noFill/>
         </p:spPr>
         <p:txBody>
-          <a:bodyPr wrap="square">
+          <a:bodyPr wrap="square" lIns="127000" rIns="127000" tIns="76200" bIns="76200">
             <a:spAutoFit/>
           </a:bodyPr>
           <a:lstStyle/>
           <a:p>
             <a:pPr>
-              <a:defRPr sz="1200" b="1"/>
+              <a:defRPr sz="1000" b="0">
+                <a:solidFill>
+                  <a:srgbClr val="E2E8F0"/>
+                </a:solidFill>
+                <a:latin typeface="Microsoft YaHei"/>
+              </a:defRPr>
             </a:pPr>
             <a:r>
-              <a:t>{{FRESHNESS_TITLE}}</a:t>
-            </a:r>
-          </a:p>
-        </p:txBody>
-      </p:sp>
-      <p:sp>
-        <p:nvSpPr>
-          <p:cNvPr id="6" name="TextBox 5"/>
+              <a:t>{{DATA_FRESHNESS}}</a:t>
+            </a:r>
+          </a:p>
+        </p:txBody>
+      </p:sp>
+      <p:sp>
+        <p:nvSpPr>
+          <p:cNvPr id="16" name="Rounded Rectangle 15"/>
+          <p:cNvSpPr/>
+          <p:nvPr/>
+        </p:nvSpPr>
+        <p:spPr>
+          <a:xfrm>
+            <a:off x="649224" y="2203704"/>
+            <a:ext cx="11247120" cy="777240"/>
+          </a:xfrm>
+          <a:prstGeom prst="roundRect">
+            <a:avLst/>
+          </a:prstGeom>
+          <a:solidFill>
+            <a:srgbClr val="000000"/>
+          </a:solidFill>
+          <a:ln>
+            <a:noFill/>
+          </a:ln>
+        </p:spPr>
+        <p:style>
+          <a:lnRef idx="1">
+            <a:schemeClr val="accent1"/>
+          </a:lnRef>
+          <a:fillRef idx="3">
+            <a:schemeClr val="accent1"/>
+          </a:fillRef>
+          <a:effectRef idx="2">
+            <a:schemeClr val="accent1"/>
+          </a:effectRef>
+          <a:fontRef idx="minor">
+            <a:schemeClr val="lt1"/>
+          </a:fontRef>
+        </p:style>
+        <p:txBody>
+          <a:bodyPr rtlCol="0" anchor="ctr"/>
+          <a:lstStyle/>
+          <a:p>
+            <a:pPr algn="ctr"/>
+          </a:p>
+        </p:txBody>
+      </p:sp>
+      <p:sp>
+        <p:nvSpPr>
+          <p:cNvPr id="17" name="Rounded Rectangle 16"/>
+          <p:cNvSpPr/>
+          <p:nvPr/>
+        </p:nvSpPr>
+        <p:spPr>
+          <a:xfrm>
+            <a:off x="594360" y="2148840"/>
+            <a:ext cx="11247120" cy="777240"/>
+          </a:xfrm>
+          <a:prstGeom prst="roundRect">
+            <a:avLst/>
+          </a:prstGeom>
+          <a:solidFill>
+            <a:srgbClr val="111827"/>
+          </a:solidFill>
+          <a:ln w="12700">
+            <a:solidFill>
+              <a:srgbClr val="1F2937"/>
+            </a:solidFill>
+          </a:ln>
+        </p:spPr>
+        <p:style>
+          <a:lnRef idx="1">
+            <a:schemeClr val="accent1"/>
+          </a:lnRef>
+          <a:fillRef idx="3">
+            <a:schemeClr val="accent1"/>
+          </a:fillRef>
+          <a:effectRef idx="2">
+            <a:schemeClr val="accent1"/>
+          </a:effectRef>
+          <a:fontRef idx="minor">
+            <a:schemeClr val="lt1"/>
+          </a:fontRef>
+        </p:style>
+        <p:txBody>
+          <a:bodyPr rtlCol="0" anchor="ctr"/>
+          <a:lstStyle/>
+          <a:p>
+            <a:pPr algn="ctr"/>
+          </a:p>
+        </p:txBody>
+      </p:sp>
+      <p:sp>
+        <p:nvSpPr>
+          <p:cNvPr id="18" name="TextBox 17"/>
           <p:cNvSpPr txBox="1"/>
           <p:nvPr/>
         </p:nvSpPr>
         <p:spPr>
           <a:xfrm>
-            <a:off x="6400800" y="1188720"/>
-            <a:ext cx="5029200" cy="365760"/>
+            <a:off x="777240" y="2240280"/>
+            <a:ext cx="3108960" cy="320040"/>
           </a:xfrm>
           <a:prstGeom prst="rect">
             <a:avLst/>
@@ -3454,30 +4414,35 @@
           <a:noFill/>
         </p:spPr>
         <p:txBody>
-          <a:bodyPr wrap="square">
+          <a:bodyPr wrap="square" lIns="127000" rIns="127000" tIns="76200" bIns="76200">
             <a:spAutoFit/>
           </a:bodyPr>
           <a:lstStyle/>
           <a:p>
             <a:pPr>
-              <a:defRPr sz="1000" b="0"/>
+              <a:defRPr sz="1200" b="1">
+                <a:solidFill>
+                  <a:srgbClr val="22C55E"/>
+                </a:solidFill>
+                <a:latin typeface="Microsoft YaHei"/>
+              </a:defRPr>
             </a:pPr>
             <a:r>
-              <a:t>{{DATA_FRESHNESS}}</a:t>
-            </a:r>
-          </a:p>
-        </p:txBody>
-      </p:sp>
-      <p:sp>
-        <p:nvSpPr>
-          <p:cNvPr id="7" name="TextBox 6"/>
+              <a:t>{{DATA_SCOPE_TITLE}}</a:t>
+            </a:r>
+          </a:p>
+        </p:txBody>
+      </p:sp>
+      <p:sp>
+        <p:nvSpPr>
+          <p:cNvPr id="19" name="TextBox 18"/>
           <p:cNvSpPr txBox="1"/>
           <p:nvPr/>
         </p:nvSpPr>
         <p:spPr>
           <a:xfrm>
-            <a:off x="457200" y="2011680"/>
-            <a:ext cx="10972800" cy="365760"/>
+            <a:off x="3886200" y="2240280"/>
+            <a:ext cx="7955279" cy="502920"/>
           </a:xfrm>
           <a:prstGeom prst="rect">
             <a:avLst/>
@@ -3485,30 +4450,123 @@
           <a:noFill/>
         </p:spPr>
         <p:txBody>
-          <a:bodyPr wrap="square">
+          <a:bodyPr wrap="square" lIns="127000" rIns="127000" tIns="76200" bIns="76200">
             <a:spAutoFit/>
           </a:bodyPr>
           <a:lstStyle/>
           <a:p>
             <a:pPr>
-              <a:defRPr sz="1200" b="1"/>
+              <a:defRPr sz="1000" b="0">
+                <a:solidFill>
+                  <a:srgbClr val="E2E8F0"/>
+                </a:solidFill>
+                <a:latin typeface="Microsoft YaHei"/>
+              </a:defRPr>
             </a:pPr>
             <a:r>
-              <a:t>{{DATA_SCOPE_TITLE}}</a:t>
-            </a:r>
-          </a:p>
-        </p:txBody>
-      </p:sp>
-      <p:sp>
-        <p:nvSpPr>
-          <p:cNvPr id="8" name="TextBox 7"/>
+              <a:t>{{DATA_SCOPE_NOTES}}</a:t>
+            </a:r>
+          </a:p>
+        </p:txBody>
+      </p:sp>
+      <p:sp>
+        <p:nvSpPr>
+          <p:cNvPr id="20" name="Rounded Rectangle 19"/>
+          <p:cNvSpPr/>
+          <p:nvPr/>
+        </p:nvSpPr>
+        <p:spPr>
+          <a:xfrm>
+            <a:off x="649224" y="3072384"/>
+            <a:ext cx="5532120" cy="1234440"/>
+          </a:xfrm>
+          <a:prstGeom prst="roundRect">
+            <a:avLst/>
+          </a:prstGeom>
+          <a:solidFill>
+            <a:srgbClr val="000000"/>
+          </a:solidFill>
+          <a:ln>
+            <a:noFill/>
+          </a:ln>
+        </p:spPr>
+        <p:style>
+          <a:lnRef idx="1">
+            <a:schemeClr val="accent1"/>
+          </a:lnRef>
+          <a:fillRef idx="3">
+            <a:schemeClr val="accent1"/>
+          </a:fillRef>
+          <a:effectRef idx="2">
+            <a:schemeClr val="accent1"/>
+          </a:effectRef>
+          <a:fontRef idx="minor">
+            <a:schemeClr val="lt1"/>
+          </a:fontRef>
+        </p:style>
+        <p:txBody>
+          <a:bodyPr rtlCol="0" anchor="ctr"/>
+          <a:lstStyle/>
+          <a:p>
+            <a:pPr algn="ctr"/>
+          </a:p>
+        </p:txBody>
+      </p:sp>
+      <p:sp>
+        <p:nvSpPr>
+          <p:cNvPr id="21" name="Rounded Rectangle 20"/>
+          <p:cNvSpPr/>
+          <p:nvPr/>
+        </p:nvSpPr>
+        <p:spPr>
+          <a:xfrm>
+            <a:off x="594360" y="3017520"/>
+            <a:ext cx="5532120" cy="1234440"/>
+          </a:xfrm>
+          <a:prstGeom prst="roundRect">
+            <a:avLst/>
+          </a:prstGeom>
+          <a:solidFill>
+            <a:srgbClr val="111827"/>
+          </a:solidFill>
+          <a:ln w="12700">
+            <a:solidFill>
+              <a:srgbClr val="1F2937"/>
+            </a:solidFill>
+          </a:ln>
+        </p:spPr>
+        <p:style>
+          <a:lnRef idx="1">
+            <a:schemeClr val="accent1"/>
+          </a:lnRef>
+          <a:fillRef idx="3">
+            <a:schemeClr val="accent1"/>
+          </a:fillRef>
+          <a:effectRef idx="2">
+            <a:schemeClr val="accent1"/>
+          </a:effectRef>
+          <a:fontRef idx="minor">
+            <a:schemeClr val="lt1"/>
+          </a:fontRef>
+        </p:style>
+        <p:txBody>
+          <a:bodyPr rtlCol="0" anchor="ctr"/>
+          <a:lstStyle/>
+          <a:p>
+            <a:pPr algn="ctr"/>
+          </a:p>
+        </p:txBody>
+      </p:sp>
+      <p:sp>
+        <p:nvSpPr>
+          <p:cNvPr id="22" name="TextBox 21"/>
           <p:cNvSpPr txBox="1"/>
           <p:nvPr/>
         </p:nvSpPr>
         <p:spPr>
           <a:xfrm>
-            <a:off x="457200" y="2377440"/>
-            <a:ext cx="10972800" cy="548640"/>
+            <a:off x="777240" y="3108960"/>
+            <a:ext cx="5166360" cy="320040"/>
           </a:xfrm>
           <a:prstGeom prst="rect">
             <a:avLst/>
@@ -3516,30 +4574,35 @@
           <a:noFill/>
         </p:spPr>
         <p:txBody>
-          <a:bodyPr wrap="square">
+          <a:bodyPr wrap="square" lIns="127000" rIns="127000" tIns="76200" bIns="76200">
             <a:spAutoFit/>
           </a:bodyPr>
           <a:lstStyle/>
           <a:p>
             <a:pPr>
-              <a:defRPr sz="1000" b="0"/>
+              <a:defRPr sz="1200" b="1">
+                <a:solidFill>
+                  <a:srgbClr val="22C55E"/>
+                </a:solidFill>
+                <a:latin typeface="Microsoft YaHei"/>
+              </a:defRPr>
             </a:pPr>
             <a:r>
-              <a:t>{{DATA_SCOPE_NOTES}}</a:t>
-            </a:r>
-          </a:p>
-        </p:txBody>
-      </p:sp>
-      <p:sp>
-        <p:nvSpPr>
-          <p:cNvPr id="9" name="TextBox 8"/>
+              <a:t>{{VULN_NOTES_TITLE}}</a:t>
+            </a:r>
+          </a:p>
+        </p:txBody>
+      </p:sp>
+      <p:sp>
+        <p:nvSpPr>
+          <p:cNvPr id="23" name="TextBox 22"/>
           <p:cNvSpPr txBox="1"/>
           <p:nvPr/>
         </p:nvSpPr>
         <p:spPr>
           <a:xfrm>
-            <a:off x="457200" y="3108960"/>
-            <a:ext cx="5486400" cy="365760"/>
+            <a:off x="777240" y="3383280"/>
+            <a:ext cx="5166360" cy="777240"/>
           </a:xfrm>
           <a:prstGeom prst="rect">
             <a:avLst/>
@@ -3547,30 +4610,123 @@
           <a:noFill/>
         </p:spPr>
         <p:txBody>
-          <a:bodyPr wrap="square">
+          <a:bodyPr wrap="square" lIns="127000" rIns="127000" tIns="76200" bIns="76200">
             <a:spAutoFit/>
           </a:bodyPr>
           <a:lstStyle/>
           <a:p>
             <a:pPr>
-              <a:defRPr sz="1200" b="1"/>
+              <a:defRPr sz="1000" b="0">
+                <a:solidFill>
+                  <a:srgbClr val="E2E8F0"/>
+                </a:solidFill>
+                <a:latin typeface="Microsoft YaHei"/>
+              </a:defRPr>
             </a:pPr>
             <a:r>
-              <a:t>{{VULN_NOTES_TITLE}}</a:t>
-            </a:r>
-          </a:p>
-        </p:txBody>
-      </p:sp>
-      <p:sp>
-        <p:nvSpPr>
-          <p:cNvPr id="10" name="TextBox 9"/>
+              <a:t>{{VULN_NOTES}}</a:t>
+            </a:r>
+          </a:p>
+        </p:txBody>
+      </p:sp>
+      <p:sp>
+        <p:nvSpPr>
+          <p:cNvPr id="24" name="Rounded Rectangle 23"/>
+          <p:cNvSpPr/>
+          <p:nvPr/>
+        </p:nvSpPr>
+        <p:spPr>
+          <a:xfrm>
+            <a:off x="6364224" y="3072384"/>
+            <a:ext cx="5532120" cy="1234440"/>
+          </a:xfrm>
+          <a:prstGeom prst="roundRect">
+            <a:avLst/>
+          </a:prstGeom>
+          <a:solidFill>
+            <a:srgbClr val="000000"/>
+          </a:solidFill>
+          <a:ln>
+            <a:noFill/>
+          </a:ln>
+        </p:spPr>
+        <p:style>
+          <a:lnRef idx="1">
+            <a:schemeClr val="accent1"/>
+          </a:lnRef>
+          <a:fillRef idx="3">
+            <a:schemeClr val="accent1"/>
+          </a:fillRef>
+          <a:effectRef idx="2">
+            <a:schemeClr val="accent1"/>
+          </a:effectRef>
+          <a:fontRef idx="minor">
+            <a:schemeClr val="lt1"/>
+          </a:fontRef>
+        </p:style>
+        <p:txBody>
+          <a:bodyPr rtlCol="0" anchor="ctr"/>
+          <a:lstStyle/>
+          <a:p>
+            <a:pPr algn="ctr"/>
+          </a:p>
+        </p:txBody>
+      </p:sp>
+      <p:sp>
+        <p:nvSpPr>
+          <p:cNvPr id="25" name="Rounded Rectangle 24"/>
+          <p:cNvSpPr/>
+          <p:nvPr/>
+        </p:nvSpPr>
+        <p:spPr>
+          <a:xfrm>
+            <a:off x="6309360" y="3017520"/>
+            <a:ext cx="5532120" cy="1234440"/>
+          </a:xfrm>
+          <a:prstGeom prst="roundRect">
+            <a:avLst/>
+          </a:prstGeom>
+          <a:solidFill>
+            <a:srgbClr val="111827"/>
+          </a:solidFill>
+          <a:ln w="12700">
+            <a:solidFill>
+              <a:srgbClr val="1F2937"/>
+            </a:solidFill>
+          </a:ln>
+        </p:spPr>
+        <p:style>
+          <a:lnRef idx="1">
+            <a:schemeClr val="accent1"/>
+          </a:lnRef>
+          <a:fillRef idx="3">
+            <a:schemeClr val="accent1"/>
+          </a:fillRef>
+          <a:effectRef idx="2">
+            <a:schemeClr val="accent1"/>
+          </a:effectRef>
+          <a:fontRef idx="minor">
+            <a:schemeClr val="lt1"/>
+          </a:fontRef>
+        </p:style>
+        <p:txBody>
+          <a:bodyPr rtlCol="0" anchor="ctr"/>
+          <a:lstStyle/>
+          <a:p>
+            <a:pPr algn="ctr"/>
+          </a:p>
+        </p:txBody>
+      </p:sp>
+      <p:sp>
+        <p:nvSpPr>
+          <p:cNvPr id="26" name="TextBox 25"/>
           <p:cNvSpPr txBox="1"/>
           <p:nvPr/>
         </p:nvSpPr>
         <p:spPr>
           <a:xfrm>
-            <a:off x="457200" y="3383280"/>
-            <a:ext cx="5486400" cy="365760"/>
+            <a:off x="6492240" y="3108960"/>
+            <a:ext cx="5166360" cy="320040"/>
           </a:xfrm>
           <a:prstGeom prst="rect">
             <a:avLst/>
@@ -3578,30 +4734,35 @@
           <a:noFill/>
         </p:spPr>
         <p:txBody>
-          <a:bodyPr wrap="square">
+          <a:bodyPr wrap="square" lIns="127000" rIns="127000" tIns="76200" bIns="76200">
             <a:spAutoFit/>
           </a:bodyPr>
           <a:lstStyle/>
           <a:p>
             <a:pPr>
-              <a:defRPr sz="1000" b="0"/>
+              <a:defRPr sz="1200" b="1">
+                <a:solidFill>
+                  <a:srgbClr val="22C55E"/>
+                </a:solidFill>
+                <a:latin typeface="Microsoft YaHei"/>
+              </a:defRPr>
             </a:pPr>
             <a:r>
-              <a:t>{{VULN_NOTES}}</a:t>
-            </a:r>
-          </a:p>
-        </p:txBody>
-      </p:sp>
-      <p:sp>
-        <p:nvSpPr>
-          <p:cNvPr id="11" name="TextBox 10"/>
+              <a:t>{{EVIDENCE_NOTES_TITLE}}</a:t>
+            </a:r>
+          </a:p>
+        </p:txBody>
+      </p:sp>
+      <p:sp>
+        <p:nvSpPr>
+          <p:cNvPr id="27" name="TextBox 26"/>
           <p:cNvSpPr txBox="1"/>
           <p:nvPr/>
         </p:nvSpPr>
         <p:spPr>
           <a:xfrm>
-            <a:off x="6400800" y="3108960"/>
-            <a:ext cx="5029200" cy="365760"/>
+            <a:off x="6492240" y="3383280"/>
+            <a:ext cx="5166360" cy="777240"/>
           </a:xfrm>
           <a:prstGeom prst="rect">
             <a:avLst/>
@@ -3609,30 +4770,123 @@
           <a:noFill/>
         </p:spPr>
         <p:txBody>
-          <a:bodyPr wrap="square">
+          <a:bodyPr wrap="square" lIns="127000" rIns="127000" tIns="76200" bIns="76200">
             <a:spAutoFit/>
           </a:bodyPr>
           <a:lstStyle/>
           <a:p>
             <a:pPr>
-              <a:defRPr sz="1200" b="1"/>
+              <a:defRPr sz="1000" b="0">
+                <a:solidFill>
+                  <a:srgbClr val="E2E8F0"/>
+                </a:solidFill>
+                <a:latin typeface="Microsoft YaHei"/>
+              </a:defRPr>
             </a:pPr>
             <a:r>
-              <a:t>{{EVIDENCE_NOTES_TITLE}}</a:t>
-            </a:r>
-          </a:p>
-        </p:txBody>
-      </p:sp>
-      <p:sp>
-        <p:nvSpPr>
-          <p:cNvPr id="12" name="TextBox 11"/>
+              <a:t>{{EVIDENCE_NOTES}}</a:t>
+            </a:r>
+          </a:p>
+        </p:txBody>
+      </p:sp>
+      <p:sp>
+        <p:nvSpPr>
+          <p:cNvPr id="28" name="Rounded Rectangle 27"/>
+          <p:cNvSpPr/>
+          <p:nvPr/>
+        </p:nvSpPr>
+        <p:spPr>
+          <a:xfrm>
+            <a:off x="649224" y="4398264"/>
+            <a:ext cx="5532120" cy="1051560"/>
+          </a:xfrm>
+          <a:prstGeom prst="roundRect">
+            <a:avLst/>
+          </a:prstGeom>
+          <a:solidFill>
+            <a:srgbClr val="000000"/>
+          </a:solidFill>
+          <a:ln>
+            <a:noFill/>
+          </a:ln>
+        </p:spPr>
+        <p:style>
+          <a:lnRef idx="1">
+            <a:schemeClr val="accent1"/>
+          </a:lnRef>
+          <a:fillRef idx="3">
+            <a:schemeClr val="accent1"/>
+          </a:fillRef>
+          <a:effectRef idx="2">
+            <a:schemeClr val="accent1"/>
+          </a:effectRef>
+          <a:fontRef idx="minor">
+            <a:schemeClr val="lt1"/>
+          </a:fontRef>
+        </p:style>
+        <p:txBody>
+          <a:bodyPr rtlCol="0" anchor="ctr"/>
+          <a:lstStyle/>
+          <a:p>
+            <a:pPr algn="ctr"/>
+          </a:p>
+        </p:txBody>
+      </p:sp>
+      <p:sp>
+        <p:nvSpPr>
+          <p:cNvPr id="29" name="Rounded Rectangle 28"/>
+          <p:cNvSpPr/>
+          <p:nvPr/>
+        </p:nvSpPr>
+        <p:spPr>
+          <a:xfrm>
+            <a:off x="594360" y="4343400"/>
+            <a:ext cx="5532120" cy="1051560"/>
+          </a:xfrm>
+          <a:prstGeom prst="roundRect">
+            <a:avLst/>
+          </a:prstGeom>
+          <a:solidFill>
+            <a:srgbClr val="111827"/>
+          </a:solidFill>
+          <a:ln w="12700">
+            <a:solidFill>
+              <a:srgbClr val="1F2937"/>
+            </a:solidFill>
+          </a:ln>
+        </p:spPr>
+        <p:style>
+          <a:lnRef idx="1">
+            <a:schemeClr val="accent1"/>
+          </a:lnRef>
+          <a:fillRef idx="3">
+            <a:schemeClr val="accent1"/>
+          </a:fillRef>
+          <a:effectRef idx="2">
+            <a:schemeClr val="accent1"/>
+          </a:effectRef>
+          <a:fontRef idx="minor">
+            <a:schemeClr val="lt1"/>
+          </a:fontRef>
+        </p:style>
+        <p:txBody>
+          <a:bodyPr rtlCol="0" anchor="ctr"/>
+          <a:lstStyle/>
+          <a:p>
+            <a:pPr algn="ctr"/>
+          </a:p>
+        </p:txBody>
+      </p:sp>
+      <p:sp>
+        <p:nvSpPr>
+          <p:cNvPr id="30" name="TextBox 29"/>
           <p:cNvSpPr txBox="1"/>
           <p:nvPr/>
         </p:nvSpPr>
         <p:spPr>
           <a:xfrm>
-            <a:off x="6400800" y="3383280"/>
-            <a:ext cx="5029200" cy="365760"/>
+            <a:off x="777240" y="4434840"/>
+            <a:ext cx="5166360" cy="320040"/>
           </a:xfrm>
           <a:prstGeom prst="rect">
             <a:avLst/>
@@ -3640,30 +4894,35 @@
           <a:noFill/>
         </p:spPr>
         <p:txBody>
-          <a:bodyPr wrap="square">
+          <a:bodyPr wrap="square" lIns="127000" rIns="127000" tIns="76200" bIns="76200">
             <a:spAutoFit/>
           </a:bodyPr>
           <a:lstStyle/>
           <a:p>
             <a:pPr>
-              <a:defRPr sz="1000" b="0"/>
+              <a:defRPr sz="1200" b="1">
+                <a:solidFill>
+                  <a:srgbClr val="22C55E"/>
+                </a:solidFill>
+                <a:latin typeface="Microsoft YaHei"/>
+              </a:defRPr>
             </a:pPr>
             <a:r>
-              <a:t>{{EVIDENCE_NOTES}}</a:t>
-            </a:r>
-          </a:p>
-        </p:txBody>
-      </p:sp>
-      <p:sp>
-        <p:nvSpPr>
-          <p:cNvPr id="13" name="TextBox 12"/>
+              <a:t>{{ASSETS_TITLE}}</a:t>
+            </a:r>
+          </a:p>
+        </p:txBody>
+      </p:sp>
+      <p:sp>
+        <p:nvSpPr>
+          <p:cNvPr id="31" name="TextBox 30"/>
           <p:cNvSpPr txBox="1"/>
           <p:nvPr/>
         </p:nvSpPr>
         <p:spPr>
           <a:xfrm>
-            <a:off x="457200" y="3931920"/>
-            <a:ext cx="5486400" cy="365760"/>
+            <a:off x="777240" y="4709160"/>
+            <a:ext cx="5166360" cy="594360"/>
           </a:xfrm>
           <a:prstGeom prst="rect">
             <a:avLst/>
@@ -3671,30 +4930,123 @@
           <a:noFill/>
         </p:spPr>
         <p:txBody>
-          <a:bodyPr wrap="square">
+          <a:bodyPr wrap="square" lIns="127000" rIns="127000" tIns="76200" bIns="76200">
             <a:spAutoFit/>
           </a:bodyPr>
           <a:lstStyle/>
           <a:p>
             <a:pPr>
-              <a:defRPr sz="1200" b="1"/>
+              <a:defRPr sz="1000" b="0">
+                <a:solidFill>
+                  <a:srgbClr val="E2E8F0"/>
+                </a:solidFill>
+                <a:latin typeface="Microsoft YaHei"/>
+              </a:defRPr>
             </a:pPr>
             <a:r>
-              <a:t>{{ASSETS_TITLE}}</a:t>
-            </a:r>
-          </a:p>
-        </p:txBody>
-      </p:sp>
-      <p:sp>
-        <p:nvSpPr>
-          <p:cNvPr id="14" name="TextBox 13"/>
+              <a:t>{{ASSET_GROUPS_LIST}}</a:t>
+            </a:r>
+          </a:p>
+        </p:txBody>
+      </p:sp>
+      <p:sp>
+        <p:nvSpPr>
+          <p:cNvPr id="32" name="Rounded Rectangle 31"/>
+          <p:cNvSpPr/>
+          <p:nvPr/>
+        </p:nvSpPr>
+        <p:spPr>
+          <a:xfrm>
+            <a:off x="6364224" y="4398264"/>
+            <a:ext cx="5532120" cy="1051560"/>
+          </a:xfrm>
+          <a:prstGeom prst="roundRect">
+            <a:avLst/>
+          </a:prstGeom>
+          <a:solidFill>
+            <a:srgbClr val="000000"/>
+          </a:solidFill>
+          <a:ln>
+            <a:noFill/>
+          </a:ln>
+        </p:spPr>
+        <p:style>
+          <a:lnRef idx="1">
+            <a:schemeClr val="accent1"/>
+          </a:lnRef>
+          <a:fillRef idx="3">
+            <a:schemeClr val="accent1"/>
+          </a:fillRef>
+          <a:effectRef idx="2">
+            <a:schemeClr val="accent1"/>
+          </a:effectRef>
+          <a:fontRef idx="minor">
+            <a:schemeClr val="lt1"/>
+          </a:fontRef>
+        </p:style>
+        <p:txBody>
+          <a:bodyPr rtlCol="0" anchor="ctr"/>
+          <a:lstStyle/>
+          <a:p>
+            <a:pPr algn="ctr"/>
+          </a:p>
+        </p:txBody>
+      </p:sp>
+      <p:sp>
+        <p:nvSpPr>
+          <p:cNvPr id="33" name="Rounded Rectangle 32"/>
+          <p:cNvSpPr/>
+          <p:nvPr/>
+        </p:nvSpPr>
+        <p:spPr>
+          <a:xfrm>
+            <a:off x="6309360" y="4343400"/>
+            <a:ext cx="5532120" cy="1051560"/>
+          </a:xfrm>
+          <a:prstGeom prst="roundRect">
+            <a:avLst/>
+          </a:prstGeom>
+          <a:solidFill>
+            <a:srgbClr val="111827"/>
+          </a:solidFill>
+          <a:ln w="12700">
+            <a:solidFill>
+              <a:srgbClr val="1F2937"/>
+            </a:solidFill>
+          </a:ln>
+        </p:spPr>
+        <p:style>
+          <a:lnRef idx="1">
+            <a:schemeClr val="accent1"/>
+          </a:lnRef>
+          <a:fillRef idx="3">
+            <a:schemeClr val="accent1"/>
+          </a:fillRef>
+          <a:effectRef idx="2">
+            <a:schemeClr val="accent1"/>
+          </a:effectRef>
+          <a:fontRef idx="minor">
+            <a:schemeClr val="lt1"/>
+          </a:fontRef>
+        </p:style>
+        <p:txBody>
+          <a:bodyPr rtlCol="0" anchor="ctr"/>
+          <a:lstStyle/>
+          <a:p>
+            <a:pPr algn="ctr"/>
+          </a:p>
+        </p:txBody>
+      </p:sp>
+      <p:sp>
+        <p:nvSpPr>
+          <p:cNvPr id="34" name="TextBox 33"/>
           <p:cNvSpPr txBox="1"/>
           <p:nvPr/>
         </p:nvSpPr>
         <p:spPr>
           <a:xfrm>
-            <a:off x="457200" y="4206240"/>
-            <a:ext cx="5486400" cy="731520"/>
+            <a:off x="6492240" y="4434840"/>
+            <a:ext cx="5166360" cy="320040"/>
           </a:xfrm>
           <a:prstGeom prst="rect">
             <a:avLst/>
@@ -3702,30 +5054,35 @@
           <a:noFill/>
         </p:spPr>
         <p:txBody>
-          <a:bodyPr wrap="square">
+          <a:bodyPr wrap="square" lIns="127000" rIns="127000" tIns="76200" bIns="76200">
             <a:spAutoFit/>
           </a:bodyPr>
           <a:lstStyle/>
           <a:p>
             <a:pPr>
-              <a:defRPr sz="1000" b="0"/>
+              <a:defRPr sz="1200" b="1">
+                <a:solidFill>
+                  <a:srgbClr val="22C55E"/>
+                </a:solidFill>
+                <a:latin typeface="Microsoft YaHei"/>
+              </a:defRPr>
             </a:pPr>
             <a:r>
-              <a:t>{{ASSET_GROUPS_LIST}}</a:t>
-            </a:r>
-          </a:p>
-        </p:txBody>
-      </p:sp>
-      <p:sp>
-        <p:nvSpPr>
-          <p:cNvPr id="15" name="TextBox 14"/>
+              <a:t>{{SERVICES_TITLE}}</a:t>
+            </a:r>
+          </a:p>
+        </p:txBody>
+      </p:sp>
+      <p:sp>
+        <p:nvSpPr>
+          <p:cNvPr id="35" name="TextBox 34"/>
           <p:cNvSpPr txBox="1"/>
           <p:nvPr/>
         </p:nvSpPr>
         <p:spPr>
           <a:xfrm>
-            <a:off x="6400800" y="3931920"/>
-            <a:ext cx="5029200" cy="365760"/>
+            <a:off x="6492240" y="4709160"/>
+            <a:ext cx="5166360" cy="594360"/>
           </a:xfrm>
           <a:prstGeom prst="rect">
             <a:avLst/>
@@ -3733,30 +5090,123 @@
           <a:noFill/>
         </p:spPr>
         <p:txBody>
-          <a:bodyPr wrap="square">
+          <a:bodyPr wrap="square" lIns="127000" rIns="127000" tIns="76200" bIns="76200">
             <a:spAutoFit/>
           </a:bodyPr>
           <a:lstStyle/>
           <a:p>
             <a:pPr>
-              <a:defRPr sz="1200" b="1"/>
+              <a:defRPr sz="1000" b="0">
+                <a:solidFill>
+                  <a:srgbClr val="E2E8F0"/>
+                </a:solidFill>
+                <a:latin typeface="Microsoft YaHei"/>
+              </a:defRPr>
             </a:pPr>
             <a:r>
-              <a:t>{{SERVICES_TITLE}}</a:t>
-            </a:r>
-          </a:p>
-        </p:txBody>
-      </p:sp>
-      <p:sp>
-        <p:nvSpPr>
-          <p:cNvPr id="16" name="TextBox 15"/>
+              <a:t>{{KEY_SERVICES_LIST}}</a:t>
+            </a:r>
+          </a:p>
+        </p:txBody>
+      </p:sp>
+      <p:sp>
+        <p:nvSpPr>
+          <p:cNvPr id="36" name="Rounded Rectangle 35"/>
+          <p:cNvSpPr/>
+          <p:nvPr/>
+        </p:nvSpPr>
+        <p:spPr>
+          <a:xfrm>
+            <a:off x="649224" y="5541264"/>
+            <a:ext cx="11247120" cy="1325880"/>
+          </a:xfrm>
+          <a:prstGeom prst="roundRect">
+            <a:avLst/>
+          </a:prstGeom>
+          <a:solidFill>
+            <a:srgbClr val="000000"/>
+          </a:solidFill>
+          <a:ln>
+            <a:noFill/>
+          </a:ln>
+        </p:spPr>
+        <p:style>
+          <a:lnRef idx="1">
+            <a:schemeClr val="accent1"/>
+          </a:lnRef>
+          <a:fillRef idx="3">
+            <a:schemeClr val="accent1"/>
+          </a:fillRef>
+          <a:effectRef idx="2">
+            <a:schemeClr val="accent1"/>
+          </a:effectRef>
+          <a:fontRef idx="minor">
+            <a:schemeClr val="lt1"/>
+          </a:fontRef>
+        </p:style>
+        <p:txBody>
+          <a:bodyPr rtlCol="0" anchor="ctr"/>
+          <a:lstStyle/>
+          <a:p>
+            <a:pPr algn="ctr"/>
+          </a:p>
+        </p:txBody>
+      </p:sp>
+      <p:sp>
+        <p:nvSpPr>
+          <p:cNvPr id="37" name="Rounded Rectangle 36"/>
+          <p:cNvSpPr/>
+          <p:nvPr/>
+        </p:nvSpPr>
+        <p:spPr>
+          <a:xfrm>
+            <a:off x="594360" y="5486400"/>
+            <a:ext cx="11247120" cy="1325880"/>
+          </a:xfrm>
+          <a:prstGeom prst="roundRect">
+            <a:avLst/>
+          </a:prstGeom>
+          <a:solidFill>
+            <a:srgbClr val="111827"/>
+          </a:solidFill>
+          <a:ln w="12700">
+            <a:solidFill>
+              <a:srgbClr val="1F2937"/>
+            </a:solidFill>
+          </a:ln>
+        </p:spPr>
+        <p:style>
+          <a:lnRef idx="1">
+            <a:schemeClr val="accent1"/>
+          </a:lnRef>
+          <a:fillRef idx="3">
+            <a:schemeClr val="accent1"/>
+          </a:fillRef>
+          <a:effectRef idx="2">
+            <a:schemeClr val="accent1"/>
+          </a:effectRef>
+          <a:fontRef idx="minor">
+            <a:schemeClr val="lt1"/>
+          </a:fontRef>
+        </p:style>
+        <p:txBody>
+          <a:bodyPr rtlCol="0" anchor="ctr"/>
+          <a:lstStyle/>
+          <a:p>
+            <a:pPr algn="ctr"/>
+          </a:p>
+        </p:txBody>
+      </p:sp>
+      <p:sp>
+        <p:nvSpPr>
+          <p:cNvPr id="38" name="TextBox 37"/>
           <p:cNvSpPr txBox="1"/>
           <p:nvPr/>
         </p:nvSpPr>
         <p:spPr>
           <a:xfrm>
-            <a:off x="6400800" y="4206240"/>
-            <a:ext cx="5029200" cy="457200"/>
+            <a:off x="777240" y="5577840"/>
+            <a:ext cx="10881360" cy="320040"/>
           </a:xfrm>
           <a:prstGeom prst="rect">
             <a:avLst/>
@@ -3764,30 +5214,35 @@
           <a:noFill/>
         </p:spPr>
         <p:txBody>
-          <a:bodyPr wrap="square">
+          <a:bodyPr wrap="square" lIns="127000" rIns="127000" tIns="76200" bIns="76200">
             <a:spAutoFit/>
           </a:bodyPr>
           <a:lstStyle/>
           <a:p>
             <a:pPr>
-              <a:defRPr sz="1000" b="0"/>
+              <a:defRPr sz="1200" b="1">
+                <a:solidFill>
+                  <a:srgbClr val="22C55E"/>
+                </a:solidFill>
+                <a:latin typeface="Microsoft YaHei"/>
+              </a:defRPr>
             </a:pPr>
             <a:r>
-              <a:t>{{KEY_SERVICES_LIST}}</a:t>
-            </a:r>
-          </a:p>
-        </p:txBody>
-      </p:sp>
-      <p:sp>
-        <p:nvSpPr>
-          <p:cNvPr id="17" name="TextBox 16"/>
+              <a:t>{{TERMINOLOGY_TITLE}}</a:t>
+            </a:r>
+          </a:p>
+        </p:txBody>
+      </p:sp>
+      <p:sp>
+        <p:nvSpPr>
+          <p:cNvPr id="39" name="TextBox 38"/>
           <p:cNvSpPr txBox="1"/>
           <p:nvPr/>
         </p:nvSpPr>
         <p:spPr>
           <a:xfrm>
-            <a:off x="457200" y="5120640"/>
-            <a:ext cx="10972800" cy="365760"/>
+            <a:off x="777240" y="5852160"/>
+            <a:ext cx="10881360" cy="914400"/>
           </a:xfrm>
           <a:prstGeom prst="rect">
             <a:avLst/>
@@ -3795,44 +5250,18 @@
           <a:noFill/>
         </p:spPr>
         <p:txBody>
-          <a:bodyPr wrap="square">
+          <a:bodyPr wrap="square" lIns="127000" rIns="127000" tIns="76200" bIns="76200">
             <a:spAutoFit/>
           </a:bodyPr>
           <a:lstStyle/>
           <a:p>
             <a:pPr>
-              <a:defRPr sz="1200" b="1"/>
-            </a:pPr>
-            <a:r>
-              <a:t>{{TERMINOLOGY_TITLE}}</a:t>
-            </a:r>
-          </a:p>
-        </p:txBody>
-      </p:sp>
-      <p:sp>
-        <p:nvSpPr>
-          <p:cNvPr id="18" name="TextBox 17"/>
-          <p:cNvSpPr txBox="1"/>
-          <p:nvPr/>
-        </p:nvSpPr>
-        <p:spPr>
-          <a:xfrm>
-            <a:off x="457200" y="5486400"/>
-            <a:ext cx="10972800" cy="1097280"/>
-          </a:xfrm>
-          <a:prstGeom prst="rect">
-            <a:avLst/>
-          </a:prstGeom>
-          <a:noFill/>
-        </p:spPr>
-        <p:txBody>
-          <a:bodyPr wrap="square">
-            <a:spAutoFit/>
-          </a:bodyPr>
-          <a:lstStyle/>
-          <a:p>
-            <a:pPr>
-              <a:defRPr sz="900" b="0"/>
+              <a:defRPr sz="900" b="0">
+                <a:solidFill>
+                  <a:srgbClr val="E2E8F0"/>
+                </a:solidFill>
+                <a:latin typeface="Microsoft YaHei"/>
+              </a:defRPr>
             </a:pPr>
             <a:r>
               <a:t>{{TERMINOLOGY_TECHNICAL}}</a:t>
@@ -3851,6 +5280,14 @@
 <file path=ppt/slides/slide2.xml><?xml version="1.0" encoding="utf-8"?>
 <p:sld xmlns:a="http://schemas.openxmlformats.org/drawingml/2006/main" xmlns:p="http://schemas.openxmlformats.org/presentationml/2006/main" xmlns:r="http://schemas.openxmlformats.org/officeDocument/2006/relationships">
   <p:cSld>
+    <p:bg>
+      <p:bgPr>
+        <a:solidFill>
+          <a:srgbClr val="0B1220"/>
+        </a:solidFill>
+        <a:effectLst/>
+      </p:bgPr>
+    </p:bg>
     <p:spTree>
       <p:nvGrpSpPr>
         <p:cNvPr id="1" name=""/>
@@ -3860,14 +5297,229 @@
       <p:grpSpPr/>
       <p:sp>
         <p:nvSpPr>
-          <p:cNvPr id="2" name="TextBox 1"/>
+          <p:cNvPr id="2" name="Rectangle 1"/>
+          <p:cNvSpPr/>
+          <p:nvPr/>
+        </p:nvSpPr>
+        <p:spPr>
+          <a:xfrm>
+            <a:off x="0" y="0"/>
+            <a:ext cx="12191695" cy="960120"/>
+          </a:xfrm>
+          <a:prstGeom prst="rect">
+            <a:avLst/>
+          </a:prstGeom>
+          <a:solidFill>
+            <a:srgbClr val="0F172A"/>
+          </a:solidFill>
+          <a:ln>
+            <a:noFill/>
+          </a:ln>
+        </p:spPr>
+        <p:style>
+          <a:lnRef idx="1">
+            <a:schemeClr val="accent1"/>
+          </a:lnRef>
+          <a:fillRef idx="3">
+            <a:schemeClr val="accent1"/>
+          </a:fillRef>
+          <a:effectRef idx="2">
+            <a:schemeClr val="accent1"/>
+          </a:effectRef>
+          <a:fontRef idx="minor">
+            <a:schemeClr val="lt1"/>
+          </a:fontRef>
+        </p:style>
+        <p:txBody>
+          <a:bodyPr rtlCol="0" anchor="ctr"/>
+          <a:lstStyle/>
+          <a:p>
+            <a:pPr algn="ctr"/>
+          </a:p>
+        </p:txBody>
+      </p:sp>
+      <p:sp>
+        <p:nvSpPr>
+          <p:cNvPr id="3" name="Rectangle 2"/>
+          <p:cNvSpPr/>
+          <p:nvPr/>
+        </p:nvSpPr>
+        <p:spPr>
+          <a:xfrm>
+            <a:off x="0" y="896112"/>
+            <a:ext cx="12191695" cy="54864"/>
+          </a:xfrm>
+          <a:prstGeom prst="rect">
+            <a:avLst/>
+          </a:prstGeom>
+          <a:solidFill>
+            <a:srgbClr val="22C55E"/>
+          </a:solidFill>
+          <a:ln>
+            <a:noFill/>
+          </a:ln>
+        </p:spPr>
+        <p:style>
+          <a:lnRef idx="1">
+            <a:schemeClr val="accent1"/>
+          </a:lnRef>
+          <a:fillRef idx="3">
+            <a:schemeClr val="accent1"/>
+          </a:fillRef>
+          <a:effectRef idx="2">
+            <a:schemeClr val="accent1"/>
+          </a:effectRef>
+          <a:fontRef idx="minor">
+            <a:schemeClr val="lt1"/>
+          </a:fontRef>
+        </p:style>
+        <p:txBody>
+          <a:bodyPr rtlCol="0" anchor="ctr"/>
+          <a:lstStyle/>
+          <a:p>
+            <a:pPr algn="ctr"/>
+          </a:p>
+        </p:txBody>
+      </p:sp>
+      <p:sp>
+        <p:nvSpPr>
+          <p:cNvPr id="4" name="Oval 3"/>
+          <p:cNvSpPr/>
+          <p:nvPr/>
+        </p:nvSpPr>
+        <p:spPr>
+          <a:xfrm>
+            <a:off x="10241280" y="-731520"/>
+            <a:ext cx="3108960" cy="3108960"/>
+          </a:xfrm>
+          <a:prstGeom prst="ellipse">
+            <a:avLst/>
+          </a:prstGeom>
+          <a:solidFill>
+            <a:srgbClr val="22C55E"/>
+          </a:solidFill>
+          <a:ln>
+            <a:noFill/>
+          </a:ln>
+        </p:spPr>
+        <p:style>
+          <a:lnRef idx="1">
+            <a:schemeClr val="accent1"/>
+          </a:lnRef>
+          <a:fillRef idx="3">
+            <a:schemeClr val="accent1"/>
+          </a:fillRef>
+          <a:effectRef idx="2">
+            <a:schemeClr val="accent1"/>
+          </a:effectRef>
+          <a:fontRef idx="minor">
+            <a:schemeClr val="lt1"/>
+          </a:fontRef>
+        </p:style>
+        <p:txBody>
+          <a:bodyPr rtlCol="0" anchor="ctr"/>
+          <a:lstStyle/>
+          <a:p>
+            <a:pPr algn="ctr"/>
+          </a:p>
+        </p:txBody>
+      </p:sp>
+      <p:sp>
+        <p:nvSpPr>
+          <p:cNvPr id="5" name="Oval 4"/>
+          <p:cNvSpPr/>
+          <p:nvPr/>
+        </p:nvSpPr>
+        <p:spPr>
+          <a:xfrm>
+            <a:off x="-1280160" y="5577840"/>
+            <a:ext cx="2743200" cy="2743200"/>
+          </a:xfrm>
+          <a:prstGeom prst="ellipse">
+            <a:avLst/>
+          </a:prstGeom>
+          <a:solidFill>
+            <a:srgbClr val="3B82F6"/>
+          </a:solidFill>
+          <a:ln>
+            <a:noFill/>
+          </a:ln>
+        </p:spPr>
+        <p:style>
+          <a:lnRef idx="1">
+            <a:schemeClr val="accent1"/>
+          </a:lnRef>
+          <a:fillRef idx="3">
+            <a:schemeClr val="accent1"/>
+          </a:fillRef>
+          <a:effectRef idx="2">
+            <a:schemeClr val="accent1"/>
+          </a:effectRef>
+          <a:fontRef idx="minor">
+            <a:schemeClr val="lt1"/>
+          </a:fontRef>
+        </p:style>
+        <p:txBody>
+          <a:bodyPr rtlCol="0" anchor="ctr"/>
+          <a:lstStyle/>
+          <a:p>
+            <a:pPr algn="ctr"/>
+          </a:p>
+        </p:txBody>
+      </p:sp>
+      <p:sp>
+        <p:nvSpPr>
+          <p:cNvPr id="6" name="Rectangle 5"/>
+          <p:cNvSpPr/>
+          <p:nvPr/>
+        </p:nvSpPr>
+        <p:spPr>
+          <a:xfrm>
+            <a:off x="274320" y="1143000"/>
+            <a:ext cx="11658600" cy="5486400"/>
+          </a:xfrm>
+          <a:prstGeom prst="rect">
+            <a:avLst/>
+          </a:prstGeom>
+          <a:solidFill>
+            <a:srgbClr val="0F172A"/>
+          </a:solidFill>
+          <a:ln>
+            <a:noFill/>
+          </a:ln>
+        </p:spPr>
+        <p:style>
+          <a:lnRef idx="1">
+            <a:schemeClr val="accent1"/>
+          </a:lnRef>
+          <a:fillRef idx="3">
+            <a:schemeClr val="accent1"/>
+          </a:fillRef>
+          <a:effectRef idx="2">
+            <a:schemeClr val="accent1"/>
+          </a:effectRef>
+          <a:fontRef idx="minor">
+            <a:schemeClr val="lt1"/>
+          </a:fontRef>
+        </p:style>
+        <p:txBody>
+          <a:bodyPr rtlCol="0" anchor="ctr"/>
+          <a:lstStyle/>
+          <a:p>
+            <a:pPr algn="ctr"/>
+          </a:p>
+        </p:txBody>
+      </p:sp>
+      <p:sp>
+        <p:nvSpPr>
+          <p:cNvPr id="7" name="TextBox 6"/>
           <p:cNvSpPr txBox="1"/>
           <p:nvPr/>
         </p:nvSpPr>
         <p:spPr>
           <a:xfrm>
-            <a:off x="457200" y="274320"/>
-            <a:ext cx="10972800" cy="548640"/>
+            <a:off x="594360" y="201168"/>
+            <a:ext cx="11247120" cy="621792"/>
           </a:xfrm>
           <a:prstGeom prst="rect">
             <a:avLst/>
@@ -3875,7 +5527,7 @@
           <a:noFill/>
         </p:spPr>
         <p:txBody>
-          <a:bodyPr wrap="square">
+          <a:bodyPr wrap="square" lIns="127000" rIns="127000" tIns="76200" bIns="76200">
             <a:spAutoFit/>
           </a:bodyPr>
           <a:lstStyle/>
@@ -3883,26 +5535,275 @@
             <a:pPr>
               <a:defRPr sz="2800" b="1">
                 <a:solidFill>
+                  <a:srgbClr val="E2E8F0"/>
+                </a:solidFill>
+                <a:latin typeface="Microsoft YaHei"/>
+              </a:defRPr>
+            </a:pPr>
+            <a:r>
+              <a:t>{{SLIDE_TITLE}}</a:t>
+            </a:r>
+          </a:p>
+        </p:txBody>
+      </p:sp>
+      <p:sp>
+        <p:nvSpPr>
+          <p:cNvPr id="8" name="Rounded Rectangle 7"/>
+          <p:cNvSpPr/>
+          <p:nvPr/>
+        </p:nvSpPr>
+        <p:spPr>
+          <a:xfrm>
+            <a:off x="649224" y="1014984"/>
+            <a:ext cx="11247120" cy="3337560"/>
+          </a:xfrm>
+          <a:prstGeom prst="roundRect">
+            <a:avLst/>
+          </a:prstGeom>
+          <a:solidFill>
+            <a:srgbClr val="000000"/>
+          </a:solidFill>
+          <a:ln>
+            <a:noFill/>
+          </a:ln>
+        </p:spPr>
+        <p:style>
+          <a:lnRef idx="1">
+            <a:schemeClr val="accent1"/>
+          </a:lnRef>
+          <a:fillRef idx="3">
+            <a:schemeClr val="accent1"/>
+          </a:fillRef>
+          <a:effectRef idx="2">
+            <a:schemeClr val="accent1"/>
+          </a:effectRef>
+          <a:fontRef idx="minor">
+            <a:schemeClr val="lt1"/>
+          </a:fontRef>
+        </p:style>
+        <p:txBody>
+          <a:bodyPr rtlCol="0" anchor="ctr"/>
+          <a:lstStyle/>
+          <a:p>
+            <a:pPr algn="ctr"/>
+          </a:p>
+        </p:txBody>
+      </p:sp>
+      <p:sp>
+        <p:nvSpPr>
+          <p:cNvPr id="9" name="Rounded Rectangle 8"/>
+          <p:cNvSpPr/>
+          <p:nvPr/>
+        </p:nvSpPr>
+        <p:spPr>
+          <a:xfrm>
+            <a:off x="594360" y="960120"/>
+            <a:ext cx="11247120" cy="3337560"/>
+          </a:xfrm>
+          <a:prstGeom prst="roundRect">
+            <a:avLst/>
+          </a:prstGeom>
+          <a:solidFill>
+            <a:srgbClr val="111827"/>
+          </a:solidFill>
+          <a:ln w="12700">
+            <a:solidFill>
+              <a:srgbClr val="1F2937"/>
+            </a:solidFill>
+          </a:ln>
+        </p:spPr>
+        <p:style>
+          <a:lnRef idx="1">
+            <a:schemeClr val="accent1"/>
+          </a:lnRef>
+          <a:fillRef idx="3">
+            <a:schemeClr val="accent1"/>
+          </a:fillRef>
+          <a:effectRef idx="2">
+            <a:schemeClr val="accent1"/>
+          </a:effectRef>
+          <a:fontRef idx="minor">
+            <a:schemeClr val="lt1"/>
+          </a:fontRef>
+        </p:style>
+        <p:txBody>
+          <a:bodyPr rtlCol="0" anchor="ctr"/>
+          <a:lstStyle/>
+          <a:p>
+            <a:pPr algn="ctr"/>
+          </a:p>
+        </p:txBody>
+      </p:sp>
+      <p:sp>
+        <p:nvSpPr>
+          <p:cNvPr id="10" name="TextBox 9"/>
+          <p:cNvSpPr txBox="1"/>
+          <p:nvPr/>
+        </p:nvSpPr>
+        <p:spPr>
+          <a:xfrm>
+            <a:off x="777240" y="1078992"/>
+            <a:ext cx="10881360" cy="3108960"/>
+          </a:xfrm>
+          <a:prstGeom prst="rect">
+            <a:avLst/>
+          </a:prstGeom>
+          <a:noFill/>
+        </p:spPr>
+        <p:txBody>
+          <a:bodyPr wrap="square" lIns="127000" rIns="127000" tIns="76200" bIns="76200">
+            <a:spAutoFit/>
+          </a:bodyPr>
+          <a:lstStyle/>
+          <a:p>
+            <a:pPr>
+              <a:defRPr sz="1100" b="0">
+                <a:solidFill>
+                  <a:srgbClr val="E2E8F0"/>
+                </a:solidFill>
+                <a:latin typeface="Microsoft YaHei"/>
+              </a:defRPr>
+            </a:pPr>
+            <a:r>
+              <a:t>{{KPI_DASHBOARD}}</a:t>
+            </a:r>
+          </a:p>
+        </p:txBody>
+      </p:sp>
+      <p:sp>
+        <p:nvSpPr>
+          <p:cNvPr id="11" name="Rounded Rectangle 10"/>
+          <p:cNvSpPr/>
+          <p:nvPr/>
+        </p:nvSpPr>
+        <p:spPr>
+          <a:xfrm>
+            <a:off x="649224" y="4489703"/>
+            <a:ext cx="11247120" cy="2148840"/>
+          </a:xfrm>
+          <a:prstGeom prst="roundRect">
+            <a:avLst/>
+          </a:prstGeom>
+          <a:solidFill>
+            <a:srgbClr val="000000"/>
+          </a:solidFill>
+          <a:ln>
+            <a:noFill/>
+          </a:ln>
+        </p:spPr>
+        <p:style>
+          <a:lnRef idx="1">
+            <a:schemeClr val="accent1"/>
+          </a:lnRef>
+          <a:fillRef idx="3">
+            <a:schemeClr val="accent1"/>
+          </a:fillRef>
+          <a:effectRef idx="2">
+            <a:schemeClr val="accent1"/>
+          </a:effectRef>
+          <a:fontRef idx="minor">
+            <a:schemeClr val="lt1"/>
+          </a:fontRef>
+        </p:style>
+        <p:txBody>
+          <a:bodyPr rtlCol="0" anchor="ctr"/>
+          <a:lstStyle/>
+          <a:p>
+            <a:pPr algn="ctr"/>
+          </a:p>
+        </p:txBody>
+      </p:sp>
+      <p:sp>
+        <p:nvSpPr>
+          <p:cNvPr id="12" name="Rounded Rectangle 11"/>
+          <p:cNvSpPr/>
+          <p:nvPr/>
+        </p:nvSpPr>
+        <p:spPr>
+          <a:xfrm>
+            <a:off x="594360" y="4434840"/>
+            <a:ext cx="11247120" cy="2148840"/>
+          </a:xfrm>
+          <a:prstGeom prst="roundRect">
+            <a:avLst/>
+          </a:prstGeom>
+          <a:solidFill>
+            <a:srgbClr val="111827"/>
+          </a:solidFill>
+          <a:ln w="12700">
+            <a:solidFill>
+              <a:srgbClr val="1F2937"/>
+            </a:solidFill>
+          </a:ln>
+        </p:spPr>
+        <p:style>
+          <a:lnRef idx="1">
+            <a:schemeClr val="accent1"/>
+          </a:lnRef>
+          <a:fillRef idx="3">
+            <a:schemeClr val="accent1"/>
+          </a:fillRef>
+          <a:effectRef idx="2">
+            <a:schemeClr val="accent1"/>
+          </a:effectRef>
+          <a:fontRef idx="minor">
+            <a:schemeClr val="lt1"/>
+          </a:fontRef>
+        </p:style>
+        <p:txBody>
+          <a:bodyPr rtlCol="0" anchor="ctr"/>
+          <a:lstStyle/>
+          <a:p>
+            <a:pPr algn="ctr"/>
+          </a:p>
+        </p:txBody>
+      </p:sp>
+      <p:sp>
+        <p:nvSpPr>
+          <p:cNvPr id="13" name="TextBox 12"/>
+          <p:cNvSpPr txBox="1"/>
+          <p:nvPr/>
+        </p:nvSpPr>
+        <p:spPr>
+          <a:xfrm>
+            <a:off x="777240" y="4526280"/>
+            <a:ext cx="10881360" cy="365760"/>
+          </a:xfrm>
+          <a:prstGeom prst="rect">
+            <a:avLst/>
+          </a:prstGeom>
+          <a:noFill/>
+        </p:spPr>
+        <p:txBody>
+          <a:bodyPr wrap="square" lIns="127000" rIns="127000" tIns="76200" bIns="76200">
+            <a:spAutoFit/>
+          </a:bodyPr>
+          <a:lstStyle/>
+          <a:p>
+            <a:pPr>
+              <a:defRPr sz="1400" b="1">
+                <a:solidFill>
                   <a:srgbClr val="22C55E"/>
                 </a:solidFill>
+                <a:latin typeface="Microsoft YaHei"/>
               </a:defRPr>
             </a:pPr>
             <a:r>
-              <a:t>{{SLIDE_TITLE}}</a:t>
-            </a:r>
-          </a:p>
-        </p:txBody>
-      </p:sp>
-      <p:sp>
-        <p:nvSpPr>
-          <p:cNvPr id="3" name="TextBox 2"/>
+              <a:t>{{ASSESSMENT_TITLE}}</a:t>
+            </a:r>
+          </a:p>
+        </p:txBody>
+      </p:sp>
+      <p:sp>
+        <p:nvSpPr>
+          <p:cNvPr id="14" name="TextBox 13"/>
           <p:cNvSpPr txBox="1"/>
           <p:nvPr/>
         </p:nvSpPr>
         <p:spPr>
           <a:xfrm>
-            <a:off x="457200" y="914400"/>
-            <a:ext cx="11430000" cy="3200400"/>
+            <a:off x="777240" y="4892040"/>
+            <a:ext cx="10881360" cy="1600200"/>
           </a:xfrm>
           <a:prstGeom prst="rect">
             <a:avLst/>
@@ -3910,75 +5811,18 @@
           <a:noFill/>
         </p:spPr>
         <p:txBody>
-          <a:bodyPr wrap="square">
+          <a:bodyPr wrap="square" lIns="127000" rIns="127000" tIns="76200" bIns="76200">
             <a:spAutoFit/>
           </a:bodyPr>
           <a:lstStyle/>
           <a:p>
             <a:pPr>
-              <a:defRPr sz="1100" b="0"/>
-            </a:pPr>
-            <a:r>
-              <a:t>{{KPI_DASHBOARD}}</a:t>
-            </a:r>
-          </a:p>
-        </p:txBody>
-      </p:sp>
-      <p:sp>
-        <p:nvSpPr>
-          <p:cNvPr id="4" name="TextBox 3"/>
-          <p:cNvSpPr txBox="1"/>
-          <p:nvPr/>
-        </p:nvSpPr>
-        <p:spPr>
-          <a:xfrm>
-            <a:off x="457200" y="4389120"/>
-            <a:ext cx="10972800" cy="365760"/>
-          </a:xfrm>
-          <a:prstGeom prst="rect">
-            <a:avLst/>
-          </a:prstGeom>
-          <a:noFill/>
-        </p:spPr>
-        <p:txBody>
-          <a:bodyPr wrap="square">
-            <a:spAutoFit/>
-          </a:bodyPr>
-          <a:lstStyle/>
-          <a:p>
-            <a:pPr>
-              <a:defRPr sz="1400" b="1"/>
-            </a:pPr>
-            <a:r>
-              <a:t>{{ASSESSMENT_TITLE}}</a:t>
-            </a:r>
-          </a:p>
-        </p:txBody>
-      </p:sp>
-      <p:sp>
-        <p:nvSpPr>
-          <p:cNvPr id="5" name="TextBox 4"/>
-          <p:cNvSpPr txBox="1"/>
-          <p:nvPr/>
-        </p:nvSpPr>
-        <p:spPr>
-          <a:xfrm>
-            <a:off x="457200" y="4754880"/>
-            <a:ext cx="10972800" cy="1828800"/>
-          </a:xfrm>
-          <a:prstGeom prst="rect">
-            <a:avLst/>
-          </a:prstGeom>
-          <a:noFill/>
-        </p:spPr>
-        <p:txBody>
-          <a:bodyPr wrap="square">
-            <a:spAutoFit/>
-          </a:bodyPr>
-          <a:lstStyle/>
-          <a:p>
-            <a:pPr>
-              <a:defRPr sz="1100" b="0"/>
+              <a:defRPr sz="1100" b="0">
+                <a:solidFill>
+                  <a:srgbClr val="E2E8F0"/>
+                </a:solidFill>
+                <a:latin typeface="Microsoft YaHei"/>
+              </a:defRPr>
             </a:pPr>
             <a:r>
               <a:t>{{TECHNICAL_ASSESSMENT}}</a:t>
@@ -3997,6 +5841,14 @@
 <file path=ppt/slides/slide3.xml><?xml version="1.0" encoding="utf-8"?>
 <p:sld xmlns:a="http://schemas.openxmlformats.org/drawingml/2006/main" xmlns:p="http://schemas.openxmlformats.org/presentationml/2006/main" xmlns:r="http://schemas.openxmlformats.org/officeDocument/2006/relationships">
   <p:cSld>
+    <p:bg>
+      <p:bgPr>
+        <a:solidFill>
+          <a:srgbClr val="0B1220"/>
+        </a:solidFill>
+        <a:effectLst/>
+      </p:bgPr>
+    </p:bg>
     <p:spTree>
       <p:nvGrpSpPr>
         <p:cNvPr id="1" name=""/>
@@ -4006,14 +5858,229 @@
       <p:grpSpPr/>
       <p:sp>
         <p:nvSpPr>
-          <p:cNvPr id="2" name="TextBox 1"/>
+          <p:cNvPr id="2" name="Rectangle 1"/>
+          <p:cNvSpPr/>
+          <p:nvPr/>
+        </p:nvSpPr>
+        <p:spPr>
+          <a:xfrm>
+            <a:off x="0" y="0"/>
+            <a:ext cx="12191695" cy="960120"/>
+          </a:xfrm>
+          <a:prstGeom prst="rect">
+            <a:avLst/>
+          </a:prstGeom>
+          <a:solidFill>
+            <a:srgbClr val="0F172A"/>
+          </a:solidFill>
+          <a:ln>
+            <a:noFill/>
+          </a:ln>
+        </p:spPr>
+        <p:style>
+          <a:lnRef idx="1">
+            <a:schemeClr val="accent1"/>
+          </a:lnRef>
+          <a:fillRef idx="3">
+            <a:schemeClr val="accent1"/>
+          </a:fillRef>
+          <a:effectRef idx="2">
+            <a:schemeClr val="accent1"/>
+          </a:effectRef>
+          <a:fontRef idx="minor">
+            <a:schemeClr val="lt1"/>
+          </a:fontRef>
+        </p:style>
+        <p:txBody>
+          <a:bodyPr rtlCol="0" anchor="ctr"/>
+          <a:lstStyle/>
+          <a:p>
+            <a:pPr algn="ctr"/>
+          </a:p>
+        </p:txBody>
+      </p:sp>
+      <p:sp>
+        <p:nvSpPr>
+          <p:cNvPr id="3" name="Rectangle 2"/>
+          <p:cNvSpPr/>
+          <p:nvPr/>
+        </p:nvSpPr>
+        <p:spPr>
+          <a:xfrm>
+            <a:off x="0" y="896112"/>
+            <a:ext cx="12191695" cy="54864"/>
+          </a:xfrm>
+          <a:prstGeom prst="rect">
+            <a:avLst/>
+          </a:prstGeom>
+          <a:solidFill>
+            <a:srgbClr val="22C55E"/>
+          </a:solidFill>
+          <a:ln>
+            <a:noFill/>
+          </a:ln>
+        </p:spPr>
+        <p:style>
+          <a:lnRef idx="1">
+            <a:schemeClr val="accent1"/>
+          </a:lnRef>
+          <a:fillRef idx="3">
+            <a:schemeClr val="accent1"/>
+          </a:fillRef>
+          <a:effectRef idx="2">
+            <a:schemeClr val="accent1"/>
+          </a:effectRef>
+          <a:fontRef idx="minor">
+            <a:schemeClr val="lt1"/>
+          </a:fontRef>
+        </p:style>
+        <p:txBody>
+          <a:bodyPr rtlCol="0" anchor="ctr"/>
+          <a:lstStyle/>
+          <a:p>
+            <a:pPr algn="ctr"/>
+          </a:p>
+        </p:txBody>
+      </p:sp>
+      <p:sp>
+        <p:nvSpPr>
+          <p:cNvPr id="4" name="Oval 3"/>
+          <p:cNvSpPr/>
+          <p:nvPr/>
+        </p:nvSpPr>
+        <p:spPr>
+          <a:xfrm>
+            <a:off x="10241280" y="-731520"/>
+            <a:ext cx="3108960" cy="3108960"/>
+          </a:xfrm>
+          <a:prstGeom prst="ellipse">
+            <a:avLst/>
+          </a:prstGeom>
+          <a:solidFill>
+            <a:srgbClr val="22C55E"/>
+          </a:solidFill>
+          <a:ln>
+            <a:noFill/>
+          </a:ln>
+        </p:spPr>
+        <p:style>
+          <a:lnRef idx="1">
+            <a:schemeClr val="accent1"/>
+          </a:lnRef>
+          <a:fillRef idx="3">
+            <a:schemeClr val="accent1"/>
+          </a:fillRef>
+          <a:effectRef idx="2">
+            <a:schemeClr val="accent1"/>
+          </a:effectRef>
+          <a:fontRef idx="minor">
+            <a:schemeClr val="lt1"/>
+          </a:fontRef>
+        </p:style>
+        <p:txBody>
+          <a:bodyPr rtlCol="0" anchor="ctr"/>
+          <a:lstStyle/>
+          <a:p>
+            <a:pPr algn="ctr"/>
+          </a:p>
+        </p:txBody>
+      </p:sp>
+      <p:sp>
+        <p:nvSpPr>
+          <p:cNvPr id="5" name="Oval 4"/>
+          <p:cNvSpPr/>
+          <p:nvPr/>
+        </p:nvSpPr>
+        <p:spPr>
+          <a:xfrm>
+            <a:off x="-1280160" y="5577840"/>
+            <a:ext cx="2743200" cy="2743200"/>
+          </a:xfrm>
+          <a:prstGeom prst="ellipse">
+            <a:avLst/>
+          </a:prstGeom>
+          <a:solidFill>
+            <a:srgbClr val="3B82F6"/>
+          </a:solidFill>
+          <a:ln>
+            <a:noFill/>
+          </a:ln>
+        </p:spPr>
+        <p:style>
+          <a:lnRef idx="1">
+            <a:schemeClr val="accent1"/>
+          </a:lnRef>
+          <a:fillRef idx="3">
+            <a:schemeClr val="accent1"/>
+          </a:fillRef>
+          <a:effectRef idx="2">
+            <a:schemeClr val="accent1"/>
+          </a:effectRef>
+          <a:fontRef idx="minor">
+            <a:schemeClr val="lt1"/>
+          </a:fontRef>
+        </p:style>
+        <p:txBody>
+          <a:bodyPr rtlCol="0" anchor="ctr"/>
+          <a:lstStyle/>
+          <a:p>
+            <a:pPr algn="ctr"/>
+          </a:p>
+        </p:txBody>
+      </p:sp>
+      <p:sp>
+        <p:nvSpPr>
+          <p:cNvPr id="6" name="Rectangle 5"/>
+          <p:cNvSpPr/>
+          <p:nvPr/>
+        </p:nvSpPr>
+        <p:spPr>
+          <a:xfrm>
+            <a:off x="274320" y="1143000"/>
+            <a:ext cx="11658600" cy="5486400"/>
+          </a:xfrm>
+          <a:prstGeom prst="rect">
+            <a:avLst/>
+          </a:prstGeom>
+          <a:solidFill>
+            <a:srgbClr val="0F172A"/>
+          </a:solidFill>
+          <a:ln>
+            <a:noFill/>
+          </a:ln>
+        </p:spPr>
+        <p:style>
+          <a:lnRef idx="1">
+            <a:schemeClr val="accent1"/>
+          </a:lnRef>
+          <a:fillRef idx="3">
+            <a:schemeClr val="accent1"/>
+          </a:fillRef>
+          <a:effectRef idx="2">
+            <a:schemeClr val="accent1"/>
+          </a:effectRef>
+          <a:fontRef idx="minor">
+            <a:schemeClr val="lt1"/>
+          </a:fontRef>
+        </p:style>
+        <p:txBody>
+          <a:bodyPr rtlCol="0" anchor="ctr"/>
+          <a:lstStyle/>
+          <a:p>
+            <a:pPr algn="ctr"/>
+          </a:p>
+        </p:txBody>
+      </p:sp>
+      <p:sp>
+        <p:nvSpPr>
+          <p:cNvPr id="7" name="TextBox 6"/>
           <p:cNvSpPr txBox="1"/>
           <p:nvPr/>
         </p:nvSpPr>
         <p:spPr>
           <a:xfrm>
-            <a:off x="457200" y="274320"/>
-            <a:ext cx="10972800" cy="548640"/>
+            <a:off x="594360" y="201168"/>
+            <a:ext cx="11247120" cy="621792"/>
           </a:xfrm>
           <a:prstGeom prst="rect">
             <a:avLst/>
@@ -4021,7 +6088,7 @@
           <a:noFill/>
         </p:spPr>
         <p:txBody>
-          <a:bodyPr wrap="square">
+          <a:bodyPr wrap="square" lIns="127000" rIns="127000" tIns="76200" bIns="76200">
             <a:spAutoFit/>
           </a:bodyPr>
           <a:lstStyle/>
@@ -4029,26 +6096,151 @@
             <a:pPr>
               <a:defRPr sz="2800" b="1">
                 <a:solidFill>
+                  <a:srgbClr val="E2E8F0"/>
+                </a:solidFill>
+                <a:latin typeface="Microsoft YaHei"/>
+              </a:defRPr>
+            </a:pPr>
+            <a:r>
+              <a:t>{{SLIDE_TITLE}}</a:t>
+            </a:r>
+          </a:p>
+        </p:txBody>
+      </p:sp>
+      <p:sp>
+        <p:nvSpPr>
+          <p:cNvPr id="8" name="Rounded Rectangle 7"/>
+          <p:cNvSpPr/>
+          <p:nvPr/>
+        </p:nvSpPr>
+        <p:spPr>
+          <a:xfrm>
+            <a:off x="649224" y="1014984"/>
+            <a:ext cx="11247120" cy="1234440"/>
+          </a:xfrm>
+          <a:prstGeom prst="roundRect">
+            <a:avLst/>
+          </a:prstGeom>
+          <a:solidFill>
+            <a:srgbClr val="000000"/>
+          </a:solidFill>
+          <a:ln>
+            <a:noFill/>
+          </a:ln>
+        </p:spPr>
+        <p:style>
+          <a:lnRef idx="1">
+            <a:schemeClr val="accent1"/>
+          </a:lnRef>
+          <a:fillRef idx="3">
+            <a:schemeClr val="accent1"/>
+          </a:fillRef>
+          <a:effectRef idx="2">
+            <a:schemeClr val="accent1"/>
+          </a:effectRef>
+          <a:fontRef idx="minor">
+            <a:schemeClr val="lt1"/>
+          </a:fontRef>
+        </p:style>
+        <p:txBody>
+          <a:bodyPr rtlCol="0" anchor="ctr"/>
+          <a:lstStyle/>
+          <a:p>
+            <a:pPr algn="ctr"/>
+          </a:p>
+        </p:txBody>
+      </p:sp>
+      <p:sp>
+        <p:nvSpPr>
+          <p:cNvPr id="9" name="Rounded Rectangle 8"/>
+          <p:cNvSpPr/>
+          <p:nvPr/>
+        </p:nvSpPr>
+        <p:spPr>
+          <a:xfrm>
+            <a:off x="594360" y="960120"/>
+            <a:ext cx="11247120" cy="1234440"/>
+          </a:xfrm>
+          <a:prstGeom prst="roundRect">
+            <a:avLst/>
+          </a:prstGeom>
+          <a:solidFill>
+            <a:srgbClr val="111827"/>
+          </a:solidFill>
+          <a:ln w="12700">
+            <a:solidFill>
+              <a:srgbClr val="1F2937"/>
+            </a:solidFill>
+          </a:ln>
+        </p:spPr>
+        <p:style>
+          <a:lnRef idx="1">
+            <a:schemeClr val="accent1"/>
+          </a:lnRef>
+          <a:fillRef idx="3">
+            <a:schemeClr val="accent1"/>
+          </a:fillRef>
+          <a:effectRef idx="2">
+            <a:schemeClr val="accent1"/>
+          </a:effectRef>
+          <a:fontRef idx="minor">
+            <a:schemeClr val="lt1"/>
+          </a:fontRef>
+        </p:style>
+        <p:txBody>
+          <a:bodyPr rtlCol="0" anchor="ctr"/>
+          <a:lstStyle/>
+          <a:p>
+            <a:pPr algn="ctr"/>
+          </a:p>
+        </p:txBody>
+      </p:sp>
+      <p:sp>
+        <p:nvSpPr>
+          <p:cNvPr id="10" name="TextBox 9"/>
+          <p:cNvSpPr txBox="1"/>
+          <p:nvPr/>
+        </p:nvSpPr>
+        <p:spPr>
+          <a:xfrm>
+            <a:off x="777240" y="1051560"/>
+            <a:ext cx="10881360" cy="365760"/>
+          </a:xfrm>
+          <a:prstGeom prst="rect">
+            <a:avLst/>
+          </a:prstGeom>
+          <a:noFill/>
+        </p:spPr>
+        <p:txBody>
+          <a:bodyPr wrap="square" lIns="127000" rIns="127000" tIns="76200" bIns="76200">
+            <a:spAutoFit/>
+          </a:bodyPr>
+          <a:lstStyle/>
+          <a:p>
+            <a:pPr>
+              <a:defRPr sz="1400" b="1">
+                <a:solidFill>
                   <a:srgbClr val="22C55E"/>
                 </a:solidFill>
+                <a:latin typeface="Microsoft YaHei"/>
               </a:defRPr>
             </a:pPr>
             <a:r>
-              <a:t>{{SLIDE_TITLE}}</a:t>
-            </a:r>
-          </a:p>
-        </p:txBody>
-      </p:sp>
-      <p:sp>
-        <p:nvSpPr>
-          <p:cNvPr id="3" name="TextBox 2"/>
+              <a:t>{{SEVERITY_TITLE}}</a:t>
+            </a:r>
+          </a:p>
+        </p:txBody>
+      </p:sp>
+      <p:sp>
+        <p:nvSpPr>
+          <p:cNvPr id="11" name="TextBox 10"/>
           <p:cNvSpPr txBox="1"/>
           <p:nvPr/>
         </p:nvSpPr>
         <p:spPr>
           <a:xfrm>
-            <a:off x="457200" y="914400"/>
-            <a:ext cx="10972800" cy="365760"/>
+            <a:off x="777240" y="1417320"/>
+            <a:ext cx="10881360" cy="685800"/>
           </a:xfrm>
           <a:prstGeom prst="rect">
             <a:avLst/>
@@ -4056,30 +6248,123 @@
           <a:noFill/>
         </p:spPr>
         <p:txBody>
-          <a:bodyPr wrap="square">
+          <a:bodyPr wrap="square" lIns="127000" rIns="127000" tIns="76200" bIns="76200">
             <a:spAutoFit/>
           </a:bodyPr>
           <a:lstStyle/>
           <a:p>
             <a:pPr>
-              <a:defRPr sz="1400" b="1"/>
+              <a:defRPr sz="1100" b="0">
+                <a:solidFill>
+                  <a:srgbClr val="E2E8F0"/>
+                </a:solidFill>
+                <a:latin typeface="Microsoft YaHei"/>
+              </a:defRPr>
             </a:pPr>
             <a:r>
-              <a:t>{{SEVERITY_TITLE}}</a:t>
-            </a:r>
-          </a:p>
-        </p:txBody>
-      </p:sp>
-      <p:sp>
-        <p:nvSpPr>
-          <p:cNvPr id="4" name="TextBox 3"/>
+              <a:t>{{SEVERITY_BREAKDOWN}}</a:t>
+            </a:r>
+          </a:p>
+        </p:txBody>
+      </p:sp>
+      <p:sp>
+        <p:nvSpPr>
+          <p:cNvPr id="12" name="Rounded Rectangle 11"/>
+          <p:cNvSpPr/>
+          <p:nvPr/>
+        </p:nvSpPr>
+        <p:spPr>
+          <a:xfrm>
+            <a:off x="649224" y="2386584"/>
+            <a:ext cx="5532120" cy="2011680"/>
+          </a:xfrm>
+          <a:prstGeom prst="roundRect">
+            <a:avLst/>
+          </a:prstGeom>
+          <a:solidFill>
+            <a:srgbClr val="000000"/>
+          </a:solidFill>
+          <a:ln>
+            <a:noFill/>
+          </a:ln>
+        </p:spPr>
+        <p:style>
+          <a:lnRef idx="1">
+            <a:schemeClr val="accent1"/>
+          </a:lnRef>
+          <a:fillRef idx="3">
+            <a:schemeClr val="accent1"/>
+          </a:fillRef>
+          <a:effectRef idx="2">
+            <a:schemeClr val="accent1"/>
+          </a:effectRef>
+          <a:fontRef idx="minor">
+            <a:schemeClr val="lt1"/>
+          </a:fontRef>
+        </p:style>
+        <p:txBody>
+          <a:bodyPr rtlCol="0" anchor="ctr"/>
+          <a:lstStyle/>
+          <a:p>
+            <a:pPr algn="ctr"/>
+          </a:p>
+        </p:txBody>
+      </p:sp>
+      <p:sp>
+        <p:nvSpPr>
+          <p:cNvPr id="13" name="Rounded Rectangle 12"/>
+          <p:cNvSpPr/>
+          <p:nvPr/>
+        </p:nvSpPr>
+        <p:spPr>
+          <a:xfrm>
+            <a:off x="594360" y="2331720"/>
+            <a:ext cx="5532120" cy="2011680"/>
+          </a:xfrm>
+          <a:prstGeom prst="roundRect">
+            <a:avLst/>
+          </a:prstGeom>
+          <a:solidFill>
+            <a:srgbClr val="111827"/>
+          </a:solidFill>
+          <a:ln w="12700">
+            <a:solidFill>
+              <a:srgbClr val="1F2937"/>
+            </a:solidFill>
+          </a:ln>
+        </p:spPr>
+        <p:style>
+          <a:lnRef idx="1">
+            <a:schemeClr val="accent1"/>
+          </a:lnRef>
+          <a:fillRef idx="3">
+            <a:schemeClr val="accent1"/>
+          </a:fillRef>
+          <a:effectRef idx="2">
+            <a:schemeClr val="accent1"/>
+          </a:effectRef>
+          <a:fontRef idx="minor">
+            <a:schemeClr val="lt1"/>
+          </a:fontRef>
+        </p:style>
+        <p:txBody>
+          <a:bodyPr rtlCol="0" anchor="ctr"/>
+          <a:lstStyle/>
+          <a:p>
+            <a:pPr algn="ctr"/>
+          </a:p>
+        </p:txBody>
+      </p:sp>
+      <p:sp>
+        <p:nvSpPr>
+          <p:cNvPr id="14" name="TextBox 13"/>
           <p:cNvSpPr txBox="1"/>
           <p:nvPr/>
         </p:nvSpPr>
         <p:spPr>
           <a:xfrm>
-            <a:off x="457200" y="1280160"/>
-            <a:ext cx="10972800" cy="914400"/>
+            <a:off x="777240" y="2423160"/>
+            <a:ext cx="5166360" cy="365760"/>
           </a:xfrm>
           <a:prstGeom prst="rect">
             <a:avLst/>
@@ -4087,30 +6372,35 @@
           <a:noFill/>
         </p:spPr>
         <p:txBody>
-          <a:bodyPr wrap="square">
+          <a:bodyPr wrap="square" lIns="127000" rIns="127000" tIns="76200" bIns="76200">
             <a:spAutoFit/>
           </a:bodyPr>
           <a:lstStyle/>
           <a:p>
             <a:pPr>
-              <a:defRPr sz="1100" b="0"/>
+              <a:defRPr sz="1400" b="1">
+                <a:solidFill>
+                  <a:srgbClr val="22C55E"/>
+                </a:solidFill>
+                <a:latin typeface="Microsoft YaHei"/>
+              </a:defRPr>
             </a:pPr>
             <a:r>
-              <a:t>{{SEVERITY_BREAKDOWN}}</a:t>
-            </a:r>
-          </a:p>
-        </p:txBody>
-      </p:sp>
-      <p:sp>
-        <p:nvSpPr>
-          <p:cNvPr id="5" name="TextBox 4"/>
+              <a:t>{{TOP_RULES_TITLE}}</a:t>
+            </a:r>
+          </a:p>
+        </p:txBody>
+      </p:sp>
+      <p:sp>
+        <p:nvSpPr>
+          <p:cNvPr id="15" name="TextBox 14"/>
           <p:cNvSpPr txBox="1"/>
           <p:nvPr/>
         </p:nvSpPr>
         <p:spPr>
           <a:xfrm>
-            <a:off x="457200" y="2377440"/>
-            <a:ext cx="5486400" cy="365760"/>
+            <a:off x="777240" y="2788920"/>
+            <a:ext cx="5166360" cy="1463040"/>
           </a:xfrm>
           <a:prstGeom prst="rect">
             <a:avLst/>
@@ -4118,30 +6408,123 @@
           <a:noFill/>
         </p:spPr>
         <p:txBody>
-          <a:bodyPr wrap="square">
+          <a:bodyPr wrap="square" lIns="127000" rIns="127000" tIns="76200" bIns="76200">
             <a:spAutoFit/>
           </a:bodyPr>
           <a:lstStyle/>
           <a:p>
             <a:pPr>
-              <a:defRPr sz="1400" b="1"/>
+              <a:defRPr sz="900" b="0">
+                <a:solidFill>
+                  <a:srgbClr val="E2E8F0"/>
+                </a:solidFill>
+                <a:latin typeface="Microsoft YaHei"/>
+              </a:defRPr>
             </a:pPr>
             <a:r>
-              <a:t>{{TOP_RULES_TITLE}}</a:t>
-            </a:r>
-          </a:p>
-        </p:txBody>
-      </p:sp>
-      <p:sp>
-        <p:nvSpPr>
-          <p:cNvPr id="6" name="TextBox 5"/>
+              <a:t>{{TOP_RULES_TABLE}}</a:t>
+            </a:r>
+          </a:p>
+        </p:txBody>
+      </p:sp>
+      <p:sp>
+        <p:nvSpPr>
+          <p:cNvPr id="16" name="Rounded Rectangle 15"/>
+          <p:cNvSpPr/>
+          <p:nvPr/>
+        </p:nvSpPr>
+        <p:spPr>
+          <a:xfrm>
+            <a:off x="6364224" y="2386584"/>
+            <a:ext cx="5532120" cy="2011680"/>
+          </a:xfrm>
+          <a:prstGeom prst="roundRect">
+            <a:avLst/>
+          </a:prstGeom>
+          <a:solidFill>
+            <a:srgbClr val="000000"/>
+          </a:solidFill>
+          <a:ln>
+            <a:noFill/>
+          </a:ln>
+        </p:spPr>
+        <p:style>
+          <a:lnRef idx="1">
+            <a:schemeClr val="accent1"/>
+          </a:lnRef>
+          <a:fillRef idx="3">
+            <a:schemeClr val="accent1"/>
+          </a:fillRef>
+          <a:effectRef idx="2">
+            <a:schemeClr val="accent1"/>
+          </a:effectRef>
+          <a:fontRef idx="minor">
+            <a:schemeClr val="lt1"/>
+          </a:fontRef>
+        </p:style>
+        <p:txBody>
+          <a:bodyPr rtlCol="0" anchor="ctr"/>
+          <a:lstStyle/>
+          <a:p>
+            <a:pPr algn="ctr"/>
+          </a:p>
+        </p:txBody>
+      </p:sp>
+      <p:sp>
+        <p:nvSpPr>
+          <p:cNvPr id="17" name="Rounded Rectangle 16"/>
+          <p:cNvSpPr/>
+          <p:nvPr/>
+        </p:nvSpPr>
+        <p:spPr>
+          <a:xfrm>
+            <a:off x="6309360" y="2331720"/>
+            <a:ext cx="5532120" cy="2011680"/>
+          </a:xfrm>
+          <a:prstGeom prst="roundRect">
+            <a:avLst/>
+          </a:prstGeom>
+          <a:solidFill>
+            <a:srgbClr val="111827"/>
+          </a:solidFill>
+          <a:ln w="12700">
+            <a:solidFill>
+              <a:srgbClr val="1F2937"/>
+            </a:solidFill>
+          </a:ln>
+        </p:spPr>
+        <p:style>
+          <a:lnRef idx="1">
+            <a:schemeClr val="accent1"/>
+          </a:lnRef>
+          <a:fillRef idx="3">
+            <a:schemeClr val="accent1"/>
+          </a:fillRef>
+          <a:effectRef idx="2">
+            <a:schemeClr val="accent1"/>
+          </a:effectRef>
+          <a:fontRef idx="minor">
+            <a:schemeClr val="lt1"/>
+          </a:fontRef>
+        </p:style>
+        <p:txBody>
+          <a:bodyPr rtlCol="0" anchor="ctr"/>
+          <a:lstStyle/>
+          <a:p>
+            <a:pPr algn="ctr"/>
+          </a:p>
+        </p:txBody>
+      </p:sp>
+      <p:sp>
+        <p:nvSpPr>
+          <p:cNvPr id="18" name="TextBox 17"/>
           <p:cNvSpPr txBox="1"/>
           <p:nvPr/>
         </p:nvSpPr>
         <p:spPr>
           <a:xfrm>
-            <a:off x="457200" y="2743200"/>
-            <a:ext cx="5486400" cy="1371600"/>
+            <a:off x="6492240" y="2423160"/>
+            <a:ext cx="5166360" cy="365760"/>
           </a:xfrm>
           <a:prstGeom prst="rect">
             <a:avLst/>
@@ -4149,30 +6532,35 @@
           <a:noFill/>
         </p:spPr>
         <p:txBody>
-          <a:bodyPr wrap="square">
+          <a:bodyPr wrap="square" lIns="127000" rIns="127000" tIns="76200" bIns="76200">
             <a:spAutoFit/>
           </a:bodyPr>
           <a:lstStyle/>
           <a:p>
             <a:pPr>
-              <a:defRPr sz="900" b="0"/>
+              <a:defRPr sz="1400" b="1">
+                <a:solidFill>
+                  <a:srgbClr val="22C55E"/>
+                </a:solidFill>
+                <a:latin typeface="Microsoft YaHei"/>
+              </a:defRPr>
             </a:pPr>
             <a:r>
-              <a:t>{{TOP_RULES_TABLE}}</a:t>
-            </a:r>
-          </a:p>
-        </p:txBody>
-      </p:sp>
-      <p:sp>
-        <p:nvSpPr>
-          <p:cNvPr id="7" name="TextBox 6"/>
+              <a:t>{{RULES_ANALYSIS_TITLE}}</a:t>
+            </a:r>
+          </a:p>
+        </p:txBody>
+      </p:sp>
+      <p:sp>
+        <p:nvSpPr>
+          <p:cNvPr id="19" name="TextBox 18"/>
           <p:cNvSpPr txBox="1"/>
           <p:nvPr/>
         </p:nvSpPr>
         <p:spPr>
           <a:xfrm>
-            <a:off x="6400800" y="2377440"/>
-            <a:ext cx="5029200" cy="365760"/>
+            <a:off x="6492240" y="2788920"/>
+            <a:ext cx="5166360" cy="1463040"/>
           </a:xfrm>
           <a:prstGeom prst="rect">
             <a:avLst/>
@@ -4180,30 +6568,123 @@
           <a:noFill/>
         </p:spPr>
         <p:txBody>
-          <a:bodyPr wrap="square">
+          <a:bodyPr wrap="square" lIns="127000" rIns="127000" tIns="76200" bIns="76200">
             <a:spAutoFit/>
           </a:bodyPr>
           <a:lstStyle/>
           <a:p>
             <a:pPr>
-              <a:defRPr sz="1400" b="1"/>
+              <a:defRPr sz="1000" b="0">
+                <a:solidFill>
+                  <a:srgbClr val="E2E8F0"/>
+                </a:solidFill>
+                <a:latin typeface="Microsoft YaHei"/>
+              </a:defRPr>
             </a:pPr>
             <a:r>
-              <a:t>{{RULES_ANALYSIS_TITLE}}</a:t>
-            </a:r>
-          </a:p>
-        </p:txBody>
-      </p:sp>
-      <p:sp>
-        <p:nvSpPr>
-          <p:cNvPr id="8" name="TextBox 7"/>
+              <a:t>{{TOP_RULES_ANALYSIS}}</a:t>
+            </a:r>
+          </a:p>
+        </p:txBody>
+      </p:sp>
+      <p:sp>
+        <p:nvSpPr>
+          <p:cNvPr id="20" name="Rounded Rectangle 19"/>
+          <p:cNvSpPr/>
+          <p:nvPr/>
+        </p:nvSpPr>
+        <p:spPr>
+          <a:xfrm>
+            <a:off x="649224" y="4535424"/>
+            <a:ext cx="11247120" cy="2103120"/>
+          </a:xfrm>
+          <a:prstGeom prst="roundRect">
+            <a:avLst/>
+          </a:prstGeom>
+          <a:solidFill>
+            <a:srgbClr val="000000"/>
+          </a:solidFill>
+          <a:ln>
+            <a:noFill/>
+          </a:ln>
+        </p:spPr>
+        <p:style>
+          <a:lnRef idx="1">
+            <a:schemeClr val="accent1"/>
+          </a:lnRef>
+          <a:fillRef idx="3">
+            <a:schemeClr val="accent1"/>
+          </a:fillRef>
+          <a:effectRef idx="2">
+            <a:schemeClr val="accent1"/>
+          </a:effectRef>
+          <a:fontRef idx="minor">
+            <a:schemeClr val="lt1"/>
+          </a:fontRef>
+        </p:style>
+        <p:txBody>
+          <a:bodyPr rtlCol="0" anchor="ctr"/>
+          <a:lstStyle/>
+          <a:p>
+            <a:pPr algn="ctr"/>
+          </a:p>
+        </p:txBody>
+      </p:sp>
+      <p:sp>
+        <p:nvSpPr>
+          <p:cNvPr id="21" name="Rounded Rectangle 20"/>
+          <p:cNvSpPr/>
+          <p:nvPr/>
+        </p:nvSpPr>
+        <p:spPr>
+          <a:xfrm>
+            <a:off x="594360" y="4480560"/>
+            <a:ext cx="11247120" cy="2103120"/>
+          </a:xfrm>
+          <a:prstGeom prst="roundRect">
+            <a:avLst/>
+          </a:prstGeom>
+          <a:solidFill>
+            <a:srgbClr val="111827"/>
+          </a:solidFill>
+          <a:ln w="12700">
+            <a:solidFill>
+              <a:srgbClr val="1F2937"/>
+            </a:solidFill>
+          </a:ln>
+        </p:spPr>
+        <p:style>
+          <a:lnRef idx="1">
+            <a:schemeClr val="accent1"/>
+          </a:lnRef>
+          <a:fillRef idx="3">
+            <a:schemeClr val="accent1"/>
+          </a:fillRef>
+          <a:effectRef idx="2">
+            <a:schemeClr val="accent1"/>
+          </a:effectRef>
+          <a:fontRef idx="minor">
+            <a:schemeClr val="lt1"/>
+          </a:fontRef>
+        </p:style>
+        <p:txBody>
+          <a:bodyPr rtlCol="0" anchor="ctr"/>
+          <a:lstStyle/>
+          <a:p>
+            <a:pPr algn="ctr"/>
+          </a:p>
+        </p:txBody>
+      </p:sp>
+      <p:sp>
+        <p:nvSpPr>
+          <p:cNvPr id="22" name="TextBox 21"/>
           <p:cNvSpPr txBox="1"/>
           <p:nvPr/>
         </p:nvSpPr>
         <p:spPr>
           <a:xfrm>
-            <a:off x="6400800" y="2743200"/>
-            <a:ext cx="5029200" cy="1371600"/>
+            <a:off x="777240" y="4572000"/>
+            <a:ext cx="10881360" cy="365760"/>
           </a:xfrm>
           <a:prstGeom prst="rect">
             <a:avLst/>
@@ -4211,30 +6692,35 @@
           <a:noFill/>
         </p:spPr>
         <p:txBody>
-          <a:bodyPr wrap="square">
+          <a:bodyPr wrap="square" lIns="127000" rIns="127000" tIns="76200" bIns="76200">
             <a:spAutoFit/>
           </a:bodyPr>
           <a:lstStyle/>
           <a:p>
             <a:pPr>
-              <a:defRPr sz="1000" b="0"/>
+              <a:defRPr sz="1400" b="1">
+                <a:solidFill>
+                  <a:srgbClr val="22C55E"/>
+                </a:solidFill>
+                <a:latin typeface="Microsoft YaHei"/>
+              </a:defRPr>
             </a:pPr>
             <a:r>
-              <a:t>{{TOP_RULES_ANALYSIS}}</a:t>
-            </a:r>
-          </a:p>
-        </p:txBody>
-      </p:sp>
-      <p:sp>
-        <p:nvSpPr>
-          <p:cNvPr id="9" name="TextBox 8"/>
+              <a:t>{{FP_TITLE}}</a:t>
+            </a:r>
+          </a:p>
+        </p:txBody>
+      </p:sp>
+      <p:sp>
+        <p:nvSpPr>
+          <p:cNvPr id="23" name="TextBox 22"/>
           <p:cNvSpPr txBox="1"/>
           <p:nvPr/>
         </p:nvSpPr>
         <p:spPr>
           <a:xfrm>
-            <a:off x="457200" y="4389120"/>
-            <a:ext cx="10972800" cy="365760"/>
+            <a:off x="777240" y="4937760"/>
+            <a:ext cx="10881360" cy="1554480"/>
           </a:xfrm>
           <a:prstGeom prst="rect">
             <a:avLst/>
@@ -4242,44 +6728,18 @@
           <a:noFill/>
         </p:spPr>
         <p:txBody>
-          <a:bodyPr wrap="square">
+          <a:bodyPr wrap="square" lIns="127000" rIns="127000" tIns="76200" bIns="76200">
             <a:spAutoFit/>
           </a:bodyPr>
           <a:lstStyle/>
           <a:p>
             <a:pPr>
-              <a:defRPr sz="1400" b="1"/>
-            </a:pPr>
-            <a:r>
-              <a:t>{{FP_TITLE}}</a:t>
-            </a:r>
-          </a:p>
-        </p:txBody>
-      </p:sp>
-      <p:sp>
-        <p:nvSpPr>
-          <p:cNvPr id="10" name="TextBox 9"/>
-          <p:cNvSpPr txBox="1"/>
-          <p:nvPr/>
-        </p:nvSpPr>
-        <p:spPr>
-          <a:xfrm>
-            <a:off x="457200" y="4754880"/>
-            <a:ext cx="10972800" cy="1828800"/>
-          </a:xfrm>
-          <a:prstGeom prst="rect">
-            <a:avLst/>
-          </a:prstGeom>
-          <a:noFill/>
-        </p:spPr>
-        <p:txBody>
-          <a:bodyPr wrap="square">
-            <a:spAutoFit/>
-          </a:bodyPr>
-          <a:lstStyle/>
-          <a:p>
-            <a:pPr>
-              <a:defRPr sz="1100" b="0"/>
+              <a:defRPr sz="1100" b="0">
+                <a:solidFill>
+                  <a:srgbClr val="E2E8F0"/>
+                </a:solidFill>
+                <a:latin typeface="Microsoft YaHei"/>
+              </a:defRPr>
             </a:pPr>
             <a:r>
               <a:t>{{FALSE_POSITIVE_INSIGHT}}</a:t>
@@ -4298,6 +6758,14 @@
 <file path=ppt/slides/slide4.xml><?xml version="1.0" encoding="utf-8"?>
 <p:sld xmlns:a="http://schemas.openxmlformats.org/drawingml/2006/main" xmlns:p="http://schemas.openxmlformats.org/presentationml/2006/main" xmlns:r="http://schemas.openxmlformats.org/officeDocument/2006/relationships">
   <p:cSld>
+    <p:bg>
+      <p:bgPr>
+        <a:solidFill>
+          <a:srgbClr val="0B1220"/>
+        </a:solidFill>
+        <a:effectLst/>
+      </p:bgPr>
+    </p:bg>
     <p:spTree>
       <p:nvGrpSpPr>
         <p:cNvPr id="1" name=""/>
@@ -4307,14 +6775,229 @@
       <p:grpSpPr/>
       <p:sp>
         <p:nvSpPr>
-          <p:cNvPr id="2" name="TextBox 1"/>
+          <p:cNvPr id="2" name="Rectangle 1"/>
+          <p:cNvSpPr/>
+          <p:nvPr/>
+        </p:nvSpPr>
+        <p:spPr>
+          <a:xfrm>
+            <a:off x="0" y="0"/>
+            <a:ext cx="12191695" cy="960120"/>
+          </a:xfrm>
+          <a:prstGeom prst="rect">
+            <a:avLst/>
+          </a:prstGeom>
+          <a:solidFill>
+            <a:srgbClr val="0F172A"/>
+          </a:solidFill>
+          <a:ln>
+            <a:noFill/>
+          </a:ln>
+        </p:spPr>
+        <p:style>
+          <a:lnRef idx="1">
+            <a:schemeClr val="accent1"/>
+          </a:lnRef>
+          <a:fillRef idx="3">
+            <a:schemeClr val="accent1"/>
+          </a:fillRef>
+          <a:effectRef idx="2">
+            <a:schemeClr val="accent1"/>
+          </a:effectRef>
+          <a:fontRef idx="minor">
+            <a:schemeClr val="lt1"/>
+          </a:fontRef>
+        </p:style>
+        <p:txBody>
+          <a:bodyPr rtlCol="0" anchor="ctr"/>
+          <a:lstStyle/>
+          <a:p>
+            <a:pPr algn="ctr"/>
+          </a:p>
+        </p:txBody>
+      </p:sp>
+      <p:sp>
+        <p:nvSpPr>
+          <p:cNvPr id="3" name="Rectangle 2"/>
+          <p:cNvSpPr/>
+          <p:nvPr/>
+        </p:nvSpPr>
+        <p:spPr>
+          <a:xfrm>
+            <a:off x="0" y="896112"/>
+            <a:ext cx="12191695" cy="54864"/>
+          </a:xfrm>
+          <a:prstGeom prst="rect">
+            <a:avLst/>
+          </a:prstGeom>
+          <a:solidFill>
+            <a:srgbClr val="22C55E"/>
+          </a:solidFill>
+          <a:ln>
+            <a:noFill/>
+          </a:ln>
+        </p:spPr>
+        <p:style>
+          <a:lnRef idx="1">
+            <a:schemeClr val="accent1"/>
+          </a:lnRef>
+          <a:fillRef idx="3">
+            <a:schemeClr val="accent1"/>
+          </a:fillRef>
+          <a:effectRef idx="2">
+            <a:schemeClr val="accent1"/>
+          </a:effectRef>
+          <a:fontRef idx="minor">
+            <a:schemeClr val="lt1"/>
+          </a:fontRef>
+        </p:style>
+        <p:txBody>
+          <a:bodyPr rtlCol="0" anchor="ctr"/>
+          <a:lstStyle/>
+          <a:p>
+            <a:pPr algn="ctr"/>
+          </a:p>
+        </p:txBody>
+      </p:sp>
+      <p:sp>
+        <p:nvSpPr>
+          <p:cNvPr id="4" name="Oval 3"/>
+          <p:cNvSpPr/>
+          <p:nvPr/>
+        </p:nvSpPr>
+        <p:spPr>
+          <a:xfrm>
+            <a:off x="10241280" y="-731520"/>
+            <a:ext cx="3108960" cy="3108960"/>
+          </a:xfrm>
+          <a:prstGeom prst="ellipse">
+            <a:avLst/>
+          </a:prstGeom>
+          <a:solidFill>
+            <a:srgbClr val="22C55E"/>
+          </a:solidFill>
+          <a:ln>
+            <a:noFill/>
+          </a:ln>
+        </p:spPr>
+        <p:style>
+          <a:lnRef idx="1">
+            <a:schemeClr val="accent1"/>
+          </a:lnRef>
+          <a:fillRef idx="3">
+            <a:schemeClr val="accent1"/>
+          </a:fillRef>
+          <a:effectRef idx="2">
+            <a:schemeClr val="accent1"/>
+          </a:effectRef>
+          <a:fontRef idx="minor">
+            <a:schemeClr val="lt1"/>
+          </a:fontRef>
+        </p:style>
+        <p:txBody>
+          <a:bodyPr rtlCol="0" anchor="ctr"/>
+          <a:lstStyle/>
+          <a:p>
+            <a:pPr algn="ctr"/>
+          </a:p>
+        </p:txBody>
+      </p:sp>
+      <p:sp>
+        <p:nvSpPr>
+          <p:cNvPr id="5" name="Oval 4"/>
+          <p:cNvSpPr/>
+          <p:nvPr/>
+        </p:nvSpPr>
+        <p:spPr>
+          <a:xfrm>
+            <a:off x="-1280160" y="5577840"/>
+            <a:ext cx="2743200" cy="2743200"/>
+          </a:xfrm>
+          <a:prstGeom prst="ellipse">
+            <a:avLst/>
+          </a:prstGeom>
+          <a:solidFill>
+            <a:srgbClr val="3B82F6"/>
+          </a:solidFill>
+          <a:ln>
+            <a:noFill/>
+          </a:ln>
+        </p:spPr>
+        <p:style>
+          <a:lnRef idx="1">
+            <a:schemeClr val="accent1"/>
+          </a:lnRef>
+          <a:fillRef idx="3">
+            <a:schemeClr val="accent1"/>
+          </a:fillRef>
+          <a:effectRef idx="2">
+            <a:schemeClr val="accent1"/>
+          </a:effectRef>
+          <a:fontRef idx="minor">
+            <a:schemeClr val="lt1"/>
+          </a:fontRef>
+        </p:style>
+        <p:txBody>
+          <a:bodyPr rtlCol="0" anchor="ctr"/>
+          <a:lstStyle/>
+          <a:p>
+            <a:pPr algn="ctr"/>
+          </a:p>
+        </p:txBody>
+      </p:sp>
+      <p:sp>
+        <p:nvSpPr>
+          <p:cNvPr id="6" name="Rectangle 5"/>
+          <p:cNvSpPr/>
+          <p:nvPr/>
+        </p:nvSpPr>
+        <p:spPr>
+          <a:xfrm>
+            <a:off x="274320" y="1143000"/>
+            <a:ext cx="11658600" cy="5486400"/>
+          </a:xfrm>
+          <a:prstGeom prst="rect">
+            <a:avLst/>
+          </a:prstGeom>
+          <a:solidFill>
+            <a:srgbClr val="0F172A"/>
+          </a:solidFill>
+          <a:ln>
+            <a:noFill/>
+          </a:ln>
+        </p:spPr>
+        <p:style>
+          <a:lnRef idx="1">
+            <a:schemeClr val="accent1"/>
+          </a:lnRef>
+          <a:fillRef idx="3">
+            <a:schemeClr val="accent1"/>
+          </a:fillRef>
+          <a:effectRef idx="2">
+            <a:schemeClr val="accent1"/>
+          </a:effectRef>
+          <a:fontRef idx="minor">
+            <a:schemeClr val="lt1"/>
+          </a:fontRef>
+        </p:style>
+        <p:txBody>
+          <a:bodyPr rtlCol="0" anchor="ctr"/>
+          <a:lstStyle/>
+          <a:p>
+            <a:pPr algn="ctr"/>
+          </a:p>
+        </p:txBody>
+      </p:sp>
+      <p:sp>
+        <p:nvSpPr>
+          <p:cNvPr id="7" name="TextBox 6"/>
           <p:cNvSpPr txBox="1"/>
           <p:nvPr/>
         </p:nvSpPr>
         <p:spPr>
           <a:xfrm>
-            <a:off x="457200" y="274320"/>
-            <a:ext cx="10972800" cy="548640"/>
+            <a:off x="594360" y="201168"/>
+            <a:ext cx="11247120" cy="621792"/>
           </a:xfrm>
           <a:prstGeom prst="rect">
             <a:avLst/>
@@ -4322,7 +7005,7 @@
           <a:noFill/>
         </p:spPr>
         <p:txBody>
-          <a:bodyPr wrap="square">
+          <a:bodyPr wrap="square" lIns="127000" rIns="127000" tIns="76200" bIns="76200">
             <a:spAutoFit/>
           </a:bodyPr>
           <a:lstStyle/>
@@ -4330,26 +7013,151 @@
             <a:pPr>
               <a:defRPr sz="2800" b="1">
                 <a:solidFill>
+                  <a:srgbClr val="E2E8F0"/>
+                </a:solidFill>
+                <a:latin typeface="Microsoft YaHei"/>
+              </a:defRPr>
+            </a:pPr>
+            <a:r>
+              <a:t>{{SLIDE_TITLE}}</a:t>
+            </a:r>
+          </a:p>
+        </p:txBody>
+      </p:sp>
+      <p:sp>
+        <p:nvSpPr>
+          <p:cNvPr id="8" name="Rounded Rectangle 7"/>
+          <p:cNvSpPr/>
+          <p:nvPr/>
+        </p:nvSpPr>
+        <p:spPr>
+          <a:xfrm>
+            <a:off x="649224" y="1014984"/>
+            <a:ext cx="11247120" cy="2697480"/>
+          </a:xfrm>
+          <a:prstGeom prst="roundRect">
+            <a:avLst/>
+          </a:prstGeom>
+          <a:solidFill>
+            <a:srgbClr val="000000"/>
+          </a:solidFill>
+          <a:ln>
+            <a:noFill/>
+          </a:ln>
+        </p:spPr>
+        <p:style>
+          <a:lnRef idx="1">
+            <a:schemeClr val="accent1"/>
+          </a:lnRef>
+          <a:fillRef idx="3">
+            <a:schemeClr val="accent1"/>
+          </a:fillRef>
+          <a:effectRef idx="2">
+            <a:schemeClr val="accent1"/>
+          </a:effectRef>
+          <a:fontRef idx="minor">
+            <a:schemeClr val="lt1"/>
+          </a:fontRef>
+        </p:style>
+        <p:txBody>
+          <a:bodyPr rtlCol="0" anchor="ctr"/>
+          <a:lstStyle/>
+          <a:p>
+            <a:pPr algn="ctr"/>
+          </a:p>
+        </p:txBody>
+      </p:sp>
+      <p:sp>
+        <p:nvSpPr>
+          <p:cNvPr id="9" name="Rounded Rectangle 8"/>
+          <p:cNvSpPr/>
+          <p:nvPr/>
+        </p:nvSpPr>
+        <p:spPr>
+          <a:xfrm>
+            <a:off x="594360" y="960120"/>
+            <a:ext cx="11247120" cy="2697480"/>
+          </a:xfrm>
+          <a:prstGeom prst="roundRect">
+            <a:avLst/>
+          </a:prstGeom>
+          <a:solidFill>
+            <a:srgbClr val="111827"/>
+          </a:solidFill>
+          <a:ln w="12700">
+            <a:solidFill>
+              <a:srgbClr val="1F2937"/>
+            </a:solidFill>
+          </a:ln>
+        </p:spPr>
+        <p:style>
+          <a:lnRef idx="1">
+            <a:schemeClr val="accent1"/>
+          </a:lnRef>
+          <a:fillRef idx="3">
+            <a:schemeClr val="accent1"/>
+          </a:fillRef>
+          <a:effectRef idx="2">
+            <a:schemeClr val="accent1"/>
+          </a:effectRef>
+          <a:fontRef idx="minor">
+            <a:schemeClr val="lt1"/>
+          </a:fontRef>
+        </p:style>
+        <p:txBody>
+          <a:bodyPr rtlCol="0" anchor="ctr"/>
+          <a:lstStyle/>
+          <a:p>
+            <a:pPr algn="ctr"/>
+          </a:p>
+        </p:txBody>
+      </p:sp>
+      <p:sp>
+        <p:nvSpPr>
+          <p:cNvPr id="10" name="TextBox 9"/>
+          <p:cNvSpPr txBox="1"/>
+          <p:nvPr/>
+        </p:nvSpPr>
+        <p:spPr>
+          <a:xfrm>
+            <a:off x="777240" y="1051560"/>
+            <a:ext cx="10881360" cy="365760"/>
+          </a:xfrm>
+          <a:prstGeom prst="rect">
+            <a:avLst/>
+          </a:prstGeom>
+          <a:noFill/>
+        </p:spPr>
+        <p:txBody>
+          <a:bodyPr wrap="square" lIns="127000" rIns="127000" tIns="76200" bIns="76200">
+            <a:spAutoFit/>
+          </a:bodyPr>
+          <a:lstStyle/>
+          <a:p>
+            <a:pPr>
+              <a:defRPr sz="1400" b="1">
+                <a:solidFill>
                   <a:srgbClr val="22C55E"/>
                 </a:solidFill>
+                <a:latin typeface="Microsoft YaHei"/>
               </a:defRPr>
             </a:pPr>
             <a:r>
-              <a:t>{{SLIDE_TITLE}}</a:t>
-            </a:r>
-          </a:p>
-        </p:txBody>
-      </p:sp>
-      <p:sp>
-        <p:nvSpPr>
-          <p:cNvPr id="3" name="TextBox 2"/>
+              <a:t>{{TIMELINE_TITLE}}</a:t>
+            </a:r>
+          </a:p>
+        </p:txBody>
+      </p:sp>
+      <p:sp>
+        <p:nvSpPr>
+          <p:cNvPr id="11" name="TextBox 10"/>
           <p:cNvSpPr txBox="1"/>
           <p:nvPr/>
         </p:nvSpPr>
         <p:spPr>
           <a:xfrm>
-            <a:off x="457200" y="1097280"/>
-            <a:ext cx="10972800" cy="365760"/>
+            <a:off x="777240" y="1417320"/>
+            <a:ext cx="10881360" cy="2148840"/>
           </a:xfrm>
           <a:prstGeom prst="rect">
             <a:avLst/>
@@ -4357,30 +7165,123 @@
           <a:noFill/>
         </p:spPr>
         <p:txBody>
-          <a:bodyPr wrap="square">
+          <a:bodyPr wrap="square" lIns="127000" rIns="127000" tIns="76200" bIns="76200">
             <a:spAutoFit/>
           </a:bodyPr>
           <a:lstStyle/>
           <a:p>
             <a:pPr>
-              <a:defRPr sz="1400" b="1"/>
+              <a:defRPr sz="1100" b="0">
+                <a:solidFill>
+                  <a:srgbClr val="E2E8F0"/>
+                </a:solidFill>
+                <a:latin typeface="Microsoft YaHei"/>
+              </a:defRPr>
             </a:pPr>
             <a:r>
-              <a:t>{{TIMELINE_TITLE}}</a:t>
-            </a:r>
-          </a:p>
-        </p:txBody>
-      </p:sp>
-      <p:sp>
-        <p:nvSpPr>
-          <p:cNvPr id="4" name="TextBox 3"/>
+              <a:t>{{TIMELINE_NARRATIVE}}</a:t>
+            </a:r>
+          </a:p>
+        </p:txBody>
+      </p:sp>
+      <p:sp>
+        <p:nvSpPr>
+          <p:cNvPr id="12" name="Rounded Rectangle 11"/>
+          <p:cNvSpPr/>
+          <p:nvPr/>
+        </p:nvSpPr>
+        <p:spPr>
+          <a:xfrm>
+            <a:off x="649224" y="3849624"/>
+            <a:ext cx="5532120" cy="2788920"/>
+          </a:xfrm>
+          <a:prstGeom prst="roundRect">
+            <a:avLst/>
+          </a:prstGeom>
+          <a:solidFill>
+            <a:srgbClr val="000000"/>
+          </a:solidFill>
+          <a:ln>
+            <a:noFill/>
+          </a:ln>
+        </p:spPr>
+        <p:style>
+          <a:lnRef idx="1">
+            <a:schemeClr val="accent1"/>
+          </a:lnRef>
+          <a:fillRef idx="3">
+            <a:schemeClr val="accent1"/>
+          </a:fillRef>
+          <a:effectRef idx="2">
+            <a:schemeClr val="accent1"/>
+          </a:effectRef>
+          <a:fontRef idx="minor">
+            <a:schemeClr val="lt1"/>
+          </a:fontRef>
+        </p:style>
+        <p:txBody>
+          <a:bodyPr rtlCol="0" anchor="ctr"/>
+          <a:lstStyle/>
+          <a:p>
+            <a:pPr algn="ctr"/>
+          </a:p>
+        </p:txBody>
+      </p:sp>
+      <p:sp>
+        <p:nvSpPr>
+          <p:cNvPr id="13" name="Rounded Rectangle 12"/>
+          <p:cNvSpPr/>
+          <p:nvPr/>
+        </p:nvSpPr>
+        <p:spPr>
+          <a:xfrm>
+            <a:off x="594360" y="3794760"/>
+            <a:ext cx="5532120" cy="2788920"/>
+          </a:xfrm>
+          <a:prstGeom prst="roundRect">
+            <a:avLst/>
+          </a:prstGeom>
+          <a:solidFill>
+            <a:srgbClr val="111827"/>
+          </a:solidFill>
+          <a:ln w="12700">
+            <a:solidFill>
+              <a:srgbClr val="1F2937"/>
+            </a:solidFill>
+          </a:ln>
+        </p:spPr>
+        <p:style>
+          <a:lnRef idx="1">
+            <a:schemeClr val="accent1"/>
+          </a:lnRef>
+          <a:fillRef idx="3">
+            <a:schemeClr val="accent1"/>
+          </a:fillRef>
+          <a:effectRef idx="2">
+            <a:schemeClr val="accent1"/>
+          </a:effectRef>
+          <a:fontRef idx="minor">
+            <a:schemeClr val="lt1"/>
+          </a:fontRef>
+        </p:style>
+        <p:txBody>
+          <a:bodyPr rtlCol="0" anchor="ctr"/>
+          <a:lstStyle/>
+          <a:p>
+            <a:pPr algn="ctr"/>
+          </a:p>
+        </p:txBody>
+      </p:sp>
+      <p:sp>
+        <p:nvSpPr>
+          <p:cNvPr id="14" name="TextBox 13"/>
           <p:cNvSpPr txBox="1"/>
           <p:nvPr/>
         </p:nvSpPr>
         <p:spPr>
           <a:xfrm>
-            <a:off x="457200" y="1463040"/>
-            <a:ext cx="10972800" cy="2011680"/>
+            <a:off x="777240" y="3886200"/>
+            <a:ext cx="5166360" cy="365760"/>
           </a:xfrm>
           <a:prstGeom prst="rect">
             <a:avLst/>
@@ -4388,30 +7289,35 @@
           <a:noFill/>
         </p:spPr>
         <p:txBody>
-          <a:bodyPr wrap="square">
+          <a:bodyPr wrap="square" lIns="127000" rIns="127000" tIns="76200" bIns="76200">
             <a:spAutoFit/>
           </a:bodyPr>
           <a:lstStyle/>
           <a:p>
             <a:pPr>
-              <a:defRPr sz="1100" b="0"/>
+              <a:defRPr sz="1400" b="1">
+                <a:solidFill>
+                  <a:srgbClr val="22C55E"/>
+                </a:solidFill>
+                <a:latin typeface="Microsoft YaHei"/>
+              </a:defRPr>
             </a:pPr>
             <a:r>
-              <a:t>{{TIMELINE_NARRATIVE}}</a:t>
-            </a:r>
-          </a:p>
-        </p:txBody>
-      </p:sp>
-      <p:sp>
-        <p:nvSpPr>
-          <p:cNvPr id="5" name="TextBox 4"/>
+              <a:t>{{RESPONSE_TITLE}}</a:t>
+            </a:r>
+          </a:p>
+        </p:txBody>
+      </p:sp>
+      <p:sp>
+        <p:nvSpPr>
+          <p:cNvPr id="15" name="TextBox 14"/>
           <p:cNvSpPr txBox="1"/>
           <p:nvPr/>
         </p:nvSpPr>
         <p:spPr>
           <a:xfrm>
-            <a:off x="457200" y="3657600"/>
-            <a:ext cx="5486400" cy="365760"/>
+            <a:off x="777240" y="4251960"/>
+            <a:ext cx="5166360" cy="2240280"/>
           </a:xfrm>
           <a:prstGeom prst="rect">
             <a:avLst/>
@@ -4419,30 +7325,123 @@
           <a:noFill/>
         </p:spPr>
         <p:txBody>
-          <a:bodyPr wrap="square">
+          <a:bodyPr wrap="square" lIns="127000" rIns="127000" tIns="76200" bIns="76200">
             <a:spAutoFit/>
           </a:bodyPr>
           <a:lstStyle/>
           <a:p>
             <a:pPr>
-              <a:defRPr sz="1400" b="1"/>
+              <a:defRPr sz="1100" b="0">
+                <a:solidFill>
+                  <a:srgbClr val="E2E8F0"/>
+                </a:solidFill>
+                <a:latin typeface="Microsoft YaHei"/>
+              </a:defRPr>
             </a:pPr>
             <a:r>
-              <a:t>{{RESPONSE_TITLE}}</a:t>
-            </a:r>
-          </a:p>
-        </p:txBody>
-      </p:sp>
-      <p:sp>
-        <p:nvSpPr>
-          <p:cNvPr id="6" name="TextBox 5"/>
+              <a:t>{{RESPONSE_METRICS}}</a:t>
+            </a:r>
+          </a:p>
+        </p:txBody>
+      </p:sp>
+      <p:sp>
+        <p:nvSpPr>
+          <p:cNvPr id="16" name="Rounded Rectangle 15"/>
+          <p:cNvSpPr/>
+          <p:nvPr/>
+        </p:nvSpPr>
+        <p:spPr>
+          <a:xfrm>
+            <a:off x="6364224" y="3849624"/>
+            <a:ext cx="5532120" cy="2788920"/>
+          </a:xfrm>
+          <a:prstGeom prst="roundRect">
+            <a:avLst/>
+          </a:prstGeom>
+          <a:solidFill>
+            <a:srgbClr val="000000"/>
+          </a:solidFill>
+          <a:ln>
+            <a:noFill/>
+          </a:ln>
+        </p:spPr>
+        <p:style>
+          <a:lnRef idx="1">
+            <a:schemeClr val="accent1"/>
+          </a:lnRef>
+          <a:fillRef idx="3">
+            <a:schemeClr val="accent1"/>
+          </a:fillRef>
+          <a:effectRef idx="2">
+            <a:schemeClr val="accent1"/>
+          </a:effectRef>
+          <a:fontRef idx="minor">
+            <a:schemeClr val="lt1"/>
+          </a:fontRef>
+        </p:style>
+        <p:txBody>
+          <a:bodyPr rtlCol="0" anchor="ctr"/>
+          <a:lstStyle/>
+          <a:p>
+            <a:pPr algn="ctr"/>
+          </a:p>
+        </p:txBody>
+      </p:sp>
+      <p:sp>
+        <p:nvSpPr>
+          <p:cNvPr id="17" name="Rounded Rectangle 16"/>
+          <p:cNvSpPr/>
+          <p:nvPr/>
+        </p:nvSpPr>
+        <p:spPr>
+          <a:xfrm>
+            <a:off x="6309360" y="3794760"/>
+            <a:ext cx="5532120" cy="2788920"/>
+          </a:xfrm>
+          <a:prstGeom prst="roundRect">
+            <a:avLst/>
+          </a:prstGeom>
+          <a:solidFill>
+            <a:srgbClr val="111827"/>
+          </a:solidFill>
+          <a:ln w="12700">
+            <a:solidFill>
+              <a:srgbClr val="1F2937"/>
+            </a:solidFill>
+          </a:ln>
+        </p:spPr>
+        <p:style>
+          <a:lnRef idx="1">
+            <a:schemeClr val="accent1"/>
+          </a:lnRef>
+          <a:fillRef idx="3">
+            <a:schemeClr val="accent1"/>
+          </a:fillRef>
+          <a:effectRef idx="2">
+            <a:schemeClr val="accent1"/>
+          </a:effectRef>
+          <a:fontRef idx="minor">
+            <a:schemeClr val="lt1"/>
+          </a:fontRef>
+        </p:style>
+        <p:txBody>
+          <a:bodyPr rtlCol="0" anchor="ctr"/>
+          <a:lstStyle/>
+          <a:p>
+            <a:pPr algn="ctr"/>
+          </a:p>
+        </p:txBody>
+      </p:sp>
+      <p:sp>
+        <p:nvSpPr>
+          <p:cNvPr id="18" name="TextBox 17"/>
           <p:cNvSpPr txBox="1"/>
           <p:nvPr/>
         </p:nvSpPr>
         <p:spPr>
           <a:xfrm>
-            <a:off x="457200" y="4023360"/>
-            <a:ext cx="5486400" cy="1371600"/>
+            <a:off x="6492240" y="3886200"/>
+            <a:ext cx="5166360" cy="365760"/>
           </a:xfrm>
           <a:prstGeom prst="rect">
             <a:avLst/>
@@ -4450,30 +7449,35 @@
           <a:noFill/>
         </p:spPr>
         <p:txBody>
-          <a:bodyPr wrap="square">
+          <a:bodyPr wrap="square" lIns="127000" rIns="127000" tIns="76200" bIns="76200">
             <a:spAutoFit/>
           </a:bodyPr>
           <a:lstStyle/>
           <a:p>
             <a:pPr>
-              <a:defRPr sz="1100" b="0"/>
+              <a:defRPr sz="1400" b="1">
+                <a:solidFill>
+                  <a:srgbClr val="22C55E"/>
+                </a:solidFill>
+                <a:latin typeface="Microsoft YaHei"/>
+              </a:defRPr>
             </a:pPr>
             <a:r>
-              <a:t>{{RESPONSE_METRICS}}</a:t>
-            </a:r>
-          </a:p>
-        </p:txBody>
-      </p:sp>
-      <p:sp>
-        <p:nvSpPr>
-          <p:cNvPr id="7" name="TextBox 6"/>
+              <a:t>{{LESSONS_TITLE}}</a:t>
+            </a:r>
+          </a:p>
+        </p:txBody>
+      </p:sp>
+      <p:sp>
+        <p:nvSpPr>
+          <p:cNvPr id="19" name="TextBox 18"/>
           <p:cNvSpPr txBox="1"/>
           <p:nvPr/>
         </p:nvSpPr>
         <p:spPr>
           <a:xfrm>
-            <a:off x="6400800" y="3657600"/>
-            <a:ext cx="5029200" cy="365760"/>
+            <a:off x="6492240" y="4251960"/>
+            <a:ext cx="5166360" cy="2240280"/>
           </a:xfrm>
           <a:prstGeom prst="rect">
             <a:avLst/>
@@ -4481,44 +7485,18 @@
           <a:noFill/>
         </p:spPr>
         <p:txBody>
-          <a:bodyPr wrap="square">
+          <a:bodyPr wrap="square" lIns="127000" rIns="127000" tIns="76200" bIns="76200">
             <a:spAutoFit/>
           </a:bodyPr>
           <a:lstStyle/>
           <a:p>
             <a:pPr>
-              <a:defRPr sz="1400" b="1"/>
-            </a:pPr>
-            <a:r>
-              <a:t>{{LESSONS_TITLE}}</a:t>
-            </a:r>
-          </a:p>
-        </p:txBody>
-      </p:sp>
-      <p:sp>
-        <p:nvSpPr>
-          <p:cNvPr id="8" name="TextBox 7"/>
-          <p:cNvSpPr txBox="1"/>
-          <p:nvPr/>
-        </p:nvSpPr>
-        <p:spPr>
-          <a:xfrm>
-            <a:off x="6400800" y="4023360"/>
-            <a:ext cx="5029200" cy="2560320"/>
-          </a:xfrm>
-          <a:prstGeom prst="rect">
-            <a:avLst/>
-          </a:prstGeom>
-          <a:noFill/>
-        </p:spPr>
-        <p:txBody>
-          <a:bodyPr wrap="square">
-            <a:spAutoFit/>
-          </a:bodyPr>
-          <a:lstStyle/>
-          <a:p>
-            <a:pPr>
-              <a:defRPr sz="1100" b="0"/>
+              <a:defRPr sz="1100" b="0">
+                <a:solidFill>
+                  <a:srgbClr val="E2E8F0"/>
+                </a:solidFill>
+                <a:latin typeface="Microsoft YaHei"/>
+              </a:defRPr>
             </a:pPr>
             <a:r>
               <a:t>{{LESSONS_LEARNED}}</a:t>
@@ -4537,6 +7515,14 @@
 <file path=ppt/slides/slide5.xml><?xml version="1.0" encoding="utf-8"?>
 <p:sld xmlns:a="http://schemas.openxmlformats.org/drawingml/2006/main" xmlns:p="http://schemas.openxmlformats.org/presentationml/2006/main" xmlns:r="http://schemas.openxmlformats.org/officeDocument/2006/relationships">
   <p:cSld>
+    <p:bg>
+      <p:bgPr>
+        <a:solidFill>
+          <a:srgbClr val="0B1220"/>
+        </a:solidFill>
+        <a:effectLst/>
+      </p:bgPr>
+    </p:bg>
     <p:spTree>
       <p:nvGrpSpPr>
         <p:cNvPr id="1" name=""/>
@@ -4546,14 +7532,229 @@
       <p:grpSpPr/>
       <p:sp>
         <p:nvSpPr>
-          <p:cNvPr id="2" name="TextBox 1"/>
+          <p:cNvPr id="2" name="Rectangle 1"/>
+          <p:cNvSpPr/>
+          <p:nvPr/>
+        </p:nvSpPr>
+        <p:spPr>
+          <a:xfrm>
+            <a:off x="0" y="0"/>
+            <a:ext cx="12191695" cy="960120"/>
+          </a:xfrm>
+          <a:prstGeom prst="rect">
+            <a:avLst/>
+          </a:prstGeom>
+          <a:solidFill>
+            <a:srgbClr val="0F172A"/>
+          </a:solidFill>
+          <a:ln>
+            <a:noFill/>
+          </a:ln>
+        </p:spPr>
+        <p:style>
+          <a:lnRef idx="1">
+            <a:schemeClr val="accent1"/>
+          </a:lnRef>
+          <a:fillRef idx="3">
+            <a:schemeClr val="accent1"/>
+          </a:fillRef>
+          <a:effectRef idx="2">
+            <a:schemeClr val="accent1"/>
+          </a:effectRef>
+          <a:fontRef idx="minor">
+            <a:schemeClr val="lt1"/>
+          </a:fontRef>
+        </p:style>
+        <p:txBody>
+          <a:bodyPr rtlCol="0" anchor="ctr"/>
+          <a:lstStyle/>
+          <a:p>
+            <a:pPr algn="ctr"/>
+          </a:p>
+        </p:txBody>
+      </p:sp>
+      <p:sp>
+        <p:nvSpPr>
+          <p:cNvPr id="3" name="Rectangle 2"/>
+          <p:cNvSpPr/>
+          <p:nvPr/>
+        </p:nvSpPr>
+        <p:spPr>
+          <a:xfrm>
+            <a:off x="0" y="896112"/>
+            <a:ext cx="12191695" cy="54864"/>
+          </a:xfrm>
+          <a:prstGeom prst="rect">
+            <a:avLst/>
+          </a:prstGeom>
+          <a:solidFill>
+            <a:srgbClr val="22C55E"/>
+          </a:solidFill>
+          <a:ln>
+            <a:noFill/>
+          </a:ln>
+        </p:spPr>
+        <p:style>
+          <a:lnRef idx="1">
+            <a:schemeClr val="accent1"/>
+          </a:lnRef>
+          <a:fillRef idx="3">
+            <a:schemeClr val="accent1"/>
+          </a:fillRef>
+          <a:effectRef idx="2">
+            <a:schemeClr val="accent1"/>
+          </a:effectRef>
+          <a:fontRef idx="minor">
+            <a:schemeClr val="lt1"/>
+          </a:fontRef>
+        </p:style>
+        <p:txBody>
+          <a:bodyPr rtlCol="0" anchor="ctr"/>
+          <a:lstStyle/>
+          <a:p>
+            <a:pPr algn="ctr"/>
+          </a:p>
+        </p:txBody>
+      </p:sp>
+      <p:sp>
+        <p:nvSpPr>
+          <p:cNvPr id="4" name="Oval 3"/>
+          <p:cNvSpPr/>
+          <p:nvPr/>
+        </p:nvSpPr>
+        <p:spPr>
+          <a:xfrm>
+            <a:off x="10241280" y="-731520"/>
+            <a:ext cx="3108960" cy="3108960"/>
+          </a:xfrm>
+          <a:prstGeom prst="ellipse">
+            <a:avLst/>
+          </a:prstGeom>
+          <a:solidFill>
+            <a:srgbClr val="22C55E"/>
+          </a:solidFill>
+          <a:ln>
+            <a:noFill/>
+          </a:ln>
+        </p:spPr>
+        <p:style>
+          <a:lnRef idx="1">
+            <a:schemeClr val="accent1"/>
+          </a:lnRef>
+          <a:fillRef idx="3">
+            <a:schemeClr val="accent1"/>
+          </a:fillRef>
+          <a:effectRef idx="2">
+            <a:schemeClr val="accent1"/>
+          </a:effectRef>
+          <a:fontRef idx="minor">
+            <a:schemeClr val="lt1"/>
+          </a:fontRef>
+        </p:style>
+        <p:txBody>
+          <a:bodyPr rtlCol="0" anchor="ctr"/>
+          <a:lstStyle/>
+          <a:p>
+            <a:pPr algn="ctr"/>
+          </a:p>
+        </p:txBody>
+      </p:sp>
+      <p:sp>
+        <p:nvSpPr>
+          <p:cNvPr id="5" name="Oval 4"/>
+          <p:cNvSpPr/>
+          <p:nvPr/>
+        </p:nvSpPr>
+        <p:spPr>
+          <a:xfrm>
+            <a:off x="-1280160" y="5577840"/>
+            <a:ext cx="2743200" cy="2743200"/>
+          </a:xfrm>
+          <a:prstGeom prst="ellipse">
+            <a:avLst/>
+          </a:prstGeom>
+          <a:solidFill>
+            <a:srgbClr val="3B82F6"/>
+          </a:solidFill>
+          <a:ln>
+            <a:noFill/>
+          </a:ln>
+        </p:spPr>
+        <p:style>
+          <a:lnRef idx="1">
+            <a:schemeClr val="accent1"/>
+          </a:lnRef>
+          <a:fillRef idx="3">
+            <a:schemeClr val="accent1"/>
+          </a:fillRef>
+          <a:effectRef idx="2">
+            <a:schemeClr val="accent1"/>
+          </a:effectRef>
+          <a:fontRef idx="minor">
+            <a:schemeClr val="lt1"/>
+          </a:fontRef>
+        </p:style>
+        <p:txBody>
+          <a:bodyPr rtlCol="0" anchor="ctr"/>
+          <a:lstStyle/>
+          <a:p>
+            <a:pPr algn="ctr"/>
+          </a:p>
+        </p:txBody>
+      </p:sp>
+      <p:sp>
+        <p:nvSpPr>
+          <p:cNvPr id="6" name="Rectangle 5"/>
+          <p:cNvSpPr/>
+          <p:nvPr/>
+        </p:nvSpPr>
+        <p:spPr>
+          <a:xfrm>
+            <a:off x="274320" y="1143000"/>
+            <a:ext cx="11658600" cy="5486400"/>
+          </a:xfrm>
+          <a:prstGeom prst="rect">
+            <a:avLst/>
+          </a:prstGeom>
+          <a:solidFill>
+            <a:srgbClr val="0F172A"/>
+          </a:solidFill>
+          <a:ln>
+            <a:noFill/>
+          </a:ln>
+        </p:spPr>
+        <p:style>
+          <a:lnRef idx="1">
+            <a:schemeClr val="accent1"/>
+          </a:lnRef>
+          <a:fillRef idx="3">
+            <a:schemeClr val="accent1"/>
+          </a:fillRef>
+          <a:effectRef idx="2">
+            <a:schemeClr val="accent1"/>
+          </a:effectRef>
+          <a:fontRef idx="minor">
+            <a:schemeClr val="lt1"/>
+          </a:fontRef>
+        </p:style>
+        <p:txBody>
+          <a:bodyPr rtlCol="0" anchor="ctr"/>
+          <a:lstStyle/>
+          <a:p>
+            <a:pPr algn="ctr"/>
+          </a:p>
+        </p:txBody>
+      </p:sp>
+      <p:sp>
+        <p:nvSpPr>
+          <p:cNvPr id="7" name="TextBox 6"/>
           <p:cNvSpPr txBox="1"/>
           <p:nvPr/>
         </p:nvSpPr>
         <p:spPr>
           <a:xfrm>
-            <a:off x="457200" y="274320"/>
-            <a:ext cx="10972800" cy="548640"/>
+            <a:off x="594360" y="201168"/>
+            <a:ext cx="11247120" cy="621792"/>
           </a:xfrm>
           <a:prstGeom prst="rect">
             <a:avLst/>
@@ -4561,7 +7762,7 @@
           <a:noFill/>
         </p:spPr>
         <p:txBody>
-          <a:bodyPr wrap="square">
+          <a:bodyPr wrap="square" lIns="127000" rIns="127000" tIns="76200" bIns="76200">
             <a:spAutoFit/>
           </a:bodyPr>
           <a:lstStyle/>
@@ -4569,26 +7770,151 @@
             <a:pPr>
               <a:defRPr sz="2800" b="1">
                 <a:solidFill>
+                  <a:srgbClr val="E2E8F0"/>
+                </a:solidFill>
+                <a:latin typeface="Microsoft YaHei"/>
+              </a:defRPr>
+            </a:pPr>
+            <a:r>
+              <a:t>{{SLIDE_TITLE}}</a:t>
+            </a:r>
+          </a:p>
+        </p:txBody>
+      </p:sp>
+      <p:sp>
+        <p:nvSpPr>
+          <p:cNvPr id="8" name="Rounded Rectangle 7"/>
+          <p:cNvSpPr/>
+          <p:nvPr/>
+        </p:nvSpPr>
+        <p:spPr>
+          <a:xfrm>
+            <a:off x="649224" y="1014984"/>
+            <a:ext cx="11247120" cy="2423160"/>
+          </a:xfrm>
+          <a:prstGeom prst="roundRect">
+            <a:avLst/>
+          </a:prstGeom>
+          <a:solidFill>
+            <a:srgbClr val="000000"/>
+          </a:solidFill>
+          <a:ln>
+            <a:noFill/>
+          </a:ln>
+        </p:spPr>
+        <p:style>
+          <a:lnRef idx="1">
+            <a:schemeClr val="accent1"/>
+          </a:lnRef>
+          <a:fillRef idx="3">
+            <a:schemeClr val="accent1"/>
+          </a:fillRef>
+          <a:effectRef idx="2">
+            <a:schemeClr val="accent1"/>
+          </a:effectRef>
+          <a:fontRef idx="minor">
+            <a:schemeClr val="lt1"/>
+          </a:fontRef>
+        </p:style>
+        <p:txBody>
+          <a:bodyPr rtlCol="0" anchor="ctr"/>
+          <a:lstStyle/>
+          <a:p>
+            <a:pPr algn="ctr"/>
+          </a:p>
+        </p:txBody>
+      </p:sp>
+      <p:sp>
+        <p:nvSpPr>
+          <p:cNvPr id="9" name="Rounded Rectangle 8"/>
+          <p:cNvSpPr/>
+          <p:nvPr/>
+        </p:nvSpPr>
+        <p:spPr>
+          <a:xfrm>
+            <a:off x="594360" y="960120"/>
+            <a:ext cx="11247120" cy="2423160"/>
+          </a:xfrm>
+          <a:prstGeom prst="roundRect">
+            <a:avLst/>
+          </a:prstGeom>
+          <a:solidFill>
+            <a:srgbClr val="111827"/>
+          </a:solidFill>
+          <a:ln w="12700">
+            <a:solidFill>
+              <a:srgbClr val="1F2937"/>
+            </a:solidFill>
+          </a:ln>
+        </p:spPr>
+        <p:style>
+          <a:lnRef idx="1">
+            <a:schemeClr val="accent1"/>
+          </a:lnRef>
+          <a:fillRef idx="3">
+            <a:schemeClr val="accent1"/>
+          </a:fillRef>
+          <a:effectRef idx="2">
+            <a:schemeClr val="accent1"/>
+          </a:effectRef>
+          <a:fontRef idx="minor">
+            <a:schemeClr val="lt1"/>
+          </a:fontRef>
+        </p:style>
+        <p:txBody>
+          <a:bodyPr rtlCol="0" anchor="ctr"/>
+          <a:lstStyle/>
+          <a:p>
+            <a:pPr algn="ctr"/>
+          </a:p>
+        </p:txBody>
+      </p:sp>
+      <p:sp>
+        <p:nvSpPr>
+          <p:cNvPr id="10" name="TextBox 9"/>
+          <p:cNvSpPr txBox="1"/>
+          <p:nvPr/>
+        </p:nvSpPr>
+        <p:spPr>
+          <a:xfrm>
+            <a:off x="777240" y="1051560"/>
+            <a:ext cx="10881360" cy="365760"/>
+          </a:xfrm>
+          <a:prstGeom prst="rect">
+            <a:avLst/>
+          </a:prstGeom>
+          <a:noFill/>
+        </p:spPr>
+        <p:txBody>
+          <a:bodyPr wrap="square" lIns="127000" rIns="127000" tIns="76200" bIns="76200">
+            <a:spAutoFit/>
+          </a:bodyPr>
+          <a:lstStyle/>
+          <a:p>
+            <a:pPr>
+              <a:defRPr sz="1400" b="1">
+                <a:solidFill>
                   <a:srgbClr val="22C55E"/>
                 </a:solidFill>
+                <a:latin typeface="Microsoft YaHei"/>
               </a:defRPr>
             </a:pPr>
             <a:r>
-              <a:t>{{SLIDE_TITLE}}</a:t>
-            </a:r>
-          </a:p>
-        </p:txBody>
-      </p:sp>
-      <p:sp>
-        <p:nvSpPr>
-          <p:cNvPr id="3" name="TextBox 2"/>
+              <a:t>{{INCIDENT1_TITLE}}</a:t>
+            </a:r>
+          </a:p>
+        </p:txBody>
+      </p:sp>
+      <p:sp>
+        <p:nvSpPr>
+          <p:cNvPr id="11" name="TextBox 10"/>
           <p:cNvSpPr txBox="1"/>
           <p:nvPr/>
         </p:nvSpPr>
         <p:spPr>
           <a:xfrm>
-            <a:off x="457200" y="1097280"/>
-            <a:ext cx="10972800" cy="365760"/>
+            <a:off x="777240" y="1417320"/>
+            <a:ext cx="10881360" cy="1874519"/>
           </a:xfrm>
           <a:prstGeom prst="rect">
             <a:avLst/>
@@ -4596,30 +7922,123 @@
           <a:noFill/>
         </p:spPr>
         <p:txBody>
-          <a:bodyPr wrap="square">
+          <a:bodyPr wrap="square" lIns="127000" rIns="127000" tIns="76200" bIns="76200">
             <a:spAutoFit/>
           </a:bodyPr>
           <a:lstStyle/>
           <a:p>
             <a:pPr>
-              <a:defRPr sz="1400" b="1"/>
+              <a:defRPr sz="1000" b="0">
+                <a:solidFill>
+                  <a:srgbClr val="E2E8F0"/>
+                </a:solidFill>
+                <a:latin typeface="Microsoft YaHei"/>
+              </a:defRPr>
             </a:pPr>
             <a:r>
-              <a:t>{{INCIDENT1_TITLE}}</a:t>
-            </a:r>
-          </a:p>
-        </p:txBody>
-      </p:sp>
-      <p:sp>
-        <p:nvSpPr>
-          <p:cNvPr id="4" name="TextBox 3"/>
+              <a:t>{{INCIDENT_DETAIL_1}}</a:t>
+            </a:r>
+          </a:p>
+        </p:txBody>
+      </p:sp>
+      <p:sp>
+        <p:nvSpPr>
+          <p:cNvPr id="12" name="Rounded Rectangle 11"/>
+          <p:cNvSpPr/>
+          <p:nvPr/>
+        </p:nvSpPr>
+        <p:spPr>
+          <a:xfrm>
+            <a:off x="649224" y="3575304"/>
+            <a:ext cx="11247120" cy="2423160"/>
+          </a:xfrm>
+          <a:prstGeom prst="roundRect">
+            <a:avLst/>
+          </a:prstGeom>
+          <a:solidFill>
+            <a:srgbClr val="000000"/>
+          </a:solidFill>
+          <a:ln>
+            <a:noFill/>
+          </a:ln>
+        </p:spPr>
+        <p:style>
+          <a:lnRef idx="1">
+            <a:schemeClr val="accent1"/>
+          </a:lnRef>
+          <a:fillRef idx="3">
+            <a:schemeClr val="accent1"/>
+          </a:fillRef>
+          <a:effectRef idx="2">
+            <a:schemeClr val="accent1"/>
+          </a:effectRef>
+          <a:fontRef idx="minor">
+            <a:schemeClr val="lt1"/>
+          </a:fontRef>
+        </p:style>
+        <p:txBody>
+          <a:bodyPr rtlCol="0" anchor="ctr"/>
+          <a:lstStyle/>
+          <a:p>
+            <a:pPr algn="ctr"/>
+          </a:p>
+        </p:txBody>
+      </p:sp>
+      <p:sp>
+        <p:nvSpPr>
+          <p:cNvPr id="13" name="Rounded Rectangle 12"/>
+          <p:cNvSpPr/>
+          <p:nvPr/>
+        </p:nvSpPr>
+        <p:spPr>
+          <a:xfrm>
+            <a:off x="594360" y="3520440"/>
+            <a:ext cx="11247120" cy="2423160"/>
+          </a:xfrm>
+          <a:prstGeom prst="roundRect">
+            <a:avLst/>
+          </a:prstGeom>
+          <a:solidFill>
+            <a:srgbClr val="111827"/>
+          </a:solidFill>
+          <a:ln w="12700">
+            <a:solidFill>
+              <a:srgbClr val="1F2937"/>
+            </a:solidFill>
+          </a:ln>
+        </p:spPr>
+        <p:style>
+          <a:lnRef idx="1">
+            <a:schemeClr val="accent1"/>
+          </a:lnRef>
+          <a:fillRef idx="3">
+            <a:schemeClr val="accent1"/>
+          </a:fillRef>
+          <a:effectRef idx="2">
+            <a:schemeClr val="accent1"/>
+          </a:effectRef>
+          <a:fontRef idx="minor">
+            <a:schemeClr val="lt1"/>
+          </a:fontRef>
+        </p:style>
+        <p:txBody>
+          <a:bodyPr rtlCol="0" anchor="ctr"/>
+          <a:lstStyle/>
+          <a:p>
+            <a:pPr algn="ctr"/>
+          </a:p>
+        </p:txBody>
+      </p:sp>
+      <p:sp>
+        <p:nvSpPr>
+          <p:cNvPr id="14" name="TextBox 13"/>
           <p:cNvSpPr txBox="1"/>
           <p:nvPr/>
         </p:nvSpPr>
         <p:spPr>
           <a:xfrm>
-            <a:off x="457200" y="1463040"/>
-            <a:ext cx="10972800" cy="2011680"/>
+            <a:off x="777240" y="3611880"/>
+            <a:ext cx="10881360" cy="365760"/>
           </a:xfrm>
           <a:prstGeom prst="rect">
             <a:avLst/>
@@ -4627,30 +8046,35 @@
           <a:noFill/>
         </p:spPr>
         <p:txBody>
-          <a:bodyPr wrap="square">
+          <a:bodyPr wrap="square" lIns="127000" rIns="127000" tIns="76200" bIns="76200">
             <a:spAutoFit/>
           </a:bodyPr>
           <a:lstStyle/>
           <a:p>
             <a:pPr>
-              <a:defRPr sz="1000" b="0"/>
+              <a:defRPr sz="1400" b="1">
+                <a:solidFill>
+                  <a:srgbClr val="22C55E"/>
+                </a:solidFill>
+                <a:latin typeface="Microsoft YaHei"/>
+              </a:defRPr>
             </a:pPr>
             <a:r>
-              <a:t>{{INCIDENT_DETAIL_1}}</a:t>
-            </a:r>
-          </a:p>
-        </p:txBody>
-      </p:sp>
-      <p:sp>
-        <p:nvSpPr>
-          <p:cNvPr id="5" name="TextBox 4"/>
+              <a:t>{{INCIDENT2_TITLE}}</a:t>
+            </a:r>
+          </a:p>
+        </p:txBody>
+      </p:sp>
+      <p:sp>
+        <p:nvSpPr>
+          <p:cNvPr id="15" name="TextBox 14"/>
           <p:cNvSpPr txBox="1"/>
           <p:nvPr/>
         </p:nvSpPr>
         <p:spPr>
           <a:xfrm>
-            <a:off x="457200" y="3657600"/>
-            <a:ext cx="10972800" cy="365760"/>
+            <a:off x="777240" y="3977639"/>
+            <a:ext cx="10881360" cy="1874519"/>
           </a:xfrm>
           <a:prstGeom prst="rect">
             <a:avLst/>
@@ -4658,30 +8082,35 @@
           <a:noFill/>
         </p:spPr>
         <p:txBody>
-          <a:bodyPr wrap="square">
+          <a:bodyPr wrap="square" lIns="127000" rIns="127000" tIns="76200" bIns="76200">
             <a:spAutoFit/>
           </a:bodyPr>
           <a:lstStyle/>
           <a:p>
             <a:pPr>
-              <a:defRPr sz="1400" b="1"/>
+              <a:defRPr sz="1000" b="0">
+                <a:solidFill>
+                  <a:srgbClr val="E2E8F0"/>
+                </a:solidFill>
+                <a:latin typeface="Microsoft YaHei"/>
+              </a:defRPr>
             </a:pPr>
             <a:r>
-              <a:t>{{INCIDENT2_TITLE}}</a:t>
-            </a:r>
-          </a:p>
-        </p:txBody>
-      </p:sp>
-      <p:sp>
-        <p:nvSpPr>
-          <p:cNvPr id="6" name="TextBox 5"/>
+              <a:t>{{INCIDENT_DETAIL_2}}</a:t>
+            </a:r>
+          </a:p>
+        </p:txBody>
+      </p:sp>
+      <p:sp>
+        <p:nvSpPr>
+          <p:cNvPr id="16" name="TextBox 15"/>
           <p:cNvSpPr txBox="1"/>
           <p:nvPr/>
         </p:nvSpPr>
         <p:spPr>
           <a:xfrm>
-            <a:off x="457200" y="4023360"/>
-            <a:ext cx="10972800" cy="2011680"/>
+            <a:off x="594360" y="6355080"/>
+            <a:ext cx="11247120" cy="411480"/>
           </a:xfrm>
           <a:prstGeom prst="rect">
             <a:avLst/>
@@ -4689,44 +8118,18 @@
           <a:noFill/>
         </p:spPr>
         <p:txBody>
-          <a:bodyPr wrap="square">
+          <a:bodyPr wrap="square" lIns="127000" rIns="127000" tIns="76200" bIns="76200">
             <a:spAutoFit/>
           </a:bodyPr>
           <a:lstStyle/>
           <a:p>
             <a:pPr>
-              <a:defRPr sz="1000" b="0"/>
-            </a:pPr>
-            <a:r>
-              <a:t>{{INCIDENT_DETAIL_2}}</a:t>
-            </a:r>
-          </a:p>
-        </p:txBody>
-      </p:sp>
-      <p:sp>
-        <p:nvSpPr>
-          <p:cNvPr id="7" name="TextBox 6"/>
-          <p:cNvSpPr txBox="1"/>
-          <p:nvPr/>
-        </p:nvSpPr>
-        <p:spPr>
-          <a:xfrm>
-            <a:off x="457200" y="6217920"/>
-            <a:ext cx="10972800" cy="457200"/>
-          </a:xfrm>
-          <a:prstGeom prst="rect">
-            <a:avLst/>
-          </a:prstGeom>
-          <a:noFill/>
-        </p:spPr>
-        <p:txBody>
-          <a:bodyPr wrap="square">
-            <a:spAutoFit/>
-          </a:bodyPr>
-          <a:lstStyle/>
-          <a:p>
-            <a:pPr>
-              <a:defRPr sz="900" b="0"/>
+              <a:defRPr sz="900" b="0">
+                <a:solidFill>
+                  <a:srgbClr val="94A3B8"/>
+                </a:solidFill>
+                <a:latin typeface="Microsoft YaHei"/>
+              </a:defRPr>
             </a:pPr>
             <a:r>
               <a:t>{{ATTACK_PATTERN_SUMMARY}}</a:t>
@@ -4745,6 +8148,14 @@
 <file path=ppt/slides/slide6.xml><?xml version="1.0" encoding="utf-8"?>
 <p:sld xmlns:a="http://schemas.openxmlformats.org/drawingml/2006/main" xmlns:p="http://schemas.openxmlformats.org/presentationml/2006/main" xmlns:r="http://schemas.openxmlformats.org/officeDocument/2006/relationships">
   <p:cSld>
+    <p:bg>
+      <p:bgPr>
+        <a:solidFill>
+          <a:srgbClr val="0B1220"/>
+        </a:solidFill>
+        <a:effectLst/>
+      </p:bgPr>
+    </p:bg>
     <p:spTree>
       <p:nvGrpSpPr>
         <p:cNvPr id="1" name=""/>
@@ -4754,14 +8165,229 @@
       <p:grpSpPr/>
       <p:sp>
         <p:nvSpPr>
-          <p:cNvPr id="2" name="TextBox 1"/>
+          <p:cNvPr id="2" name="Rectangle 1"/>
+          <p:cNvSpPr/>
+          <p:nvPr/>
+        </p:nvSpPr>
+        <p:spPr>
+          <a:xfrm>
+            <a:off x="0" y="0"/>
+            <a:ext cx="12191695" cy="960120"/>
+          </a:xfrm>
+          <a:prstGeom prst="rect">
+            <a:avLst/>
+          </a:prstGeom>
+          <a:solidFill>
+            <a:srgbClr val="0F172A"/>
+          </a:solidFill>
+          <a:ln>
+            <a:noFill/>
+          </a:ln>
+        </p:spPr>
+        <p:style>
+          <a:lnRef idx="1">
+            <a:schemeClr val="accent1"/>
+          </a:lnRef>
+          <a:fillRef idx="3">
+            <a:schemeClr val="accent1"/>
+          </a:fillRef>
+          <a:effectRef idx="2">
+            <a:schemeClr val="accent1"/>
+          </a:effectRef>
+          <a:fontRef idx="minor">
+            <a:schemeClr val="lt1"/>
+          </a:fontRef>
+        </p:style>
+        <p:txBody>
+          <a:bodyPr rtlCol="0" anchor="ctr"/>
+          <a:lstStyle/>
+          <a:p>
+            <a:pPr algn="ctr"/>
+          </a:p>
+        </p:txBody>
+      </p:sp>
+      <p:sp>
+        <p:nvSpPr>
+          <p:cNvPr id="3" name="Rectangle 2"/>
+          <p:cNvSpPr/>
+          <p:nvPr/>
+        </p:nvSpPr>
+        <p:spPr>
+          <a:xfrm>
+            <a:off x="0" y="896112"/>
+            <a:ext cx="12191695" cy="54864"/>
+          </a:xfrm>
+          <a:prstGeom prst="rect">
+            <a:avLst/>
+          </a:prstGeom>
+          <a:solidFill>
+            <a:srgbClr val="22C55E"/>
+          </a:solidFill>
+          <a:ln>
+            <a:noFill/>
+          </a:ln>
+        </p:spPr>
+        <p:style>
+          <a:lnRef idx="1">
+            <a:schemeClr val="accent1"/>
+          </a:lnRef>
+          <a:fillRef idx="3">
+            <a:schemeClr val="accent1"/>
+          </a:fillRef>
+          <a:effectRef idx="2">
+            <a:schemeClr val="accent1"/>
+          </a:effectRef>
+          <a:fontRef idx="minor">
+            <a:schemeClr val="lt1"/>
+          </a:fontRef>
+        </p:style>
+        <p:txBody>
+          <a:bodyPr rtlCol="0" anchor="ctr"/>
+          <a:lstStyle/>
+          <a:p>
+            <a:pPr algn="ctr"/>
+          </a:p>
+        </p:txBody>
+      </p:sp>
+      <p:sp>
+        <p:nvSpPr>
+          <p:cNvPr id="4" name="Oval 3"/>
+          <p:cNvSpPr/>
+          <p:nvPr/>
+        </p:nvSpPr>
+        <p:spPr>
+          <a:xfrm>
+            <a:off x="10241280" y="-731520"/>
+            <a:ext cx="3108960" cy="3108960"/>
+          </a:xfrm>
+          <a:prstGeom prst="ellipse">
+            <a:avLst/>
+          </a:prstGeom>
+          <a:solidFill>
+            <a:srgbClr val="22C55E"/>
+          </a:solidFill>
+          <a:ln>
+            <a:noFill/>
+          </a:ln>
+        </p:spPr>
+        <p:style>
+          <a:lnRef idx="1">
+            <a:schemeClr val="accent1"/>
+          </a:lnRef>
+          <a:fillRef idx="3">
+            <a:schemeClr val="accent1"/>
+          </a:fillRef>
+          <a:effectRef idx="2">
+            <a:schemeClr val="accent1"/>
+          </a:effectRef>
+          <a:fontRef idx="minor">
+            <a:schemeClr val="lt1"/>
+          </a:fontRef>
+        </p:style>
+        <p:txBody>
+          <a:bodyPr rtlCol="0" anchor="ctr"/>
+          <a:lstStyle/>
+          <a:p>
+            <a:pPr algn="ctr"/>
+          </a:p>
+        </p:txBody>
+      </p:sp>
+      <p:sp>
+        <p:nvSpPr>
+          <p:cNvPr id="5" name="Oval 4"/>
+          <p:cNvSpPr/>
+          <p:nvPr/>
+        </p:nvSpPr>
+        <p:spPr>
+          <a:xfrm>
+            <a:off x="-1280160" y="5577840"/>
+            <a:ext cx="2743200" cy="2743200"/>
+          </a:xfrm>
+          <a:prstGeom prst="ellipse">
+            <a:avLst/>
+          </a:prstGeom>
+          <a:solidFill>
+            <a:srgbClr val="3B82F6"/>
+          </a:solidFill>
+          <a:ln>
+            <a:noFill/>
+          </a:ln>
+        </p:spPr>
+        <p:style>
+          <a:lnRef idx="1">
+            <a:schemeClr val="accent1"/>
+          </a:lnRef>
+          <a:fillRef idx="3">
+            <a:schemeClr val="accent1"/>
+          </a:fillRef>
+          <a:effectRef idx="2">
+            <a:schemeClr val="accent1"/>
+          </a:effectRef>
+          <a:fontRef idx="minor">
+            <a:schemeClr val="lt1"/>
+          </a:fontRef>
+        </p:style>
+        <p:txBody>
+          <a:bodyPr rtlCol="0" anchor="ctr"/>
+          <a:lstStyle/>
+          <a:p>
+            <a:pPr algn="ctr"/>
+          </a:p>
+        </p:txBody>
+      </p:sp>
+      <p:sp>
+        <p:nvSpPr>
+          <p:cNvPr id="6" name="Rectangle 5"/>
+          <p:cNvSpPr/>
+          <p:nvPr/>
+        </p:nvSpPr>
+        <p:spPr>
+          <a:xfrm>
+            <a:off x="274320" y="1143000"/>
+            <a:ext cx="11658600" cy="5486400"/>
+          </a:xfrm>
+          <a:prstGeom prst="rect">
+            <a:avLst/>
+          </a:prstGeom>
+          <a:solidFill>
+            <a:srgbClr val="0F172A"/>
+          </a:solidFill>
+          <a:ln>
+            <a:noFill/>
+          </a:ln>
+        </p:spPr>
+        <p:style>
+          <a:lnRef idx="1">
+            <a:schemeClr val="accent1"/>
+          </a:lnRef>
+          <a:fillRef idx="3">
+            <a:schemeClr val="accent1"/>
+          </a:fillRef>
+          <a:effectRef idx="2">
+            <a:schemeClr val="accent1"/>
+          </a:effectRef>
+          <a:fontRef idx="minor">
+            <a:schemeClr val="lt1"/>
+          </a:fontRef>
+        </p:style>
+        <p:txBody>
+          <a:bodyPr rtlCol="0" anchor="ctr"/>
+          <a:lstStyle/>
+          <a:p>
+            <a:pPr algn="ctr"/>
+          </a:p>
+        </p:txBody>
+      </p:sp>
+      <p:sp>
+        <p:nvSpPr>
+          <p:cNvPr id="7" name="TextBox 6"/>
           <p:cNvSpPr txBox="1"/>
           <p:nvPr/>
         </p:nvSpPr>
         <p:spPr>
           <a:xfrm>
-            <a:off x="457200" y="274320"/>
-            <a:ext cx="10972800" cy="548640"/>
+            <a:off x="594360" y="201168"/>
+            <a:ext cx="11247120" cy="621792"/>
           </a:xfrm>
           <a:prstGeom prst="rect">
             <a:avLst/>
@@ -4769,7 +8395,7 @@
           <a:noFill/>
         </p:spPr>
         <p:txBody>
-          <a:bodyPr wrap="square">
+          <a:bodyPr wrap="square" lIns="127000" rIns="127000" tIns="76200" bIns="76200">
             <a:spAutoFit/>
           </a:bodyPr>
           <a:lstStyle/>
@@ -4777,26 +8403,151 @@
             <a:pPr>
               <a:defRPr sz="2800" b="1">
                 <a:solidFill>
+                  <a:srgbClr val="E2E8F0"/>
+                </a:solidFill>
+                <a:latin typeface="Microsoft YaHei"/>
+              </a:defRPr>
+            </a:pPr>
+            <a:r>
+              <a:t>{{SLIDE_TITLE}}</a:t>
+            </a:r>
+          </a:p>
+        </p:txBody>
+      </p:sp>
+      <p:sp>
+        <p:nvSpPr>
+          <p:cNvPr id="8" name="Rounded Rectangle 7"/>
+          <p:cNvSpPr/>
+          <p:nvPr/>
+        </p:nvSpPr>
+        <p:spPr>
+          <a:xfrm>
+            <a:off x="649224" y="1014984"/>
+            <a:ext cx="11247120" cy="1965960"/>
+          </a:xfrm>
+          <a:prstGeom prst="roundRect">
+            <a:avLst/>
+          </a:prstGeom>
+          <a:solidFill>
+            <a:srgbClr val="000000"/>
+          </a:solidFill>
+          <a:ln>
+            <a:noFill/>
+          </a:ln>
+        </p:spPr>
+        <p:style>
+          <a:lnRef idx="1">
+            <a:schemeClr val="accent1"/>
+          </a:lnRef>
+          <a:fillRef idx="3">
+            <a:schemeClr val="accent1"/>
+          </a:fillRef>
+          <a:effectRef idx="2">
+            <a:schemeClr val="accent1"/>
+          </a:effectRef>
+          <a:fontRef idx="minor">
+            <a:schemeClr val="lt1"/>
+          </a:fontRef>
+        </p:style>
+        <p:txBody>
+          <a:bodyPr rtlCol="0" anchor="ctr"/>
+          <a:lstStyle/>
+          <a:p>
+            <a:pPr algn="ctr"/>
+          </a:p>
+        </p:txBody>
+      </p:sp>
+      <p:sp>
+        <p:nvSpPr>
+          <p:cNvPr id="9" name="Rounded Rectangle 8"/>
+          <p:cNvSpPr/>
+          <p:nvPr/>
+        </p:nvSpPr>
+        <p:spPr>
+          <a:xfrm>
+            <a:off x="594360" y="960120"/>
+            <a:ext cx="11247120" cy="1965960"/>
+          </a:xfrm>
+          <a:prstGeom prst="roundRect">
+            <a:avLst/>
+          </a:prstGeom>
+          <a:solidFill>
+            <a:srgbClr val="111827"/>
+          </a:solidFill>
+          <a:ln w="12700">
+            <a:solidFill>
+              <a:srgbClr val="1F2937"/>
+            </a:solidFill>
+          </a:ln>
+        </p:spPr>
+        <p:style>
+          <a:lnRef idx="1">
+            <a:schemeClr val="accent1"/>
+          </a:lnRef>
+          <a:fillRef idx="3">
+            <a:schemeClr val="accent1"/>
+          </a:fillRef>
+          <a:effectRef idx="2">
+            <a:schemeClr val="accent1"/>
+          </a:effectRef>
+          <a:fontRef idx="minor">
+            <a:schemeClr val="lt1"/>
+          </a:fontRef>
+        </p:style>
+        <p:txBody>
+          <a:bodyPr rtlCol="0" anchor="ctr"/>
+          <a:lstStyle/>
+          <a:p>
+            <a:pPr algn="ctr"/>
+          </a:p>
+        </p:txBody>
+      </p:sp>
+      <p:sp>
+        <p:nvSpPr>
+          <p:cNvPr id="10" name="TextBox 9"/>
+          <p:cNvSpPr txBox="1"/>
+          <p:nvPr/>
+        </p:nvSpPr>
+        <p:spPr>
+          <a:xfrm>
+            <a:off x="777240" y="1051560"/>
+            <a:ext cx="10881360" cy="365760"/>
+          </a:xfrm>
+          <a:prstGeom prst="rect">
+            <a:avLst/>
+          </a:prstGeom>
+          <a:noFill/>
+        </p:spPr>
+        <p:txBody>
+          <a:bodyPr wrap="square" lIns="127000" rIns="127000" tIns="76200" bIns="76200">
+            <a:spAutoFit/>
+          </a:bodyPr>
+          <a:lstStyle/>
+          <a:p>
+            <a:pPr>
+              <a:defRPr sz="1400" b="1">
+                <a:solidFill>
                   <a:srgbClr val="22C55E"/>
                 </a:solidFill>
+                <a:latin typeface="Microsoft YaHei"/>
               </a:defRPr>
             </a:pPr>
             <a:r>
-              <a:t>{{SLIDE_TITLE}}</a:t>
-            </a:r>
-          </a:p>
-        </p:txBody>
-      </p:sp>
-      <p:sp>
-        <p:nvSpPr>
-          <p:cNvPr id="3" name="TextBox 2"/>
+              <a:t>{{VULN_DIST_TITLE}}</a:t>
+            </a:r>
+          </a:p>
+        </p:txBody>
+      </p:sp>
+      <p:sp>
+        <p:nvSpPr>
+          <p:cNvPr id="11" name="TextBox 10"/>
           <p:cNvSpPr txBox="1"/>
           <p:nvPr/>
         </p:nvSpPr>
         <p:spPr>
           <a:xfrm>
-            <a:off x="457200" y="1097280"/>
-            <a:ext cx="10972800" cy="365760"/>
+            <a:off x="777240" y="1417320"/>
+            <a:ext cx="10881360" cy="1417320"/>
           </a:xfrm>
           <a:prstGeom prst="rect">
             <a:avLst/>
@@ -4804,30 +8555,123 @@
           <a:noFill/>
         </p:spPr>
         <p:txBody>
-          <a:bodyPr wrap="square">
+          <a:bodyPr wrap="square" lIns="127000" rIns="127000" tIns="76200" bIns="76200">
             <a:spAutoFit/>
           </a:bodyPr>
           <a:lstStyle/>
           <a:p>
             <a:pPr>
-              <a:defRPr sz="1400" b="1"/>
+              <a:defRPr sz="1100" b="0">
+                <a:solidFill>
+                  <a:srgbClr val="E2E8F0"/>
+                </a:solidFill>
+                <a:latin typeface="Microsoft YaHei"/>
+              </a:defRPr>
             </a:pPr>
             <a:r>
-              <a:t>{{VULN_DIST_TITLE}}</a:t>
-            </a:r>
-          </a:p>
-        </p:txBody>
-      </p:sp>
-      <p:sp>
-        <p:nvSpPr>
-          <p:cNvPr id="4" name="TextBox 3"/>
+              <a:t>{{VULN_DISTRIBUTION}}</a:t>
+            </a:r>
+          </a:p>
+        </p:txBody>
+      </p:sp>
+      <p:sp>
+        <p:nvSpPr>
+          <p:cNvPr id="12" name="Rounded Rectangle 11"/>
+          <p:cNvSpPr/>
+          <p:nvPr/>
+        </p:nvSpPr>
+        <p:spPr>
+          <a:xfrm>
+            <a:off x="649224" y="3118104"/>
+            <a:ext cx="11247120" cy="2148840"/>
+          </a:xfrm>
+          <a:prstGeom prst="roundRect">
+            <a:avLst/>
+          </a:prstGeom>
+          <a:solidFill>
+            <a:srgbClr val="000000"/>
+          </a:solidFill>
+          <a:ln>
+            <a:noFill/>
+          </a:ln>
+        </p:spPr>
+        <p:style>
+          <a:lnRef idx="1">
+            <a:schemeClr val="accent1"/>
+          </a:lnRef>
+          <a:fillRef idx="3">
+            <a:schemeClr val="accent1"/>
+          </a:fillRef>
+          <a:effectRef idx="2">
+            <a:schemeClr val="accent1"/>
+          </a:effectRef>
+          <a:fontRef idx="minor">
+            <a:schemeClr val="lt1"/>
+          </a:fontRef>
+        </p:style>
+        <p:txBody>
+          <a:bodyPr rtlCol="0" anchor="ctr"/>
+          <a:lstStyle/>
+          <a:p>
+            <a:pPr algn="ctr"/>
+          </a:p>
+        </p:txBody>
+      </p:sp>
+      <p:sp>
+        <p:nvSpPr>
+          <p:cNvPr id="13" name="Rounded Rectangle 12"/>
+          <p:cNvSpPr/>
+          <p:nvPr/>
+        </p:nvSpPr>
+        <p:spPr>
+          <a:xfrm>
+            <a:off x="594360" y="3063240"/>
+            <a:ext cx="11247120" cy="2148840"/>
+          </a:xfrm>
+          <a:prstGeom prst="roundRect">
+            <a:avLst/>
+          </a:prstGeom>
+          <a:solidFill>
+            <a:srgbClr val="111827"/>
+          </a:solidFill>
+          <a:ln w="12700">
+            <a:solidFill>
+              <a:srgbClr val="1F2937"/>
+            </a:solidFill>
+          </a:ln>
+        </p:spPr>
+        <p:style>
+          <a:lnRef idx="1">
+            <a:schemeClr val="accent1"/>
+          </a:lnRef>
+          <a:fillRef idx="3">
+            <a:schemeClr val="accent1"/>
+          </a:fillRef>
+          <a:effectRef idx="2">
+            <a:schemeClr val="accent1"/>
+          </a:effectRef>
+          <a:fontRef idx="minor">
+            <a:schemeClr val="lt1"/>
+          </a:fontRef>
+        </p:style>
+        <p:txBody>
+          <a:bodyPr rtlCol="0" anchor="ctr"/>
+          <a:lstStyle/>
+          <a:p>
+            <a:pPr algn="ctr"/>
+          </a:p>
+        </p:txBody>
+      </p:sp>
+      <p:sp>
+        <p:nvSpPr>
+          <p:cNvPr id="14" name="TextBox 13"/>
           <p:cNvSpPr txBox="1"/>
           <p:nvPr/>
         </p:nvSpPr>
         <p:spPr>
           <a:xfrm>
-            <a:off x="457200" y="1463040"/>
-            <a:ext cx="10972800" cy="1371600"/>
+            <a:off x="777240" y="3154680"/>
+            <a:ext cx="10881360" cy="365760"/>
           </a:xfrm>
           <a:prstGeom prst="rect">
             <a:avLst/>
@@ -4835,30 +8679,35 @@
           <a:noFill/>
         </p:spPr>
         <p:txBody>
-          <a:bodyPr wrap="square">
+          <a:bodyPr wrap="square" lIns="127000" rIns="127000" tIns="76200" bIns="76200">
             <a:spAutoFit/>
           </a:bodyPr>
           <a:lstStyle/>
           <a:p>
             <a:pPr>
-              <a:defRPr sz="1100" b="0"/>
+              <a:defRPr sz="1400" b="1">
+                <a:solidFill>
+                  <a:srgbClr val="22C55E"/>
+                </a:solidFill>
+                <a:latin typeface="Microsoft YaHei"/>
+              </a:defRPr>
             </a:pPr>
             <a:r>
-              <a:t>{{VULN_DISTRIBUTION}}</a:t>
-            </a:r>
-          </a:p>
-        </p:txBody>
-      </p:sp>
-      <p:sp>
-        <p:nvSpPr>
-          <p:cNvPr id="5" name="TextBox 4"/>
+              <a:t>{{CVE_ANALYSIS_TITLE}}</a:t>
+            </a:r>
+          </a:p>
+        </p:txBody>
+      </p:sp>
+      <p:sp>
+        <p:nvSpPr>
+          <p:cNvPr id="15" name="TextBox 14"/>
           <p:cNvSpPr txBox="1"/>
           <p:nvPr/>
         </p:nvSpPr>
         <p:spPr>
           <a:xfrm>
-            <a:off x="457200" y="3017520"/>
-            <a:ext cx="10972800" cy="365760"/>
+            <a:off x="777240" y="3520440"/>
+            <a:ext cx="10881360" cy="1600200"/>
           </a:xfrm>
           <a:prstGeom prst="rect">
             <a:avLst/>
@@ -4866,30 +8715,123 @@
           <a:noFill/>
         </p:spPr>
         <p:txBody>
-          <a:bodyPr wrap="square">
+          <a:bodyPr wrap="square" lIns="127000" rIns="127000" tIns="76200" bIns="76200">
             <a:spAutoFit/>
           </a:bodyPr>
           <a:lstStyle/>
           <a:p>
             <a:pPr>
-              <a:defRPr sz="1400" b="1"/>
+              <a:defRPr sz="1000" b="0">
+                <a:solidFill>
+                  <a:srgbClr val="E2E8F0"/>
+                </a:solidFill>
+                <a:latin typeface="Microsoft YaHei"/>
+              </a:defRPr>
             </a:pPr>
             <a:r>
-              <a:t>{{CVE_ANALYSIS_TITLE}}</a:t>
-            </a:r>
-          </a:p>
-        </p:txBody>
-      </p:sp>
-      <p:sp>
-        <p:nvSpPr>
-          <p:cNvPr id="6" name="TextBox 5"/>
+              <a:t>{{CVE_TECHNICAL_ANALYSIS}}</a:t>
+            </a:r>
+          </a:p>
+        </p:txBody>
+      </p:sp>
+      <p:sp>
+        <p:nvSpPr>
+          <p:cNvPr id="16" name="Rounded Rectangle 15"/>
+          <p:cNvSpPr/>
+          <p:nvPr/>
+        </p:nvSpPr>
+        <p:spPr>
+          <a:xfrm>
+            <a:off x="649224" y="5404103"/>
+            <a:ext cx="11247120" cy="1234440"/>
+          </a:xfrm>
+          <a:prstGeom prst="roundRect">
+            <a:avLst/>
+          </a:prstGeom>
+          <a:solidFill>
+            <a:srgbClr val="000000"/>
+          </a:solidFill>
+          <a:ln>
+            <a:noFill/>
+          </a:ln>
+        </p:spPr>
+        <p:style>
+          <a:lnRef idx="1">
+            <a:schemeClr val="accent1"/>
+          </a:lnRef>
+          <a:fillRef idx="3">
+            <a:schemeClr val="accent1"/>
+          </a:fillRef>
+          <a:effectRef idx="2">
+            <a:schemeClr val="accent1"/>
+          </a:effectRef>
+          <a:fontRef idx="minor">
+            <a:schemeClr val="lt1"/>
+          </a:fontRef>
+        </p:style>
+        <p:txBody>
+          <a:bodyPr rtlCol="0" anchor="ctr"/>
+          <a:lstStyle/>
+          <a:p>
+            <a:pPr algn="ctr"/>
+          </a:p>
+        </p:txBody>
+      </p:sp>
+      <p:sp>
+        <p:nvSpPr>
+          <p:cNvPr id="17" name="Rounded Rectangle 16"/>
+          <p:cNvSpPr/>
+          <p:nvPr/>
+        </p:nvSpPr>
+        <p:spPr>
+          <a:xfrm>
+            <a:off x="594360" y="5349240"/>
+            <a:ext cx="11247120" cy="1234440"/>
+          </a:xfrm>
+          <a:prstGeom prst="roundRect">
+            <a:avLst/>
+          </a:prstGeom>
+          <a:solidFill>
+            <a:srgbClr val="111827"/>
+          </a:solidFill>
+          <a:ln w="12700">
+            <a:solidFill>
+              <a:srgbClr val="1F2937"/>
+            </a:solidFill>
+          </a:ln>
+        </p:spPr>
+        <p:style>
+          <a:lnRef idx="1">
+            <a:schemeClr val="accent1"/>
+          </a:lnRef>
+          <a:fillRef idx="3">
+            <a:schemeClr val="accent1"/>
+          </a:fillRef>
+          <a:effectRef idx="2">
+            <a:schemeClr val="accent1"/>
+          </a:effectRef>
+          <a:fontRef idx="minor">
+            <a:schemeClr val="lt1"/>
+          </a:fontRef>
+        </p:style>
+        <p:txBody>
+          <a:bodyPr rtlCol="0" anchor="ctr"/>
+          <a:lstStyle/>
+          <a:p>
+            <a:pPr algn="ctr"/>
+          </a:p>
+        </p:txBody>
+      </p:sp>
+      <p:sp>
+        <p:nvSpPr>
+          <p:cNvPr id="18" name="TextBox 17"/>
           <p:cNvSpPr txBox="1"/>
           <p:nvPr/>
         </p:nvSpPr>
         <p:spPr>
           <a:xfrm>
-            <a:off x="457200" y="3383280"/>
-            <a:ext cx="10972800" cy="1828800"/>
+            <a:off x="777240" y="5440680"/>
+            <a:ext cx="10881360" cy="365760"/>
           </a:xfrm>
           <a:prstGeom prst="rect">
             <a:avLst/>
@@ -4897,30 +8839,35 @@
           <a:noFill/>
         </p:spPr>
         <p:txBody>
-          <a:bodyPr wrap="square">
+          <a:bodyPr wrap="square" lIns="127000" rIns="127000" tIns="76200" bIns="76200">
             <a:spAutoFit/>
           </a:bodyPr>
           <a:lstStyle/>
           <a:p>
             <a:pPr>
-              <a:defRPr sz="1000" b="0"/>
+              <a:defRPr sz="1400" b="1">
+                <a:solidFill>
+                  <a:srgbClr val="22C55E"/>
+                </a:solidFill>
+                <a:latin typeface="Microsoft YaHei"/>
+              </a:defRPr>
             </a:pPr>
             <a:r>
-              <a:t>{{CVE_TECHNICAL_ANALYSIS}}</a:t>
-            </a:r>
-          </a:p>
-        </p:txBody>
-      </p:sp>
-      <p:sp>
-        <p:nvSpPr>
-          <p:cNvPr id="7" name="TextBox 6"/>
+              <a:t>{{PATCH_TITLE}}</a:t>
+            </a:r>
+          </a:p>
+        </p:txBody>
+      </p:sp>
+      <p:sp>
+        <p:nvSpPr>
+          <p:cNvPr id="19" name="TextBox 18"/>
           <p:cNvSpPr txBox="1"/>
           <p:nvPr/>
         </p:nvSpPr>
         <p:spPr>
           <a:xfrm>
-            <a:off x="457200" y="5394960"/>
-            <a:ext cx="10972800" cy="365760"/>
+            <a:off x="777240" y="5806440"/>
+            <a:ext cx="10881360" cy="685800"/>
           </a:xfrm>
           <a:prstGeom prst="rect">
             <a:avLst/>
@@ -4928,44 +8875,18 @@
           <a:noFill/>
         </p:spPr>
         <p:txBody>
-          <a:bodyPr wrap="square">
+          <a:bodyPr wrap="square" lIns="127000" rIns="127000" tIns="76200" bIns="76200">
             <a:spAutoFit/>
           </a:bodyPr>
           <a:lstStyle/>
           <a:p>
             <a:pPr>
-              <a:defRPr sz="1400" b="1"/>
-            </a:pPr>
-            <a:r>
-              <a:t>{{PATCH_TITLE}}</a:t>
-            </a:r>
-          </a:p>
-        </p:txBody>
-      </p:sp>
-      <p:sp>
-        <p:nvSpPr>
-          <p:cNvPr id="8" name="TextBox 7"/>
-          <p:cNvSpPr txBox="1"/>
-          <p:nvPr/>
-        </p:nvSpPr>
-        <p:spPr>
-          <a:xfrm>
-            <a:off x="457200" y="5760720"/>
-            <a:ext cx="10972800" cy="914400"/>
-          </a:xfrm>
-          <a:prstGeom prst="rect">
-            <a:avLst/>
-          </a:prstGeom>
-          <a:noFill/>
-        </p:spPr>
-        <p:txBody>
-          <a:bodyPr wrap="square">
-            <a:spAutoFit/>
-          </a:bodyPr>
-          <a:lstStyle/>
-          <a:p>
-            <a:pPr>
-              <a:defRPr sz="1000" b="0"/>
+              <a:defRPr sz="1000" b="0">
+                <a:solidFill>
+                  <a:srgbClr val="E2E8F0"/>
+                </a:solidFill>
+                <a:latin typeface="Microsoft YaHei"/>
+              </a:defRPr>
             </a:pPr>
             <a:r>
               <a:t>{{PATCH_STATUS}}</a:t>
@@ -4984,6 +8905,14 @@
 <file path=ppt/slides/slide7.xml><?xml version="1.0" encoding="utf-8"?>
 <p:sld xmlns:a="http://schemas.openxmlformats.org/drawingml/2006/main" xmlns:p="http://schemas.openxmlformats.org/presentationml/2006/main" xmlns:r="http://schemas.openxmlformats.org/officeDocument/2006/relationships">
   <p:cSld>
+    <p:bg>
+      <p:bgPr>
+        <a:solidFill>
+          <a:srgbClr val="0B1220"/>
+        </a:solidFill>
+        <a:effectLst/>
+      </p:bgPr>
+    </p:bg>
     <p:spTree>
       <p:nvGrpSpPr>
         <p:cNvPr id="1" name=""/>
@@ -4993,14 +8922,229 @@
       <p:grpSpPr/>
       <p:sp>
         <p:nvSpPr>
-          <p:cNvPr id="2" name="TextBox 1"/>
+          <p:cNvPr id="2" name="Rectangle 1"/>
+          <p:cNvSpPr/>
+          <p:nvPr/>
+        </p:nvSpPr>
+        <p:spPr>
+          <a:xfrm>
+            <a:off x="0" y="0"/>
+            <a:ext cx="12191695" cy="960120"/>
+          </a:xfrm>
+          <a:prstGeom prst="rect">
+            <a:avLst/>
+          </a:prstGeom>
+          <a:solidFill>
+            <a:srgbClr val="0F172A"/>
+          </a:solidFill>
+          <a:ln>
+            <a:noFill/>
+          </a:ln>
+        </p:spPr>
+        <p:style>
+          <a:lnRef idx="1">
+            <a:schemeClr val="accent1"/>
+          </a:lnRef>
+          <a:fillRef idx="3">
+            <a:schemeClr val="accent1"/>
+          </a:fillRef>
+          <a:effectRef idx="2">
+            <a:schemeClr val="accent1"/>
+          </a:effectRef>
+          <a:fontRef idx="minor">
+            <a:schemeClr val="lt1"/>
+          </a:fontRef>
+        </p:style>
+        <p:txBody>
+          <a:bodyPr rtlCol="0" anchor="ctr"/>
+          <a:lstStyle/>
+          <a:p>
+            <a:pPr algn="ctr"/>
+          </a:p>
+        </p:txBody>
+      </p:sp>
+      <p:sp>
+        <p:nvSpPr>
+          <p:cNvPr id="3" name="Rectangle 2"/>
+          <p:cNvSpPr/>
+          <p:nvPr/>
+        </p:nvSpPr>
+        <p:spPr>
+          <a:xfrm>
+            <a:off x="0" y="896112"/>
+            <a:ext cx="12191695" cy="54864"/>
+          </a:xfrm>
+          <a:prstGeom prst="rect">
+            <a:avLst/>
+          </a:prstGeom>
+          <a:solidFill>
+            <a:srgbClr val="22C55E"/>
+          </a:solidFill>
+          <a:ln>
+            <a:noFill/>
+          </a:ln>
+        </p:spPr>
+        <p:style>
+          <a:lnRef idx="1">
+            <a:schemeClr val="accent1"/>
+          </a:lnRef>
+          <a:fillRef idx="3">
+            <a:schemeClr val="accent1"/>
+          </a:fillRef>
+          <a:effectRef idx="2">
+            <a:schemeClr val="accent1"/>
+          </a:effectRef>
+          <a:fontRef idx="minor">
+            <a:schemeClr val="lt1"/>
+          </a:fontRef>
+        </p:style>
+        <p:txBody>
+          <a:bodyPr rtlCol="0" anchor="ctr"/>
+          <a:lstStyle/>
+          <a:p>
+            <a:pPr algn="ctr"/>
+          </a:p>
+        </p:txBody>
+      </p:sp>
+      <p:sp>
+        <p:nvSpPr>
+          <p:cNvPr id="4" name="Oval 3"/>
+          <p:cNvSpPr/>
+          <p:nvPr/>
+        </p:nvSpPr>
+        <p:spPr>
+          <a:xfrm>
+            <a:off x="10241280" y="-731520"/>
+            <a:ext cx="3108960" cy="3108960"/>
+          </a:xfrm>
+          <a:prstGeom prst="ellipse">
+            <a:avLst/>
+          </a:prstGeom>
+          <a:solidFill>
+            <a:srgbClr val="22C55E"/>
+          </a:solidFill>
+          <a:ln>
+            <a:noFill/>
+          </a:ln>
+        </p:spPr>
+        <p:style>
+          <a:lnRef idx="1">
+            <a:schemeClr val="accent1"/>
+          </a:lnRef>
+          <a:fillRef idx="3">
+            <a:schemeClr val="accent1"/>
+          </a:fillRef>
+          <a:effectRef idx="2">
+            <a:schemeClr val="accent1"/>
+          </a:effectRef>
+          <a:fontRef idx="minor">
+            <a:schemeClr val="lt1"/>
+          </a:fontRef>
+        </p:style>
+        <p:txBody>
+          <a:bodyPr rtlCol="0" anchor="ctr"/>
+          <a:lstStyle/>
+          <a:p>
+            <a:pPr algn="ctr"/>
+          </a:p>
+        </p:txBody>
+      </p:sp>
+      <p:sp>
+        <p:nvSpPr>
+          <p:cNvPr id="5" name="Oval 4"/>
+          <p:cNvSpPr/>
+          <p:nvPr/>
+        </p:nvSpPr>
+        <p:spPr>
+          <a:xfrm>
+            <a:off x="-1280160" y="5577840"/>
+            <a:ext cx="2743200" cy="2743200"/>
+          </a:xfrm>
+          <a:prstGeom prst="ellipse">
+            <a:avLst/>
+          </a:prstGeom>
+          <a:solidFill>
+            <a:srgbClr val="3B82F6"/>
+          </a:solidFill>
+          <a:ln>
+            <a:noFill/>
+          </a:ln>
+        </p:spPr>
+        <p:style>
+          <a:lnRef idx="1">
+            <a:schemeClr val="accent1"/>
+          </a:lnRef>
+          <a:fillRef idx="3">
+            <a:schemeClr val="accent1"/>
+          </a:fillRef>
+          <a:effectRef idx="2">
+            <a:schemeClr val="accent1"/>
+          </a:effectRef>
+          <a:fontRef idx="minor">
+            <a:schemeClr val="lt1"/>
+          </a:fontRef>
+        </p:style>
+        <p:txBody>
+          <a:bodyPr rtlCol="0" anchor="ctr"/>
+          <a:lstStyle/>
+          <a:p>
+            <a:pPr algn="ctr"/>
+          </a:p>
+        </p:txBody>
+      </p:sp>
+      <p:sp>
+        <p:nvSpPr>
+          <p:cNvPr id="6" name="Rectangle 5"/>
+          <p:cNvSpPr/>
+          <p:nvPr/>
+        </p:nvSpPr>
+        <p:spPr>
+          <a:xfrm>
+            <a:off x="274320" y="1143000"/>
+            <a:ext cx="11658600" cy="5486400"/>
+          </a:xfrm>
+          <a:prstGeom prst="rect">
+            <a:avLst/>
+          </a:prstGeom>
+          <a:solidFill>
+            <a:srgbClr val="0F172A"/>
+          </a:solidFill>
+          <a:ln>
+            <a:noFill/>
+          </a:ln>
+        </p:spPr>
+        <p:style>
+          <a:lnRef idx="1">
+            <a:schemeClr val="accent1"/>
+          </a:lnRef>
+          <a:fillRef idx="3">
+            <a:schemeClr val="accent1"/>
+          </a:fillRef>
+          <a:effectRef idx="2">
+            <a:schemeClr val="accent1"/>
+          </a:effectRef>
+          <a:fontRef idx="minor">
+            <a:schemeClr val="lt1"/>
+          </a:fontRef>
+        </p:style>
+        <p:txBody>
+          <a:bodyPr rtlCol="0" anchor="ctr"/>
+          <a:lstStyle/>
+          <a:p>
+            <a:pPr algn="ctr"/>
+          </a:p>
+        </p:txBody>
+      </p:sp>
+      <p:sp>
+        <p:nvSpPr>
+          <p:cNvPr id="7" name="TextBox 6"/>
           <p:cNvSpPr txBox="1"/>
           <p:nvPr/>
         </p:nvSpPr>
         <p:spPr>
           <a:xfrm>
-            <a:off x="457200" y="274320"/>
-            <a:ext cx="10972800" cy="548640"/>
+            <a:off x="594360" y="201168"/>
+            <a:ext cx="11247120" cy="621792"/>
           </a:xfrm>
           <a:prstGeom prst="rect">
             <a:avLst/>
@@ -5008,7 +9152,7 @@
           <a:noFill/>
         </p:spPr>
         <p:txBody>
-          <a:bodyPr wrap="square">
+          <a:bodyPr wrap="square" lIns="127000" rIns="127000" tIns="76200" bIns="76200">
             <a:spAutoFit/>
           </a:bodyPr>
           <a:lstStyle/>
@@ -5016,26 +9160,151 @@
             <a:pPr>
               <a:defRPr sz="2800" b="1">
                 <a:solidFill>
+                  <a:srgbClr val="E2E8F0"/>
+                </a:solidFill>
+                <a:latin typeface="Microsoft YaHei"/>
+              </a:defRPr>
+            </a:pPr>
+            <a:r>
+              <a:t>{{SLIDE_TITLE}}</a:t>
+            </a:r>
+          </a:p>
+        </p:txBody>
+      </p:sp>
+      <p:sp>
+        <p:nvSpPr>
+          <p:cNvPr id="8" name="Rounded Rectangle 7"/>
+          <p:cNvSpPr/>
+          <p:nvPr/>
+        </p:nvSpPr>
+        <p:spPr>
+          <a:xfrm>
+            <a:off x="649224" y="1014984"/>
+            <a:ext cx="5532120" cy="1920240"/>
+          </a:xfrm>
+          <a:prstGeom prst="roundRect">
+            <a:avLst/>
+          </a:prstGeom>
+          <a:solidFill>
+            <a:srgbClr val="000000"/>
+          </a:solidFill>
+          <a:ln>
+            <a:noFill/>
+          </a:ln>
+        </p:spPr>
+        <p:style>
+          <a:lnRef idx="1">
+            <a:schemeClr val="accent1"/>
+          </a:lnRef>
+          <a:fillRef idx="3">
+            <a:schemeClr val="accent1"/>
+          </a:fillRef>
+          <a:effectRef idx="2">
+            <a:schemeClr val="accent1"/>
+          </a:effectRef>
+          <a:fontRef idx="minor">
+            <a:schemeClr val="lt1"/>
+          </a:fontRef>
+        </p:style>
+        <p:txBody>
+          <a:bodyPr rtlCol="0" anchor="ctr"/>
+          <a:lstStyle/>
+          <a:p>
+            <a:pPr algn="ctr"/>
+          </a:p>
+        </p:txBody>
+      </p:sp>
+      <p:sp>
+        <p:nvSpPr>
+          <p:cNvPr id="9" name="Rounded Rectangle 8"/>
+          <p:cNvSpPr/>
+          <p:nvPr/>
+        </p:nvSpPr>
+        <p:spPr>
+          <a:xfrm>
+            <a:off x="594360" y="960120"/>
+            <a:ext cx="5532120" cy="1920240"/>
+          </a:xfrm>
+          <a:prstGeom prst="roundRect">
+            <a:avLst/>
+          </a:prstGeom>
+          <a:solidFill>
+            <a:srgbClr val="111827"/>
+          </a:solidFill>
+          <a:ln w="12700">
+            <a:solidFill>
+              <a:srgbClr val="1F2937"/>
+            </a:solidFill>
+          </a:ln>
+        </p:spPr>
+        <p:style>
+          <a:lnRef idx="1">
+            <a:schemeClr val="accent1"/>
+          </a:lnRef>
+          <a:fillRef idx="3">
+            <a:schemeClr val="accent1"/>
+          </a:fillRef>
+          <a:effectRef idx="2">
+            <a:schemeClr val="accent1"/>
+          </a:effectRef>
+          <a:fontRef idx="minor">
+            <a:schemeClr val="lt1"/>
+          </a:fontRef>
+        </p:style>
+        <p:txBody>
+          <a:bodyPr rtlCol="0" anchor="ctr"/>
+          <a:lstStyle/>
+          <a:p>
+            <a:pPr algn="ctr"/>
+          </a:p>
+        </p:txBody>
+      </p:sp>
+      <p:sp>
+        <p:nvSpPr>
+          <p:cNvPr id="10" name="TextBox 9"/>
+          <p:cNvSpPr txBox="1"/>
+          <p:nvPr/>
+        </p:nvSpPr>
+        <p:spPr>
+          <a:xfrm>
+            <a:off x="777240" y="1051560"/>
+            <a:ext cx="5166360" cy="365760"/>
+          </a:xfrm>
+          <a:prstGeom prst="rect">
+            <a:avLst/>
+          </a:prstGeom>
+          <a:noFill/>
+        </p:spPr>
+        <p:txBody>
+          <a:bodyPr wrap="square" lIns="127000" rIns="127000" tIns="76200" bIns="76200">
+            <a:spAutoFit/>
+          </a:bodyPr>
+          <a:lstStyle/>
+          <a:p>
+            <a:pPr>
+              <a:defRPr sz="1400" b="1">
+                <a:solidFill>
                   <a:srgbClr val="22C55E"/>
                 </a:solidFill>
+                <a:latin typeface="Microsoft YaHei"/>
               </a:defRPr>
             </a:pPr>
             <a:r>
-              <a:t>{{SLIDE_TITLE}}</a:t>
-            </a:r>
-          </a:p>
-        </p:txBody>
-      </p:sp>
-      <p:sp>
-        <p:nvSpPr>
-          <p:cNvPr id="3" name="TextBox 2"/>
+              <a:t>{{EXPOSED_SERVICES_TITLE}}</a:t>
+            </a:r>
+          </a:p>
+        </p:txBody>
+      </p:sp>
+      <p:sp>
+        <p:nvSpPr>
+          <p:cNvPr id="11" name="TextBox 10"/>
           <p:cNvSpPr txBox="1"/>
           <p:nvPr/>
         </p:nvSpPr>
         <p:spPr>
           <a:xfrm>
-            <a:off x="457200" y="914400"/>
-            <a:ext cx="5486400" cy="365760"/>
+            <a:off x="777240" y="1417320"/>
+            <a:ext cx="5166360" cy="1371600"/>
           </a:xfrm>
           <a:prstGeom prst="rect">
             <a:avLst/>
@@ -5043,30 +9312,123 @@
           <a:noFill/>
         </p:spPr>
         <p:txBody>
-          <a:bodyPr wrap="square">
+          <a:bodyPr wrap="square" lIns="127000" rIns="127000" tIns="76200" bIns="76200">
             <a:spAutoFit/>
           </a:bodyPr>
           <a:lstStyle/>
           <a:p>
             <a:pPr>
-              <a:defRPr sz="1400" b="1"/>
+              <a:defRPr sz="900" b="0">
+                <a:solidFill>
+                  <a:srgbClr val="E2E8F0"/>
+                </a:solidFill>
+                <a:latin typeface="Microsoft YaHei"/>
+              </a:defRPr>
             </a:pPr>
             <a:r>
-              <a:t>{{EXPOSED_SERVICES_TITLE}}</a:t>
-            </a:r>
-          </a:p>
-        </p:txBody>
-      </p:sp>
-      <p:sp>
-        <p:nvSpPr>
-          <p:cNvPr id="4" name="TextBox 3"/>
+              <a:t>{{EXPOSED_SERVICES_TABLE}}</a:t>
+            </a:r>
+          </a:p>
+        </p:txBody>
+      </p:sp>
+      <p:sp>
+        <p:nvSpPr>
+          <p:cNvPr id="12" name="Rounded Rectangle 11"/>
+          <p:cNvSpPr/>
+          <p:nvPr/>
+        </p:nvSpPr>
+        <p:spPr>
+          <a:xfrm>
+            <a:off x="6364224" y="1014984"/>
+            <a:ext cx="5532120" cy="1920240"/>
+          </a:xfrm>
+          <a:prstGeom prst="roundRect">
+            <a:avLst/>
+          </a:prstGeom>
+          <a:solidFill>
+            <a:srgbClr val="000000"/>
+          </a:solidFill>
+          <a:ln>
+            <a:noFill/>
+          </a:ln>
+        </p:spPr>
+        <p:style>
+          <a:lnRef idx="1">
+            <a:schemeClr val="accent1"/>
+          </a:lnRef>
+          <a:fillRef idx="3">
+            <a:schemeClr val="accent1"/>
+          </a:fillRef>
+          <a:effectRef idx="2">
+            <a:schemeClr val="accent1"/>
+          </a:effectRef>
+          <a:fontRef idx="minor">
+            <a:schemeClr val="lt1"/>
+          </a:fontRef>
+        </p:style>
+        <p:txBody>
+          <a:bodyPr rtlCol="0" anchor="ctr"/>
+          <a:lstStyle/>
+          <a:p>
+            <a:pPr algn="ctr"/>
+          </a:p>
+        </p:txBody>
+      </p:sp>
+      <p:sp>
+        <p:nvSpPr>
+          <p:cNvPr id="13" name="Rounded Rectangle 12"/>
+          <p:cNvSpPr/>
+          <p:nvPr/>
+        </p:nvSpPr>
+        <p:spPr>
+          <a:xfrm>
+            <a:off x="6309360" y="960120"/>
+            <a:ext cx="5532120" cy="1920240"/>
+          </a:xfrm>
+          <a:prstGeom prst="roundRect">
+            <a:avLst/>
+          </a:prstGeom>
+          <a:solidFill>
+            <a:srgbClr val="111827"/>
+          </a:solidFill>
+          <a:ln w="12700">
+            <a:solidFill>
+              <a:srgbClr val="1F2937"/>
+            </a:solidFill>
+          </a:ln>
+        </p:spPr>
+        <p:style>
+          <a:lnRef idx="1">
+            <a:schemeClr val="accent1"/>
+          </a:lnRef>
+          <a:fillRef idx="3">
+            <a:schemeClr val="accent1"/>
+          </a:fillRef>
+          <a:effectRef idx="2">
+            <a:schemeClr val="accent1"/>
+          </a:effectRef>
+          <a:fontRef idx="minor">
+            <a:schemeClr val="lt1"/>
+          </a:fontRef>
+        </p:style>
+        <p:txBody>
+          <a:bodyPr rtlCol="0" anchor="ctr"/>
+          <a:lstStyle/>
+          <a:p>
+            <a:pPr algn="ctr"/>
+          </a:p>
+        </p:txBody>
+      </p:sp>
+      <p:sp>
+        <p:nvSpPr>
+          <p:cNvPr id="14" name="TextBox 13"/>
           <p:cNvSpPr txBox="1"/>
           <p:nvPr/>
         </p:nvSpPr>
         <p:spPr>
           <a:xfrm>
-            <a:off x="457200" y="1280160"/>
-            <a:ext cx="5486400" cy="1097280"/>
+            <a:off x="6492240" y="1051560"/>
+            <a:ext cx="5166360" cy="365760"/>
           </a:xfrm>
           <a:prstGeom prst="rect">
             <a:avLst/>
@@ -5074,30 +9436,35 @@
           <a:noFill/>
         </p:spPr>
         <p:txBody>
-          <a:bodyPr wrap="square">
+          <a:bodyPr wrap="square" lIns="127000" rIns="127000" tIns="76200" bIns="76200">
             <a:spAutoFit/>
           </a:bodyPr>
           <a:lstStyle/>
           <a:p>
             <a:pPr>
-              <a:defRPr sz="900" b="0"/>
+              <a:defRPr sz="1400" b="1">
+                <a:solidFill>
+                  <a:srgbClr val="22C55E"/>
+                </a:solidFill>
+                <a:latin typeface="Microsoft YaHei"/>
+              </a:defRPr>
             </a:pPr>
             <a:r>
-              <a:t>{{EXPOSED_SERVICES_TABLE}}</a:t>
-            </a:r>
-          </a:p>
-        </p:txBody>
-      </p:sp>
-      <p:sp>
-        <p:nvSpPr>
-          <p:cNvPr id="5" name="TextBox 4"/>
+              <a:t>{{EXPOSURE_ANALYSIS_TITLE}}</a:t>
+            </a:r>
+          </a:p>
+        </p:txBody>
+      </p:sp>
+      <p:sp>
+        <p:nvSpPr>
+          <p:cNvPr id="15" name="TextBox 14"/>
           <p:cNvSpPr txBox="1"/>
           <p:nvPr/>
         </p:nvSpPr>
         <p:spPr>
           <a:xfrm>
-            <a:off x="6400800" y="914400"/>
-            <a:ext cx="5029200" cy="365760"/>
+            <a:off x="6492240" y="1417320"/>
+            <a:ext cx="5166360" cy="1371600"/>
           </a:xfrm>
           <a:prstGeom prst="rect">
             <a:avLst/>
@@ -5105,30 +9472,123 @@
           <a:noFill/>
         </p:spPr>
         <p:txBody>
-          <a:bodyPr wrap="square">
+          <a:bodyPr wrap="square" lIns="127000" rIns="127000" tIns="76200" bIns="76200">
             <a:spAutoFit/>
           </a:bodyPr>
           <a:lstStyle/>
           <a:p>
             <a:pPr>
-              <a:defRPr sz="1400" b="1"/>
+              <a:defRPr sz="1000" b="0">
+                <a:solidFill>
+                  <a:srgbClr val="E2E8F0"/>
+                </a:solidFill>
+                <a:latin typeface="Microsoft YaHei"/>
+              </a:defRPr>
             </a:pPr>
             <a:r>
-              <a:t>{{EXPOSURE_ANALYSIS_TITLE}}</a:t>
-            </a:r>
-          </a:p>
-        </p:txBody>
-      </p:sp>
-      <p:sp>
-        <p:nvSpPr>
-          <p:cNvPr id="6" name="TextBox 5"/>
+              <a:t>{{EXTERNAL_EXPOSURE}}</a:t>
+            </a:r>
+          </a:p>
+        </p:txBody>
+      </p:sp>
+      <p:sp>
+        <p:nvSpPr>
+          <p:cNvPr id="16" name="Rounded Rectangle 15"/>
+          <p:cNvSpPr/>
+          <p:nvPr/>
+        </p:nvSpPr>
+        <p:spPr>
+          <a:xfrm>
+            <a:off x="649224" y="3072384"/>
+            <a:ext cx="5532120" cy="3566160"/>
+          </a:xfrm>
+          <a:prstGeom prst="roundRect">
+            <a:avLst/>
+          </a:prstGeom>
+          <a:solidFill>
+            <a:srgbClr val="000000"/>
+          </a:solidFill>
+          <a:ln>
+            <a:noFill/>
+          </a:ln>
+        </p:spPr>
+        <p:style>
+          <a:lnRef idx="1">
+            <a:schemeClr val="accent1"/>
+          </a:lnRef>
+          <a:fillRef idx="3">
+            <a:schemeClr val="accent1"/>
+          </a:fillRef>
+          <a:effectRef idx="2">
+            <a:schemeClr val="accent1"/>
+          </a:effectRef>
+          <a:fontRef idx="minor">
+            <a:schemeClr val="lt1"/>
+          </a:fontRef>
+        </p:style>
+        <p:txBody>
+          <a:bodyPr rtlCol="0" anchor="ctr"/>
+          <a:lstStyle/>
+          <a:p>
+            <a:pPr algn="ctr"/>
+          </a:p>
+        </p:txBody>
+      </p:sp>
+      <p:sp>
+        <p:nvSpPr>
+          <p:cNvPr id="17" name="Rounded Rectangle 16"/>
+          <p:cNvSpPr/>
+          <p:nvPr/>
+        </p:nvSpPr>
+        <p:spPr>
+          <a:xfrm>
+            <a:off x="594360" y="3017520"/>
+            <a:ext cx="5532120" cy="3566160"/>
+          </a:xfrm>
+          <a:prstGeom prst="roundRect">
+            <a:avLst/>
+          </a:prstGeom>
+          <a:solidFill>
+            <a:srgbClr val="111827"/>
+          </a:solidFill>
+          <a:ln w="12700">
+            <a:solidFill>
+              <a:srgbClr val="1F2937"/>
+            </a:solidFill>
+          </a:ln>
+        </p:spPr>
+        <p:style>
+          <a:lnRef idx="1">
+            <a:schemeClr val="accent1"/>
+          </a:lnRef>
+          <a:fillRef idx="3">
+            <a:schemeClr val="accent1"/>
+          </a:fillRef>
+          <a:effectRef idx="2">
+            <a:schemeClr val="accent1"/>
+          </a:effectRef>
+          <a:fontRef idx="minor">
+            <a:schemeClr val="lt1"/>
+          </a:fontRef>
+        </p:style>
+        <p:txBody>
+          <a:bodyPr rtlCol="0" anchor="ctr"/>
+          <a:lstStyle/>
+          <a:p>
+            <a:pPr algn="ctr"/>
+          </a:p>
+        </p:txBody>
+      </p:sp>
+      <p:sp>
+        <p:nvSpPr>
+          <p:cNvPr id="18" name="TextBox 17"/>
           <p:cNvSpPr txBox="1"/>
           <p:nvPr/>
         </p:nvSpPr>
         <p:spPr>
           <a:xfrm>
-            <a:off x="6400800" y="1280160"/>
-            <a:ext cx="5029200" cy="1097280"/>
+            <a:off x="777240" y="3108960"/>
+            <a:ext cx="5166360" cy="365760"/>
           </a:xfrm>
           <a:prstGeom prst="rect">
             <a:avLst/>
@@ -5136,30 +9596,35 @@
           <a:noFill/>
         </p:spPr>
         <p:txBody>
-          <a:bodyPr wrap="square">
+          <a:bodyPr wrap="square" lIns="127000" rIns="127000" tIns="76200" bIns="76200">
             <a:spAutoFit/>
           </a:bodyPr>
           <a:lstStyle/>
           <a:p>
             <a:pPr>
-              <a:defRPr sz="1000" b="0"/>
+              <a:defRPr sz="1400" b="1">
+                <a:solidFill>
+                  <a:srgbClr val="22C55E"/>
+                </a:solidFill>
+                <a:latin typeface="Microsoft YaHei"/>
+              </a:defRPr>
             </a:pPr>
             <a:r>
-              <a:t>{{EXTERNAL_EXPOSURE}}</a:t>
-            </a:r>
-          </a:p>
-        </p:txBody>
-      </p:sp>
-      <p:sp>
-        <p:nvSpPr>
-          <p:cNvPr id="7" name="TextBox 6"/>
+              <a:t>{{SURFACE_TREND_TITLE}}</a:t>
+            </a:r>
+          </a:p>
+        </p:txBody>
+      </p:sp>
+      <p:sp>
+        <p:nvSpPr>
+          <p:cNvPr id="19" name="TextBox 18"/>
           <p:cNvSpPr txBox="1"/>
           <p:nvPr/>
         </p:nvSpPr>
         <p:spPr>
           <a:xfrm>
-            <a:off x="457200" y="2560320"/>
-            <a:ext cx="5486400" cy="365760"/>
+            <a:off x="777240" y="3474720"/>
+            <a:ext cx="5166360" cy="3017520"/>
           </a:xfrm>
           <a:prstGeom prst="rect">
             <a:avLst/>
@@ -5167,30 +9632,123 @@
           <a:noFill/>
         </p:spPr>
         <p:txBody>
-          <a:bodyPr wrap="square">
+          <a:bodyPr wrap="square" lIns="127000" rIns="127000" tIns="76200" bIns="76200">
             <a:spAutoFit/>
           </a:bodyPr>
           <a:lstStyle/>
           <a:p>
             <a:pPr>
-              <a:defRPr sz="1400" b="1"/>
+              <a:defRPr sz="1100" b="0">
+                <a:solidFill>
+                  <a:srgbClr val="E2E8F0"/>
+                </a:solidFill>
+                <a:latin typeface="Microsoft YaHei"/>
+              </a:defRPr>
             </a:pPr>
             <a:r>
-              <a:t>{{SURFACE_TREND_TITLE}}</a:t>
-            </a:r>
-          </a:p>
-        </p:txBody>
-      </p:sp>
-      <p:sp>
-        <p:nvSpPr>
-          <p:cNvPr id="8" name="TextBox 7"/>
+              <a:t>{{ATTACK_SURFACE_TREND}}</a:t>
+            </a:r>
+          </a:p>
+        </p:txBody>
+      </p:sp>
+      <p:sp>
+        <p:nvSpPr>
+          <p:cNvPr id="20" name="Rounded Rectangle 19"/>
+          <p:cNvSpPr/>
+          <p:nvPr/>
+        </p:nvSpPr>
+        <p:spPr>
+          <a:xfrm>
+            <a:off x="6364224" y="3072384"/>
+            <a:ext cx="5532120" cy="3566160"/>
+          </a:xfrm>
+          <a:prstGeom prst="roundRect">
+            <a:avLst/>
+          </a:prstGeom>
+          <a:solidFill>
+            <a:srgbClr val="000000"/>
+          </a:solidFill>
+          <a:ln>
+            <a:noFill/>
+          </a:ln>
+        </p:spPr>
+        <p:style>
+          <a:lnRef idx="1">
+            <a:schemeClr val="accent1"/>
+          </a:lnRef>
+          <a:fillRef idx="3">
+            <a:schemeClr val="accent1"/>
+          </a:fillRef>
+          <a:effectRef idx="2">
+            <a:schemeClr val="accent1"/>
+          </a:effectRef>
+          <a:fontRef idx="minor">
+            <a:schemeClr val="lt1"/>
+          </a:fontRef>
+        </p:style>
+        <p:txBody>
+          <a:bodyPr rtlCol="0" anchor="ctr"/>
+          <a:lstStyle/>
+          <a:p>
+            <a:pPr algn="ctr"/>
+          </a:p>
+        </p:txBody>
+      </p:sp>
+      <p:sp>
+        <p:nvSpPr>
+          <p:cNvPr id="21" name="Rounded Rectangle 20"/>
+          <p:cNvSpPr/>
+          <p:nvPr/>
+        </p:nvSpPr>
+        <p:spPr>
+          <a:xfrm>
+            <a:off x="6309360" y="3017520"/>
+            <a:ext cx="5532120" cy="3566160"/>
+          </a:xfrm>
+          <a:prstGeom prst="roundRect">
+            <a:avLst/>
+          </a:prstGeom>
+          <a:solidFill>
+            <a:srgbClr val="111827"/>
+          </a:solidFill>
+          <a:ln w="12700">
+            <a:solidFill>
+              <a:srgbClr val="1F2937"/>
+            </a:solidFill>
+          </a:ln>
+        </p:spPr>
+        <p:style>
+          <a:lnRef idx="1">
+            <a:schemeClr val="accent1"/>
+          </a:lnRef>
+          <a:fillRef idx="3">
+            <a:schemeClr val="accent1"/>
+          </a:fillRef>
+          <a:effectRef idx="2">
+            <a:schemeClr val="accent1"/>
+          </a:effectRef>
+          <a:fontRef idx="minor">
+            <a:schemeClr val="lt1"/>
+          </a:fontRef>
+        </p:style>
+        <p:txBody>
+          <a:bodyPr rtlCol="0" anchor="ctr"/>
+          <a:lstStyle/>
+          <a:p>
+            <a:pPr algn="ctr"/>
+          </a:p>
+        </p:txBody>
+      </p:sp>
+      <p:sp>
+        <p:nvSpPr>
+          <p:cNvPr id="22" name="TextBox 21"/>
           <p:cNvSpPr txBox="1"/>
           <p:nvPr/>
         </p:nvSpPr>
         <p:spPr>
           <a:xfrm>
-            <a:off x="457200" y="2926080"/>
-            <a:ext cx="5486400" cy="1371600"/>
+            <a:off x="6492240" y="3108960"/>
+            <a:ext cx="5166360" cy="365760"/>
           </a:xfrm>
           <a:prstGeom prst="rect">
             <a:avLst/>
@@ -5198,30 +9756,35 @@
           <a:noFill/>
         </p:spPr>
         <p:txBody>
-          <a:bodyPr wrap="square">
+          <a:bodyPr wrap="square" lIns="127000" rIns="127000" tIns="76200" bIns="76200">
             <a:spAutoFit/>
           </a:bodyPr>
           <a:lstStyle/>
           <a:p>
             <a:pPr>
-              <a:defRPr sz="1100" b="0"/>
+              <a:defRPr sz="1400" b="1">
+                <a:solidFill>
+                  <a:srgbClr val="22C55E"/>
+                </a:solidFill>
+                <a:latin typeface="Microsoft YaHei"/>
+              </a:defRPr>
             </a:pPr>
             <a:r>
-              <a:t>{{ATTACK_SURFACE_TREND}}</a:t>
-            </a:r>
-          </a:p>
-        </p:txBody>
-      </p:sp>
-      <p:sp>
-        <p:nvSpPr>
-          <p:cNvPr id="9" name="TextBox 8"/>
+              <a:t>{{REMEDIATION_TITLE}}</a:t>
+            </a:r>
+          </a:p>
+        </p:txBody>
+      </p:sp>
+      <p:sp>
+        <p:nvSpPr>
+          <p:cNvPr id="23" name="TextBox 22"/>
           <p:cNvSpPr txBox="1"/>
           <p:nvPr/>
         </p:nvSpPr>
         <p:spPr>
           <a:xfrm>
-            <a:off x="6400800" y="2560320"/>
-            <a:ext cx="5029200" cy="365760"/>
+            <a:off x="6492240" y="3474720"/>
+            <a:ext cx="5166360" cy="3017520"/>
           </a:xfrm>
           <a:prstGeom prst="rect">
             <a:avLst/>
@@ -5229,44 +9792,18 @@
           <a:noFill/>
         </p:spPr>
         <p:txBody>
-          <a:bodyPr wrap="square">
+          <a:bodyPr wrap="square" lIns="127000" rIns="127000" tIns="76200" bIns="76200">
             <a:spAutoFit/>
           </a:bodyPr>
           <a:lstStyle/>
           <a:p>
             <a:pPr>
-              <a:defRPr sz="1400" b="1"/>
-            </a:pPr>
-            <a:r>
-              <a:t>{{REMEDIATION_TITLE}}</a:t>
-            </a:r>
-          </a:p>
-        </p:txBody>
-      </p:sp>
-      <p:sp>
-        <p:nvSpPr>
-          <p:cNvPr id="10" name="TextBox 9"/>
-          <p:cNvSpPr txBox="1"/>
-          <p:nvPr/>
-        </p:nvSpPr>
-        <p:spPr>
-          <a:xfrm>
-            <a:off x="6400800" y="2926080"/>
-            <a:ext cx="5029200" cy="3657600"/>
-          </a:xfrm>
-          <a:prstGeom prst="rect">
-            <a:avLst/>
-          </a:prstGeom>
-          <a:noFill/>
-        </p:spPr>
-        <p:txBody>
-          <a:bodyPr wrap="square">
-            <a:spAutoFit/>
-          </a:bodyPr>
-          <a:lstStyle/>
-          <a:p>
-            <a:pPr>
-              <a:defRPr sz="1000" b="0"/>
+              <a:defRPr sz="1000" b="0">
+                <a:solidFill>
+                  <a:srgbClr val="E2E8F0"/>
+                </a:solidFill>
+                <a:latin typeface="Microsoft YaHei"/>
+              </a:defRPr>
             </a:pPr>
             <a:r>
               <a:t>{{EXPOSURE_REMEDIATION}}</a:t>
@@ -5285,6 +9822,14 @@
 <file path=ppt/slides/slide8.xml><?xml version="1.0" encoding="utf-8"?>
 <p:sld xmlns:a="http://schemas.openxmlformats.org/drawingml/2006/main" xmlns:p="http://schemas.openxmlformats.org/presentationml/2006/main" xmlns:r="http://schemas.openxmlformats.org/officeDocument/2006/relationships">
   <p:cSld>
+    <p:bg>
+      <p:bgPr>
+        <a:solidFill>
+          <a:srgbClr val="0B1220"/>
+        </a:solidFill>
+        <a:effectLst/>
+      </p:bgPr>
+    </p:bg>
     <p:spTree>
       <p:nvGrpSpPr>
         <p:cNvPr id="1" name=""/>
@@ -5294,14 +9839,229 @@
       <p:grpSpPr/>
       <p:sp>
         <p:nvSpPr>
-          <p:cNvPr id="2" name="TextBox 1"/>
+          <p:cNvPr id="2" name="Rectangle 1"/>
+          <p:cNvSpPr/>
+          <p:nvPr/>
+        </p:nvSpPr>
+        <p:spPr>
+          <a:xfrm>
+            <a:off x="0" y="0"/>
+            <a:ext cx="12191695" cy="960120"/>
+          </a:xfrm>
+          <a:prstGeom prst="rect">
+            <a:avLst/>
+          </a:prstGeom>
+          <a:solidFill>
+            <a:srgbClr val="0F172A"/>
+          </a:solidFill>
+          <a:ln>
+            <a:noFill/>
+          </a:ln>
+        </p:spPr>
+        <p:style>
+          <a:lnRef idx="1">
+            <a:schemeClr val="accent1"/>
+          </a:lnRef>
+          <a:fillRef idx="3">
+            <a:schemeClr val="accent1"/>
+          </a:fillRef>
+          <a:effectRef idx="2">
+            <a:schemeClr val="accent1"/>
+          </a:effectRef>
+          <a:fontRef idx="minor">
+            <a:schemeClr val="lt1"/>
+          </a:fontRef>
+        </p:style>
+        <p:txBody>
+          <a:bodyPr rtlCol="0" anchor="ctr"/>
+          <a:lstStyle/>
+          <a:p>
+            <a:pPr algn="ctr"/>
+          </a:p>
+        </p:txBody>
+      </p:sp>
+      <p:sp>
+        <p:nvSpPr>
+          <p:cNvPr id="3" name="Rectangle 2"/>
+          <p:cNvSpPr/>
+          <p:nvPr/>
+        </p:nvSpPr>
+        <p:spPr>
+          <a:xfrm>
+            <a:off x="0" y="896112"/>
+            <a:ext cx="12191695" cy="54864"/>
+          </a:xfrm>
+          <a:prstGeom prst="rect">
+            <a:avLst/>
+          </a:prstGeom>
+          <a:solidFill>
+            <a:srgbClr val="22C55E"/>
+          </a:solidFill>
+          <a:ln>
+            <a:noFill/>
+          </a:ln>
+        </p:spPr>
+        <p:style>
+          <a:lnRef idx="1">
+            <a:schemeClr val="accent1"/>
+          </a:lnRef>
+          <a:fillRef idx="3">
+            <a:schemeClr val="accent1"/>
+          </a:fillRef>
+          <a:effectRef idx="2">
+            <a:schemeClr val="accent1"/>
+          </a:effectRef>
+          <a:fontRef idx="minor">
+            <a:schemeClr val="lt1"/>
+          </a:fontRef>
+        </p:style>
+        <p:txBody>
+          <a:bodyPr rtlCol="0" anchor="ctr"/>
+          <a:lstStyle/>
+          <a:p>
+            <a:pPr algn="ctr"/>
+          </a:p>
+        </p:txBody>
+      </p:sp>
+      <p:sp>
+        <p:nvSpPr>
+          <p:cNvPr id="4" name="Oval 3"/>
+          <p:cNvSpPr/>
+          <p:nvPr/>
+        </p:nvSpPr>
+        <p:spPr>
+          <a:xfrm>
+            <a:off x="10241280" y="-731520"/>
+            <a:ext cx="3108960" cy="3108960"/>
+          </a:xfrm>
+          <a:prstGeom prst="ellipse">
+            <a:avLst/>
+          </a:prstGeom>
+          <a:solidFill>
+            <a:srgbClr val="22C55E"/>
+          </a:solidFill>
+          <a:ln>
+            <a:noFill/>
+          </a:ln>
+        </p:spPr>
+        <p:style>
+          <a:lnRef idx="1">
+            <a:schemeClr val="accent1"/>
+          </a:lnRef>
+          <a:fillRef idx="3">
+            <a:schemeClr val="accent1"/>
+          </a:fillRef>
+          <a:effectRef idx="2">
+            <a:schemeClr val="accent1"/>
+          </a:effectRef>
+          <a:fontRef idx="minor">
+            <a:schemeClr val="lt1"/>
+          </a:fontRef>
+        </p:style>
+        <p:txBody>
+          <a:bodyPr rtlCol="0" anchor="ctr"/>
+          <a:lstStyle/>
+          <a:p>
+            <a:pPr algn="ctr"/>
+          </a:p>
+        </p:txBody>
+      </p:sp>
+      <p:sp>
+        <p:nvSpPr>
+          <p:cNvPr id="5" name="Oval 4"/>
+          <p:cNvSpPr/>
+          <p:nvPr/>
+        </p:nvSpPr>
+        <p:spPr>
+          <a:xfrm>
+            <a:off x="-1280160" y="5577840"/>
+            <a:ext cx="2743200" cy="2743200"/>
+          </a:xfrm>
+          <a:prstGeom prst="ellipse">
+            <a:avLst/>
+          </a:prstGeom>
+          <a:solidFill>
+            <a:srgbClr val="3B82F6"/>
+          </a:solidFill>
+          <a:ln>
+            <a:noFill/>
+          </a:ln>
+        </p:spPr>
+        <p:style>
+          <a:lnRef idx="1">
+            <a:schemeClr val="accent1"/>
+          </a:lnRef>
+          <a:fillRef idx="3">
+            <a:schemeClr val="accent1"/>
+          </a:fillRef>
+          <a:effectRef idx="2">
+            <a:schemeClr val="accent1"/>
+          </a:effectRef>
+          <a:fontRef idx="minor">
+            <a:schemeClr val="lt1"/>
+          </a:fontRef>
+        </p:style>
+        <p:txBody>
+          <a:bodyPr rtlCol="0" anchor="ctr"/>
+          <a:lstStyle/>
+          <a:p>
+            <a:pPr algn="ctr"/>
+          </a:p>
+        </p:txBody>
+      </p:sp>
+      <p:sp>
+        <p:nvSpPr>
+          <p:cNvPr id="6" name="Rectangle 5"/>
+          <p:cNvSpPr/>
+          <p:nvPr/>
+        </p:nvSpPr>
+        <p:spPr>
+          <a:xfrm>
+            <a:off x="274320" y="1143000"/>
+            <a:ext cx="11658600" cy="5486400"/>
+          </a:xfrm>
+          <a:prstGeom prst="rect">
+            <a:avLst/>
+          </a:prstGeom>
+          <a:solidFill>
+            <a:srgbClr val="0F172A"/>
+          </a:solidFill>
+          <a:ln>
+            <a:noFill/>
+          </a:ln>
+        </p:spPr>
+        <p:style>
+          <a:lnRef idx="1">
+            <a:schemeClr val="accent1"/>
+          </a:lnRef>
+          <a:fillRef idx="3">
+            <a:schemeClr val="accent1"/>
+          </a:fillRef>
+          <a:effectRef idx="2">
+            <a:schemeClr val="accent1"/>
+          </a:effectRef>
+          <a:fontRef idx="minor">
+            <a:schemeClr val="lt1"/>
+          </a:fontRef>
+        </p:style>
+        <p:txBody>
+          <a:bodyPr rtlCol="0" anchor="ctr"/>
+          <a:lstStyle/>
+          <a:p>
+            <a:pPr algn="ctr"/>
+          </a:p>
+        </p:txBody>
+      </p:sp>
+      <p:sp>
+        <p:nvSpPr>
+          <p:cNvPr id="7" name="TextBox 6"/>
           <p:cNvSpPr txBox="1"/>
           <p:nvPr/>
         </p:nvSpPr>
         <p:spPr>
           <a:xfrm>
-            <a:off x="457200" y="274320"/>
-            <a:ext cx="10972800" cy="548640"/>
+            <a:off x="594360" y="201168"/>
+            <a:ext cx="11247120" cy="621792"/>
           </a:xfrm>
           <a:prstGeom prst="rect">
             <a:avLst/>
@@ -5309,7 +10069,7 @@
           <a:noFill/>
         </p:spPr>
         <p:txBody>
-          <a:bodyPr wrap="square">
+          <a:bodyPr wrap="square" lIns="127000" rIns="127000" tIns="76200" bIns="76200">
             <a:spAutoFit/>
           </a:bodyPr>
           <a:lstStyle/>
@@ -5317,26 +10077,151 @@
             <a:pPr>
               <a:defRPr sz="2800" b="1">
                 <a:solidFill>
+                  <a:srgbClr val="E2E8F0"/>
+                </a:solidFill>
+                <a:latin typeface="Microsoft YaHei"/>
+              </a:defRPr>
+            </a:pPr>
+            <a:r>
+              <a:t>{{SLIDE_TITLE}}</a:t>
+            </a:r>
+          </a:p>
+        </p:txBody>
+      </p:sp>
+      <p:sp>
+        <p:nvSpPr>
+          <p:cNvPr id="8" name="Rounded Rectangle 7"/>
+          <p:cNvSpPr/>
+          <p:nvPr/>
+        </p:nvSpPr>
+        <p:spPr>
+          <a:xfrm>
+            <a:off x="649224" y="1014984"/>
+            <a:ext cx="11247120" cy="2468880"/>
+          </a:xfrm>
+          <a:prstGeom prst="roundRect">
+            <a:avLst/>
+          </a:prstGeom>
+          <a:solidFill>
+            <a:srgbClr val="000000"/>
+          </a:solidFill>
+          <a:ln>
+            <a:noFill/>
+          </a:ln>
+        </p:spPr>
+        <p:style>
+          <a:lnRef idx="1">
+            <a:schemeClr val="accent1"/>
+          </a:lnRef>
+          <a:fillRef idx="3">
+            <a:schemeClr val="accent1"/>
+          </a:fillRef>
+          <a:effectRef idx="2">
+            <a:schemeClr val="accent1"/>
+          </a:effectRef>
+          <a:fontRef idx="minor">
+            <a:schemeClr val="lt1"/>
+          </a:fontRef>
+        </p:style>
+        <p:txBody>
+          <a:bodyPr rtlCol="0" anchor="ctr"/>
+          <a:lstStyle/>
+          <a:p>
+            <a:pPr algn="ctr"/>
+          </a:p>
+        </p:txBody>
+      </p:sp>
+      <p:sp>
+        <p:nvSpPr>
+          <p:cNvPr id="9" name="Rounded Rectangle 8"/>
+          <p:cNvSpPr/>
+          <p:nvPr/>
+        </p:nvSpPr>
+        <p:spPr>
+          <a:xfrm>
+            <a:off x="594360" y="960120"/>
+            <a:ext cx="11247120" cy="2468880"/>
+          </a:xfrm>
+          <a:prstGeom prst="roundRect">
+            <a:avLst/>
+          </a:prstGeom>
+          <a:solidFill>
+            <a:srgbClr val="111827"/>
+          </a:solidFill>
+          <a:ln w="12700">
+            <a:solidFill>
+              <a:srgbClr val="1F2937"/>
+            </a:solidFill>
+          </a:ln>
+        </p:spPr>
+        <p:style>
+          <a:lnRef idx="1">
+            <a:schemeClr val="accent1"/>
+          </a:lnRef>
+          <a:fillRef idx="3">
+            <a:schemeClr val="accent1"/>
+          </a:fillRef>
+          <a:effectRef idx="2">
+            <a:schemeClr val="accent1"/>
+          </a:effectRef>
+          <a:fontRef idx="minor">
+            <a:schemeClr val="lt1"/>
+          </a:fontRef>
+        </p:style>
+        <p:txBody>
+          <a:bodyPr rtlCol="0" anchor="ctr"/>
+          <a:lstStyle/>
+          <a:p>
+            <a:pPr algn="ctr"/>
+          </a:p>
+        </p:txBody>
+      </p:sp>
+      <p:sp>
+        <p:nvSpPr>
+          <p:cNvPr id="10" name="TextBox 9"/>
+          <p:cNvSpPr txBox="1"/>
+          <p:nvPr/>
+        </p:nvSpPr>
+        <p:spPr>
+          <a:xfrm>
+            <a:off x="777240" y="1051560"/>
+            <a:ext cx="10881360" cy="365760"/>
+          </a:xfrm>
+          <a:prstGeom prst="rect">
+            <a:avLst/>
+          </a:prstGeom>
+          <a:noFill/>
+        </p:spPr>
+        <p:txBody>
+          <a:bodyPr wrap="square" lIns="127000" rIns="127000" tIns="76200" bIns="76200">
+            <a:spAutoFit/>
+          </a:bodyPr>
+          <a:lstStyle/>
+          <a:p>
+            <a:pPr>
+              <a:defRPr sz="1400" b="1">
+                <a:solidFill>
                   <a:srgbClr val="22C55E"/>
                 </a:solidFill>
+                <a:latin typeface="Microsoft YaHei"/>
               </a:defRPr>
             </a:pPr>
             <a:r>
-              <a:t>{{SLIDE_TITLE}}</a:t>
-            </a:r>
-          </a:p>
-        </p:txBody>
-      </p:sp>
-      <p:sp>
-        <p:nvSpPr>
-          <p:cNvPr id="3" name="TextBox 2"/>
+              <a:t>{{CLOUD_MISCONFIG_TITLE}}</a:t>
+            </a:r>
+          </a:p>
+        </p:txBody>
+      </p:sp>
+      <p:sp>
+        <p:nvSpPr>
+          <p:cNvPr id="11" name="TextBox 10"/>
           <p:cNvSpPr txBox="1"/>
           <p:nvPr/>
         </p:nvSpPr>
         <p:spPr>
           <a:xfrm>
-            <a:off x="457200" y="1097280"/>
-            <a:ext cx="10972800" cy="365760"/>
+            <a:off x="777240" y="1417320"/>
+            <a:ext cx="10881360" cy="1874519"/>
           </a:xfrm>
           <a:prstGeom prst="rect">
             <a:avLst/>
@@ -5344,30 +10229,123 @@
           <a:noFill/>
         </p:spPr>
         <p:txBody>
-          <a:bodyPr wrap="square">
+          <a:bodyPr wrap="square" lIns="127000" rIns="127000" tIns="76200" bIns="76200">
             <a:spAutoFit/>
           </a:bodyPr>
           <a:lstStyle/>
           <a:p>
             <a:pPr>
-              <a:defRPr sz="1400" b="1"/>
+              <a:defRPr sz="1000" b="0">
+                <a:solidFill>
+                  <a:srgbClr val="E2E8F0"/>
+                </a:solidFill>
+                <a:latin typeface="Microsoft YaHei"/>
+              </a:defRPr>
             </a:pPr>
             <a:r>
-              <a:t>{{CLOUD_MISCONFIG_TITLE}}</a:t>
-            </a:r>
-          </a:p>
-        </p:txBody>
-      </p:sp>
-      <p:sp>
-        <p:nvSpPr>
-          <p:cNvPr id="4" name="TextBox 3"/>
+              <a:t>{{CLOUD_MISCONFIG_DETAILS}}</a:t>
+            </a:r>
+          </a:p>
+        </p:txBody>
+      </p:sp>
+      <p:sp>
+        <p:nvSpPr>
+          <p:cNvPr id="12" name="Rounded Rectangle 11"/>
+          <p:cNvSpPr/>
+          <p:nvPr/>
+        </p:nvSpPr>
+        <p:spPr>
+          <a:xfrm>
+            <a:off x="649224" y="3666744"/>
+            <a:ext cx="5532120" cy="2971800"/>
+          </a:xfrm>
+          <a:prstGeom prst="roundRect">
+            <a:avLst/>
+          </a:prstGeom>
+          <a:solidFill>
+            <a:srgbClr val="000000"/>
+          </a:solidFill>
+          <a:ln>
+            <a:noFill/>
+          </a:ln>
+        </p:spPr>
+        <p:style>
+          <a:lnRef idx="1">
+            <a:schemeClr val="accent1"/>
+          </a:lnRef>
+          <a:fillRef idx="3">
+            <a:schemeClr val="accent1"/>
+          </a:fillRef>
+          <a:effectRef idx="2">
+            <a:schemeClr val="accent1"/>
+          </a:effectRef>
+          <a:fontRef idx="minor">
+            <a:schemeClr val="lt1"/>
+          </a:fontRef>
+        </p:style>
+        <p:txBody>
+          <a:bodyPr rtlCol="0" anchor="ctr"/>
+          <a:lstStyle/>
+          <a:p>
+            <a:pPr algn="ctr"/>
+          </a:p>
+        </p:txBody>
+      </p:sp>
+      <p:sp>
+        <p:nvSpPr>
+          <p:cNvPr id="13" name="Rounded Rectangle 12"/>
+          <p:cNvSpPr/>
+          <p:nvPr/>
+        </p:nvSpPr>
+        <p:spPr>
+          <a:xfrm>
+            <a:off x="594360" y="3611880"/>
+            <a:ext cx="5532120" cy="2971800"/>
+          </a:xfrm>
+          <a:prstGeom prst="roundRect">
+            <a:avLst/>
+          </a:prstGeom>
+          <a:solidFill>
+            <a:srgbClr val="111827"/>
+          </a:solidFill>
+          <a:ln w="12700">
+            <a:solidFill>
+              <a:srgbClr val="1F2937"/>
+            </a:solidFill>
+          </a:ln>
+        </p:spPr>
+        <p:style>
+          <a:lnRef idx="1">
+            <a:schemeClr val="accent1"/>
+          </a:lnRef>
+          <a:fillRef idx="3">
+            <a:schemeClr val="accent1"/>
+          </a:fillRef>
+          <a:effectRef idx="2">
+            <a:schemeClr val="accent1"/>
+          </a:effectRef>
+          <a:fontRef idx="minor">
+            <a:schemeClr val="lt1"/>
+          </a:fontRef>
+        </p:style>
+        <p:txBody>
+          <a:bodyPr rtlCol="0" anchor="ctr"/>
+          <a:lstStyle/>
+          <a:p>
+            <a:pPr algn="ctr"/>
+          </a:p>
+        </p:txBody>
+      </p:sp>
+      <p:sp>
+        <p:nvSpPr>
+          <p:cNvPr id="14" name="TextBox 13"/>
           <p:cNvSpPr txBox="1"/>
           <p:nvPr/>
         </p:nvSpPr>
         <p:spPr>
           <a:xfrm>
-            <a:off x="457200" y="1463040"/>
-            <a:ext cx="10972800" cy="1828800"/>
+            <a:off x="777240" y="3703320"/>
+            <a:ext cx="5166360" cy="365760"/>
           </a:xfrm>
           <a:prstGeom prst="rect">
             <a:avLst/>
@@ -5375,30 +10353,35 @@
           <a:noFill/>
         </p:spPr>
         <p:txBody>
-          <a:bodyPr wrap="square">
+          <a:bodyPr wrap="square" lIns="127000" rIns="127000" tIns="76200" bIns="76200">
             <a:spAutoFit/>
           </a:bodyPr>
           <a:lstStyle/>
           <a:p>
             <a:pPr>
-              <a:defRPr sz="1000" b="0"/>
+              <a:defRPr sz="1400" b="1">
+                <a:solidFill>
+                  <a:srgbClr val="22C55E"/>
+                </a:solidFill>
+                <a:latin typeface="Microsoft YaHei"/>
+              </a:defRPr>
             </a:pPr>
             <a:r>
-              <a:t>{{CLOUD_MISCONFIG_DETAILS}}</a:t>
-            </a:r>
-          </a:p>
-        </p:txBody>
-      </p:sp>
-      <p:sp>
-        <p:nvSpPr>
-          <p:cNvPr id="5" name="TextBox 4"/>
+              <a:t>{{IAM_TITLE}}</a:t>
+            </a:r>
+          </a:p>
+        </p:txBody>
+      </p:sp>
+      <p:sp>
+        <p:nvSpPr>
+          <p:cNvPr id="15" name="TextBox 14"/>
           <p:cNvSpPr txBox="1"/>
           <p:nvPr/>
         </p:nvSpPr>
         <p:spPr>
           <a:xfrm>
-            <a:off x="457200" y="3474720"/>
-            <a:ext cx="5486400" cy="365760"/>
+            <a:off x="777240" y="4069080"/>
+            <a:ext cx="5166360" cy="2423160"/>
           </a:xfrm>
           <a:prstGeom prst="rect">
             <a:avLst/>
@@ -5406,30 +10389,123 @@
           <a:noFill/>
         </p:spPr>
         <p:txBody>
-          <a:bodyPr wrap="square">
+          <a:bodyPr wrap="square" lIns="127000" rIns="127000" tIns="76200" bIns="76200">
             <a:spAutoFit/>
           </a:bodyPr>
           <a:lstStyle/>
           <a:p>
             <a:pPr>
-              <a:defRPr sz="1400" b="1"/>
+              <a:defRPr sz="1000" b="0">
+                <a:solidFill>
+                  <a:srgbClr val="E2E8F0"/>
+                </a:solidFill>
+                <a:latin typeface="Microsoft YaHei"/>
+              </a:defRPr>
             </a:pPr>
             <a:r>
-              <a:t>{{IAM_TITLE}}</a:t>
-            </a:r>
-          </a:p>
-        </p:txBody>
-      </p:sp>
-      <p:sp>
-        <p:nvSpPr>
-          <p:cNvPr id="6" name="TextBox 5"/>
+              <a:t>{{IAM_RISK_ANALYSIS}}</a:t>
+            </a:r>
+          </a:p>
+        </p:txBody>
+      </p:sp>
+      <p:sp>
+        <p:nvSpPr>
+          <p:cNvPr id="16" name="Rounded Rectangle 15"/>
+          <p:cNvSpPr/>
+          <p:nvPr/>
+        </p:nvSpPr>
+        <p:spPr>
+          <a:xfrm>
+            <a:off x="6364224" y="3666744"/>
+            <a:ext cx="5532120" cy="2971800"/>
+          </a:xfrm>
+          <a:prstGeom prst="roundRect">
+            <a:avLst/>
+          </a:prstGeom>
+          <a:solidFill>
+            <a:srgbClr val="000000"/>
+          </a:solidFill>
+          <a:ln>
+            <a:noFill/>
+          </a:ln>
+        </p:spPr>
+        <p:style>
+          <a:lnRef idx="1">
+            <a:schemeClr val="accent1"/>
+          </a:lnRef>
+          <a:fillRef idx="3">
+            <a:schemeClr val="accent1"/>
+          </a:fillRef>
+          <a:effectRef idx="2">
+            <a:schemeClr val="accent1"/>
+          </a:effectRef>
+          <a:fontRef idx="minor">
+            <a:schemeClr val="lt1"/>
+          </a:fontRef>
+        </p:style>
+        <p:txBody>
+          <a:bodyPr rtlCol="0" anchor="ctr"/>
+          <a:lstStyle/>
+          <a:p>
+            <a:pPr algn="ctr"/>
+          </a:p>
+        </p:txBody>
+      </p:sp>
+      <p:sp>
+        <p:nvSpPr>
+          <p:cNvPr id="17" name="Rounded Rectangle 16"/>
+          <p:cNvSpPr/>
+          <p:nvPr/>
+        </p:nvSpPr>
+        <p:spPr>
+          <a:xfrm>
+            <a:off x="6309360" y="3611880"/>
+            <a:ext cx="5532120" cy="2971800"/>
+          </a:xfrm>
+          <a:prstGeom prst="roundRect">
+            <a:avLst/>
+          </a:prstGeom>
+          <a:solidFill>
+            <a:srgbClr val="111827"/>
+          </a:solidFill>
+          <a:ln w="12700">
+            <a:solidFill>
+              <a:srgbClr val="1F2937"/>
+            </a:solidFill>
+          </a:ln>
+        </p:spPr>
+        <p:style>
+          <a:lnRef idx="1">
+            <a:schemeClr val="accent1"/>
+          </a:lnRef>
+          <a:fillRef idx="3">
+            <a:schemeClr val="accent1"/>
+          </a:fillRef>
+          <a:effectRef idx="2">
+            <a:schemeClr val="accent1"/>
+          </a:effectRef>
+          <a:fontRef idx="minor">
+            <a:schemeClr val="lt1"/>
+          </a:fontRef>
+        </p:style>
+        <p:txBody>
+          <a:bodyPr rtlCol="0" anchor="ctr"/>
+          <a:lstStyle/>
+          <a:p>
+            <a:pPr algn="ctr"/>
+          </a:p>
+        </p:txBody>
+      </p:sp>
+      <p:sp>
+        <p:nvSpPr>
+          <p:cNvPr id="18" name="TextBox 17"/>
           <p:cNvSpPr txBox="1"/>
           <p:nvPr/>
         </p:nvSpPr>
         <p:spPr>
           <a:xfrm>
-            <a:off x="457200" y="3840480"/>
-            <a:ext cx="5486400" cy="1371600"/>
+            <a:off x="6492240" y="3703320"/>
+            <a:ext cx="5166360" cy="365760"/>
           </a:xfrm>
           <a:prstGeom prst="rect">
             <a:avLst/>
@@ -5437,30 +10513,35 @@
           <a:noFill/>
         </p:spPr>
         <p:txBody>
-          <a:bodyPr wrap="square">
+          <a:bodyPr wrap="square" lIns="127000" rIns="127000" tIns="76200" bIns="76200">
             <a:spAutoFit/>
           </a:bodyPr>
           <a:lstStyle/>
           <a:p>
             <a:pPr>
-              <a:defRPr sz="1000" b="0"/>
+              <a:defRPr sz="1400" b="1">
+                <a:solidFill>
+                  <a:srgbClr val="22C55E"/>
+                </a:solidFill>
+                <a:latin typeface="Microsoft YaHei"/>
+              </a:defRPr>
             </a:pPr>
             <a:r>
-              <a:t>{{IAM_RISK_ANALYSIS}}</a:t>
-            </a:r>
-          </a:p>
-        </p:txBody>
-      </p:sp>
-      <p:sp>
-        <p:nvSpPr>
-          <p:cNvPr id="7" name="TextBox 6"/>
+              <a:t>{{COMPLIANCE_TITLE}}</a:t>
+            </a:r>
+          </a:p>
+        </p:txBody>
+      </p:sp>
+      <p:sp>
+        <p:nvSpPr>
+          <p:cNvPr id="19" name="TextBox 18"/>
           <p:cNvSpPr txBox="1"/>
           <p:nvPr/>
         </p:nvSpPr>
         <p:spPr>
           <a:xfrm>
-            <a:off x="6400800" y="3474720"/>
-            <a:ext cx="5029200" cy="365760"/>
+            <a:off x="6492240" y="4069080"/>
+            <a:ext cx="5166360" cy="2423160"/>
           </a:xfrm>
           <a:prstGeom prst="rect">
             <a:avLst/>
@@ -5468,44 +10549,18 @@
           <a:noFill/>
         </p:spPr>
         <p:txBody>
-          <a:bodyPr wrap="square">
+          <a:bodyPr wrap="square" lIns="127000" rIns="127000" tIns="76200" bIns="76200">
             <a:spAutoFit/>
           </a:bodyPr>
           <a:lstStyle/>
           <a:p>
             <a:pPr>
-              <a:defRPr sz="1400" b="1"/>
-            </a:pPr>
-            <a:r>
-              <a:t>{{COMPLIANCE_TITLE}}</a:t>
-            </a:r>
-          </a:p>
-        </p:txBody>
-      </p:sp>
-      <p:sp>
-        <p:nvSpPr>
-          <p:cNvPr id="8" name="TextBox 7"/>
-          <p:cNvSpPr txBox="1"/>
-          <p:nvPr/>
-        </p:nvSpPr>
-        <p:spPr>
-          <a:xfrm>
-            <a:off x="6400800" y="3840480"/>
-            <a:ext cx="5029200" cy="2743200"/>
-          </a:xfrm>
-          <a:prstGeom prst="rect">
-            <a:avLst/>
-          </a:prstGeom>
-          <a:noFill/>
-        </p:spPr>
-        <p:txBody>
-          <a:bodyPr wrap="square">
-            <a:spAutoFit/>
-          </a:bodyPr>
-          <a:lstStyle/>
-          <a:p>
-            <a:pPr>
-              <a:defRPr sz="1000" b="0"/>
+              <a:defRPr sz="1000" b="0">
+                <a:solidFill>
+                  <a:srgbClr val="E2E8F0"/>
+                </a:solidFill>
+                <a:latin typeface="Microsoft YaHei"/>
+              </a:defRPr>
             </a:pPr>
             <a:r>
               <a:t>{{CLOUD_COMPLIANCE}}</a:t>
@@ -5524,6 +10579,14 @@
 <file path=ppt/slides/slide9.xml><?xml version="1.0" encoding="utf-8"?>
 <p:sld xmlns:a="http://schemas.openxmlformats.org/drawingml/2006/main" xmlns:p="http://schemas.openxmlformats.org/presentationml/2006/main" xmlns:r="http://schemas.openxmlformats.org/officeDocument/2006/relationships">
   <p:cSld>
+    <p:bg>
+      <p:bgPr>
+        <a:solidFill>
+          <a:srgbClr val="0B1220"/>
+        </a:solidFill>
+        <a:effectLst/>
+      </p:bgPr>
+    </p:bg>
     <p:spTree>
       <p:nvGrpSpPr>
         <p:cNvPr id="1" name=""/>
@@ -5533,14 +10596,229 @@
       <p:grpSpPr/>
       <p:sp>
         <p:nvSpPr>
-          <p:cNvPr id="2" name="TextBox 1"/>
+          <p:cNvPr id="2" name="Rectangle 1"/>
+          <p:cNvSpPr/>
+          <p:nvPr/>
+        </p:nvSpPr>
+        <p:spPr>
+          <a:xfrm>
+            <a:off x="0" y="0"/>
+            <a:ext cx="12191695" cy="960120"/>
+          </a:xfrm>
+          <a:prstGeom prst="rect">
+            <a:avLst/>
+          </a:prstGeom>
+          <a:solidFill>
+            <a:srgbClr val="0F172A"/>
+          </a:solidFill>
+          <a:ln>
+            <a:noFill/>
+          </a:ln>
+        </p:spPr>
+        <p:style>
+          <a:lnRef idx="1">
+            <a:schemeClr val="accent1"/>
+          </a:lnRef>
+          <a:fillRef idx="3">
+            <a:schemeClr val="accent1"/>
+          </a:fillRef>
+          <a:effectRef idx="2">
+            <a:schemeClr val="accent1"/>
+          </a:effectRef>
+          <a:fontRef idx="minor">
+            <a:schemeClr val="lt1"/>
+          </a:fontRef>
+        </p:style>
+        <p:txBody>
+          <a:bodyPr rtlCol="0" anchor="ctr"/>
+          <a:lstStyle/>
+          <a:p>
+            <a:pPr algn="ctr"/>
+          </a:p>
+        </p:txBody>
+      </p:sp>
+      <p:sp>
+        <p:nvSpPr>
+          <p:cNvPr id="3" name="Rectangle 2"/>
+          <p:cNvSpPr/>
+          <p:nvPr/>
+        </p:nvSpPr>
+        <p:spPr>
+          <a:xfrm>
+            <a:off x="0" y="896112"/>
+            <a:ext cx="12191695" cy="54864"/>
+          </a:xfrm>
+          <a:prstGeom prst="rect">
+            <a:avLst/>
+          </a:prstGeom>
+          <a:solidFill>
+            <a:srgbClr val="22C55E"/>
+          </a:solidFill>
+          <a:ln>
+            <a:noFill/>
+          </a:ln>
+        </p:spPr>
+        <p:style>
+          <a:lnRef idx="1">
+            <a:schemeClr val="accent1"/>
+          </a:lnRef>
+          <a:fillRef idx="3">
+            <a:schemeClr val="accent1"/>
+          </a:fillRef>
+          <a:effectRef idx="2">
+            <a:schemeClr val="accent1"/>
+          </a:effectRef>
+          <a:fontRef idx="minor">
+            <a:schemeClr val="lt1"/>
+          </a:fontRef>
+        </p:style>
+        <p:txBody>
+          <a:bodyPr rtlCol="0" anchor="ctr"/>
+          <a:lstStyle/>
+          <a:p>
+            <a:pPr algn="ctr"/>
+          </a:p>
+        </p:txBody>
+      </p:sp>
+      <p:sp>
+        <p:nvSpPr>
+          <p:cNvPr id="4" name="Oval 3"/>
+          <p:cNvSpPr/>
+          <p:nvPr/>
+        </p:nvSpPr>
+        <p:spPr>
+          <a:xfrm>
+            <a:off x="10241280" y="-731520"/>
+            <a:ext cx="3108960" cy="3108960"/>
+          </a:xfrm>
+          <a:prstGeom prst="ellipse">
+            <a:avLst/>
+          </a:prstGeom>
+          <a:solidFill>
+            <a:srgbClr val="22C55E"/>
+          </a:solidFill>
+          <a:ln>
+            <a:noFill/>
+          </a:ln>
+        </p:spPr>
+        <p:style>
+          <a:lnRef idx="1">
+            <a:schemeClr val="accent1"/>
+          </a:lnRef>
+          <a:fillRef idx="3">
+            <a:schemeClr val="accent1"/>
+          </a:fillRef>
+          <a:effectRef idx="2">
+            <a:schemeClr val="accent1"/>
+          </a:effectRef>
+          <a:fontRef idx="minor">
+            <a:schemeClr val="lt1"/>
+          </a:fontRef>
+        </p:style>
+        <p:txBody>
+          <a:bodyPr rtlCol="0" anchor="ctr"/>
+          <a:lstStyle/>
+          <a:p>
+            <a:pPr algn="ctr"/>
+          </a:p>
+        </p:txBody>
+      </p:sp>
+      <p:sp>
+        <p:nvSpPr>
+          <p:cNvPr id="5" name="Oval 4"/>
+          <p:cNvSpPr/>
+          <p:nvPr/>
+        </p:nvSpPr>
+        <p:spPr>
+          <a:xfrm>
+            <a:off x="-1280160" y="5577840"/>
+            <a:ext cx="2743200" cy="2743200"/>
+          </a:xfrm>
+          <a:prstGeom prst="ellipse">
+            <a:avLst/>
+          </a:prstGeom>
+          <a:solidFill>
+            <a:srgbClr val="3B82F6"/>
+          </a:solidFill>
+          <a:ln>
+            <a:noFill/>
+          </a:ln>
+        </p:spPr>
+        <p:style>
+          <a:lnRef idx="1">
+            <a:schemeClr val="accent1"/>
+          </a:lnRef>
+          <a:fillRef idx="3">
+            <a:schemeClr val="accent1"/>
+          </a:fillRef>
+          <a:effectRef idx="2">
+            <a:schemeClr val="accent1"/>
+          </a:effectRef>
+          <a:fontRef idx="minor">
+            <a:schemeClr val="lt1"/>
+          </a:fontRef>
+        </p:style>
+        <p:txBody>
+          <a:bodyPr rtlCol="0" anchor="ctr"/>
+          <a:lstStyle/>
+          <a:p>
+            <a:pPr algn="ctr"/>
+          </a:p>
+        </p:txBody>
+      </p:sp>
+      <p:sp>
+        <p:nvSpPr>
+          <p:cNvPr id="6" name="Rectangle 5"/>
+          <p:cNvSpPr/>
+          <p:nvPr/>
+        </p:nvSpPr>
+        <p:spPr>
+          <a:xfrm>
+            <a:off x="274320" y="1143000"/>
+            <a:ext cx="11658600" cy="5486400"/>
+          </a:xfrm>
+          <a:prstGeom prst="rect">
+            <a:avLst/>
+          </a:prstGeom>
+          <a:solidFill>
+            <a:srgbClr val="0F172A"/>
+          </a:solidFill>
+          <a:ln>
+            <a:noFill/>
+          </a:ln>
+        </p:spPr>
+        <p:style>
+          <a:lnRef idx="1">
+            <a:schemeClr val="accent1"/>
+          </a:lnRef>
+          <a:fillRef idx="3">
+            <a:schemeClr val="accent1"/>
+          </a:fillRef>
+          <a:effectRef idx="2">
+            <a:schemeClr val="accent1"/>
+          </a:effectRef>
+          <a:fontRef idx="minor">
+            <a:schemeClr val="lt1"/>
+          </a:fontRef>
+        </p:style>
+        <p:txBody>
+          <a:bodyPr rtlCol="0" anchor="ctr"/>
+          <a:lstStyle/>
+          <a:p>
+            <a:pPr algn="ctr"/>
+          </a:p>
+        </p:txBody>
+      </p:sp>
+      <p:sp>
+        <p:nvSpPr>
+          <p:cNvPr id="7" name="TextBox 6"/>
           <p:cNvSpPr txBox="1"/>
           <p:nvPr/>
         </p:nvSpPr>
         <p:spPr>
           <a:xfrm>
-            <a:off x="457200" y="274320"/>
-            <a:ext cx="10972800" cy="548640"/>
+            <a:off x="594360" y="201168"/>
+            <a:ext cx="11247120" cy="621792"/>
           </a:xfrm>
           <a:prstGeom prst="rect">
             <a:avLst/>
@@ -5548,7 +10826,7 @@
           <a:noFill/>
         </p:spPr>
         <p:txBody>
-          <a:bodyPr wrap="square">
+          <a:bodyPr wrap="square" lIns="127000" rIns="127000" tIns="76200" bIns="76200">
             <a:spAutoFit/>
           </a:bodyPr>
           <a:lstStyle/>
@@ -5556,26 +10834,151 @@
             <a:pPr>
               <a:defRPr sz="2800" b="1">
                 <a:solidFill>
+                  <a:srgbClr val="E2E8F0"/>
+                </a:solidFill>
+                <a:latin typeface="Microsoft YaHei"/>
+              </a:defRPr>
+            </a:pPr>
+            <a:r>
+              <a:t>{{SLIDE_TITLE}}</a:t>
+            </a:r>
+          </a:p>
+        </p:txBody>
+      </p:sp>
+      <p:sp>
+        <p:nvSpPr>
+          <p:cNvPr id="8" name="Rounded Rectangle 7"/>
+          <p:cNvSpPr/>
+          <p:nvPr/>
+        </p:nvSpPr>
+        <p:spPr>
+          <a:xfrm>
+            <a:off x="649224" y="1014984"/>
+            <a:ext cx="11247120" cy="2240280"/>
+          </a:xfrm>
+          <a:prstGeom prst="roundRect">
+            <a:avLst/>
+          </a:prstGeom>
+          <a:solidFill>
+            <a:srgbClr val="000000"/>
+          </a:solidFill>
+          <a:ln>
+            <a:noFill/>
+          </a:ln>
+        </p:spPr>
+        <p:style>
+          <a:lnRef idx="1">
+            <a:schemeClr val="accent1"/>
+          </a:lnRef>
+          <a:fillRef idx="3">
+            <a:schemeClr val="accent1"/>
+          </a:fillRef>
+          <a:effectRef idx="2">
+            <a:schemeClr val="accent1"/>
+          </a:effectRef>
+          <a:fontRef idx="minor">
+            <a:schemeClr val="lt1"/>
+          </a:fontRef>
+        </p:style>
+        <p:txBody>
+          <a:bodyPr rtlCol="0" anchor="ctr"/>
+          <a:lstStyle/>
+          <a:p>
+            <a:pPr algn="ctr"/>
+          </a:p>
+        </p:txBody>
+      </p:sp>
+      <p:sp>
+        <p:nvSpPr>
+          <p:cNvPr id="9" name="Rounded Rectangle 8"/>
+          <p:cNvSpPr/>
+          <p:nvPr/>
+        </p:nvSpPr>
+        <p:spPr>
+          <a:xfrm>
+            <a:off x="594360" y="960120"/>
+            <a:ext cx="11247120" cy="2240280"/>
+          </a:xfrm>
+          <a:prstGeom prst="roundRect">
+            <a:avLst/>
+          </a:prstGeom>
+          <a:solidFill>
+            <a:srgbClr val="111827"/>
+          </a:solidFill>
+          <a:ln w="12700">
+            <a:solidFill>
+              <a:srgbClr val="1F2937"/>
+            </a:solidFill>
+          </a:ln>
+        </p:spPr>
+        <p:style>
+          <a:lnRef idx="1">
+            <a:schemeClr val="accent1"/>
+          </a:lnRef>
+          <a:fillRef idx="3">
+            <a:schemeClr val="accent1"/>
+          </a:fillRef>
+          <a:effectRef idx="2">
+            <a:schemeClr val="accent1"/>
+          </a:effectRef>
+          <a:fontRef idx="minor">
+            <a:schemeClr val="lt1"/>
+          </a:fontRef>
+        </p:style>
+        <p:txBody>
+          <a:bodyPr rtlCol="0" anchor="ctr"/>
+          <a:lstStyle/>
+          <a:p>
+            <a:pPr algn="ctr"/>
+          </a:p>
+        </p:txBody>
+      </p:sp>
+      <p:sp>
+        <p:nvSpPr>
+          <p:cNvPr id="10" name="TextBox 9"/>
+          <p:cNvSpPr txBox="1"/>
+          <p:nvPr/>
+        </p:nvSpPr>
+        <p:spPr>
+          <a:xfrm>
+            <a:off x="777240" y="1051560"/>
+            <a:ext cx="10881360" cy="365760"/>
+          </a:xfrm>
+          <a:prstGeom prst="rect">
+            <a:avLst/>
+          </a:prstGeom>
+          <a:noFill/>
+        </p:spPr>
+        <p:txBody>
+          <a:bodyPr wrap="square" lIns="127000" rIns="127000" tIns="76200" bIns="76200">
+            <a:spAutoFit/>
+          </a:bodyPr>
+          <a:lstStyle/>
+          <a:p>
+            <a:pPr>
+              <a:defRPr sz="1400" b="1">
+                <a:solidFill>
                   <a:srgbClr val="22C55E"/>
                 </a:solidFill>
+                <a:latin typeface="Microsoft YaHei"/>
               </a:defRPr>
             </a:pPr>
             <a:r>
-              <a:t>{{SLIDE_TITLE}}</a:t>
-            </a:r>
-          </a:p>
-        </p:txBody>
-      </p:sp>
-      <p:sp>
-        <p:nvSpPr>
-          <p:cNvPr id="3" name="TextBox 2"/>
+              <a:t>{{TECH_REC_TITLE}}</a:t>
+            </a:r>
+          </a:p>
+        </p:txBody>
+      </p:sp>
+      <p:sp>
+        <p:nvSpPr>
+          <p:cNvPr id="11" name="TextBox 10"/>
           <p:cNvSpPr txBox="1"/>
           <p:nvPr/>
         </p:nvSpPr>
         <p:spPr>
           <a:xfrm>
-            <a:off x="457200" y="1097280"/>
-            <a:ext cx="10972800" cy="365760"/>
+            <a:off x="777240" y="1417320"/>
+            <a:ext cx="10881360" cy="1691640"/>
           </a:xfrm>
           <a:prstGeom prst="rect">
             <a:avLst/>
@@ -5583,30 +10986,123 @@
           <a:noFill/>
         </p:spPr>
         <p:txBody>
-          <a:bodyPr wrap="square">
+          <a:bodyPr wrap="square" lIns="127000" rIns="127000" tIns="76200" bIns="76200">
             <a:spAutoFit/>
           </a:bodyPr>
           <a:lstStyle/>
           <a:p>
             <a:pPr>
-              <a:defRPr sz="1400" b="1"/>
+              <a:defRPr sz="1000" b="0">
+                <a:solidFill>
+                  <a:srgbClr val="E2E8F0"/>
+                </a:solidFill>
+                <a:latin typeface="Microsoft YaHei"/>
+              </a:defRPr>
             </a:pPr>
             <a:r>
-              <a:t>{{TECH_REC_TITLE}}</a:t>
-            </a:r>
-          </a:p>
-        </p:txBody>
-      </p:sp>
-      <p:sp>
-        <p:nvSpPr>
-          <p:cNvPr id="4" name="TextBox 3"/>
+              <a:t>{{TECHNICAL_RECOMMENDATIONS}}</a:t>
+            </a:r>
+          </a:p>
+        </p:txBody>
+      </p:sp>
+      <p:sp>
+        <p:nvSpPr>
+          <p:cNvPr id="12" name="Rounded Rectangle 11"/>
+          <p:cNvSpPr/>
+          <p:nvPr/>
+        </p:nvSpPr>
+        <p:spPr>
+          <a:xfrm>
+            <a:off x="649224" y="3392424"/>
+            <a:ext cx="5532120" cy="3246120"/>
+          </a:xfrm>
+          <a:prstGeom prst="roundRect">
+            <a:avLst/>
+          </a:prstGeom>
+          <a:solidFill>
+            <a:srgbClr val="000000"/>
+          </a:solidFill>
+          <a:ln>
+            <a:noFill/>
+          </a:ln>
+        </p:spPr>
+        <p:style>
+          <a:lnRef idx="1">
+            <a:schemeClr val="accent1"/>
+          </a:lnRef>
+          <a:fillRef idx="3">
+            <a:schemeClr val="accent1"/>
+          </a:fillRef>
+          <a:effectRef idx="2">
+            <a:schemeClr val="accent1"/>
+          </a:effectRef>
+          <a:fontRef idx="minor">
+            <a:schemeClr val="lt1"/>
+          </a:fontRef>
+        </p:style>
+        <p:txBody>
+          <a:bodyPr rtlCol="0" anchor="ctr"/>
+          <a:lstStyle/>
+          <a:p>
+            <a:pPr algn="ctr"/>
+          </a:p>
+        </p:txBody>
+      </p:sp>
+      <p:sp>
+        <p:nvSpPr>
+          <p:cNvPr id="13" name="Rounded Rectangle 12"/>
+          <p:cNvSpPr/>
+          <p:nvPr/>
+        </p:nvSpPr>
+        <p:spPr>
+          <a:xfrm>
+            <a:off x="594360" y="3337560"/>
+            <a:ext cx="5532120" cy="3246120"/>
+          </a:xfrm>
+          <a:prstGeom prst="roundRect">
+            <a:avLst/>
+          </a:prstGeom>
+          <a:solidFill>
+            <a:srgbClr val="111827"/>
+          </a:solidFill>
+          <a:ln w="12700">
+            <a:solidFill>
+              <a:srgbClr val="1F2937"/>
+            </a:solidFill>
+          </a:ln>
+        </p:spPr>
+        <p:style>
+          <a:lnRef idx="1">
+            <a:schemeClr val="accent1"/>
+          </a:lnRef>
+          <a:fillRef idx="3">
+            <a:schemeClr val="accent1"/>
+          </a:fillRef>
+          <a:effectRef idx="2">
+            <a:schemeClr val="accent1"/>
+          </a:effectRef>
+          <a:fontRef idx="minor">
+            <a:schemeClr val="lt1"/>
+          </a:fontRef>
+        </p:style>
+        <p:txBody>
+          <a:bodyPr rtlCol="0" anchor="ctr"/>
+          <a:lstStyle/>
+          <a:p>
+            <a:pPr algn="ctr"/>
+          </a:p>
+        </p:txBody>
+      </p:sp>
+      <p:sp>
+        <p:nvSpPr>
+          <p:cNvPr id="14" name="TextBox 13"/>
           <p:cNvSpPr txBox="1"/>
           <p:nvPr/>
         </p:nvSpPr>
         <p:spPr>
           <a:xfrm>
-            <a:off x="457200" y="1463040"/>
-            <a:ext cx="10972800" cy="1828800"/>
+            <a:off x="777240" y="3429000"/>
+            <a:ext cx="5166360" cy="365760"/>
           </a:xfrm>
           <a:prstGeom prst="rect">
             <a:avLst/>
@@ -5614,30 +11110,35 @@
           <a:noFill/>
         </p:spPr>
         <p:txBody>
-          <a:bodyPr wrap="square">
+          <a:bodyPr wrap="square" lIns="127000" rIns="127000" tIns="76200" bIns="76200">
             <a:spAutoFit/>
           </a:bodyPr>
           <a:lstStyle/>
           <a:p>
             <a:pPr>
-              <a:defRPr sz="1000" b="0"/>
+              <a:defRPr sz="1400" b="1">
+                <a:solidFill>
+                  <a:srgbClr val="22C55E"/>
+                </a:solidFill>
+                <a:latin typeface="Microsoft YaHei"/>
+              </a:defRPr>
             </a:pPr>
             <a:r>
-              <a:t>{{TECHNICAL_RECOMMENDATIONS}}</a:t>
-            </a:r>
-          </a:p>
-        </p:txBody>
-      </p:sp>
-      <p:sp>
-        <p:nvSpPr>
-          <p:cNvPr id="5" name="TextBox 4"/>
+              <a:t>{{DETECTION_TITLE}}</a:t>
+            </a:r>
+          </a:p>
+        </p:txBody>
+      </p:sp>
+      <p:sp>
+        <p:nvSpPr>
+          <p:cNvPr id="15" name="TextBox 14"/>
           <p:cNvSpPr txBox="1"/>
           <p:nvPr/>
         </p:nvSpPr>
         <p:spPr>
           <a:xfrm>
-            <a:off x="457200" y="3474720"/>
-            <a:ext cx="5486400" cy="365760"/>
+            <a:off x="777240" y="3794760"/>
+            <a:ext cx="5166360" cy="2697480"/>
           </a:xfrm>
           <a:prstGeom prst="rect">
             <a:avLst/>
@@ -5645,30 +11146,123 @@
           <a:noFill/>
         </p:spPr>
         <p:txBody>
-          <a:bodyPr wrap="square">
+          <a:bodyPr wrap="square" lIns="127000" rIns="127000" tIns="76200" bIns="76200">
             <a:spAutoFit/>
           </a:bodyPr>
           <a:lstStyle/>
           <a:p>
             <a:pPr>
-              <a:defRPr sz="1400" b="1"/>
+              <a:defRPr sz="1000" b="0">
+                <a:solidFill>
+                  <a:srgbClr val="E2E8F0"/>
+                </a:solidFill>
+                <a:latin typeface="Microsoft YaHei"/>
+              </a:defRPr>
             </a:pPr>
             <a:r>
-              <a:t>{{DETECTION_TITLE}}</a:t>
-            </a:r>
-          </a:p>
-        </p:txBody>
-      </p:sp>
-      <p:sp>
-        <p:nvSpPr>
-          <p:cNvPr id="6" name="TextBox 5"/>
+              <a:t>{{DETECTION_IMPROVEMENTS}}</a:t>
+            </a:r>
+          </a:p>
+        </p:txBody>
+      </p:sp>
+      <p:sp>
+        <p:nvSpPr>
+          <p:cNvPr id="16" name="Rounded Rectangle 15"/>
+          <p:cNvSpPr/>
+          <p:nvPr/>
+        </p:nvSpPr>
+        <p:spPr>
+          <a:xfrm>
+            <a:off x="6364224" y="3392424"/>
+            <a:ext cx="5532120" cy="3246120"/>
+          </a:xfrm>
+          <a:prstGeom prst="roundRect">
+            <a:avLst/>
+          </a:prstGeom>
+          <a:solidFill>
+            <a:srgbClr val="000000"/>
+          </a:solidFill>
+          <a:ln>
+            <a:noFill/>
+          </a:ln>
+        </p:spPr>
+        <p:style>
+          <a:lnRef idx="1">
+            <a:schemeClr val="accent1"/>
+          </a:lnRef>
+          <a:fillRef idx="3">
+            <a:schemeClr val="accent1"/>
+          </a:fillRef>
+          <a:effectRef idx="2">
+            <a:schemeClr val="accent1"/>
+          </a:effectRef>
+          <a:fontRef idx="minor">
+            <a:schemeClr val="lt1"/>
+          </a:fontRef>
+        </p:style>
+        <p:txBody>
+          <a:bodyPr rtlCol="0" anchor="ctr"/>
+          <a:lstStyle/>
+          <a:p>
+            <a:pPr algn="ctr"/>
+          </a:p>
+        </p:txBody>
+      </p:sp>
+      <p:sp>
+        <p:nvSpPr>
+          <p:cNvPr id="17" name="Rounded Rectangle 16"/>
+          <p:cNvSpPr/>
+          <p:nvPr/>
+        </p:nvSpPr>
+        <p:spPr>
+          <a:xfrm>
+            <a:off x="6309360" y="3337560"/>
+            <a:ext cx="5532120" cy="3246120"/>
+          </a:xfrm>
+          <a:prstGeom prst="roundRect">
+            <a:avLst/>
+          </a:prstGeom>
+          <a:solidFill>
+            <a:srgbClr val="111827"/>
+          </a:solidFill>
+          <a:ln w="12700">
+            <a:solidFill>
+              <a:srgbClr val="1F2937"/>
+            </a:solidFill>
+          </a:ln>
+        </p:spPr>
+        <p:style>
+          <a:lnRef idx="1">
+            <a:schemeClr val="accent1"/>
+          </a:lnRef>
+          <a:fillRef idx="3">
+            <a:schemeClr val="accent1"/>
+          </a:fillRef>
+          <a:effectRef idx="2">
+            <a:schemeClr val="accent1"/>
+          </a:effectRef>
+          <a:fontRef idx="minor">
+            <a:schemeClr val="lt1"/>
+          </a:fontRef>
+        </p:style>
+        <p:txBody>
+          <a:bodyPr rtlCol="0" anchor="ctr"/>
+          <a:lstStyle/>
+          <a:p>
+            <a:pPr algn="ctr"/>
+          </a:p>
+        </p:txBody>
+      </p:sp>
+      <p:sp>
+        <p:nvSpPr>
+          <p:cNvPr id="18" name="TextBox 17"/>
           <p:cNvSpPr txBox="1"/>
           <p:nvPr/>
         </p:nvSpPr>
         <p:spPr>
           <a:xfrm>
-            <a:off x="457200" y="3840480"/>
-            <a:ext cx="5486400" cy="1645920"/>
+            <a:off x="6492240" y="3429000"/>
+            <a:ext cx="5166360" cy="365760"/>
           </a:xfrm>
           <a:prstGeom prst="rect">
             <a:avLst/>
@@ -5676,30 +11270,35 @@
           <a:noFill/>
         </p:spPr>
         <p:txBody>
-          <a:bodyPr wrap="square">
+          <a:bodyPr wrap="square" lIns="127000" rIns="127000" tIns="76200" bIns="76200">
             <a:spAutoFit/>
           </a:bodyPr>
           <a:lstStyle/>
           <a:p>
             <a:pPr>
-              <a:defRPr sz="1000" b="0"/>
+              <a:defRPr sz="1400" b="1">
+                <a:solidFill>
+                  <a:srgbClr val="22C55E"/>
+                </a:solidFill>
+                <a:latin typeface="Microsoft YaHei"/>
+              </a:defRPr>
             </a:pPr>
             <a:r>
-              <a:t>{{DETECTION_IMPROVEMENTS}}</a:t>
-            </a:r>
-          </a:p>
-        </p:txBody>
-      </p:sp>
-      <p:sp>
-        <p:nvSpPr>
-          <p:cNvPr id="7" name="TextBox 6"/>
+              <a:t>{{HARDENING_TITLE}}</a:t>
+            </a:r>
+          </a:p>
+        </p:txBody>
+      </p:sp>
+      <p:sp>
+        <p:nvSpPr>
+          <p:cNvPr id="19" name="TextBox 18"/>
           <p:cNvSpPr txBox="1"/>
           <p:nvPr/>
         </p:nvSpPr>
         <p:spPr>
           <a:xfrm>
-            <a:off x="6400800" y="3474720"/>
-            <a:ext cx="5029200" cy="365760"/>
+            <a:off x="6492240" y="3794760"/>
+            <a:ext cx="5166360" cy="2697480"/>
           </a:xfrm>
           <a:prstGeom prst="rect">
             <a:avLst/>
@@ -5707,44 +11306,18 @@
           <a:noFill/>
         </p:spPr>
         <p:txBody>
-          <a:bodyPr wrap="square">
+          <a:bodyPr wrap="square" lIns="127000" rIns="127000" tIns="76200" bIns="76200">
             <a:spAutoFit/>
           </a:bodyPr>
           <a:lstStyle/>
           <a:p>
             <a:pPr>
-              <a:defRPr sz="1400" b="1"/>
-            </a:pPr>
-            <a:r>
-              <a:t>{{HARDENING_TITLE}}</a:t>
-            </a:r>
-          </a:p>
-        </p:txBody>
-      </p:sp>
-      <p:sp>
-        <p:nvSpPr>
-          <p:cNvPr id="8" name="TextBox 7"/>
-          <p:cNvSpPr txBox="1"/>
-          <p:nvPr/>
-        </p:nvSpPr>
-        <p:spPr>
-          <a:xfrm>
-            <a:off x="6400800" y="3840480"/>
-            <a:ext cx="5029200" cy="2743200"/>
-          </a:xfrm>
-          <a:prstGeom prst="rect">
-            <a:avLst/>
-          </a:prstGeom>
-          <a:noFill/>
-        </p:spPr>
-        <p:txBody>
-          <a:bodyPr wrap="square">
-            <a:spAutoFit/>
-          </a:bodyPr>
-          <a:lstStyle/>
-          <a:p>
-            <a:pPr>
-              <a:defRPr sz="1000" b="0"/>
+              <a:defRPr sz="1000" b="0">
+                <a:solidFill>
+                  <a:srgbClr val="E2E8F0"/>
+                </a:solidFill>
+                <a:latin typeface="Microsoft YaHei"/>
+              </a:defRPr>
             </a:pPr>
             <a:r>
               <a:t>{{HARDENING_CHECKLIST}}</a:t>

--- a/mss_ai_ppt_sample_assets/backend/data/templates/mss_technical_v2.pptx
+++ b/mss_ai_ppt_sample_assets/backend/data/templates/mss_technical_v2.pptx
@@ -3114,50 +3114,7 @@
         <p:spPr>
           <a:xfrm>
             <a:off x="0" y="0"/>
-            <a:ext cx="12191695" cy="960120"/>
-          </a:xfrm>
-          <a:prstGeom prst="rect">
-            <a:avLst/>
-          </a:prstGeom>
-          <a:solidFill>
-            <a:srgbClr val="0F172A"/>
-          </a:solidFill>
-          <a:ln>
-            <a:noFill/>
-          </a:ln>
-        </p:spPr>
-        <p:style>
-          <a:lnRef idx="1">
-            <a:schemeClr val="accent1"/>
-          </a:lnRef>
-          <a:fillRef idx="3">
-            <a:schemeClr val="accent1"/>
-          </a:fillRef>
-          <a:effectRef idx="2">
-            <a:schemeClr val="accent1"/>
-          </a:effectRef>
-          <a:fontRef idx="minor">
-            <a:schemeClr val="lt1"/>
-          </a:fontRef>
-        </p:style>
-        <p:txBody>
-          <a:bodyPr rtlCol="0" anchor="ctr"/>
-          <a:lstStyle/>
-          <a:p>
-            <a:pPr algn="ctr"/>
-          </a:p>
-        </p:txBody>
-      </p:sp>
-      <p:sp>
-        <p:nvSpPr>
-          <p:cNvPr id="3" name="Rectangle 2"/>
-          <p:cNvSpPr/>
-          <p:nvPr/>
-        </p:nvSpPr>
-        <p:spPr>
-          <a:xfrm>
-            <a:off x="0" y="896112"/>
-            <a:ext cx="12191695" cy="54864"/>
+            <a:ext cx="12191695" cy="73152"/>
           </a:xfrm>
           <a:prstGeom prst="rect">
             <a:avLst/>
@@ -3193,16 +3150,16 @@
       </p:sp>
       <p:sp>
         <p:nvSpPr>
-          <p:cNvPr id="4" name="Oval 3"/>
+          <p:cNvPr id="3" name="Rectangle 2"/>
           <p:cNvSpPr/>
           <p:nvPr/>
         </p:nvSpPr>
         <p:spPr>
           <a:xfrm>
-            <a:off x="10241280" y="-731520"/>
-            <a:ext cx="3108960" cy="3108960"/>
-          </a:xfrm>
-          <a:prstGeom prst="ellipse">
+            <a:off x="0" y="0"/>
+            <a:ext cx="164592" cy="6858000"/>
+          </a:xfrm>
+          <a:prstGeom prst="rect">
             <a:avLst/>
           </a:prstGeom>
           <a:solidFill>
@@ -3236,179 +3193,7 @@
       </p:sp>
       <p:sp>
         <p:nvSpPr>
-          <p:cNvPr id="5" name="Oval 4"/>
-          <p:cNvSpPr/>
-          <p:nvPr/>
-        </p:nvSpPr>
-        <p:spPr>
-          <a:xfrm>
-            <a:off x="-1280160" y="5577840"/>
-            <a:ext cx="2743200" cy="2743200"/>
-          </a:xfrm>
-          <a:prstGeom prst="ellipse">
-            <a:avLst/>
-          </a:prstGeom>
-          <a:solidFill>
-            <a:srgbClr val="3B82F6"/>
-          </a:solidFill>
-          <a:ln>
-            <a:noFill/>
-          </a:ln>
-        </p:spPr>
-        <p:style>
-          <a:lnRef idx="1">
-            <a:schemeClr val="accent1"/>
-          </a:lnRef>
-          <a:fillRef idx="3">
-            <a:schemeClr val="accent1"/>
-          </a:fillRef>
-          <a:effectRef idx="2">
-            <a:schemeClr val="accent1"/>
-          </a:effectRef>
-          <a:fontRef idx="minor">
-            <a:schemeClr val="lt1"/>
-          </a:fontRef>
-        </p:style>
-        <p:txBody>
-          <a:bodyPr rtlCol="0" anchor="ctr"/>
-          <a:lstStyle/>
-          <a:p>
-            <a:pPr algn="ctr"/>
-          </a:p>
-        </p:txBody>
-      </p:sp>
-      <p:sp>
-        <p:nvSpPr>
-          <p:cNvPr id="6" name="Rectangle 5"/>
-          <p:cNvSpPr/>
-          <p:nvPr/>
-        </p:nvSpPr>
-        <p:spPr>
-          <a:xfrm>
-            <a:off x="274320" y="1143000"/>
-            <a:ext cx="11658600" cy="5486400"/>
-          </a:xfrm>
-          <a:prstGeom prst="rect">
-            <a:avLst/>
-          </a:prstGeom>
-          <a:solidFill>
-            <a:srgbClr val="0F172A"/>
-          </a:solidFill>
-          <a:ln>
-            <a:noFill/>
-          </a:ln>
-        </p:spPr>
-        <p:style>
-          <a:lnRef idx="1">
-            <a:schemeClr val="accent1"/>
-          </a:lnRef>
-          <a:fillRef idx="3">
-            <a:schemeClr val="accent1"/>
-          </a:fillRef>
-          <a:effectRef idx="2">
-            <a:schemeClr val="accent1"/>
-          </a:effectRef>
-          <a:fontRef idx="minor">
-            <a:schemeClr val="lt1"/>
-          </a:fontRef>
-        </p:style>
-        <p:txBody>
-          <a:bodyPr rtlCol="0" anchor="ctr"/>
-          <a:lstStyle/>
-          <a:p>
-            <a:pPr algn="ctr"/>
-          </a:p>
-        </p:txBody>
-      </p:sp>
-      <p:sp>
-        <p:nvSpPr>
-          <p:cNvPr id="7" name="Rectangle 6"/>
-          <p:cNvSpPr/>
-          <p:nvPr/>
-        </p:nvSpPr>
-        <p:spPr>
-          <a:xfrm>
-            <a:off x="0" y="0"/>
-            <a:ext cx="164592" cy="6858000"/>
-          </a:xfrm>
-          <a:prstGeom prst="rect">
-            <a:avLst/>
-          </a:prstGeom>
-          <a:solidFill>
-            <a:srgbClr val="22C55E"/>
-          </a:solidFill>
-          <a:ln>
-            <a:noFill/>
-          </a:ln>
-        </p:spPr>
-        <p:style>
-          <a:lnRef idx="1">
-            <a:schemeClr val="accent1"/>
-          </a:lnRef>
-          <a:fillRef idx="3">
-            <a:schemeClr val="accent1"/>
-          </a:fillRef>
-          <a:effectRef idx="2">
-            <a:schemeClr val="accent1"/>
-          </a:effectRef>
-          <a:fontRef idx="minor">
-            <a:schemeClr val="lt1"/>
-          </a:fontRef>
-        </p:style>
-        <p:txBody>
-          <a:bodyPr rtlCol="0" anchor="ctr"/>
-          <a:lstStyle/>
-          <a:p>
-            <a:pPr algn="ctr"/>
-          </a:p>
-        </p:txBody>
-      </p:sp>
-      <p:sp>
-        <p:nvSpPr>
-          <p:cNvPr id="8" name="Rounded Rectangle 7"/>
-          <p:cNvSpPr/>
-          <p:nvPr/>
-        </p:nvSpPr>
-        <p:spPr>
-          <a:xfrm>
-            <a:off x="649224" y="1883664"/>
-            <a:ext cx="11247120" cy="2148840"/>
-          </a:xfrm>
-          <a:prstGeom prst="roundRect">
-            <a:avLst/>
-          </a:prstGeom>
-          <a:solidFill>
-            <a:srgbClr val="000000"/>
-          </a:solidFill>
-          <a:ln>
-            <a:noFill/>
-          </a:ln>
-        </p:spPr>
-        <p:style>
-          <a:lnRef idx="1">
-            <a:schemeClr val="accent1"/>
-          </a:lnRef>
-          <a:fillRef idx="3">
-            <a:schemeClr val="accent1"/>
-          </a:fillRef>
-          <a:effectRef idx="2">
-            <a:schemeClr val="accent1"/>
-          </a:effectRef>
-          <a:fontRef idx="minor">
-            <a:schemeClr val="lt1"/>
-          </a:fontRef>
-        </p:style>
-        <p:txBody>
-          <a:bodyPr rtlCol="0" anchor="ctr"/>
-          <a:lstStyle/>
-          <a:p>
-            <a:pPr algn="ctr"/>
-          </a:p>
-        </p:txBody>
-      </p:sp>
-      <p:sp>
-        <p:nvSpPr>
-          <p:cNvPr id="9" name="Rounded Rectangle 8"/>
+          <p:cNvPr id="4" name="Rectangle 3"/>
           <p:cNvSpPr/>
           <p:nvPr/>
         </p:nvSpPr>
@@ -3417,7 +3202,7 @@
             <a:off x="594360" y="1828800"/>
             <a:ext cx="11247120" cy="2148840"/>
           </a:xfrm>
-          <a:prstGeom prst="roundRect">
+          <a:prstGeom prst="rect">
             <a:avLst/>
           </a:prstGeom>
           <a:solidFill>
@@ -3453,7 +3238,7 @@
       </p:sp>
       <p:sp>
         <p:nvSpPr>
-          <p:cNvPr id="10" name="TextBox 9"/>
+          <p:cNvPr id="5" name="TextBox 4"/>
           <p:cNvSpPr txBox="1"/>
           <p:nvPr/>
         </p:nvSpPr>
@@ -3468,7 +3253,7 @@
           <a:noFill/>
         </p:spPr>
         <p:txBody>
-          <a:bodyPr wrap="square" lIns="127000" rIns="127000" tIns="76200" bIns="76200">
+          <a:bodyPr wrap="square" lIns="101600" rIns="101600" tIns="50800" bIns="50800">
             <a:spAutoFit/>
           </a:bodyPr>
           <a:lstStyle/>
@@ -3489,7 +3274,7 @@
       </p:sp>
       <p:sp>
         <p:nvSpPr>
-          <p:cNvPr id="11" name="Rounded Rectangle 10"/>
+          <p:cNvPr id="6" name="Rectangle 5"/>
           <p:cNvSpPr/>
           <p:nvPr/>
         </p:nvSpPr>
@@ -3498,7 +3283,7 @@
             <a:off x="594360" y="4160520"/>
             <a:ext cx="7132320" cy="2057400"/>
           </a:xfrm>
-          <a:prstGeom prst="roundRect">
+          <a:prstGeom prst="rect">
             <a:avLst/>
           </a:prstGeom>
           <a:solidFill>
@@ -3534,7 +3319,7 @@
       </p:sp>
       <p:sp>
         <p:nvSpPr>
-          <p:cNvPr id="12" name="TextBox 11"/>
+          <p:cNvPr id="7" name="TextBox 6"/>
           <p:cNvSpPr txBox="1"/>
           <p:nvPr/>
         </p:nvSpPr>
@@ -3549,7 +3334,7 @@
           <a:noFill/>
         </p:spPr>
         <p:txBody>
-          <a:bodyPr wrap="square" lIns="127000" rIns="127000" tIns="76200" bIns="76200">
+          <a:bodyPr wrap="square" lIns="101600" rIns="101600" tIns="50800" bIns="50800">
             <a:spAutoFit/>
           </a:bodyPr>
           <a:lstStyle/>
@@ -3570,7 +3355,7 @@
       </p:sp>
       <p:sp>
         <p:nvSpPr>
-          <p:cNvPr id="13" name="TextBox 12"/>
+          <p:cNvPr id="8" name="TextBox 7"/>
           <p:cNvSpPr txBox="1"/>
           <p:nvPr/>
         </p:nvSpPr>
@@ -3585,7 +3370,7 @@
           <a:noFill/>
         </p:spPr>
         <p:txBody>
-          <a:bodyPr wrap="square" lIns="127000" rIns="127000" tIns="76200" bIns="76200">
+          <a:bodyPr wrap="square" lIns="101600" rIns="101600" tIns="50800" bIns="50800">
             <a:spAutoFit/>
           </a:bodyPr>
           <a:lstStyle/>
@@ -3606,7 +3391,7 @@
       </p:sp>
       <p:sp>
         <p:nvSpPr>
-          <p:cNvPr id="14" name="TextBox 13"/>
+          <p:cNvPr id="9" name="TextBox 8"/>
           <p:cNvSpPr txBox="1"/>
           <p:nvPr/>
         </p:nvSpPr>
@@ -3621,7 +3406,7 @@
           <a:noFill/>
         </p:spPr>
         <p:txBody>
-          <a:bodyPr wrap="square" lIns="127000" rIns="127000" tIns="76200" bIns="76200">
+          <a:bodyPr wrap="square" lIns="101600" rIns="101600" tIns="50800" bIns="50800">
             <a:spAutoFit/>
           </a:bodyPr>
           <a:lstStyle/>
@@ -3642,7 +3427,7 @@
       </p:sp>
       <p:sp>
         <p:nvSpPr>
-          <p:cNvPr id="15" name="TextBox 14"/>
+          <p:cNvPr id="10" name="TextBox 9"/>
           <p:cNvSpPr txBox="1"/>
           <p:nvPr/>
         </p:nvSpPr>
@@ -3657,7 +3442,7 @@
           <a:noFill/>
         </p:spPr>
         <p:txBody>
-          <a:bodyPr wrap="square" lIns="127000" rIns="127000" tIns="76200" bIns="76200">
+          <a:bodyPr wrap="square" lIns="101600" rIns="101600" tIns="50800" bIns="50800">
             <a:spAutoFit/>
           </a:bodyPr>
           <a:lstStyle/>
@@ -3678,7 +3463,7 @@
       </p:sp>
       <p:sp>
         <p:nvSpPr>
-          <p:cNvPr id="16" name="TextBox 15"/>
+          <p:cNvPr id="11" name="TextBox 10"/>
           <p:cNvSpPr txBox="1"/>
           <p:nvPr/>
         </p:nvSpPr>
@@ -3693,7 +3478,7 @@
           <a:noFill/>
         </p:spPr>
         <p:txBody>
-          <a:bodyPr wrap="square" lIns="127000" rIns="127000" tIns="76200" bIns="76200">
+          <a:bodyPr wrap="square" lIns="101600" rIns="101600" tIns="50800" bIns="50800">
             <a:spAutoFit/>
           </a:bodyPr>
           <a:lstStyle/>
@@ -3747,50 +3532,7 @@
         <p:spPr>
           <a:xfrm>
             <a:off x="0" y="0"/>
-            <a:ext cx="12191695" cy="960120"/>
-          </a:xfrm>
-          <a:prstGeom prst="rect">
-            <a:avLst/>
-          </a:prstGeom>
-          <a:solidFill>
-            <a:srgbClr val="0F172A"/>
-          </a:solidFill>
-          <a:ln>
-            <a:noFill/>
-          </a:ln>
-        </p:spPr>
-        <p:style>
-          <a:lnRef idx="1">
-            <a:schemeClr val="accent1"/>
-          </a:lnRef>
-          <a:fillRef idx="3">
-            <a:schemeClr val="accent1"/>
-          </a:fillRef>
-          <a:effectRef idx="2">
-            <a:schemeClr val="accent1"/>
-          </a:effectRef>
-          <a:fontRef idx="minor">
-            <a:schemeClr val="lt1"/>
-          </a:fontRef>
-        </p:style>
-        <p:txBody>
-          <a:bodyPr rtlCol="0" anchor="ctr"/>
-          <a:lstStyle/>
-          <a:p>
-            <a:pPr algn="ctr"/>
-          </a:p>
-        </p:txBody>
-      </p:sp>
-      <p:sp>
-        <p:nvSpPr>
-          <p:cNvPr id="3" name="Rectangle 2"/>
-          <p:cNvSpPr/>
-          <p:nvPr/>
-        </p:nvSpPr>
-        <p:spPr>
-          <a:xfrm>
-            <a:off x="0" y="896112"/>
-            <a:ext cx="12191695" cy="54864"/>
+            <a:ext cx="12191695" cy="73152"/>
           </a:xfrm>
           <a:prstGeom prst="rect">
             <a:avLst/>
@@ -3826,136 +3568,7 @@
       </p:sp>
       <p:sp>
         <p:nvSpPr>
-          <p:cNvPr id="4" name="Oval 3"/>
-          <p:cNvSpPr/>
-          <p:nvPr/>
-        </p:nvSpPr>
-        <p:spPr>
-          <a:xfrm>
-            <a:off x="10241280" y="-731520"/>
-            <a:ext cx="3108960" cy="3108960"/>
-          </a:xfrm>
-          <a:prstGeom prst="ellipse">
-            <a:avLst/>
-          </a:prstGeom>
-          <a:solidFill>
-            <a:srgbClr val="22C55E"/>
-          </a:solidFill>
-          <a:ln>
-            <a:noFill/>
-          </a:ln>
-        </p:spPr>
-        <p:style>
-          <a:lnRef idx="1">
-            <a:schemeClr val="accent1"/>
-          </a:lnRef>
-          <a:fillRef idx="3">
-            <a:schemeClr val="accent1"/>
-          </a:fillRef>
-          <a:effectRef idx="2">
-            <a:schemeClr val="accent1"/>
-          </a:effectRef>
-          <a:fontRef idx="minor">
-            <a:schemeClr val="lt1"/>
-          </a:fontRef>
-        </p:style>
-        <p:txBody>
-          <a:bodyPr rtlCol="0" anchor="ctr"/>
-          <a:lstStyle/>
-          <a:p>
-            <a:pPr algn="ctr"/>
-          </a:p>
-        </p:txBody>
-      </p:sp>
-      <p:sp>
-        <p:nvSpPr>
-          <p:cNvPr id="5" name="Oval 4"/>
-          <p:cNvSpPr/>
-          <p:nvPr/>
-        </p:nvSpPr>
-        <p:spPr>
-          <a:xfrm>
-            <a:off x="-1280160" y="5577840"/>
-            <a:ext cx="2743200" cy="2743200"/>
-          </a:xfrm>
-          <a:prstGeom prst="ellipse">
-            <a:avLst/>
-          </a:prstGeom>
-          <a:solidFill>
-            <a:srgbClr val="3B82F6"/>
-          </a:solidFill>
-          <a:ln>
-            <a:noFill/>
-          </a:ln>
-        </p:spPr>
-        <p:style>
-          <a:lnRef idx="1">
-            <a:schemeClr val="accent1"/>
-          </a:lnRef>
-          <a:fillRef idx="3">
-            <a:schemeClr val="accent1"/>
-          </a:fillRef>
-          <a:effectRef idx="2">
-            <a:schemeClr val="accent1"/>
-          </a:effectRef>
-          <a:fontRef idx="minor">
-            <a:schemeClr val="lt1"/>
-          </a:fontRef>
-        </p:style>
-        <p:txBody>
-          <a:bodyPr rtlCol="0" anchor="ctr"/>
-          <a:lstStyle/>
-          <a:p>
-            <a:pPr algn="ctr"/>
-          </a:p>
-        </p:txBody>
-      </p:sp>
-      <p:sp>
-        <p:nvSpPr>
-          <p:cNvPr id="6" name="Rectangle 5"/>
-          <p:cNvSpPr/>
-          <p:nvPr/>
-        </p:nvSpPr>
-        <p:spPr>
-          <a:xfrm>
-            <a:off x="274320" y="1143000"/>
-            <a:ext cx="11658600" cy="5486400"/>
-          </a:xfrm>
-          <a:prstGeom prst="rect">
-            <a:avLst/>
-          </a:prstGeom>
-          <a:solidFill>
-            <a:srgbClr val="0F172A"/>
-          </a:solidFill>
-          <a:ln>
-            <a:noFill/>
-          </a:ln>
-        </p:spPr>
-        <p:style>
-          <a:lnRef idx="1">
-            <a:schemeClr val="accent1"/>
-          </a:lnRef>
-          <a:fillRef idx="3">
-            <a:schemeClr val="accent1"/>
-          </a:fillRef>
-          <a:effectRef idx="2">
-            <a:schemeClr val="accent1"/>
-          </a:effectRef>
-          <a:fontRef idx="minor">
-            <a:schemeClr val="lt1"/>
-          </a:fontRef>
-        </p:style>
-        <p:txBody>
-          <a:bodyPr rtlCol="0" anchor="ctr"/>
-          <a:lstStyle/>
-          <a:p>
-            <a:pPr algn="ctr"/>
-          </a:p>
-        </p:txBody>
-      </p:sp>
-      <p:sp>
-        <p:nvSpPr>
-          <p:cNvPr id="7" name="TextBox 6"/>
+          <p:cNvPr id="3" name="TextBox 2"/>
           <p:cNvSpPr txBox="1"/>
           <p:nvPr/>
         </p:nvSpPr>
@@ -3970,7 +3583,7 @@
           <a:noFill/>
         </p:spPr>
         <p:txBody>
-          <a:bodyPr wrap="square" lIns="127000" rIns="127000" tIns="76200" bIns="76200">
+          <a:bodyPr wrap="square" lIns="101600" rIns="101600" tIns="50800" bIns="50800">
             <a:spAutoFit/>
           </a:bodyPr>
           <a:lstStyle/>
@@ -3991,50 +3604,7 @@
       </p:sp>
       <p:sp>
         <p:nvSpPr>
-          <p:cNvPr id="8" name="Rounded Rectangle 7"/>
-          <p:cNvSpPr/>
-          <p:nvPr/>
-        </p:nvSpPr>
-        <p:spPr>
-          <a:xfrm>
-            <a:off x="649224" y="1014984"/>
-            <a:ext cx="5532120" cy="1097280"/>
-          </a:xfrm>
-          <a:prstGeom prst="roundRect">
-            <a:avLst/>
-          </a:prstGeom>
-          <a:solidFill>
-            <a:srgbClr val="000000"/>
-          </a:solidFill>
-          <a:ln>
-            <a:noFill/>
-          </a:ln>
-        </p:spPr>
-        <p:style>
-          <a:lnRef idx="1">
-            <a:schemeClr val="accent1"/>
-          </a:lnRef>
-          <a:fillRef idx="3">
-            <a:schemeClr val="accent1"/>
-          </a:fillRef>
-          <a:effectRef idx="2">
-            <a:schemeClr val="accent1"/>
-          </a:effectRef>
-          <a:fontRef idx="minor">
-            <a:schemeClr val="lt1"/>
-          </a:fontRef>
-        </p:style>
-        <p:txBody>
-          <a:bodyPr rtlCol="0" anchor="ctr"/>
-          <a:lstStyle/>
-          <a:p>
-            <a:pPr algn="ctr"/>
-          </a:p>
-        </p:txBody>
-      </p:sp>
-      <p:sp>
-        <p:nvSpPr>
-          <p:cNvPr id="9" name="Rounded Rectangle 8"/>
+          <p:cNvPr id="4" name="Rectangle 3"/>
           <p:cNvSpPr/>
           <p:nvPr/>
         </p:nvSpPr>
@@ -4043,7 +3613,7 @@
             <a:off x="594360" y="960120"/>
             <a:ext cx="5532120" cy="1097280"/>
           </a:xfrm>
-          <a:prstGeom prst="roundRect">
+          <a:prstGeom prst="rect">
             <a:avLst/>
           </a:prstGeom>
           <a:solidFill>
@@ -4079,7 +3649,7 @@
       </p:sp>
       <p:sp>
         <p:nvSpPr>
-          <p:cNvPr id="10" name="TextBox 9"/>
+          <p:cNvPr id="5" name="TextBox 4"/>
           <p:cNvSpPr txBox="1"/>
           <p:nvPr/>
         </p:nvSpPr>
@@ -4094,7 +3664,7 @@
           <a:noFill/>
         </p:spPr>
         <p:txBody>
-          <a:bodyPr wrap="square" lIns="127000" rIns="127000" tIns="76200" bIns="76200">
+          <a:bodyPr wrap="square" lIns="101600" rIns="101600" tIns="50800" bIns="50800">
             <a:spAutoFit/>
           </a:bodyPr>
           <a:lstStyle/>
@@ -4115,7 +3685,7 @@
       </p:sp>
       <p:sp>
         <p:nvSpPr>
-          <p:cNvPr id="11" name="TextBox 10"/>
+          <p:cNvPr id="6" name="TextBox 5"/>
           <p:cNvSpPr txBox="1"/>
           <p:nvPr/>
         </p:nvSpPr>
@@ -4130,7 +3700,7 @@
           <a:noFill/>
         </p:spPr>
         <p:txBody>
-          <a:bodyPr wrap="square" lIns="127000" rIns="127000" tIns="76200" bIns="76200">
+          <a:bodyPr wrap="square" lIns="101600" rIns="101600" tIns="50800" bIns="50800">
             <a:spAutoFit/>
           </a:bodyPr>
           <a:lstStyle/>
@@ -4151,50 +3721,7 @@
       </p:sp>
       <p:sp>
         <p:nvSpPr>
-          <p:cNvPr id="12" name="Rounded Rectangle 11"/>
-          <p:cNvSpPr/>
-          <p:nvPr/>
-        </p:nvSpPr>
-        <p:spPr>
-          <a:xfrm>
-            <a:off x="6364224" y="1014984"/>
-            <a:ext cx="5532120" cy="1097280"/>
-          </a:xfrm>
-          <a:prstGeom prst="roundRect">
-            <a:avLst/>
-          </a:prstGeom>
-          <a:solidFill>
-            <a:srgbClr val="000000"/>
-          </a:solidFill>
-          <a:ln>
-            <a:noFill/>
-          </a:ln>
-        </p:spPr>
-        <p:style>
-          <a:lnRef idx="1">
-            <a:schemeClr val="accent1"/>
-          </a:lnRef>
-          <a:fillRef idx="3">
-            <a:schemeClr val="accent1"/>
-          </a:fillRef>
-          <a:effectRef idx="2">
-            <a:schemeClr val="accent1"/>
-          </a:effectRef>
-          <a:fontRef idx="minor">
-            <a:schemeClr val="lt1"/>
-          </a:fontRef>
-        </p:style>
-        <p:txBody>
-          <a:bodyPr rtlCol="0" anchor="ctr"/>
-          <a:lstStyle/>
-          <a:p>
-            <a:pPr algn="ctr"/>
-          </a:p>
-        </p:txBody>
-      </p:sp>
-      <p:sp>
-        <p:nvSpPr>
-          <p:cNvPr id="13" name="Rounded Rectangle 12"/>
+          <p:cNvPr id="7" name="Rectangle 6"/>
           <p:cNvSpPr/>
           <p:nvPr/>
         </p:nvSpPr>
@@ -4203,7 +3730,7 @@
             <a:off x="6309360" y="960120"/>
             <a:ext cx="5532120" cy="1097280"/>
           </a:xfrm>
-          <a:prstGeom prst="roundRect">
+          <a:prstGeom prst="rect">
             <a:avLst/>
           </a:prstGeom>
           <a:solidFill>
@@ -4239,7 +3766,7 @@
       </p:sp>
       <p:sp>
         <p:nvSpPr>
-          <p:cNvPr id="14" name="TextBox 13"/>
+          <p:cNvPr id="8" name="TextBox 7"/>
           <p:cNvSpPr txBox="1"/>
           <p:nvPr/>
         </p:nvSpPr>
@@ -4254,7 +3781,7 @@
           <a:noFill/>
         </p:spPr>
         <p:txBody>
-          <a:bodyPr wrap="square" lIns="127000" rIns="127000" tIns="76200" bIns="76200">
+          <a:bodyPr wrap="square" lIns="101600" rIns="101600" tIns="50800" bIns="50800">
             <a:spAutoFit/>
           </a:bodyPr>
           <a:lstStyle/>
@@ -4275,7 +3802,7 @@
       </p:sp>
       <p:sp>
         <p:nvSpPr>
-          <p:cNvPr id="15" name="TextBox 14"/>
+          <p:cNvPr id="9" name="TextBox 8"/>
           <p:cNvSpPr txBox="1"/>
           <p:nvPr/>
         </p:nvSpPr>
@@ -4290,7 +3817,7 @@
           <a:noFill/>
         </p:spPr>
         <p:txBody>
-          <a:bodyPr wrap="square" lIns="127000" rIns="127000" tIns="76200" bIns="76200">
+          <a:bodyPr wrap="square" lIns="101600" rIns="101600" tIns="50800" bIns="50800">
             <a:spAutoFit/>
           </a:bodyPr>
           <a:lstStyle/>
@@ -4311,50 +3838,7 @@
       </p:sp>
       <p:sp>
         <p:nvSpPr>
-          <p:cNvPr id="16" name="Rounded Rectangle 15"/>
-          <p:cNvSpPr/>
-          <p:nvPr/>
-        </p:nvSpPr>
-        <p:spPr>
-          <a:xfrm>
-            <a:off x="649224" y="2203704"/>
-            <a:ext cx="11247120" cy="777240"/>
-          </a:xfrm>
-          <a:prstGeom prst="roundRect">
-            <a:avLst/>
-          </a:prstGeom>
-          <a:solidFill>
-            <a:srgbClr val="000000"/>
-          </a:solidFill>
-          <a:ln>
-            <a:noFill/>
-          </a:ln>
-        </p:spPr>
-        <p:style>
-          <a:lnRef idx="1">
-            <a:schemeClr val="accent1"/>
-          </a:lnRef>
-          <a:fillRef idx="3">
-            <a:schemeClr val="accent1"/>
-          </a:fillRef>
-          <a:effectRef idx="2">
-            <a:schemeClr val="accent1"/>
-          </a:effectRef>
-          <a:fontRef idx="minor">
-            <a:schemeClr val="lt1"/>
-          </a:fontRef>
-        </p:style>
-        <p:txBody>
-          <a:bodyPr rtlCol="0" anchor="ctr"/>
-          <a:lstStyle/>
-          <a:p>
-            <a:pPr algn="ctr"/>
-          </a:p>
-        </p:txBody>
-      </p:sp>
-      <p:sp>
-        <p:nvSpPr>
-          <p:cNvPr id="17" name="Rounded Rectangle 16"/>
+          <p:cNvPr id="10" name="Rectangle 9"/>
           <p:cNvSpPr/>
           <p:nvPr/>
         </p:nvSpPr>
@@ -4363,7 +3847,7 @@
             <a:off x="594360" y="2148840"/>
             <a:ext cx="11247120" cy="777240"/>
           </a:xfrm>
-          <a:prstGeom prst="roundRect">
+          <a:prstGeom prst="rect">
             <a:avLst/>
           </a:prstGeom>
           <a:solidFill>
@@ -4399,7 +3883,7 @@
       </p:sp>
       <p:sp>
         <p:nvSpPr>
-          <p:cNvPr id="18" name="TextBox 17"/>
+          <p:cNvPr id="11" name="TextBox 10"/>
           <p:cNvSpPr txBox="1"/>
           <p:nvPr/>
         </p:nvSpPr>
@@ -4414,7 +3898,7 @@
           <a:noFill/>
         </p:spPr>
         <p:txBody>
-          <a:bodyPr wrap="square" lIns="127000" rIns="127000" tIns="76200" bIns="76200">
+          <a:bodyPr wrap="square" lIns="101600" rIns="101600" tIns="50800" bIns="50800">
             <a:spAutoFit/>
           </a:bodyPr>
           <a:lstStyle/>
@@ -4435,7 +3919,7 @@
       </p:sp>
       <p:sp>
         <p:nvSpPr>
-          <p:cNvPr id="19" name="TextBox 18"/>
+          <p:cNvPr id="12" name="TextBox 11"/>
           <p:cNvSpPr txBox="1"/>
           <p:nvPr/>
         </p:nvSpPr>
@@ -4450,7 +3934,7 @@
           <a:noFill/>
         </p:spPr>
         <p:txBody>
-          <a:bodyPr wrap="square" lIns="127000" rIns="127000" tIns="76200" bIns="76200">
+          <a:bodyPr wrap="square" lIns="101600" rIns="101600" tIns="50800" bIns="50800">
             <a:spAutoFit/>
           </a:bodyPr>
           <a:lstStyle/>
@@ -4471,50 +3955,7 @@
       </p:sp>
       <p:sp>
         <p:nvSpPr>
-          <p:cNvPr id="20" name="Rounded Rectangle 19"/>
-          <p:cNvSpPr/>
-          <p:nvPr/>
-        </p:nvSpPr>
-        <p:spPr>
-          <a:xfrm>
-            <a:off x="649224" y="3072384"/>
-            <a:ext cx="5532120" cy="1234440"/>
-          </a:xfrm>
-          <a:prstGeom prst="roundRect">
-            <a:avLst/>
-          </a:prstGeom>
-          <a:solidFill>
-            <a:srgbClr val="000000"/>
-          </a:solidFill>
-          <a:ln>
-            <a:noFill/>
-          </a:ln>
-        </p:spPr>
-        <p:style>
-          <a:lnRef idx="1">
-            <a:schemeClr val="accent1"/>
-          </a:lnRef>
-          <a:fillRef idx="3">
-            <a:schemeClr val="accent1"/>
-          </a:fillRef>
-          <a:effectRef idx="2">
-            <a:schemeClr val="accent1"/>
-          </a:effectRef>
-          <a:fontRef idx="minor">
-            <a:schemeClr val="lt1"/>
-          </a:fontRef>
-        </p:style>
-        <p:txBody>
-          <a:bodyPr rtlCol="0" anchor="ctr"/>
-          <a:lstStyle/>
-          <a:p>
-            <a:pPr algn="ctr"/>
-          </a:p>
-        </p:txBody>
-      </p:sp>
-      <p:sp>
-        <p:nvSpPr>
-          <p:cNvPr id="21" name="Rounded Rectangle 20"/>
+          <p:cNvPr id="13" name="Rectangle 12"/>
           <p:cNvSpPr/>
           <p:nvPr/>
         </p:nvSpPr>
@@ -4523,7 +3964,7 @@
             <a:off x="594360" y="3017520"/>
             <a:ext cx="5532120" cy="1234440"/>
           </a:xfrm>
-          <a:prstGeom prst="roundRect">
+          <a:prstGeom prst="rect">
             <a:avLst/>
           </a:prstGeom>
           <a:solidFill>
@@ -4559,7 +4000,7 @@
       </p:sp>
       <p:sp>
         <p:nvSpPr>
-          <p:cNvPr id="22" name="TextBox 21"/>
+          <p:cNvPr id="14" name="TextBox 13"/>
           <p:cNvSpPr txBox="1"/>
           <p:nvPr/>
         </p:nvSpPr>
@@ -4574,7 +4015,7 @@
           <a:noFill/>
         </p:spPr>
         <p:txBody>
-          <a:bodyPr wrap="square" lIns="127000" rIns="127000" tIns="76200" bIns="76200">
+          <a:bodyPr wrap="square" lIns="101600" rIns="101600" tIns="50800" bIns="50800">
             <a:spAutoFit/>
           </a:bodyPr>
           <a:lstStyle/>
@@ -4595,7 +4036,7 @@
       </p:sp>
       <p:sp>
         <p:nvSpPr>
-          <p:cNvPr id="23" name="TextBox 22"/>
+          <p:cNvPr id="15" name="TextBox 14"/>
           <p:cNvSpPr txBox="1"/>
           <p:nvPr/>
         </p:nvSpPr>
@@ -4610,7 +4051,7 @@
           <a:noFill/>
         </p:spPr>
         <p:txBody>
-          <a:bodyPr wrap="square" lIns="127000" rIns="127000" tIns="76200" bIns="76200">
+          <a:bodyPr wrap="square" lIns="101600" rIns="101600" tIns="50800" bIns="50800">
             <a:spAutoFit/>
           </a:bodyPr>
           <a:lstStyle/>
@@ -4631,50 +4072,7 @@
       </p:sp>
       <p:sp>
         <p:nvSpPr>
-          <p:cNvPr id="24" name="Rounded Rectangle 23"/>
-          <p:cNvSpPr/>
-          <p:nvPr/>
-        </p:nvSpPr>
-        <p:spPr>
-          <a:xfrm>
-            <a:off x="6364224" y="3072384"/>
-            <a:ext cx="5532120" cy="1234440"/>
-          </a:xfrm>
-          <a:prstGeom prst="roundRect">
-            <a:avLst/>
-          </a:prstGeom>
-          <a:solidFill>
-            <a:srgbClr val="000000"/>
-          </a:solidFill>
-          <a:ln>
-            <a:noFill/>
-          </a:ln>
-        </p:spPr>
-        <p:style>
-          <a:lnRef idx="1">
-            <a:schemeClr val="accent1"/>
-          </a:lnRef>
-          <a:fillRef idx="3">
-            <a:schemeClr val="accent1"/>
-          </a:fillRef>
-          <a:effectRef idx="2">
-            <a:schemeClr val="accent1"/>
-          </a:effectRef>
-          <a:fontRef idx="minor">
-            <a:schemeClr val="lt1"/>
-          </a:fontRef>
-        </p:style>
-        <p:txBody>
-          <a:bodyPr rtlCol="0" anchor="ctr"/>
-          <a:lstStyle/>
-          <a:p>
-            <a:pPr algn="ctr"/>
-          </a:p>
-        </p:txBody>
-      </p:sp>
-      <p:sp>
-        <p:nvSpPr>
-          <p:cNvPr id="25" name="Rounded Rectangle 24"/>
+          <p:cNvPr id="16" name="Rectangle 15"/>
           <p:cNvSpPr/>
           <p:nvPr/>
         </p:nvSpPr>
@@ -4683,7 +4081,7 @@
             <a:off x="6309360" y="3017520"/>
             <a:ext cx="5532120" cy="1234440"/>
           </a:xfrm>
-          <a:prstGeom prst="roundRect">
+          <a:prstGeom prst="rect">
             <a:avLst/>
           </a:prstGeom>
           <a:solidFill>
@@ -4719,7 +4117,7 @@
       </p:sp>
       <p:sp>
         <p:nvSpPr>
-          <p:cNvPr id="26" name="TextBox 25"/>
+          <p:cNvPr id="17" name="TextBox 16"/>
           <p:cNvSpPr txBox="1"/>
           <p:nvPr/>
         </p:nvSpPr>
@@ -4734,7 +4132,7 @@
           <a:noFill/>
         </p:spPr>
         <p:txBody>
-          <a:bodyPr wrap="square" lIns="127000" rIns="127000" tIns="76200" bIns="76200">
+          <a:bodyPr wrap="square" lIns="101600" rIns="101600" tIns="50800" bIns="50800">
             <a:spAutoFit/>
           </a:bodyPr>
           <a:lstStyle/>
@@ -4755,7 +4153,7 @@
       </p:sp>
       <p:sp>
         <p:nvSpPr>
-          <p:cNvPr id="27" name="TextBox 26"/>
+          <p:cNvPr id="18" name="TextBox 17"/>
           <p:cNvSpPr txBox="1"/>
           <p:nvPr/>
         </p:nvSpPr>
@@ -4770,7 +4168,7 @@
           <a:noFill/>
         </p:spPr>
         <p:txBody>
-          <a:bodyPr wrap="square" lIns="127000" rIns="127000" tIns="76200" bIns="76200">
+          <a:bodyPr wrap="square" lIns="101600" rIns="101600" tIns="50800" bIns="50800">
             <a:spAutoFit/>
           </a:bodyPr>
           <a:lstStyle/>
@@ -4791,50 +4189,7 @@
       </p:sp>
       <p:sp>
         <p:nvSpPr>
-          <p:cNvPr id="28" name="Rounded Rectangle 27"/>
-          <p:cNvSpPr/>
-          <p:nvPr/>
-        </p:nvSpPr>
-        <p:spPr>
-          <a:xfrm>
-            <a:off x="649224" y="4398264"/>
-            <a:ext cx="5532120" cy="1051560"/>
-          </a:xfrm>
-          <a:prstGeom prst="roundRect">
-            <a:avLst/>
-          </a:prstGeom>
-          <a:solidFill>
-            <a:srgbClr val="000000"/>
-          </a:solidFill>
-          <a:ln>
-            <a:noFill/>
-          </a:ln>
-        </p:spPr>
-        <p:style>
-          <a:lnRef idx="1">
-            <a:schemeClr val="accent1"/>
-          </a:lnRef>
-          <a:fillRef idx="3">
-            <a:schemeClr val="accent1"/>
-          </a:fillRef>
-          <a:effectRef idx="2">
-            <a:schemeClr val="accent1"/>
-          </a:effectRef>
-          <a:fontRef idx="minor">
-            <a:schemeClr val="lt1"/>
-          </a:fontRef>
-        </p:style>
-        <p:txBody>
-          <a:bodyPr rtlCol="0" anchor="ctr"/>
-          <a:lstStyle/>
-          <a:p>
-            <a:pPr algn="ctr"/>
-          </a:p>
-        </p:txBody>
-      </p:sp>
-      <p:sp>
-        <p:nvSpPr>
-          <p:cNvPr id="29" name="Rounded Rectangle 28"/>
+          <p:cNvPr id="19" name="Rectangle 18"/>
           <p:cNvSpPr/>
           <p:nvPr/>
         </p:nvSpPr>
@@ -4843,7 +4198,7 @@
             <a:off x="594360" y="4343400"/>
             <a:ext cx="5532120" cy="1051560"/>
           </a:xfrm>
-          <a:prstGeom prst="roundRect">
+          <a:prstGeom prst="rect">
             <a:avLst/>
           </a:prstGeom>
           <a:solidFill>
@@ -4879,7 +4234,7 @@
       </p:sp>
       <p:sp>
         <p:nvSpPr>
-          <p:cNvPr id="30" name="TextBox 29"/>
+          <p:cNvPr id="20" name="TextBox 19"/>
           <p:cNvSpPr txBox="1"/>
           <p:nvPr/>
         </p:nvSpPr>
@@ -4894,7 +4249,7 @@
           <a:noFill/>
         </p:spPr>
         <p:txBody>
-          <a:bodyPr wrap="square" lIns="127000" rIns="127000" tIns="76200" bIns="76200">
+          <a:bodyPr wrap="square" lIns="101600" rIns="101600" tIns="50800" bIns="50800">
             <a:spAutoFit/>
           </a:bodyPr>
           <a:lstStyle/>
@@ -4915,7 +4270,7 @@
       </p:sp>
       <p:sp>
         <p:nvSpPr>
-          <p:cNvPr id="31" name="TextBox 30"/>
+          <p:cNvPr id="21" name="TextBox 20"/>
           <p:cNvSpPr txBox="1"/>
           <p:nvPr/>
         </p:nvSpPr>
@@ -4930,7 +4285,7 @@
           <a:noFill/>
         </p:spPr>
         <p:txBody>
-          <a:bodyPr wrap="square" lIns="127000" rIns="127000" tIns="76200" bIns="76200">
+          <a:bodyPr wrap="square" lIns="101600" rIns="101600" tIns="50800" bIns="50800">
             <a:spAutoFit/>
           </a:bodyPr>
           <a:lstStyle/>
@@ -4951,50 +4306,7 @@
       </p:sp>
       <p:sp>
         <p:nvSpPr>
-          <p:cNvPr id="32" name="Rounded Rectangle 31"/>
-          <p:cNvSpPr/>
-          <p:nvPr/>
-        </p:nvSpPr>
-        <p:spPr>
-          <a:xfrm>
-            <a:off x="6364224" y="4398264"/>
-            <a:ext cx="5532120" cy="1051560"/>
-          </a:xfrm>
-          <a:prstGeom prst="roundRect">
-            <a:avLst/>
-          </a:prstGeom>
-          <a:solidFill>
-            <a:srgbClr val="000000"/>
-          </a:solidFill>
-          <a:ln>
-            <a:noFill/>
-          </a:ln>
-        </p:spPr>
-        <p:style>
-          <a:lnRef idx="1">
-            <a:schemeClr val="accent1"/>
-          </a:lnRef>
-          <a:fillRef idx="3">
-            <a:schemeClr val="accent1"/>
-          </a:fillRef>
-          <a:effectRef idx="2">
-            <a:schemeClr val="accent1"/>
-          </a:effectRef>
-          <a:fontRef idx="minor">
-            <a:schemeClr val="lt1"/>
-          </a:fontRef>
-        </p:style>
-        <p:txBody>
-          <a:bodyPr rtlCol="0" anchor="ctr"/>
-          <a:lstStyle/>
-          <a:p>
-            <a:pPr algn="ctr"/>
-          </a:p>
-        </p:txBody>
-      </p:sp>
-      <p:sp>
-        <p:nvSpPr>
-          <p:cNvPr id="33" name="Rounded Rectangle 32"/>
+          <p:cNvPr id="22" name="Rectangle 21"/>
           <p:cNvSpPr/>
           <p:nvPr/>
         </p:nvSpPr>
@@ -5003,7 +4315,7 @@
             <a:off x="6309360" y="4343400"/>
             <a:ext cx="5532120" cy="1051560"/>
           </a:xfrm>
-          <a:prstGeom prst="roundRect">
+          <a:prstGeom prst="rect">
             <a:avLst/>
           </a:prstGeom>
           <a:solidFill>
@@ -5039,7 +4351,7 @@
       </p:sp>
       <p:sp>
         <p:nvSpPr>
-          <p:cNvPr id="34" name="TextBox 33"/>
+          <p:cNvPr id="23" name="TextBox 22"/>
           <p:cNvSpPr txBox="1"/>
           <p:nvPr/>
         </p:nvSpPr>
@@ -5054,7 +4366,7 @@
           <a:noFill/>
         </p:spPr>
         <p:txBody>
-          <a:bodyPr wrap="square" lIns="127000" rIns="127000" tIns="76200" bIns="76200">
+          <a:bodyPr wrap="square" lIns="101600" rIns="101600" tIns="50800" bIns="50800">
             <a:spAutoFit/>
           </a:bodyPr>
           <a:lstStyle/>
@@ -5075,7 +4387,7 @@
       </p:sp>
       <p:sp>
         <p:nvSpPr>
-          <p:cNvPr id="35" name="TextBox 34"/>
+          <p:cNvPr id="24" name="TextBox 23"/>
           <p:cNvSpPr txBox="1"/>
           <p:nvPr/>
         </p:nvSpPr>
@@ -5090,7 +4402,7 @@
           <a:noFill/>
         </p:spPr>
         <p:txBody>
-          <a:bodyPr wrap="square" lIns="127000" rIns="127000" tIns="76200" bIns="76200">
+          <a:bodyPr wrap="square" lIns="101600" rIns="101600" tIns="50800" bIns="50800">
             <a:spAutoFit/>
           </a:bodyPr>
           <a:lstStyle/>
@@ -5111,50 +4423,7 @@
       </p:sp>
       <p:sp>
         <p:nvSpPr>
-          <p:cNvPr id="36" name="Rounded Rectangle 35"/>
-          <p:cNvSpPr/>
-          <p:nvPr/>
-        </p:nvSpPr>
-        <p:spPr>
-          <a:xfrm>
-            <a:off x="649224" y="5541264"/>
-            <a:ext cx="11247120" cy="1325880"/>
-          </a:xfrm>
-          <a:prstGeom prst="roundRect">
-            <a:avLst/>
-          </a:prstGeom>
-          <a:solidFill>
-            <a:srgbClr val="000000"/>
-          </a:solidFill>
-          <a:ln>
-            <a:noFill/>
-          </a:ln>
-        </p:spPr>
-        <p:style>
-          <a:lnRef idx="1">
-            <a:schemeClr val="accent1"/>
-          </a:lnRef>
-          <a:fillRef idx="3">
-            <a:schemeClr val="accent1"/>
-          </a:fillRef>
-          <a:effectRef idx="2">
-            <a:schemeClr val="accent1"/>
-          </a:effectRef>
-          <a:fontRef idx="minor">
-            <a:schemeClr val="lt1"/>
-          </a:fontRef>
-        </p:style>
-        <p:txBody>
-          <a:bodyPr rtlCol="0" anchor="ctr"/>
-          <a:lstStyle/>
-          <a:p>
-            <a:pPr algn="ctr"/>
-          </a:p>
-        </p:txBody>
-      </p:sp>
-      <p:sp>
-        <p:nvSpPr>
-          <p:cNvPr id="37" name="Rounded Rectangle 36"/>
+          <p:cNvPr id="25" name="Rectangle 24"/>
           <p:cNvSpPr/>
           <p:nvPr/>
         </p:nvSpPr>
@@ -5163,7 +4432,7 @@
             <a:off x="594360" y="5486400"/>
             <a:ext cx="11247120" cy="1325880"/>
           </a:xfrm>
-          <a:prstGeom prst="roundRect">
+          <a:prstGeom prst="rect">
             <a:avLst/>
           </a:prstGeom>
           <a:solidFill>
@@ -5199,7 +4468,7 @@
       </p:sp>
       <p:sp>
         <p:nvSpPr>
-          <p:cNvPr id="38" name="TextBox 37"/>
+          <p:cNvPr id="26" name="TextBox 25"/>
           <p:cNvSpPr txBox="1"/>
           <p:nvPr/>
         </p:nvSpPr>
@@ -5214,7 +4483,7 @@
           <a:noFill/>
         </p:spPr>
         <p:txBody>
-          <a:bodyPr wrap="square" lIns="127000" rIns="127000" tIns="76200" bIns="76200">
+          <a:bodyPr wrap="square" lIns="101600" rIns="101600" tIns="50800" bIns="50800">
             <a:spAutoFit/>
           </a:bodyPr>
           <a:lstStyle/>
@@ -5235,7 +4504,7 @@
       </p:sp>
       <p:sp>
         <p:nvSpPr>
-          <p:cNvPr id="39" name="TextBox 38"/>
+          <p:cNvPr id="27" name="TextBox 26"/>
           <p:cNvSpPr txBox="1"/>
           <p:nvPr/>
         </p:nvSpPr>
@@ -5250,7 +4519,7 @@
           <a:noFill/>
         </p:spPr>
         <p:txBody>
-          <a:bodyPr wrap="square" lIns="127000" rIns="127000" tIns="76200" bIns="76200">
+          <a:bodyPr wrap="square" lIns="101600" rIns="101600" tIns="50800" bIns="50800">
             <a:spAutoFit/>
           </a:bodyPr>
           <a:lstStyle/>
@@ -5304,50 +4573,7 @@
         <p:spPr>
           <a:xfrm>
             <a:off x="0" y="0"/>
-            <a:ext cx="12191695" cy="960120"/>
-          </a:xfrm>
-          <a:prstGeom prst="rect">
-            <a:avLst/>
-          </a:prstGeom>
-          <a:solidFill>
-            <a:srgbClr val="0F172A"/>
-          </a:solidFill>
-          <a:ln>
-            <a:noFill/>
-          </a:ln>
-        </p:spPr>
-        <p:style>
-          <a:lnRef idx="1">
-            <a:schemeClr val="accent1"/>
-          </a:lnRef>
-          <a:fillRef idx="3">
-            <a:schemeClr val="accent1"/>
-          </a:fillRef>
-          <a:effectRef idx="2">
-            <a:schemeClr val="accent1"/>
-          </a:effectRef>
-          <a:fontRef idx="minor">
-            <a:schemeClr val="lt1"/>
-          </a:fontRef>
-        </p:style>
-        <p:txBody>
-          <a:bodyPr rtlCol="0" anchor="ctr"/>
-          <a:lstStyle/>
-          <a:p>
-            <a:pPr algn="ctr"/>
-          </a:p>
-        </p:txBody>
-      </p:sp>
-      <p:sp>
-        <p:nvSpPr>
-          <p:cNvPr id="3" name="Rectangle 2"/>
-          <p:cNvSpPr/>
-          <p:nvPr/>
-        </p:nvSpPr>
-        <p:spPr>
-          <a:xfrm>
-            <a:off x="0" y="896112"/>
-            <a:ext cx="12191695" cy="54864"/>
+            <a:ext cx="12191695" cy="73152"/>
           </a:xfrm>
           <a:prstGeom prst="rect">
             <a:avLst/>
@@ -5383,136 +4609,7 @@
       </p:sp>
       <p:sp>
         <p:nvSpPr>
-          <p:cNvPr id="4" name="Oval 3"/>
-          <p:cNvSpPr/>
-          <p:nvPr/>
-        </p:nvSpPr>
-        <p:spPr>
-          <a:xfrm>
-            <a:off x="10241280" y="-731520"/>
-            <a:ext cx="3108960" cy="3108960"/>
-          </a:xfrm>
-          <a:prstGeom prst="ellipse">
-            <a:avLst/>
-          </a:prstGeom>
-          <a:solidFill>
-            <a:srgbClr val="22C55E"/>
-          </a:solidFill>
-          <a:ln>
-            <a:noFill/>
-          </a:ln>
-        </p:spPr>
-        <p:style>
-          <a:lnRef idx="1">
-            <a:schemeClr val="accent1"/>
-          </a:lnRef>
-          <a:fillRef idx="3">
-            <a:schemeClr val="accent1"/>
-          </a:fillRef>
-          <a:effectRef idx="2">
-            <a:schemeClr val="accent1"/>
-          </a:effectRef>
-          <a:fontRef idx="minor">
-            <a:schemeClr val="lt1"/>
-          </a:fontRef>
-        </p:style>
-        <p:txBody>
-          <a:bodyPr rtlCol="0" anchor="ctr"/>
-          <a:lstStyle/>
-          <a:p>
-            <a:pPr algn="ctr"/>
-          </a:p>
-        </p:txBody>
-      </p:sp>
-      <p:sp>
-        <p:nvSpPr>
-          <p:cNvPr id="5" name="Oval 4"/>
-          <p:cNvSpPr/>
-          <p:nvPr/>
-        </p:nvSpPr>
-        <p:spPr>
-          <a:xfrm>
-            <a:off x="-1280160" y="5577840"/>
-            <a:ext cx="2743200" cy="2743200"/>
-          </a:xfrm>
-          <a:prstGeom prst="ellipse">
-            <a:avLst/>
-          </a:prstGeom>
-          <a:solidFill>
-            <a:srgbClr val="3B82F6"/>
-          </a:solidFill>
-          <a:ln>
-            <a:noFill/>
-          </a:ln>
-        </p:spPr>
-        <p:style>
-          <a:lnRef idx="1">
-            <a:schemeClr val="accent1"/>
-          </a:lnRef>
-          <a:fillRef idx="3">
-            <a:schemeClr val="accent1"/>
-          </a:fillRef>
-          <a:effectRef idx="2">
-            <a:schemeClr val="accent1"/>
-          </a:effectRef>
-          <a:fontRef idx="minor">
-            <a:schemeClr val="lt1"/>
-          </a:fontRef>
-        </p:style>
-        <p:txBody>
-          <a:bodyPr rtlCol="0" anchor="ctr"/>
-          <a:lstStyle/>
-          <a:p>
-            <a:pPr algn="ctr"/>
-          </a:p>
-        </p:txBody>
-      </p:sp>
-      <p:sp>
-        <p:nvSpPr>
-          <p:cNvPr id="6" name="Rectangle 5"/>
-          <p:cNvSpPr/>
-          <p:nvPr/>
-        </p:nvSpPr>
-        <p:spPr>
-          <a:xfrm>
-            <a:off x="274320" y="1143000"/>
-            <a:ext cx="11658600" cy="5486400"/>
-          </a:xfrm>
-          <a:prstGeom prst="rect">
-            <a:avLst/>
-          </a:prstGeom>
-          <a:solidFill>
-            <a:srgbClr val="0F172A"/>
-          </a:solidFill>
-          <a:ln>
-            <a:noFill/>
-          </a:ln>
-        </p:spPr>
-        <p:style>
-          <a:lnRef idx="1">
-            <a:schemeClr val="accent1"/>
-          </a:lnRef>
-          <a:fillRef idx="3">
-            <a:schemeClr val="accent1"/>
-          </a:fillRef>
-          <a:effectRef idx="2">
-            <a:schemeClr val="accent1"/>
-          </a:effectRef>
-          <a:fontRef idx="minor">
-            <a:schemeClr val="lt1"/>
-          </a:fontRef>
-        </p:style>
-        <p:txBody>
-          <a:bodyPr rtlCol="0" anchor="ctr"/>
-          <a:lstStyle/>
-          <a:p>
-            <a:pPr algn="ctr"/>
-          </a:p>
-        </p:txBody>
-      </p:sp>
-      <p:sp>
-        <p:nvSpPr>
-          <p:cNvPr id="7" name="TextBox 6"/>
+          <p:cNvPr id="3" name="TextBox 2"/>
           <p:cNvSpPr txBox="1"/>
           <p:nvPr/>
         </p:nvSpPr>
@@ -5527,7 +4624,7 @@
           <a:noFill/>
         </p:spPr>
         <p:txBody>
-          <a:bodyPr wrap="square" lIns="127000" rIns="127000" tIns="76200" bIns="76200">
+          <a:bodyPr wrap="square" lIns="101600" rIns="101600" tIns="50800" bIns="50800">
             <a:spAutoFit/>
           </a:bodyPr>
           <a:lstStyle/>
@@ -5548,50 +4645,7 @@
       </p:sp>
       <p:sp>
         <p:nvSpPr>
-          <p:cNvPr id="8" name="Rounded Rectangle 7"/>
-          <p:cNvSpPr/>
-          <p:nvPr/>
-        </p:nvSpPr>
-        <p:spPr>
-          <a:xfrm>
-            <a:off x="649224" y="1014984"/>
-            <a:ext cx="11247120" cy="3337560"/>
-          </a:xfrm>
-          <a:prstGeom prst="roundRect">
-            <a:avLst/>
-          </a:prstGeom>
-          <a:solidFill>
-            <a:srgbClr val="000000"/>
-          </a:solidFill>
-          <a:ln>
-            <a:noFill/>
-          </a:ln>
-        </p:spPr>
-        <p:style>
-          <a:lnRef idx="1">
-            <a:schemeClr val="accent1"/>
-          </a:lnRef>
-          <a:fillRef idx="3">
-            <a:schemeClr val="accent1"/>
-          </a:fillRef>
-          <a:effectRef idx="2">
-            <a:schemeClr val="accent1"/>
-          </a:effectRef>
-          <a:fontRef idx="minor">
-            <a:schemeClr val="lt1"/>
-          </a:fontRef>
-        </p:style>
-        <p:txBody>
-          <a:bodyPr rtlCol="0" anchor="ctr"/>
-          <a:lstStyle/>
-          <a:p>
-            <a:pPr algn="ctr"/>
-          </a:p>
-        </p:txBody>
-      </p:sp>
-      <p:sp>
-        <p:nvSpPr>
-          <p:cNvPr id="9" name="Rounded Rectangle 8"/>
+          <p:cNvPr id="4" name="Rectangle 3"/>
           <p:cNvSpPr/>
           <p:nvPr/>
         </p:nvSpPr>
@@ -5600,7 +4654,7 @@
             <a:off x="594360" y="960120"/>
             <a:ext cx="11247120" cy="3337560"/>
           </a:xfrm>
-          <a:prstGeom prst="roundRect">
+          <a:prstGeom prst="rect">
             <a:avLst/>
           </a:prstGeom>
           <a:solidFill>
@@ -5636,7 +4690,7 @@
       </p:sp>
       <p:sp>
         <p:nvSpPr>
-          <p:cNvPr id="10" name="TextBox 9"/>
+          <p:cNvPr id="5" name="TextBox 4"/>
           <p:cNvSpPr txBox="1"/>
           <p:nvPr/>
         </p:nvSpPr>
@@ -5651,7 +4705,7 @@
           <a:noFill/>
         </p:spPr>
         <p:txBody>
-          <a:bodyPr wrap="square" lIns="127000" rIns="127000" tIns="76200" bIns="76200">
+          <a:bodyPr wrap="square" lIns="101600" rIns="101600" tIns="50800" bIns="50800">
             <a:spAutoFit/>
           </a:bodyPr>
           <a:lstStyle/>
@@ -5672,50 +4726,7 @@
       </p:sp>
       <p:sp>
         <p:nvSpPr>
-          <p:cNvPr id="11" name="Rounded Rectangle 10"/>
-          <p:cNvSpPr/>
-          <p:nvPr/>
-        </p:nvSpPr>
-        <p:spPr>
-          <a:xfrm>
-            <a:off x="649224" y="4489703"/>
-            <a:ext cx="11247120" cy="2148840"/>
-          </a:xfrm>
-          <a:prstGeom prst="roundRect">
-            <a:avLst/>
-          </a:prstGeom>
-          <a:solidFill>
-            <a:srgbClr val="000000"/>
-          </a:solidFill>
-          <a:ln>
-            <a:noFill/>
-          </a:ln>
-        </p:spPr>
-        <p:style>
-          <a:lnRef idx="1">
-            <a:schemeClr val="accent1"/>
-          </a:lnRef>
-          <a:fillRef idx="3">
-            <a:schemeClr val="accent1"/>
-          </a:fillRef>
-          <a:effectRef idx="2">
-            <a:schemeClr val="accent1"/>
-          </a:effectRef>
-          <a:fontRef idx="minor">
-            <a:schemeClr val="lt1"/>
-          </a:fontRef>
-        </p:style>
-        <p:txBody>
-          <a:bodyPr rtlCol="0" anchor="ctr"/>
-          <a:lstStyle/>
-          <a:p>
-            <a:pPr algn="ctr"/>
-          </a:p>
-        </p:txBody>
-      </p:sp>
-      <p:sp>
-        <p:nvSpPr>
-          <p:cNvPr id="12" name="Rounded Rectangle 11"/>
+          <p:cNvPr id="6" name="Rectangle 5"/>
           <p:cNvSpPr/>
           <p:nvPr/>
         </p:nvSpPr>
@@ -5724,7 +4735,7 @@
             <a:off x="594360" y="4434840"/>
             <a:ext cx="11247120" cy="2148840"/>
           </a:xfrm>
-          <a:prstGeom prst="roundRect">
+          <a:prstGeom prst="rect">
             <a:avLst/>
           </a:prstGeom>
           <a:solidFill>
@@ -5760,7 +4771,7 @@
       </p:sp>
       <p:sp>
         <p:nvSpPr>
-          <p:cNvPr id="13" name="TextBox 12"/>
+          <p:cNvPr id="7" name="TextBox 6"/>
           <p:cNvSpPr txBox="1"/>
           <p:nvPr/>
         </p:nvSpPr>
@@ -5775,7 +4786,7 @@
           <a:noFill/>
         </p:spPr>
         <p:txBody>
-          <a:bodyPr wrap="square" lIns="127000" rIns="127000" tIns="76200" bIns="76200">
+          <a:bodyPr wrap="square" lIns="101600" rIns="101600" tIns="50800" bIns="50800">
             <a:spAutoFit/>
           </a:bodyPr>
           <a:lstStyle/>
@@ -5796,7 +4807,7 @@
       </p:sp>
       <p:sp>
         <p:nvSpPr>
-          <p:cNvPr id="14" name="TextBox 13"/>
+          <p:cNvPr id="8" name="TextBox 7"/>
           <p:cNvSpPr txBox="1"/>
           <p:nvPr/>
         </p:nvSpPr>
@@ -5811,7 +4822,7 @@
           <a:noFill/>
         </p:spPr>
         <p:txBody>
-          <a:bodyPr wrap="square" lIns="127000" rIns="127000" tIns="76200" bIns="76200">
+          <a:bodyPr wrap="square" lIns="101600" rIns="101600" tIns="50800" bIns="50800">
             <a:spAutoFit/>
           </a:bodyPr>
           <a:lstStyle/>
@@ -5865,50 +4876,7 @@
         <p:spPr>
           <a:xfrm>
             <a:off x="0" y="0"/>
-            <a:ext cx="12191695" cy="960120"/>
-          </a:xfrm>
-          <a:prstGeom prst="rect">
-            <a:avLst/>
-          </a:prstGeom>
-          <a:solidFill>
-            <a:srgbClr val="0F172A"/>
-          </a:solidFill>
-          <a:ln>
-            <a:noFill/>
-          </a:ln>
-        </p:spPr>
-        <p:style>
-          <a:lnRef idx="1">
-            <a:schemeClr val="accent1"/>
-          </a:lnRef>
-          <a:fillRef idx="3">
-            <a:schemeClr val="accent1"/>
-          </a:fillRef>
-          <a:effectRef idx="2">
-            <a:schemeClr val="accent1"/>
-          </a:effectRef>
-          <a:fontRef idx="minor">
-            <a:schemeClr val="lt1"/>
-          </a:fontRef>
-        </p:style>
-        <p:txBody>
-          <a:bodyPr rtlCol="0" anchor="ctr"/>
-          <a:lstStyle/>
-          <a:p>
-            <a:pPr algn="ctr"/>
-          </a:p>
-        </p:txBody>
-      </p:sp>
-      <p:sp>
-        <p:nvSpPr>
-          <p:cNvPr id="3" name="Rectangle 2"/>
-          <p:cNvSpPr/>
-          <p:nvPr/>
-        </p:nvSpPr>
-        <p:spPr>
-          <a:xfrm>
-            <a:off x="0" y="896112"/>
-            <a:ext cx="12191695" cy="54864"/>
+            <a:ext cx="12191695" cy="73152"/>
           </a:xfrm>
           <a:prstGeom prst="rect">
             <a:avLst/>
@@ -5944,136 +4912,7 @@
       </p:sp>
       <p:sp>
         <p:nvSpPr>
-          <p:cNvPr id="4" name="Oval 3"/>
-          <p:cNvSpPr/>
-          <p:nvPr/>
-        </p:nvSpPr>
-        <p:spPr>
-          <a:xfrm>
-            <a:off x="10241280" y="-731520"/>
-            <a:ext cx="3108960" cy="3108960"/>
-          </a:xfrm>
-          <a:prstGeom prst="ellipse">
-            <a:avLst/>
-          </a:prstGeom>
-          <a:solidFill>
-            <a:srgbClr val="22C55E"/>
-          </a:solidFill>
-          <a:ln>
-            <a:noFill/>
-          </a:ln>
-        </p:spPr>
-        <p:style>
-          <a:lnRef idx="1">
-            <a:schemeClr val="accent1"/>
-          </a:lnRef>
-          <a:fillRef idx="3">
-            <a:schemeClr val="accent1"/>
-          </a:fillRef>
-          <a:effectRef idx="2">
-            <a:schemeClr val="accent1"/>
-          </a:effectRef>
-          <a:fontRef idx="minor">
-            <a:schemeClr val="lt1"/>
-          </a:fontRef>
-        </p:style>
-        <p:txBody>
-          <a:bodyPr rtlCol="0" anchor="ctr"/>
-          <a:lstStyle/>
-          <a:p>
-            <a:pPr algn="ctr"/>
-          </a:p>
-        </p:txBody>
-      </p:sp>
-      <p:sp>
-        <p:nvSpPr>
-          <p:cNvPr id="5" name="Oval 4"/>
-          <p:cNvSpPr/>
-          <p:nvPr/>
-        </p:nvSpPr>
-        <p:spPr>
-          <a:xfrm>
-            <a:off x="-1280160" y="5577840"/>
-            <a:ext cx="2743200" cy="2743200"/>
-          </a:xfrm>
-          <a:prstGeom prst="ellipse">
-            <a:avLst/>
-          </a:prstGeom>
-          <a:solidFill>
-            <a:srgbClr val="3B82F6"/>
-          </a:solidFill>
-          <a:ln>
-            <a:noFill/>
-          </a:ln>
-        </p:spPr>
-        <p:style>
-          <a:lnRef idx="1">
-            <a:schemeClr val="accent1"/>
-          </a:lnRef>
-          <a:fillRef idx="3">
-            <a:schemeClr val="accent1"/>
-          </a:fillRef>
-          <a:effectRef idx="2">
-            <a:schemeClr val="accent1"/>
-          </a:effectRef>
-          <a:fontRef idx="minor">
-            <a:schemeClr val="lt1"/>
-          </a:fontRef>
-        </p:style>
-        <p:txBody>
-          <a:bodyPr rtlCol="0" anchor="ctr"/>
-          <a:lstStyle/>
-          <a:p>
-            <a:pPr algn="ctr"/>
-          </a:p>
-        </p:txBody>
-      </p:sp>
-      <p:sp>
-        <p:nvSpPr>
-          <p:cNvPr id="6" name="Rectangle 5"/>
-          <p:cNvSpPr/>
-          <p:nvPr/>
-        </p:nvSpPr>
-        <p:spPr>
-          <a:xfrm>
-            <a:off x="274320" y="1143000"/>
-            <a:ext cx="11658600" cy="5486400"/>
-          </a:xfrm>
-          <a:prstGeom prst="rect">
-            <a:avLst/>
-          </a:prstGeom>
-          <a:solidFill>
-            <a:srgbClr val="0F172A"/>
-          </a:solidFill>
-          <a:ln>
-            <a:noFill/>
-          </a:ln>
-        </p:spPr>
-        <p:style>
-          <a:lnRef idx="1">
-            <a:schemeClr val="accent1"/>
-          </a:lnRef>
-          <a:fillRef idx="3">
-            <a:schemeClr val="accent1"/>
-          </a:fillRef>
-          <a:effectRef idx="2">
-            <a:schemeClr val="accent1"/>
-          </a:effectRef>
-          <a:fontRef idx="minor">
-            <a:schemeClr val="lt1"/>
-          </a:fontRef>
-        </p:style>
-        <p:txBody>
-          <a:bodyPr rtlCol="0" anchor="ctr"/>
-          <a:lstStyle/>
-          <a:p>
-            <a:pPr algn="ctr"/>
-          </a:p>
-        </p:txBody>
-      </p:sp>
-      <p:sp>
-        <p:nvSpPr>
-          <p:cNvPr id="7" name="TextBox 6"/>
+          <p:cNvPr id="3" name="TextBox 2"/>
           <p:cNvSpPr txBox="1"/>
           <p:nvPr/>
         </p:nvSpPr>
@@ -6088,7 +4927,7 @@
           <a:noFill/>
         </p:spPr>
         <p:txBody>
-          <a:bodyPr wrap="square" lIns="127000" rIns="127000" tIns="76200" bIns="76200">
+          <a:bodyPr wrap="square" lIns="101600" rIns="101600" tIns="50800" bIns="50800">
             <a:spAutoFit/>
           </a:bodyPr>
           <a:lstStyle/>
@@ -6109,50 +4948,7 @@
       </p:sp>
       <p:sp>
         <p:nvSpPr>
-          <p:cNvPr id="8" name="Rounded Rectangle 7"/>
-          <p:cNvSpPr/>
-          <p:nvPr/>
-        </p:nvSpPr>
-        <p:spPr>
-          <a:xfrm>
-            <a:off x="649224" y="1014984"/>
-            <a:ext cx="11247120" cy="1234440"/>
-          </a:xfrm>
-          <a:prstGeom prst="roundRect">
-            <a:avLst/>
-          </a:prstGeom>
-          <a:solidFill>
-            <a:srgbClr val="000000"/>
-          </a:solidFill>
-          <a:ln>
-            <a:noFill/>
-          </a:ln>
-        </p:spPr>
-        <p:style>
-          <a:lnRef idx="1">
-            <a:schemeClr val="accent1"/>
-          </a:lnRef>
-          <a:fillRef idx="3">
-            <a:schemeClr val="accent1"/>
-          </a:fillRef>
-          <a:effectRef idx="2">
-            <a:schemeClr val="accent1"/>
-          </a:effectRef>
-          <a:fontRef idx="minor">
-            <a:schemeClr val="lt1"/>
-          </a:fontRef>
-        </p:style>
-        <p:txBody>
-          <a:bodyPr rtlCol="0" anchor="ctr"/>
-          <a:lstStyle/>
-          <a:p>
-            <a:pPr algn="ctr"/>
-          </a:p>
-        </p:txBody>
-      </p:sp>
-      <p:sp>
-        <p:nvSpPr>
-          <p:cNvPr id="9" name="Rounded Rectangle 8"/>
+          <p:cNvPr id="4" name="Rectangle 3"/>
           <p:cNvSpPr/>
           <p:nvPr/>
         </p:nvSpPr>
@@ -6161,7 +4957,7 @@
             <a:off x="594360" y="960120"/>
             <a:ext cx="11247120" cy="1234440"/>
           </a:xfrm>
-          <a:prstGeom prst="roundRect">
+          <a:prstGeom prst="rect">
             <a:avLst/>
           </a:prstGeom>
           <a:solidFill>
@@ -6197,7 +4993,7 @@
       </p:sp>
       <p:sp>
         <p:nvSpPr>
-          <p:cNvPr id="10" name="TextBox 9"/>
+          <p:cNvPr id="5" name="TextBox 4"/>
           <p:cNvSpPr txBox="1"/>
           <p:nvPr/>
         </p:nvSpPr>
@@ -6212,7 +5008,7 @@
           <a:noFill/>
         </p:spPr>
         <p:txBody>
-          <a:bodyPr wrap="square" lIns="127000" rIns="127000" tIns="76200" bIns="76200">
+          <a:bodyPr wrap="square" lIns="101600" rIns="101600" tIns="50800" bIns="50800">
             <a:spAutoFit/>
           </a:bodyPr>
           <a:lstStyle/>
@@ -6233,7 +5029,7 @@
       </p:sp>
       <p:sp>
         <p:nvSpPr>
-          <p:cNvPr id="11" name="TextBox 10"/>
+          <p:cNvPr id="6" name="TextBox 5"/>
           <p:cNvSpPr txBox="1"/>
           <p:nvPr/>
         </p:nvSpPr>
@@ -6248,7 +5044,7 @@
           <a:noFill/>
         </p:spPr>
         <p:txBody>
-          <a:bodyPr wrap="square" lIns="127000" rIns="127000" tIns="76200" bIns="76200">
+          <a:bodyPr wrap="square" lIns="101600" rIns="101600" tIns="50800" bIns="50800">
             <a:spAutoFit/>
           </a:bodyPr>
           <a:lstStyle/>
@@ -6269,50 +5065,7 @@
       </p:sp>
       <p:sp>
         <p:nvSpPr>
-          <p:cNvPr id="12" name="Rounded Rectangle 11"/>
-          <p:cNvSpPr/>
-          <p:nvPr/>
-        </p:nvSpPr>
-        <p:spPr>
-          <a:xfrm>
-            <a:off x="649224" y="2386584"/>
-            <a:ext cx="5532120" cy="2011680"/>
-          </a:xfrm>
-          <a:prstGeom prst="roundRect">
-            <a:avLst/>
-          </a:prstGeom>
-          <a:solidFill>
-            <a:srgbClr val="000000"/>
-          </a:solidFill>
-          <a:ln>
-            <a:noFill/>
-          </a:ln>
-        </p:spPr>
-        <p:style>
-          <a:lnRef idx="1">
-            <a:schemeClr val="accent1"/>
-          </a:lnRef>
-          <a:fillRef idx="3">
-            <a:schemeClr val="accent1"/>
-          </a:fillRef>
-          <a:effectRef idx="2">
-            <a:schemeClr val="accent1"/>
-          </a:effectRef>
-          <a:fontRef idx="minor">
-            <a:schemeClr val="lt1"/>
-          </a:fontRef>
-        </p:style>
-        <p:txBody>
-          <a:bodyPr rtlCol="0" anchor="ctr"/>
-          <a:lstStyle/>
-          <a:p>
-            <a:pPr algn="ctr"/>
-          </a:p>
-        </p:txBody>
-      </p:sp>
-      <p:sp>
-        <p:nvSpPr>
-          <p:cNvPr id="13" name="Rounded Rectangle 12"/>
+          <p:cNvPr id="7" name="Rectangle 6"/>
           <p:cNvSpPr/>
           <p:nvPr/>
         </p:nvSpPr>
@@ -6321,7 +5074,7 @@
             <a:off x="594360" y="2331720"/>
             <a:ext cx="5532120" cy="2011680"/>
           </a:xfrm>
-          <a:prstGeom prst="roundRect">
+          <a:prstGeom prst="rect">
             <a:avLst/>
           </a:prstGeom>
           <a:solidFill>
@@ -6357,7 +5110,7 @@
       </p:sp>
       <p:sp>
         <p:nvSpPr>
-          <p:cNvPr id="14" name="TextBox 13"/>
+          <p:cNvPr id="8" name="TextBox 7"/>
           <p:cNvSpPr txBox="1"/>
           <p:nvPr/>
         </p:nvSpPr>
@@ -6372,7 +5125,7 @@
           <a:noFill/>
         </p:spPr>
         <p:txBody>
-          <a:bodyPr wrap="square" lIns="127000" rIns="127000" tIns="76200" bIns="76200">
+          <a:bodyPr wrap="square" lIns="101600" rIns="101600" tIns="50800" bIns="50800">
             <a:spAutoFit/>
           </a:bodyPr>
           <a:lstStyle/>
@@ -6393,7 +5146,7 @@
       </p:sp>
       <p:sp>
         <p:nvSpPr>
-          <p:cNvPr id="15" name="TextBox 14"/>
+          <p:cNvPr id="9" name="TextBox 8"/>
           <p:cNvSpPr txBox="1"/>
           <p:nvPr/>
         </p:nvSpPr>
@@ -6408,7 +5161,7 @@
           <a:noFill/>
         </p:spPr>
         <p:txBody>
-          <a:bodyPr wrap="square" lIns="127000" rIns="127000" tIns="76200" bIns="76200">
+          <a:bodyPr wrap="square" lIns="101600" rIns="101600" tIns="50800" bIns="50800">
             <a:spAutoFit/>
           </a:bodyPr>
           <a:lstStyle/>
@@ -6429,50 +5182,7 @@
       </p:sp>
       <p:sp>
         <p:nvSpPr>
-          <p:cNvPr id="16" name="Rounded Rectangle 15"/>
-          <p:cNvSpPr/>
-          <p:nvPr/>
-        </p:nvSpPr>
-        <p:spPr>
-          <a:xfrm>
-            <a:off x="6364224" y="2386584"/>
-            <a:ext cx="5532120" cy="2011680"/>
-          </a:xfrm>
-          <a:prstGeom prst="roundRect">
-            <a:avLst/>
-          </a:prstGeom>
-          <a:solidFill>
-            <a:srgbClr val="000000"/>
-          </a:solidFill>
-          <a:ln>
-            <a:noFill/>
-          </a:ln>
-        </p:spPr>
-        <p:style>
-          <a:lnRef idx="1">
-            <a:schemeClr val="accent1"/>
-          </a:lnRef>
-          <a:fillRef idx="3">
-            <a:schemeClr val="accent1"/>
-          </a:fillRef>
-          <a:effectRef idx="2">
-            <a:schemeClr val="accent1"/>
-          </a:effectRef>
-          <a:fontRef idx="minor">
-            <a:schemeClr val="lt1"/>
-          </a:fontRef>
-        </p:style>
-        <p:txBody>
-          <a:bodyPr rtlCol="0" anchor="ctr"/>
-          <a:lstStyle/>
-          <a:p>
-            <a:pPr algn="ctr"/>
-          </a:p>
-        </p:txBody>
-      </p:sp>
-      <p:sp>
-        <p:nvSpPr>
-          <p:cNvPr id="17" name="Rounded Rectangle 16"/>
+          <p:cNvPr id="10" name="Rectangle 9"/>
           <p:cNvSpPr/>
           <p:nvPr/>
         </p:nvSpPr>
@@ -6481,7 +5191,7 @@
             <a:off x="6309360" y="2331720"/>
             <a:ext cx="5532120" cy="2011680"/>
           </a:xfrm>
-          <a:prstGeom prst="roundRect">
+          <a:prstGeom prst="rect">
             <a:avLst/>
           </a:prstGeom>
           <a:solidFill>
@@ -6517,7 +5227,7 @@
       </p:sp>
       <p:sp>
         <p:nvSpPr>
-          <p:cNvPr id="18" name="TextBox 17"/>
+          <p:cNvPr id="11" name="TextBox 10"/>
           <p:cNvSpPr txBox="1"/>
           <p:nvPr/>
         </p:nvSpPr>
@@ -6532,7 +5242,7 @@
           <a:noFill/>
         </p:spPr>
         <p:txBody>
-          <a:bodyPr wrap="square" lIns="127000" rIns="127000" tIns="76200" bIns="76200">
+          <a:bodyPr wrap="square" lIns="101600" rIns="101600" tIns="50800" bIns="50800">
             <a:spAutoFit/>
           </a:bodyPr>
           <a:lstStyle/>
@@ -6553,7 +5263,7 @@
       </p:sp>
       <p:sp>
         <p:nvSpPr>
-          <p:cNvPr id="19" name="TextBox 18"/>
+          <p:cNvPr id="12" name="TextBox 11"/>
           <p:cNvSpPr txBox="1"/>
           <p:nvPr/>
         </p:nvSpPr>
@@ -6568,7 +5278,7 @@
           <a:noFill/>
         </p:spPr>
         <p:txBody>
-          <a:bodyPr wrap="square" lIns="127000" rIns="127000" tIns="76200" bIns="76200">
+          <a:bodyPr wrap="square" lIns="101600" rIns="101600" tIns="50800" bIns="50800">
             <a:spAutoFit/>
           </a:bodyPr>
           <a:lstStyle/>
@@ -6589,50 +5299,7 @@
       </p:sp>
       <p:sp>
         <p:nvSpPr>
-          <p:cNvPr id="20" name="Rounded Rectangle 19"/>
-          <p:cNvSpPr/>
-          <p:nvPr/>
-        </p:nvSpPr>
-        <p:spPr>
-          <a:xfrm>
-            <a:off x="649224" y="4535424"/>
-            <a:ext cx="11247120" cy="2103120"/>
-          </a:xfrm>
-          <a:prstGeom prst="roundRect">
-            <a:avLst/>
-          </a:prstGeom>
-          <a:solidFill>
-            <a:srgbClr val="000000"/>
-          </a:solidFill>
-          <a:ln>
-            <a:noFill/>
-          </a:ln>
-        </p:spPr>
-        <p:style>
-          <a:lnRef idx="1">
-            <a:schemeClr val="accent1"/>
-          </a:lnRef>
-          <a:fillRef idx="3">
-            <a:schemeClr val="accent1"/>
-          </a:fillRef>
-          <a:effectRef idx="2">
-            <a:schemeClr val="accent1"/>
-          </a:effectRef>
-          <a:fontRef idx="minor">
-            <a:schemeClr val="lt1"/>
-          </a:fontRef>
-        </p:style>
-        <p:txBody>
-          <a:bodyPr rtlCol="0" anchor="ctr"/>
-          <a:lstStyle/>
-          <a:p>
-            <a:pPr algn="ctr"/>
-          </a:p>
-        </p:txBody>
-      </p:sp>
-      <p:sp>
-        <p:nvSpPr>
-          <p:cNvPr id="21" name="Rounded Rectangle 20"/>
+          <p:cNvPr id="13" name="Rectangle 12"/>
           <p:cNvSpPr/>
           <p:nvPr/>
         </p:nvSpPr>
@@ -6641,7 +5308,7 @@
             <a:off x="594360" y="4480560"/>
             <a:ext cx="11247120" cy="2103120"/>
           </a:xfrm>
-          <a:prstGeom prst="roundRect">
+          <a:prstGeom prst="rect">
             <a:avLst/>
           </a:prstGeom>
           <a:solidFill>
@@ -6677,7 +5344,7 @@
       </p:sp>
       <p:sp>
         <p:nvSpPr>
-          <p:cNvPr id="22" name="TextBox 21"/>
+          <p:cNvPr id="14" name="TextBox 13"/>
           <p:cNvSpPr txBox="1"/>
           <p:nvPr/>
         </p:nvSpPr>
@@ -6692,7 +5359,7 @@
           <a:noFill/>
         </p:spPr>
         <p:txBody>
-          <a:bodyPr wrap="square" lIns="127000" rIns="127000" tIns="76200" bIns="76200">
+          <a:bodyPr wrap="square" lIns="101600" rIns="101600" tIns="50800" bIns="50800">
             <a:spAutoFit/>
           </a:bodyPr>
           <a:lstStyle/>
@@ -6713,7 +5380,7 @@
       </p:sp>
       <p:sp>
         <p:nvSpPr>
-          <p:cNvPr id="23" name="TextBox 22"/>
+          <p:cNvPr id="15" name="TextBox 14"/>
           <p:cNvSpPr txBox="1"/>
           <p:nvPr/>
         </p:nvSpPr>
@@ -6728,7 +5395,7 @@
           <a:noFill/>
         </p:spPr>
         <p:txBody>
-          <a:bodyPr wrap="square" lIns="127000" rIns="127000" tIns="76200" bIns="76200">
+          <a:bodyPr wrap="square" lIns="101600" rIns="101600" tIns="50800" bIns="50800">
             <a:spAutoFit/>
           </a:bodyPr>
           <a:lstStyle/>
@@ -6782,50 +5449,7 @@
         <p:spPr>
           <a:xfrm>
             <a:off x="0" y="0"/>
-            <a:ext cx="12191695" cy="960120"/>
-          </a:xfrm>
-          <a:prstGeom prst="rect">
-            <a:avLst/>
-          </a:prstGeom>
-          <a:solidFill>
-            <a:srgbClr val="0F172A"/>
-          </a:solidFill>
-          <a:ln>
-            <a:noFill/>
-          </a:ln>
-        </p:spPr>
-        <p:style>
-          <a:lnRef idx="1">
-            <a:schemeClr val="accent1"/>
-          </a:lnRef>
-          <a:fillRef idx="3">
-            <a:schemeClr val="accent1"/>
-          </a:fillRef>
-          <a:effectRef idx="2">
-            <a:schemeClr val="accent1"/>
-          </a:effectRef>
-          <a:fontRef idx="minor">
-            <a:schemeClr val="lt1"/>
-          </a:fontRef>
-        </p:style>
-        <p:txBody>
-          <a:bodyPr rtlCol="0" anchor="ctr"/>
-          <a:lstStyle/>
-          <a:p>
-            <a:pPr algn="ctr"/>
-          </a:p>
-        </p:txBody>
-      </p:sp>
-      <p:sp>
-        <p:nvSpPr>
-          <p:cNvPr id="3" name="Rectangle 2"/>
-          <p:cNvSpPr/>
-          <p:nvPr/>
-        </p:nvSpPr>
-        <p:spPr>
-          <a:xfrm>
-            <a:off x="0" y="896112"/>
-            <a:ext cx="12191695" cy="54864"/>
+            <a:ext cx="12191695" cy="73152"/>
           </a:xfrm>
           <a:prstGeom prst="rect">
             <a:avLst/>
@@ -6861,136 +5485,7 @@
       </p:sp>
       <p:sp>
         <p:nvSpPr>
-          <p:cNvPr id="4" name="Oval 3"/>
-          <p:cNvSpPr/>
-          <p:nvPr/>
-        </p:nvSpPr>
-        <p:spPr>
-          <a:xfrm>
-            <a:off x="10241280" y="-731520"/>
-            <a:ext cx="3108960" cy="3108960"/>
-          </a:xfrm>
-          <a:prstGeom prst="ellipse">
-            <a:avLst/>
-          </a:prstGeom>
-          <a:solidFill>
-            <a:srgbClr val="22C55E"/>
-          </a:solidFill>
-          <a:ln>
-            <a:noFill/>
-          </a:ln>
-        </p:spPr>
-        <p:style>
-          <a:lnRef idx="1">
-            <a:schemeClr val="accent1"/>
-          </a:lnRef>
-          <a:fillRef idx="3">
-            <a:schemeClr val="accent1"/>
-          </a:fillRef>
-          <a:effectRef idx="2">
-            <a:schemeClr val="accent1"/>
-          </a:effectRef>
-          <a:fontRef idx="minor">
-            <a:schemeClr val="lt1"/>
-          </a:fontRef>
-        </p:style>
-        <p:txBody>
-          <a:bodyPr rtlCol="0" anchor="ctr"/>
-          <a:lstStyle/>
-          <a:p>
-            <a:pPr algn="ctr"/>
-          </a:p>
-        </p:txBody>
-      </p:sp>
-      <p:sp>
-        <p:nvSpPr>
-          <p:cNvPr id="5" name="Oval 4"/>
-          <p:cNvSpPr/>
-          <p:nvPr/>
-        </p:nvSpPr>
-        <p:spPr>
-          <a:xfrm>
-            <a:off x="-1280160" y="5577840"/>
-            <a:ext cx="2743200" cy="2743200"/>
-          </a:xfrm>
-          <a:prstGeom prst="ellipse">
-            <a:avLst/>
-          </a:prstGeom>
-          <a:solidFill>
-            <a:srgbClr val="3B82F6"/>
-          </a:solidFill>
-          <a:ln>
-            <a:noFill/>
-          </a:ln>
-        </p:spPr>
-        <p:style>
-          <a:lnRef idx="1">
-            <a:schemeClr val="accent1"/>
-          </a:lnRef>
-          <a:fillRef idx="3">
-            <a:schemeClr val="accent1"/>
-          </a:fillRef>
-          <a:effectRef idx="2">
-            <a:schemeClr val="accent1"/>
-          </a:effectRef>
-          <a:fontRef idx="minor">
-            <a:schemeClr val="lt1"/>
-          </a:fontRef>
-        </p:style>
-        <p:txBody>
-          <a:bodyPr rtlCol="0" anchor="ctr"/>
-          <a:lstStyle/>
-          <a:p>
-            <a:pPr algn="ctr"/>
-          </a:p>
-        </p:txBody>
-      </p:sp>
-      <p:sp>
-        <p:nvSpPr>
-          <p:cNvPr id="6" name="Rectangle 5"/>
-          <p:cNvSpPr/>
-          <p:nvPr/>
-        </p:nvSpPr>
-        <p:spPr>
-          <a:xfrm>
-            <a:off x="274320" y="1143000"/>
-            <a:ext cx="11658600" cy="5486400"/>
-          </a:xfrm>
-          <a:prstGeom prst="rect">
-            <a:avLst/>
-          </a:prstGeom>
-          <a:solidFill>
-            <a:srgbClr val="0F172A"/>
-          </a:solidFill>
-          <a:ln>
-            <a:noFill/>
-          </a:ln>
-        </p:spPr>
-        <p:style>
-          <a:lnRef idx="1">
-            <a:schemeClr val="accent1"/>
-          </a:lnRef>
-          <a:fillRef idx="3">
-            <a:schemeClr val="accent1"/>
-          </a:fillRef>
-          <a:effectRef idx="2">
-            <a:schemeClr val="accent1"/>
-          </a:effectRef>
-          <a:fontRef idx="minor">
-            <a:schemeClr val="lt1"/>
-          </a:fontRef>
-        </p:style>
-        <p:txBody>
-          <a:bodyPr rtlCol="0" anchor="ctr"/>
-          <a:lstStyle/>
-          <a:p>
-            <a:pPr algn="ctr"/>
-          </a:p>
-        </p:txBody>
-      </p:sp>
-      <p:sp>
-        <p:nvSpPr>
-          <p:cNvPr id="7" name="TextBox 6"/>
+          <p:cNvPr id="3" name="TextBox 2"/>
           <p:cNvSpPr txBox="1"/>
           <p:nvPr/>
         </p:nvSpPr>
@@ -7005,7 +5500,7 @@
           <a:noFill/>
         </p:spPr>
         <p:txBody>
-          <a:bodyPr wrap="square" lIns="127000" rIns="127000" tIns="76200" bIns="76200">
+          <a:bodyPr wrap="square" lIns="101600" rIns="101600" tIns="50800" bIns="50800">
             <a:spAutoFit/>
           </a:bodyPr>
           <a:lstStyle/>
@@ -7026,50 +5521,7 @@
       </p:sp>
       <p:sp>
         <p:nvSpPr>
-          <p:cNvPr id="8" name="Rounded Rectangle 7"/>
-          <p:cNvSpPr/>
-          <p:nvPr/>
-        </p:nvSpPr>
-        <p:spPr>
-          <a:xfrm>
-            <a:off x="649224" y="1014984"/>
-            <a:ext cx="11247120" cy="2697480"/>
-          </a:xfrm>
-          <a:prstGeom prst="roundRect">
-            <a:avLst/>
-          </a:prstGeom>
-          <a:solidFill>
-            <a:srgbClr val="000000"/>
-          </a:solidFill>
-          <a:ln>
-            <a:noFill/>
-          </a:ln>
-        </p:spPr>
-        <p:style>
-          <a:lnRef idx="1">
-            <a:schemeClr val="accent1"/>
-          </a:lnRef>
-          <a:fillRef idx="3">
-            <a:schemeClr val="accent1"/>
-          </a:fillRef>
-          <a:effectRef idx="2">
-            <a:schemeClr val="accent1"/>
-          </a:effectRef>
-          <a:fontRef idx="minor">
-            <a:schemeClr val="lt1"/>
-          </a:fontRef>
-        </p:style>
-        <p:txBody>
-          <a:bodyPr rtlCol="0" anchor="ctr"/>
-          <a:lstStyle/>
-          <a:p>
-            <a:pPr algn="ctr"/>
-          </a:p>
-        </p:txBody>
-      </p:sp>
-      <p:sp>
-        <p:nvSpPr>
-          <p:cNvPr id="9" name="Rounded Rectangle 8"/>
+          <p:cNvPr id="4" name="Rectangle 3"/>
           <p:cNvSpPr/>
           <p:nvPr/>
         </p:nvSpPr>
@@ -7078,7 +5530,7 @@
             <a:off x="594360" y="960120"/>
             <a:ext cx="11247120" cy="2697480"/>
           </a:xfrm>
-          <a:prstGeom prst="roundRect">
+          <a:prstGeom prst="rect">
             <a:avLst/>
           </a:prstGeom>
           <a:solidFill>
@@ -7114,7 +5566,7 @@
       </p:sp>
       <p:sp>
         <p:nvSpPr>
-          <p:cNvPr id="10" name="TextBox 9"/>
+          <p:cNvPr id="5" name="TextBox 4"/>
           <p:cNvSpPr txBox="1"/>
           <p:nvPr/>
         </p:nvSpPr>
@@ -7129,7 +5581,7 @@
           <a:noFill/>
         </p:spPr>
         <p:txBody>
-          <a:bodyPr wrap="square" lIns="127000" rIns="127000" tIns="76200" bIns="76200">
+          <a:bodyPr wrap="square" lIns="101600" rIns="101600" tIns="50800" bIns="50800">
             <a:spAutoFit/>
           </a:bodyPr>
           <a:lstStyle/>
@@ -7150,7 +5602,7 @@
       </p:sp>
       <p:sp>
         <p:nvSpPr>
-          <p:cNvPr id="11" name="TextBox 10"/>
+          <p:cNvPr id="6" name="TextBox 5"/>
           <p:cNvSpPr txBox="1"/>
           <p:nvPr/>
         </p:nvSpPr>
@@ -7165,7 +5617,7 @@
           <a:noFill/>
         </p:spPr>
         <p:txBody>
-          <a:bodyPr wrap="square" lIns="127000" rIns="127000" tIns="76200" bIns="76200">
+          <a:bodyPr wrap="square" lIns="101600" rIns="101600" tIns="50800" bIns="50800">
             <a:spAutoFit/>
           </a:bodyPr>
           <a:lstStyle/>
@@ -7186,50 +5638,7 @@
       </p:sp>
       <p:sp>
         <p:nvSpPr>
-          <p:cNvPr id="12" name="Rounded Rectangle 11"/>
-          <p:cNvSpPr/>
-          <p:nvPr/>
-        </p:nvSpPr>
-        <p:spPr>
-          <a:xfrm>
-            <a:off x="649224" y="3849624"/>
-            <a:ext cx="5532120" cy="2788920"/>
-          </a:xfrm>
-          <a:prstGeom prst="roundRect">
-            <a:avLst/>
-          </a:prstGeom>
-          <a:solidFill>
-            <a:srgbClr val="000000"/>
-          </a:solidFill>
-          <a:ln>
-            <a:noFill/>
-          </a:ln>
-        </p:spPr>
-        <p:style>
-          <a:lnRef idx="1">
-            <a:schemeClr val="accent1"/>
-          </a:lnRef>
-          <a:fillRef idx="3">
-            <a:schemeClr val="accent1"/>
-          </a:fillRef>
-          <a:effectRef idx="2">
-            <a:schemeClr val="accent1"/>
-          </a:effectRef>
-          <a:fontRef idx="minor">
-            <a:schemeClr val="lt1"/>
-          </a:fontRef>
-        </p:style>
-        <p:txBody>
-          <a:bodyPr rtlCol="0" anchor="ctr"/>
-          <a:lstStyle/>
-          <a:p>
-            <a:pPr algn="ctr"/>
-          </a:p>
-        </p:txBody>
-      </p:sp>
-      <p:sp>
-        <p:nvSpPr>
-          <p:cNvPr id="13" name="Rounded Rectangle 12"/>
+          <p:cNvPr id="7" name="Rectangle 6"/>
           <p:cNvSpPr/>
           <p:nvPr/>
         </p:nvSpPr>
@@ -7238,7 +5647,7 @@
             <a:off x="594360" y="3794760"/>
             <a:ext cx="5532120" cy="2788920"/>
           </a:xfrm>
-          <a:prstGeom prst="roundRect">
+          <a:prstGeom prst="rect">
             <a:avLst/>
           </a:prstGeom>
           <a:solidFill>
@@ -7274,7 +5683,7 @@
       </p:sp>
       <p:sp>
         <p:nvSpPr>
-          <p:cNvPr id="14" name="TextBox 13"/>
+          <p:cNvPr id="8" name="TextBox 7"/>
           <p:cNvSpPr txBox="1"/>
           <p:nvPr/>
         </p:nvSpPr>
@@ -7289,7 +5698,7 @@
           <a:noFill/>
         </p:spPr>
         <p:txBody>
-          <a:bodyPr wrap="square" lIns="127000" rIns="127000" tIns="76200" bIns="76200">
+          <a:bodyPr wrap="square" lIns="101600" rIns="101600" tIns="50800" bIns="50800">
             <a:spAutoFit/>
           </a:bodyPr>
           <a:lstStyle/>
@@ -7310,7 +5719,7 @@
       </p:sp>
       <p:sp>
         <p:nvSpPr>
-          <p:cNvPr id="15" name="TextBox 14"/>
+          <p:cNvPr id="9" name="TextBox 8"/>
           <p:cNvSpPr txBox="1"/>
           <p:nvPr/>
         </p:nvSpPr>
@@ -7325,7 +5734,7 @@
           <a:noFill/>
         </p:spPr>
         <p:txBody>
-          <a:bodyPr wrap="square" lIns="127000" rIns="127000" tIns="76200" bIns="76200">
+          <a:bodyPr wrap="square" lIns="101600" rIns="101600" tIns="50800" bIns="50800">
             <a:spAutoFit/>
           </a:bodyPr>
           <a:lstStyle/>
@@ -7346,50 +5755,7 @@
       </p:sp>
       <p:sp>
         <p:nvSpPr>
-          <p:cNvPr id="16" name="Rounded Rectangle 15"/>
-          <p:cNvSpPr/>
-          <p:nvPr/>
-        </p:nvSpPr>
-        <p:spPr>
-          <a:xfrm>
-            <a:off x="6364224" y="3849624"/>
-            <a:ext cx="5532120" cy="2788920"/>
-          </a:xfrm>
-          <a:prstGeom prst="roundRect">
-            <a:avLst/>
-          </a:prstGeom>
-          <a:solidFill>
-            <a:srgbClr val="000000"/>
-          </a:solidFill>
-          <a:ln>
-            <a:noFill/>
-          </a:ln>
-        </p:spPr>
-        <p:style>
-          <a:lnRef idx="1">
-            <a:schemeClr val="accent1"/>
-          </a:lnRef>
-          <a:fillRef idx="3">
-            <a:schemeClr val="accent1"/>
-          </a:fillRef>
-          <a:effectRef idx="2">
-            <a:schemeClr val="accent1"/>
-          </a:effectRef>
-          <a:fontRef idx="minor">
-            <a:schemeClr val="lt1"/>
-          </a:fontRef>
-        </p:style>
-        <p:txBody>
-          <a:bodyPr rtlCol="0" anchor="ctr"/>
-          <a:lstStyle/>
-          <a:p>
-            <a:pPr algn="ctr"/>
-          </a:p>
-        </p:txBody>
-      </p:sp>
-      <p:sp>
-        <p:nvSpPr>
-          <p:cNvPr id="17" name="Rounded Rectangle 16"/>
+          <p:cNvPr id="10" name="Rectangle 9"/>
           <p:cNvSpPr/>
           <p:nvPr/>
         </p:nvSpPr>
@@ -7398,7 +5764,7 @@
             <a:off x="6309360" y="3794760"/>
             <a:ext cx="5532120" cy="2788920"/>
           </a:xfrm>
-          <a:prstGeom prst="roundRect">
+          <a:prstGeom prst="rect">
             <a:avLst/>
           </a:prstGeom>
           <a:solidFill>
@@ -7434,7 +5800,7 @@
       </p:sp>
       <p:sp>
         <p:nvSpPr>
-          <p:cNvPr id="18" name="TextBox 17"/>
+          <p:cNvPr id="11" name="TextBox 10"/>
           <p:cNvSpPr txBox="1"/>
           <p:nvPr/>
         </p:nvSpPr>
@@ -7449,7 +5815,7 @@
           <a:noFill/>
         </p:spPr>
         <p:txBody>
-          <a:bodyPr wrap="square" lIns="127000" rIns="127000" tIns="76200" bIns="76200">
+          <a:bodyPr wrap="square" lIns="101600" rIns="101600" tIns="50800" bIns="50800">
             <a:spAutoFit/>
           </a:bodyPr>
           <a:lstStyle/>
@@ -7470,7 +5836,7 @@
       </p:sp>
       <p:sp>
         <p:nvSpPr>
-          <p:cNvPr id="19" name="TextBox 18"/>
+          <p:cNvPr id="12" name="TextBox 11"/>
           <p:cNvSpPr txBox="1"/>
           <p:nvPr/>
         </p:nvSpPr>
@@ -7485,7 +5851,7 @@
           <a:noFill/>
         </p:spPr>
         <p:txBody>
-          <a:bodyPr wrap="square" lIns="127000" rIns="127000" tIns="76200" bIns="76200">
+          <a:bodyPr wrap="square" lIns="101600" rIns="101600" tIns="50800" bIns="50800">
             <a:spAutoFit/>
           </a:bodyPr>
           <a:lstStyle/>
@@ -7539,50 +5905,7 @@
         <p:spPr>
           <a:xfrm>
             <a:off x="0" y="0"/>
-            <a:ext cx="12191695" cy="960120"/>
-          </a:xfrm>
-          <a:prstGeom prst="rect">
-            <a:avLst/>
-          </a:prstGeom>
-          <a:solidFill>
-            <a:srgbClr val="0F172A"/>
-          </a:solidFill>
-          <a:ln>
-            <a:noFill/>
-          </a:ln>
-        </p:spPr>
-        <p:style>
-          <a:lnRef idx="1">
-            <a:schemeClr val="accent1"/>
-          </a:lnRef>
-          <a:fillRef idx="3">
-            <a:schemeClr val="accent1"/>
-          </a:fillRef>
-          <a:effectRef idx="2">
-            <a:schemeClr val="accent1"/>
-          </a:effectRef>
-          <a:fontRef idx="minor">
-            <a:schemeClr val="lt1"/>
-          </a:fontRef>
-        </p:style>
-        <p:txBody>
-          <a:bodyPr rtlCol="0" anchor="ctr"/>
-          <a:lstStyle/>
-          <a:p>
-            <a:pPr algn="ctr"/>
-          </a:p>
-        </p:txBody>
-      </p:sp>
-      <p:sp>
-        <p:nvSpPr>
-          <p:cNvPr id="3" name="Rectangle 2"/>
-          <p:cNvSpPr/>
-          <p:nvPr/>
-        </p:nvSpPr>
-        <p:spPr>
-          <a:xfrm>
-            <a:off x="0" y="896112"/>
-            <a:ext cx="12191695" cy="54864"/>
+            <a:ext cx="12191695" cy="73152"/>
           </a:xfrm>
           <a:prstGeom prst="rect">
             <a:avLst/>
@@ -7618,136 +5941,7 @@
       </p:sp>
       <p:sp>
         <p:nvSpPr>
-          <p:cNvPr id="4" name="Oval 3"/>
-          <p:cNvSpPr/>
-          <p:nvPr/>
-        </p:nvSpPr>
-        <p:spPr>
-          <a:xfrm>
-            <a:off x="10241280" y="-731520"/>
-            <a:ext cx="3108960" cy="3108960"/>
-          </a:xfrm>
-          <a:prstGeom prst="ellipse">
-            <a:avLst/>
-          </a:prstGeom>
-          <a:solidFill>
-            <a:srgbClr val="22C55E"/>
-          </a:solidFill>
-          <a:ln>
-            <a:noFill/>
-          </a:ln>
-        </p:spPr>
-        <p:style>
-          <a:lnRef idx="1">
-            <a:schemeClr val="accent1"/>
-          </a:lnRef>
-          <a:fillRef idx="3">
-            <a:schemeClr val="accent1"/>
-          </a:fillRef>
-          <a:effectRef idx="2">
-            <a:schemeClr val="accent1"/>
-          </a:effectRef>
-          <a:fontRef idx="minor">
-            <a:schemeClr val="lt1"/>
-          </a:fontRef>
-        </p:style>
-        <p:txBody>
-          <a:bodyPr rtlCol="0" anchor="ctr"/>
-          <a:lstStyle/>
-          <a:p>
-            <a:pPr algn="ctr"/>
-          </a:p>
-        </p:txBody>
-      </p:sp>
-      <p:sp>
-        <p:nvSpPr>
-          <p:cNvPr id="5" name="Oval 4"/>
-          <p:cNvSpPr/>
-          <p:nvPr/>
-        </p:nvSpPr>
-        <p:spPr>
-          <a:xfrm>
-            <a:off x="-1280160" y="5577840"/>
-            <a:ext cx="2743200" cy="2743200"/>
-          </a:xfrm>
-          <a:prstGeom prst="ellipse">
-            <a:avLst/>
-          </a:prstGeom>
-          <a:solidFill>
-            <a:srgbClr val="3B82F6"/>
-          </a:solidFill>
-          <a:ln>
-            <a:noFill/>
-          </a:ln>
-        </p:spPr>
-        <p:style>
-          <a:lnRef idx="1">
-            <a:schemeClr val="accent1"/>
-          </a:lnRef>
-          <a:fillRef idx="3">
-            <a:schemeClr val="accent1"/>
-          </a:fillRef>
-          <a:effectRef idx="2">
-            <a:schemeClr val="accent1"/>
-          </a:effectRef>
-          <a:fontRef idx="minor">
-            <a:schemeClr val="lt1"/>
-          </a:fontRef>
-        </p:style>
-        <p:txBody>
-          <a:bodyPr rtlCol="0" anchor="ctr"/>
-          <a:lstStyle/>
-          <a:p>
-            <a:pPr algn="ctr"/>
-          </a:p>
-        </p:txBody>
-      </p:sp>
-      <p:sp>
-        <p:nvSpPr>
-          <p:cNvPr id="6" name="Rectangle 5"/>
-          <p:cNvSpPr/>
-          <p:nvPr/>
-        </p:nvSpPr>
-        <p:spPr>
-          <a:xfrm>
-            <a:off x="274320" y="1143000"/>
-            <a:ext cx="11658600" cy="5486400"/>
-          </a:xfrm>
-          <a:prstGeom prst="rect">
-            <a:avLst/>
-          </a:prstGeom>
-          <a:solidFill>
-            <a:srgbClr val="0F172A"/>
-          </a:solidFill>
-          <a:ln>
-            <a:noFill/>
-          </a:ln>
-        </p:spPr>
-        <p:style>
-          <a:lnRef idx="1">
-            <a:schemeClr val="accent1"/>
-          </a:lnRef>
-          <a:fillRef idx="3">
-            <a:schemeClr val="accent1"/>
-          </a:fillRef>
-          <a:effectRef idx="2">
-            <a:schemeClr val="accent1"/>
-          </a:effectRef>
-          <a:fontRef idx="minor">
-            <a:schemeClr val="lt1"/>
-          </a:fontRef>
-        </p:style>
-        <p:txBody>
-          <a:bodyPr rtlCol="0" anchor="ctr"/>
-          <a:lstStyle/>
-          <a:p>
-            <a:pPr algn="ctr"/>
-          </a:p>
-        </p:txBody>
-      </p:sp>
-      <p:sp>
-        <p:nvSpPr>
-          <p:cNvPr id="7" name="TextBox 6"/>
+          <p:cNvPr id="3" name="TextBox 2"/>
           <p:cNvSpPr txBox="1"/>
           <p:nvPr/>
         </p:nvSpPr>
@@ -7762,7 +5956,7 @@
           <a:noFill/>
         </p:spPr>
         <p:txBody>
-          <a:bodyPr wrap="square" lIns="127000" rIns="127000" tIns="76200" bIns="76200">
+          <a:bodyPr wrap="square" lIns="101600" rIns="101600" tIns="50800" bIns="50800">
             <a:spAutoFit/>
           </a:bodyPr>
           <a:lstStyle/>
@@ -7783,50 +5977,7 @@
       </p:sp>
       <p:sp>
         <p:nvSpPr>
-          <p:cNvPr id="8" name="Rounded Rectangle 7"/>
-          <p:cNvSpPr/>
-          <p:nvPr/>
-        </p:nvSpPr>
-        <p:spPr>
-          <a:xfrm>
-            <a:off x="649224" y="1014984"/>
-            <a:ext cx="11247120" cy="2423160"/>
-          </a:xfrm>
-          <a:prstGeom prst="roundRect">
-            <a:avLst/>
-          </a:prstGeom>
-          <a:solidFill>
-            <a:srgbClr val="000000"/>
-          </a:solidFill>
-          <a:ln>
-            <a:noFill/>
-          </a:ln>
-        </p:spPr>
-        <p:style>
-          <a:lnRef idx="1">
-            <a:schemeClr val="accent1"/>
-          </a:lnRef>
-          <a:fillRef idx="3">
-            <a:schemeClr val="accent1"/>
-          </a:fillRef>
-          <a:effectRef idx="2">
-            <a:schemeClr val="accent1"/>
-          </a:effectRef>
-          <a:fontRef idx="minor">
-            <a:schemeClr val="lt1"/>
-          </a:fontRef>
-        </p:style>
-        <p:txBody>
-          <a:bodyPr rtlCol="0" anchor="ctr"/>
-          <a:lstStyle/>
-          <a:p>
-            <a:pPr algn="ctr"/>
-          </a:p>
-        </p:txBody>
-      </p:sp>
-      <p:sp>
-        <p:nvSpPr>
-          <p:cNvPr id="9" name="Rounded Rectangle 8"/>
+          <p:cNvPr id="4" name="Rectangle 3"/>
           <p:cNvSpPr/>
           <p:nvPr/>
         </p:nvSpPr>
@@ -7835,7 +5986,7 @@
             <a:off x="594360" y="960120"/>
             <a:ext cx="11247120" cy="2423160"/>
           </a:xfrm>
-          <a:prstGeom prst="roundRect">
+          <a:prstGeom prst="rect">
             <a:avLst/>
           </a:prstGeom>
           <a:solidFill>
@@ -7871,7 +6022,7 @@
       </p:sp>
       <p:sp>
         <p:nvSpPr>
-          <p:cNvPr id="10" name="TextBox 9"/>
+          <p:cNvPr id="5" name="TextBox 4"/>
           <p:cNvSpPr txBox="1"/>
           <p:nvPr/>
         </p:nvSpPr>
@@ -7886,7 +6037,7 @@
           <a:noFill/>
         </p:spPr>
         <p:txBody>
-          <a:bodyPr wrap="square" lIns="127000" rIns="127000" tIns="76200" bIns="76200">
+          <a:bodyPr wrap="square" lIns="101600" rIns="101600" tIns="50800" bIns="50800">
             <a:spAutoFit/>
           </a:bodyPr>
           <a:lstStyle/>
@@ -7907,7 +6058,7 @@
       </p:sp>
       <p:sp>
         <p:nvSpPr>
-          <p:cNvPr id="11" name="TextBox 10"/>
+          <p:cNvPr id="6" name="TextBox 5"/>
           <p:cNvSpPr txBox="1"/>
           <p:nvPr/>
         </p:nvSpPr>
@@ -7922,7 +6073,7 @@
           <a:noFill/>
         </p:spPr>
         <p:txBody>
-          <a:bodyPr wrap="square" lIns="127000" rIns="127000" tIns="76200" bIns="76200">
+          <a:bodyPr wrap="square" lIns="101600" rIns="101600" tIns="50800" bIns="50800">
             <a:spAutoFit/>
           </a:bodyPr>
           <a:lstStyle/>
@@ -7943,50 +6094,7 @@
       </p:sp>
       <p:sp>
         <p:nvSpPr>
-          <p:cNvPr id="12" name="Rounded Rectangle 11"/>
-          <p:cNvSpPr/>
-          <p:nvPr/>
-        </p:nvSpPr>
-        <p:spPr>
-          <a:xfrm>
-            <a:off x="649224" y="3575304"/>
-            <a:ext cx="11247120" cy="2423160"/>
-          </a:xfrm>
-          <a:prstGeom prst="roundRect">
-            <a:avLst/>
-          </a:prstGeom>
-          <a:solidFill>
-            <a:srgbClr val="000000"/>
-          </a:solidFill>
-          <a:ln>
-            <a:noFill/>
-          </a:ln>
-        </p:spPr>
-        <p:style>
-          <a:lnRef idx="1">
-            <a:schemeClr val="accent1"/>
-          </a:lnRef>
-          <a:fillRef idx="3">
-            <a:schemeClr val="accent1"/>
-          </a:fillRef>
-          <a:effectRef idx="2">
-            <a:schemeClr val="accent1"/>
-          </a:effectRef>
-          <a:fontRef idx="minor">
-            <a:schemeClr val="lt1"/>
-          </a:fontRef>
-        </p:style>
-        <p:txBody>
-          <a:bodyPr rtlCol="0" anchor="ctr"/>
-          <a:lstStyle/>
-          <a:p>
-            <a:pPr algn="ctr"/>
-          </a:p>
-        </p:txBody>
-      </p:sp>
-      <p:sp>
-        <p:nvSpPr>
-          <p:cNvPr id="13" name="Rounded Rectangle 12"/>
+          <p:cNvPr id="7" name="Rectangle 6"/>
           <p:cNvSpPr/>
           <p:nvPr/>
         </p:nvSpPr>
@@ -7995,7 +6103,7 @@
             <a:off x="594360" y="3520440"/>
             <a:ext cx="11247120" cy="2423160"/>
           </a:xfrm>
-          <a:prstGeom prst="roundRect">
+          <a:prstGeom prst="rect">
             <a:avLst/>
           </a:prstGeom>
           <a:solidFill>
@@ -8031,7 +6139,7 @@
       </p:sp>
       <p:sp>
         <p:nvSpPr>
-          <p:cNvPr id="14" name="TextBox 13"/>
+          <p:cNvPr id="8" name="TextBox 7"/>
           <p:cNvSpPr txBox="1"/>
           <p:nvPr/>
         </p:nvSpPr>
@@ -8046,7 +6154,7 @@
           <a:noFill/>
         </p:spPr>
         <p:txBody>
-          <a:bodyPr wrap="square" lIns="127000" rIns="127000" tIns="76200" bIns="76200">
+          <a:bodyPr wrap="square" lIns="101600" rIns="101600" tIns="50800" bIns="50800">
             <a:spAutoFit/>
           </a:bodyPr>
           <a:lstStyle/>
@@ -8067,7 +6175,7 @@
       </p:sp>
       <p:sp>
         <p:nvSpPr>
-          <p:cNvPr id="15" name="TextBox 14"/>
+          <p:cNvPr id="9" name="TextBox 8"/>
           <p:cNvSpPr txBox="1"/>
           <p:nvPr/>
         </p:nvSpPr>
@@ -8082,7 +6190,7 @@
           <a:noFill/>
         </p:spPr>
         <p:txBody>
-          <a:bodyPr wrap="square" lIns="127000" rIns="127000" tIns="76200" bIns="76200">
+          <a:bodyPr wrap="square" lIns="101600" rIns="101600" tIns="50800" bIns="50800">
             <a:spAutoFit/>
           </a:bodyPr>
           <a:lstStyle/>
@@ -8103,7 +6211,7 @@
       </p:sp>
       <p:sp>
         <p:nvSpPr>
-          <p:cNvPr id="16" name="TextBox 15"/>
+          <p:cNvPr id="10" name="TextBox 9"/>
           <p:cNvSpPr txBox="1"/>
           <p:nvPr/>
         </p:nvSpPr>
@@ -8118,7 +6226,7 @@
           <a:noFill/>
         </p:spPr>
         <p:txBody>
-          <a:bodyPr wrap="square" lIns="127000" rIns="127000" tIns="76200" bIns="76200">
+          <a:bodyPr wrap="square" lIns="101600" rIns="101600" tIns="50800" bIns="50800">
             <a:spAutoFit/>
           </a:bodyPr>
           <a:lstStyle/>
@@ -8172,50 +6280,7 @@
         <p:spPr>
           <a:xfrm>
             <a:off x="0" y="0"/>
-            <a:ext cx="12191695" cy="960120"/>
-          </a:xfrm>
-          <a:prstGeom prst="rect">
-            <a:avLst/>
-          </a:prstGeom>
-          <a:solidFill>
-            <a:srgbClr val="0F172A"/>
-          </a:solidFill>
-          <a:ln>
-            <a:noFill/>
-          </a:ln>
-        </p:spPr>
-        <p:style>
-          <a:lnRef idx="1">
-            <a:schemeClr val="accent1"/>
-          </a:lnRef>
-          <a:fillRef idx="3">
-            <a:schemeClr val="accent1"/>
-          </a:fillRef>
-          <a:effectRef idx="2">
-            <a:schemeClr val="accent1"/>
-          </a:effectRef>
-          <a:fontRef idx="minor">
-            <a:schemeClr val="lt1"/>
-          </a:fontRef>
-        </p:style>
-        <p:txBody>
-          <a:bodyPr rtlCol="0" anchor="ctr"/>
-          <a:lstStyle/>
-          <a:p>
-            <a:pPr algn="ctr"/>
-          </a:p>
-        </p:txBody>
-      </p:sp>
-      <p:sp>
-        <p:nvSpPr>
-          <p:cNvPr id="3" name="Rectangle 2"/>
-          <p:cNvSpPr/>
-          <p:nvPr/>
-        </p:nvSpPr>
-        <p:spPr>
-          <a:xfrm>
-            <a:off x="0" y="896112"/>
-            <a:ext cx="12191695" cy="54864"/>
+            <a:ext cx="12191695" cy="73152"/>
           </a:xfrm>
           <a:prstGeom prst="rect">
             <a:avLst/>
@@ -8251,136 +6316,7 @@
       </p:sp>
       <p:sp>
         <p:nvSpPr>
-          <p:cNvPr id="4" name="Oval 3"/>
-          <p:cNvSpPr/>
-          <p:nvPr/>
-        </p:nvSpPr>
-        <p:spPr>
-          <a:xfrm>
-            <a:off x="10241280" y="-731520"/>
-            <a:ext cx="3108960" cy="3108960"/>
-          </a:xfrm>
-          <a:prstGeom prst="ellipse">
-            <a:avLst/>
-          </a:prstGeom>
-          <a:solidFill>
-            <a:srgbClr val="22C55E"/>
-          </a:solidFill>
-          <a:ln>
-            <a:noFill/>
-          </a:ln>
-        </p:spPr>
-        <p:style>
-          <a:lnRef idx="1">
-            <a:schemeClr val="accent1"/>
-          </a:lnRef>
-          <a:fillRef idx="3">
-            <a:schemeClr val="accent1"/>
-          </a:fillRef>
-          <a:effectRef idx="2">
-            <a:schemeClr val="accent1"/>
-          </a:effectRef>
-          <a:fontRef idx="minor">
-            <a:schemeClr val="lt1"/>
-          </a:fontRef>
-        </p:style>
-        <p:txBody>
-          <a:bodyPr rtlCol="0" anchor="ctr"/>
-          <a:lstStyle/>
-          <a:p>
-            <a:pPr algn="ctr"/>
-          </a:p>
-        </p:txBody>
-      </p:sp>
-      <p:sp>
-        <p:nvSpPr>
-          <p:cNvPr id="5" name="Oval 4"/>
-          <p:cNvSpPr/>
-          <p:nvPr/>
-        </p:nvSpPr>
-        <p:spPr>
-          <a:xfrm>
-            <a:off x="-1280160" y="5577840"/>
-            <a:ext cx="2743200" cy="2743200"/>
-          </a:xfrm>
-          <a:prstGeom prst="ellipse">
-            <a:avLst/>
-          </a:prstGeom>
-          <a:solidFill>
-            <a:srgbClr val="3B82F6"/>
-          </a:solidFill>
-          <a:ln>
-            <a:noFill/>
-          </a:ln>
-        </p:spPr>
-        <p:style>
-          <a:lnRef idx="1">
-            <a:schemeClr val="accent1"/>
-          </a:lnRef>
-          <a:fillRef idx="3">
-            <a:schemeClr val="accent1"/>
-          </a:fillRef>
-          <a:effectRef idx="2">
-            <a:schemeClr val="accent1"/>
-          </a:effectRef>
-          <a:fontRef idx="minor">
-            <a:schemeClr val="lt1"/>
-          </a:fontRef>
-        </p:style>
-        <p:txBody>
-          <a:bodyPr rtlCol="0" anchor="ctr"/>
-          <a:lstStyle/>
-          <a:p>
-            <a:pPr algn="ctr"/>
-          </a:p>
-        </p:txBody>
-      </p:sp>
-      <p:sp>
-        <p:nvSpPr>
-          <p:cNvPr id="6" name="Rectangle 5"/>
-          <p:cNvSpPr/>
-          <p:nvPr/>
-        </p:nvSpPr>
-        <p:spPr>
-          <a:xfrm>
-            <a:off x="274320" y="1143000"/>
-            <a:ext cx="11658600" cy="5486400"/>
-          </a:xfrm>
-          <a:prstGeom prst="rect">
-            <a:avLst/>
-          </a:prstGeom>
-          <a:solidFill>
-            <a:srgbClr val="0F172A"/>
-          </a:solidFill>
-          <a:ln>
-            <a:noFill/>
-          </a:ln>
-        </p:spPr>
-        <p:style>
-          <a:lnRef idx="1">
-            <a:schemeClr val="accent1"/>
-          </a:lnRef>
-          <a:fillRef idx="3">
-            <a:schemeClr val="accent1"/>
-          </a:fillRef>
-          <a:effectRef idx="2">
-            <a:schemeClr val="accent1"/>
-          </a:effectRef>
-          <a:fontRef idx="minor">
-            <a:schemeClr val="lt1"/>
-          </a:fontRef>
-        </p:style>
-        <p:txBody>
-          <a:bodyPr rtlCol="0" anchor="ctr"/>
-          <a:lstStyle/>
-          <a:p>
-            <a:pPr algn="ctr"/>
-          </a:p>
-        </p:txBody>
-      </p:sp>
-      <p:sp>
-        <p:nvSpPr>
-          <p:cNvPr id="7" name="TextBox 6"/>
+          <p:cNvPr id="3" name="TextBox 2"/>
           <p:cNvSpPr txBox="1"/>
           <p:nvPr/>
         </p:nvSpPr>
@@ -8395,7 +6331,7 @@
           <a:noFill/>
         </p:spPr>
         <p:txBody>
-          <a:bodyPr wrap="square" lIns="127000" rIns="127000" tIns="76200" bIns="76200">
+          <a:bodyPr wrap="square" lIns="101600" rIns="101600" tIns="50800" bIns="50800">
             <a:spAutoFit/>
           </a:bodyPr>
           <a:lstStyle/>
@@ -8416,50 +6352,7 @@
       </p:sp>
       <p:sp>
         <p:nvSpPr>
-          <p:cNvPr id="8" name="Rounded Rectangle 7"/>
-          <p:cNvSpPr/>
-          <p:nvPr/>
-        </p:nvSpPr>
-        <p:spPr>
-          <a:xfrm>
-            <a:off x="649224" y="1014984"/>
-            <a:ext cx="11247120" cy="1965960"/>
-          </a:xfrm>
-          <a:prstGeom prst="roundRect">
-            <a:avLst/>
-          </a:prstGeom>
-          <a:solidFill>
-            <a:srgbClr val="000000"/>
-          </a:solidFill>
-          <a:ln>
-            <a:noFill/>
-          </a:ln>
-        </p:spPr>
-        <p:style>
-          <a:lnRef idx="1">
-            <a:schemeClr val="accent1"/>
-          </a:lnRef>
-          <a:fillRef idx="3">
-            <a:schemeClr val="accent1"/>
-          </a:fillRef>
-          <a:effectRef idx="2">
-            <a:schemeClr val="accent1"/>
-          </a:effectRef>
-          <a:fontRef idx="minor">
-            <a:schemeClr val="lt1"/>
-          </a:fontRef>
-        </p:style>
-        <p:txBody>
-          <a:bodyPr rtlCol="0" anchor="ctr"/>
-          <a:lstStyle/>
-          <a:p>
-            <a:pPr algn="ctr"/>
-          </a:p>
-        </p:txBody>
-      </p:sp>
-      <p:sp>
-        <p:nvSpPr>
-          <p:cNvPr id="9" name="Rounded Rectangle 8"/>
+          <p:cNvPr id="4" name="Rectangle 3"/>
           <p:cNvSpPr/>
           <p:nvPr/>
         </p:nvSpPr>
@@ -8468,7 +6361,7 @@
             <a:off x="594360" y="960120"/>
             <a:ext cx="11247120" cy="1965960"/>
           </a:xfrm>
-          <a:prstGeom prst="roundRect">
+          <a:prstGeom prst="rect">
             <a:avLst/>
           </a:prstGeom>
           <a:solidFill>
@@ -8504,7 +6397,7 @@
       </p:sp>
       <p:sp>
         <p:nvSpPr>
-          <p:cNvPr id="10" name="TextBox 9"/>
+          <p:cNvPr id="5" name="TextBox 4"/>
           <p:cNvSpPr txBox="1"/>
           <p:nvPr/>
         </p:nvSpPr>
@@ -8519,7 +6412,7 @@
           <a:noFill/>
         </p:spPr>
         <p:txBody>
-          <a:bodyPr wrap="square" lIns="127000" rIns="127000" tIns="76200" bIns="76200">
+          <a:bodyPr wrap="square" lIns="101600" rIns="101600" tIns="50800" bIns="50800">
             <a:spAutoFit/>
           </a:bodyPr>
           <a:lstStyle/>
@@ -8540,7 +6433,7 @@
       </p:sp>
       <p:sp>
         <p:nvSpPr>
-          <p:cNvPr id="11" name="TextBox 10"/>
+          <p:cNvPr id="6" name="TextBox 5"/>
           <p:cNvSpPr txBox="1"/>
           <p:nvPr/>
         </p:nvSpPr>
@@ -8555,7 +6448,7 @@
           <a:noFill/>
         </p:spPr>
         <p:txBody>
-          <a:bodyPr wrap="square" lIns="127000" rIns="127000" tIns="76200" bIns="76200">
+          <a:bodyPr wrap="square" lIns="101600" rIns="101600" tIns="50800" bIns="50800">
             <a:spAutoFit/>
           </a:bodyPr>
           <a:lstStyle/>
@@ -8576,50 +6469,7 @@
       </p:sp>
       <p:sp>
         <p:nvSpPr>
-          <p:cNvPr id="12" name="Rounded Rectangle 11"/>
-          <p:cNvSpPr/>
-          <p:nvPr/>
-        </p:nvSpPr>
-        <p:spPr>
-          <a:xfrm>
-            <a:off x="649224" y="3118104"/>
-            <a:ext cx="11247120" cy="2148840"/>
-          </a:xfrm>
-          <a:prstGeom prst="roundRect">
-            <a:avLst/>
-          </a:prstGeom>
-          <a:solidFill>
-            <a:srgbClr val="000000"/>
-          </a:solidFill>
-          <a:ln>
-            <a:noFill/>
-          </a:ln>
-        </p:spPr>
-        <p:style>
-          <a:lnRef idx="1">
-            <a:schemeClr val="accent1"/>
-          </a:lnRef>
-          <a:fillRef idx="3">
-            <a:schemeClr val="accent1"/>
-          </a:fillRef>
-          <a:effectRef idx="2">
-            <a:schemeClr val="accent1"/>
-          </a:effectRef>
-          <a:fontRef idx="minor">
-            <a:schemeClr val="lt1"/>
-          </a:fontRef>
-        </p:style>
-        <p:txBody>
-          <a:bodyPr rtlCol="0" anchor="ctr"/>
-          <a:lstStyle/>
-          <a:p>
-            <a:pPr algn="ctr"/>
-          </a:p>
-        </p:txBody>
-      </p:sp>
-      <p:sp>
-        <p:nvSpPr>
-          <p:cNvPr id="13" name="Rounded Rectangle 12"/>
+          <p:cNvPr id="7" name="Rectangle 6"/>
           <p:cNvSpPr/>
           <p:nvPr/>
         </p:nvSpPr>
@@ -8628,7 +6478,7 @@
             <a:off x="594360" y="3063240"/>
             <a:ext cx="11247120" cy="2148840"/>
           </a:xfrm>
-          <a:prstGeom prst="roundRect">
+          <a:prstGeom prst="rect">
             <a:avLst/>
           </a:prstGeom>
           <a:solidFill>
@@ -8664,7 +6514,7 @@
       </p:sp>
       <p:sp>
         <p:nvSpPr>
-          <p:cNvPr id="14" name="TextBox 13"/>
+          <p:cNvPr id="8" name="TextBox 7"/>
           <p:cNvSpPr txBox="1"/>
           <p:nvPr/>
         </p:nvSpPr>
@@ -8679,7 +6529,7 @@
           <a:noFill/>
         </p:spPr>
         <p:txBody>
-          <a:bodyPr wrap="square" lIns="127000" rIns="127000" tIns="76200" bIns="76200">
+          <a:bodyPr wrap="square" lIns="101600" rIns="101600" tIns="50800" bIns="50800">
             <a:spAutoFit/>
           </a:bodyPr>
           <a:lstStyle/>
@@ -8700,7 +6550,7 @@
       </p:sp>
       <p:sp>
         <p:nvSpPr>
-          <p:cNvPr id="15" name="TextBox 14"/>
+          <p:cNvPr id="9" name="TextBox 8"/>
           <p:cNvSpPr txBox="1"/>
           <p:nvPr/>
         </p:nvSpPr>
@@ -8715,7 +6565,7 @@
           <a:noFill/>
         </p:spPr>
         <p:txBody>
-          <a:bodyPr wrap="square" lIns="127000" rIns="127000" tIns="76200" bIns="76200">
+          <a:bodyPr wrap="square" lIns="101600" rIns="101600" tIns="50800" bIns="50800">
             <a:spAutoFit/>
           </a:bodyPr>
           <a:lstStyle/>
@@ -8736,50 +6586,7 @@
       </p:sp>
       <p:sp>
         <p:nvSpPr>
-          <p:cNvPr id="16" name="Rounded Rectangle 15"/>
-          <p:cNvSpPr/>
-          <p:nvPr/>
-        </p:nvSpPr>
-        <p:spPr>
-          <a:xfrm>
-            <a:off x="649224" y="5404103"/>
-            <a:ext cx="11247120" cy="1234440"/>
-          </a:xfrm>
-          <a:prstGeom prst="roundRect">
-            <a:avLst/>
-          </a:prstGeom>
-          <a:solidFill>
-            <a:srgbClr val="000000"/>
-          </a:solidFill>
-          <a:ln>
-            <a:noFill/>
-          </a:ln>
-        </p:spPr>
-        <p:style>
-          <a:lnRef idx="1">
-            <a:schemeClr val="accent1"/>
-          </a:lnRef>
-          <a:fillRef idx="3">
-            <a:schemeClr val="accent1"/>
-          </a:fillRef>
-          <a:effectRef idx="2">
-            <a:schemeClr val="accent1"/>
-          </a:effectRef>
-          <a:fontRef idx="minor">
-            <a:schemeClr val="lt1"/>
-          </a:fontRef>
-        </p:style>
-        <p:txBody>
-          <a:bodyPr rtlCol="0" anchor="ctr"/>
-          <a:lstStyle/>
-          <a:p>
-            <a:pPr algn="ctr"/>
-          </a:p>
-        </p:txBody>
-      </p:sp>
-      <p:sp>
-        <p:nvSpPr>
-          <p:cNvPr id="17" name="Rounded Rectangle 16"/>
+          <p:cNvPr id="10" name="Rectangle 9"/>
           <p:cNvSpPr/>
           <p:nvPr/>
         </p:nvSpPr>
@@ -8788,7 +6595,7 @@
             <a:off x="594360" y="5349240"/>
             <a:ext cx="11247120" cy="1234440"/>
           </a:xfrm>
-          <a:prstGeom prst="roundRect">
+          <a:prstGeom prst="rect">
             <a:avLst/>
           </a:prstGeom>
           <a:solidFill>
@@ -8824,7 +6631,7 @@
       </p:sp>
       <p:sp>
         <p:nvSpPr>
-          <p:cNvPr id="18" name="TextBox 17"/>
+          <p:cNvPr id="11" name="TextBox 10"/>
           <p:cNvSpPr txBox="1"/>
           <p:nvPr/>
         </p:nvSpPr>
@@ -8839,7 +6646,7 @@
           <a:noFill/>
         </p:spPr>
         <p:txBody>
-          <a:bodyPr wrap="square" lIns="127000" rIns="127000" tIns="76200" bIns="76200">
+          <a:bodyPr wrap="square" lIns="101600" rIns="101600" tIns="50800" bIns="50800">
             <a:spAutoFit/>
           </a:bodyPr>
           <a:lstStyle/>
@@ -8860,7 +6667,7 @@
       </p:sp>
       <p:sp>
         <p:nvSpPr>
-          <p:cNvPr id="19" name="TextBox 18"/>
+          <p:cNvPr id="12" name="TextBox 11"/>
           <p:cNvSpPr txBox="1"/>
           <p:nvPr/>
         </p:nvSpPr>
@@ -8875,7 +6682,7 @@
           <a:noFill/>
         </p:spPr>
         <p:txBody>
-          <a:bodyPr wrap="square" lIns="127000" rIns="127000" tIns="76200" bIns="76200">
+          <a:bodyPr wrap="square" lIns="101600" rIns="101600" tIns="50800" bIns="50800">
             <a:spAutoFit/>
           </a:bodyPr>
           <a:lstStyle/>
@@ -8929,50 +6736,7 @@
         <p:spPr>
           <a:xfrm>
             <a:off x="0" y="0"/>
-            <a:ext cx="12191695" cy="960120"/>
-          </a:xfrm>
-          <a:prstGeom prst="rect">
-            <a:avLst/>
-          </a:prstGeom>
-          <a:solidFill>
-            <a:srgbClr val="0F172A"/>
-          </a:solidFill>
-          <a:ln>
-            <a:noFill/>
-          </a:ln>
-        </p:spPr>
-        <p:style>
-          <a:lnRef idx="1">
-            <a:schemeClr val="accent1"/>
-          </a:lnRef>
-          <a:fillRef idx="3">
-            <a:schemeClr val="accent1"/>
-          </a:fillRef>
-          <a:effectRef idx="2">
-            <a:schemeClr val="accent1"/>
-          </a:effectRef>
-          <a:fontRef idx="minor">
-            <a:schemeClr val="lt1"/>
-          </a:fontRef>
-        </p:style>
-        <p:txBody>
-          <a:bodyPr rtlCol="0" anchor="ctr"/>
-          <a:lstStyle/>
-          <a:p>
-            <a:pPr algn="ctr"/>
-          </a:p>
-        </p:txBody>
-      </p:sp>
-      <p:sp>
-        <p:nvSpPr>
-          <p:cNvPr id="3" name="Rectangle 2"/>
-          <p:cNvSpPr/>
-          <p:nvPr/>
-        </p:nvSpPr>
-        <p:spPr>
-          <a:xfrm>
-            <a:off x="0" y="896112"/>
-            <a:ext cx="12191695" cy="54864"/>
+            <a:ext cx="12191695" cy="73152"/>
           </a:xfrm>
           <a:prstGeom prst="rect">
             <a:avLst/>
@@ -9008,136 +6772,7 @@
       </p:sp>
       <p:sp>
         <p:nvSpPr>
-          <p:cNvPr id="4" name="Oval 3"/>
-          <p:cNvSpPr/>
-          <p:nvPr/>
-        </p:nvSpPr>
-        <p:spPr>
-          <a:xfrm>
-            <a:off x="10241280" y="-731520"/>
-            <a:ext cx="3108960" cy="3108960"/>
-          </a:xfrm>
-          <a:prstGeom prst="ellipse">
-            <a:avLst/>
-          </a:prstGeom>
-          <a:solidFill>
-            <a:srgbClr val="22C55E"/>
-          </a:solidFill>
-          <a:ln>
-            <a:noFill/>
-          </a:ln>
-        </p:spPr>
-        <p:style>
-          <a:lnRef idx="1">
-            <a:schemeClr val="accent1"/>
-          </a:lnRef>
-          <a:fillRef idx="3">
-            <a:schemeClr val="accent1"/>
-          </a:fillRef>
-          <a:effectRef idx="2">
-            <a:schemeClr val="accent1"/>
-          </a:effectRef>
-          <a:fontRef idx="minor">
-            <a:schemeClr val="lt1"/>
-          </a:fontRef>
-        </p:style>
-        <p:txBody>
-          <a:bodyPr rtlCol="0" anchor="ctr"/>
-          <a:lstStyle/>
-          <a:p>
-            <a:pPr algn="ctr"/>
-          </a:p>
-        </p:txBody>
-      </p:sp>
-      <p:sp>
-        <p:nvSpPr>
-          <p:cNvPr id="5" name="Oval 4"/>
-          <p:cNvSpPr/>
-          <p:nvPr/>
-        </p:nvSpPr>
-        <p:spPr>
-          <a:xfrm>
-            <a:off x="-1280160" y="5577840"/>
-            <a:ext cx="2743200" cy="2743200"/>
-          </a:xfrm>
-          <a:prstGeom prst="ellipse">
-            <a:avLst/>
-          </a:prstGeom>
-          <a:solidFill>
-            <a:srgbClr val="3B82F6"/>
-          </a:solidFill>
-          <a:ln>
-            <a:noFill/>
-          </a:ln>
-        </p:spPr>
-        <p:style>
-          <a:lnRef idx="1">
-            <a:schemeClr val="accent1"/>
-          </a:lnRef>
-          <a:fillRef idx="3">
-            <a:schemeClr val="accent1"/>
-          </a:fillRef>
-          <a:effectRef idx="2">
-            <a:schemeClr val="accent1"/>
-          </a:effectRef>
-          <a:fontRef idx="minor">
-            <a:schemeClr val="lt1"/>
-          </a:fontRef>
-        </p:style>
-        <p:txBody>
-          <a:bodyPr rtlCol="0" anchor="ctr"/>
-          <a:lstStyle/>
-          <a:p>
-            <a:pPr algn="ctr"/>
-          </a:p>
-        </p:txBody>
-      </p:sp>
-      <p:sp>
-        <p:nvSpPr>
-          <p:cNvPr id="6" name="Rectangle 5"/>
-          <p:cNvSpPr/>
-          <p:nvPr/>
-        </p:nvSpPr>
-        <p:spPr>
-          <a:xfrm>
-            <a:off x="274320" y="1143000"/>
-            <a:ext cx="11658600" cy="5486400"/>
-          </a:xfrm>
-          <a:prstGeom prst="rect">
-            <a:avLst/>
-          </a:prstGeom>
-          <a:solidFill>
-            <a:srgbClr val="0F172A"/>
-          </a:solidFill>
-          <a:ln>
-            <a:noFill/>
-          </a:ln>
-        </p:spPr>
-        <p:style>
-          <a:lnRef idx="1">
-            <a:schemeClr val="accent1"/>
-          </a:lnRef>
-          <a:fillRef idx="3">
-            <a:schemeClr val="accent1"/>
-          </a:fillRef>
-          <a:effectRef idx="2">
-            <a:schemeClr val="accent1"/>
-          </a:effectRef>
-          <a:fontRef idx="minor">
-            <a:schemeClr val="lt1"/>
-          </a:fontRef>
-        </p:style>
-        <p:txBody>
-          <a:bodyPr rtlCol="0" anchor="ctr"/>
-          <a:lstStyle/>
-          <a:p>
-            <a:pPr algn="ctr"/>
-          </a:p>
-        </p:txBody>
-      </p:sp>
-      <p:sp>
-        <p:nvSpPr>
-          <p:cNvPr id="7" name="TextBox 6"/>
+          <p:cNvPr id="3" name="TextBox 2"/>
           <p:cNvSpPr txBox="1"/>
           <p:nvPr/>
         </p:nvSpPr>
@@ -9152,7 +6787,7 @@
           <a:noFill/>
         </p:spPr>
         <p:txBody>
-          <a:bodyPr wrap="square" lIns="127000" rIns="127000" tIns="76200" bIns="76200">
+          <a:bodyPr wrap="square" lIns="101600" rIns="101600" tIns="50800" bIns="50800">
             <a:spAutoFit/>
           </a:bodyPr>
           <a:lstStyle/>
@@ -9173,50 +6808,7 @@
       </p:sp>
       <p:sp>
         <p:nvSpPr>
-          <p:cNvPr id="8" name="Rounded Rectangle 7"/>
-          <p:cNvSpPr/>
-          <p:nvPr/>
-        </p:nvSpPr>
-        <p:spPr>
-          <a:xfrm>
-            <a:off x="649224" y="1014984"/>
-            <a:ext cx="5532120" cy="1920240"/>
-          </a:xfrm>
-          <a:prstGeom prst="roundRect">
-            <a:avLst/>
-          </a:prstGeom>
-          <a:solidFill>
-            <a:srgbClr val="000000"/>
-          </a:solidFill>
-          <a:ln>
-            <a:noFill/>
-          </a:ln>
-        </p:spPr>
-        <p:style>
-          <a:lnRef idx="1">
-            <a:schemeClr val="accent1"/>
-          </a:lnRef>
-          <a:fillRef idx="3">
-            <a:schemeClr val="accent1"/>
-          </a:fillRef>
-          <a:effectRef idx="2">
-            <a:schemeClr val="accent1"/>
-          </a:effectRef>
-          <a:fontRef idx="minor">
-            <a:schemeClr val="lt1"/>
-          </a:fontRef>
-        </p:style>
-        <p:txBody>
-          <a:bodyPr rtlCol="0" anchor="ctr"/>
-          <a:lstStyle/>
-          <a:p>
-            <a:pPr algn="ctr"/>
-          </a:p>
-        </p:txBody>
-      </p:sp>
-      <p:sp>
-        <p:nvSpPr>
-          <p:cNvPr id="9" name="Rounded Rectangle 8"/>
+          <p:cNvPr id="4" name="Rectangle 3"/>
           <p:cNvSpPr/>
           <p:nvPr/>
         </p:nvSpPr>
@@ -9225,7 +6817,7 @@
             <a:off x="594360" y="960120"/>
             <a:ext cx="5532120" cy="1920240"/>
           </a:xfrm>
-          <a:prstGeom prst="roundRect">
+          <a:prstGeom prst="rect">
             <a:avLst/>
           </a:prstGeom>
           <a:solidFill>
@@ -9261,7 +6853,7 @@
       </p:sp>
       <p:sp>
         <p:nvSpPr>
-          <p:cNvPr id="10" name="TextBox 9"/>
+          <p:cNvPr id="5" name="TextBox 4"/>
           <p:cNvSpPr txBox="1"/>
           <p:nvPr/>
         </p:nvSpPr>
@@ -9276,7 +6868,7 @@
           <a:noFill/>
         </p:spPr>
         <p:txBody>
-          <a:bodyPr wrap="square" lIns="127000" rIns="127000" tIns="76200" bIns="76200">
+          <a:bodyPr wrap="square" lIns="101600" rIns="101600" tIns="50800" bIns="50800">
             <a:spAutoFit/>
           </a:bodyPr>
           <a:lstStyle/>
@@ -9297,7 +6889,7 @@
       </p:sp>
       <p:sp>
         <p:nvSpPr>
-          <p:cNvPr id="11" name="TextBox 10"/>
+          <p:cNvPr id="6" name="TextBox 5"/>
           <p:cNvSpPr txBox="1"/>
           <p:nvPr/>
         </p:nvSpPr>
@@ -9312,7 +6904,7 @@
           <a:noFill/>
         </p:spPr>
         <p:txBody>
-          <a:bodyPr wrap="square" lIns="127000" rIns="127000" tIns="76200" bIns="76200">
+          <a:bodyPr wrap="square" lIns="101600" rIns="101600" tIns="50800" bIns="50800">
             <a:spAutoFit/>
           </a:bodyPr>
           <a:lstStyle/>
@@ -9333,50 +6925,7 @@
       </p:sp>
       <p:sp>
         <p:nvSpPr>
-          <p:cNvPr id="12" name="Rounded Rectangle 11"/>
-          <p:cNvSpPr/>
-          <p:nvPr/>
-        </p:nvSpPr>
-        <p:spPr>
-          <a:xfrm>
-            <a:off x="6364224" y="1014984"/>
-            <a:ext cx="5532120" cy="1920240"/>
-          </a:xfrm>
-          <a:prstGeom prst="roundRect">
-            <a:avLst/>
-          </a:prstGeom>
-          <a:solidFill>
-            <a:srgbClr val="000000"/>
-          </a:solidFill>
-          <a:ln>
-            <a:noFill/>
-          </a:ln>
-        </p:spPr>
-        <p:style>
-          <a:lnRef idx="1">
-            <a:schemeClr val="accent1"/>
-          </a:lnRef>
-          <a:fillRef idx="3">
-            <a:schemeClr val="accent1"/>
-          </a:fillRef>
-          <a:effectRef idx="2">
-            <a:schemeClr val="accent1"/>
-          </a:effectRef>
-          <a:fontRef idx="minor">
-            <a:schemeClr val="lt1"/>
-          </a:fontRef>
-        </p:style>
-        <p:txBody>
-          <a:bodyPr rtlCol="0" anchor="ctr"/>
-          <a:lstStyle/>
-          <a:p>
-            <a:pPr algn="ctr"/>
-          </a:p>
-        </p:txBody>
-      </p:sp>
-      <p:sp>
-        <p:nvSpPr>
-          <p:cNvPr id="13" name="Rounded Rectangle 12"/>
+          <p:cNvPr id="7" name="Rectangle 6"/>
           <p:cNvSpPr/>
           <p:nvPr/>
         </p:nvSpPr>
@@ -9385,7 +6934,7 @@
             <a:off x="6309360" y="960120"/>
             <a:ext cx="5532120" cy="1920240"/>
           </a:xfrm>
-          <a:prstGeom prst="roundRect">
+          <a:prstGeom prst="rect">
             <a:avLst/>
           </a:prstGeom>
           <a:solidFill>
@@ -9421,7 +6970,7 @@
       </p:sp>
       <p:sp>
         <p:nvSpPr>
-          <p:cNvPr id="14" name="TextBox 13"/>
+          <p:cNvPr id="8" name="TextBox 7"/>
           <p:cNvSpPr txBox="1"/>
           <p:nvPr/>
         </p:nvSpPr>
@@ -9436,7 +6985,7 @@
           <a:noFill/>
         </p:spPr>
         <p:txBody>
-          <a:bodyPr wrap="square" lIns="127000" rIns="127000" tIns="76200" bIns="76200">
+          <a:bodyPr wrap="square" lIns="101600" rIns="101600" tIns="50800" bIns="50800">
             <a:spAutoFit/>
           </a:bodyPr>
           <a:lstStyle/>
@@ -9457,7 +7006,7 @@
       </p:sp>
       <p:sp>
         <p:nvSpPr>
-          <p:cNvPr id="15" name="TextBox 14"/>
+          <p:cNvPr id="9" name="TextBox 8"/>
           <p:cNvSpPr txBox="1"/>
           <p:nvPr/>
         </p:nvSpPr>
@@ -9472,7 +7021,7 @@
           <a:noFill/>
         </p:spPr>
         <p:txBody>
-          <a:bodyPr wrap="square" lIns="127000" rIns="127000" tIns="76200" bIns="76200">
+          <a:bodyPr wrap="square" lIns="101600" rIns="101600" tIns="50800" bIns="50800">
             <a:spAutoFit/>
           </a:bodyPr>
           <a:lstStyle/>
@@ -9493,50 +7042,7 @@
       </p:sp>
       <p:sp>
         <p:nvSpPr>
-          <p:cNvPr id="16" name="Rounded Rectangle 15"/>
-          <p:cNvSpPr/>
-          <p:nvPr/>
-        </p:nvSpPr>
-        <p:spPr>
-          <a:xfrm>
-            <a:off x="649224" y="3072384"/>
-            <a:ext cx="5532120" cy="3566160"/>
-          </a:xfrm>
-          <a:prstGeom prst="roundRect">
-            <a:avLst/>
-          </a:prstGeom>
-          <a:solidFill>
-            <a:srgbClr val="000000"/>
-          </a:solidFill>
-          <a:ln>
-            <a:noFill/>
-          </a:ln>
-        </p:spPr>
-        <p:style>
-          <a:lnRef idx="1">
-            <a:schemeClr val="accent1"/>
-          </a:lnRef>
-          <a:fillRef idx="3">
-            <a:schemeClr val="accent1"/>
-          </a:fillRef>
-          <a:effectRef idx="2">
-            <a:schemeClr val="accent1"/>
-          </a:effectRef>
-          <a:fontRef idx="minor">
-            <a:schemeClr val="lt1"/>
-          </a:fontRef>
-        </p:style>
-        <p:txBody>
-          <a:bodyPr rtlCol="0" anchor="ctr"/>
-          <a:lstStyle/>
-          <a:p>
-            <a:pPr algn="ctr"/>
-          </a:p>
-        </p:txBody>
-      </p:sp>
-      <p:sp>
-        <p:nvSpPr>
-          <p:cNvPr id="17" name="Rounded Rectangle 16"/>
+          <p:cNvPr id="10" name="Rectangle 9"/>
           <p:cNvSpPr/>
           <p:nvPr/>
         </p:nvSpPr>
@@ -9545,7 +7051,7 @@
             <a:off x="594360" y="3017520"/>
             <a:ext cx="5532120" cy="3566160"/>
           </a:xfrm>
-          <a:prstGeom prst="roundRect">
+          <a:prstGeom prst="rect">
             <a:avLst/>
           </a:prstGeom>
           <a:solidFill>
@@ -9581,7 +7087,7 @@
       </p:sp>
       <p:sp>
         <p:nvSpPr>
-          <p:cNvPr id="18" name="TextBox 17"/>
+          <p:cNvPr id="11" name="TextBox 10"/>
           <p:cNvSpPr txBox="1"/>
           <p:nvPr/>
         </p:nvSpPr>
@@ -9596,7 +7102,7 @@
           <a:noFill/>
         </p:spPr>
         <p:txBody>
-          <a:bodyPr wrap="square" lIns="127000" rIns="127000" tIns="76200" bIns="76200">
+          <a:bodyPr wrap="square" lIns="101600" rIns="101600" tIns="50800" bIns="50800">
             <a:spAutoFit/>
           </a:bodyPr>
           <a:lstStyle/>
@@ -9617,7 +7123,7 @@
       </p:sp>
       <p:sp>
         <p:nvSpPr>
-          <p:cNvPr id="19" name="TextBox 18"/>
+          <p:cNvPr id="12" name="TextBox 11"/>
           <p:cNvSpPr txBox="1"/>
           <p:nvPr/>
         </p:nvSpPr>
@@ -9632,7 +7138,7 @@
           <a:noFill/>
         </p:spPr>
         <p:txBody>
-          <a:bodyPr wrap="square" lIns="127000" rIns="127000" tIns="76200" bIns="76200">
+          <a:bodyPr wrap="square" lIns="101600" rIns="101600" tIns="50800" bIns="50800">
             <a:spAutoFit/>
           </a:bodyPr>
           <a:lstStyle/>
@@ -9653,50 +7159,7 @@
       </p:sp>
       <p:sp>
         <p:nvSpPr>
-          <p:cNvPr id="20" name="Rounded Rectangle 19"/>
-          <p:cNvSpPr/>
-          <p:nvPr/>
-        </p:nvSpPr>
-        <p:spPr>
-          <a:xfrm>
-            <a:off x="6364224" y="3072384"/>
-            <a:ext cx="5532120" cy="3566160"/>
-          </a:xfrm>
-          <a:prstGeom prst="roundRect">
-            <a:avLst/>
-          </a:prstGeom>
-          <a:solidFill>
-            <a:srgbClr val="000000"/>
-          </a:solidFill>
-          <a:ln>
-            <a:noFill/>
-          </a:ln>
-        </p:spPr>
-        <p:style>
-          <a:lnRef idx="1">
-            <a:schemeClr val="accent1"/>
-          </a:lnRef>
-          <a:fillRef idx="3">
-            <a:schemeClr val="accent1"/>
-          </a:fillRef>
-          <a:effectRef idx="2">
-            <a:schemeClr val="accent1"/>
-          </a:effectRef>
-          <a:fontRef idx="minor">
-            <a:schemeClr val="lt1"/>
-          </a:fontRef>
-        </p:style>
-        <p:txBody>
-          <a:bodyPr rtlCol="0" anchor="ctr"/>
-          <a:lstStyle/>
-          <a:p>
-            <a:pPr algn="ctr"/>
-          </a:p>
-        </p:txBody>
-      </p:sp>
-      <p:sp>
-        <p:nvSpPr>
-          <p:cNvPr id="21" name="Rounded Rectangle 20"/>
+          <p:cNvPr id="13" name="Rectangle 12"/>
           <p:cNvSpPr/>
           <p:nvPr/>
         </p:nvSpPr>
@@ -9705,7 +7168,7 @@
             <a:off x="6309360" y="3017520"/>
             <a:ext cx="5532120" cy="3566160"/>
           </a:xfrm>
-          <a:prstGeom prst="roundRect">
+          <a:prstGeom prst="rect">
             <a:avLst/>
           </a:prstGeom>
           <a:solidFill>
@@ -9741,7 +7204,7 @@
       </p:sp>
       <p:sp>
         <p:nvSpPr>
-          <p:cNvPr id="22" name="TextBox 21"/>
+          <p:cNvPr id="14" name="TextBox 13"/>
           <p:cNvSpPr txBox="1"/>
           <p:nvPr/>
         </p:nvSpPr>
@@ -9756,7 +7219,7 @@
           <a:noFill/>
         </p:spPr>
         <p:txBody>
-          <a:bodyPr wrap="square" lIns="127000" rIns="127000" tIns="76200" bIns="76200">
+          <a:bodyPr wrap="square" lIns="101600" rIns="101600" tIns="50800" bIns="50800">
             <a:spAutoFit/>
           </a:bodyPr>
           <a:lstStyle/>
@@ -9777,7 +7240,7 @@
       </p:sp>
       <p:sp>
         <p:nvSpPr>
-          <p:cNvPr id="23" name="TextBox 22"/>
+          <p:cNvPr id="15" name="TextBox 14"/>
           <p:cNvSpPr txBox="1"/>
           <p:nvPr/>
         </p:nvSpPr>
@@ -9792,7 +7255,7 @@
           <a:noFill/>
         </p:spPr>
         <p:txBody>
-          <a:bodyPr wrap="square" lIns="127000" rIns="127000" tIns="76200" bIns="76200">
+          <a:bodyPr wrap="square" lIns="101600" rIns="101600" tIns="50800" bIns="50800">
             <a:spAutoFit/>
           </a:bodyPr>
           <a:lstStyle/>
@@ -9846,50 +7309,7 @@
         <p:spPr>
           <a:xfrm>
             <a:off x="0" y="0"/>
-            <a:ext cx="12191695" cy="960120"/>
-          </a:xfrm>
-          <a:prstGeom prst="rect">
-            <a:avLst/>
-          </a:prstGeom>
-          <a:solidFill>
-            <a:srgbClr val="0F172A"/>
-          </a:solidFill>
-          <a:ln>
-            <a:noFill/>
-          </a:ln>
-        </p:spPr>
-        <p:style>
-          <a:lnRef idx="1">
-            <a:schemeClr val="accent1"/>
-          </a:lnRef>
-          <a:fillRef idx="3">
-            <a:schemeClr val="accent1"/>
-          </a:fillRef>
-          <a:effectRef idx="2">
-            <a:schemeClr val="accent1"/>
-          </a:effectRef>
-          <a:fontRef idx="minor">
-            <a:schemeClr val="lt1"/>
-          </a:fontRef>
-        </p:style>
-        <p:txBody>
-          <a:bodyPr rtlCol="0" anchor="ctr"/>
-          <a:lstStyle/>
-          <a:p>
-            <a:pPr algn="ctr"/>
-          </a:p>
-        </p:txBody>
-      </p:sp>
-      <p:sp>
-        <p:nvSpPr>
-          <p:cNvPr id="3" name="Rectangle 2"/>
-          <p:cNvSpPr/>
-          <p:nvPr/>
-        </p:nvSpPr>
-        <p:spPr>
-          <a:xfrm>
-            <a:off x="0" y="896112"/>
-            <a:ext cx="12191695" cy="54864"/>
+            <a:ext cx="12191695" cy="73152"/>
           </a:xfrm>
           <a:prstGeom prst="rect">
             <a:avLst/>
@@ -9925,136 +7345,7 @@
       </p:sp>
       <p:sp>
         <p:nvSpPr>
-          <p:cNvPr id="4" name="Oval 3"/>
-          <p:cNvSpPr/>
-          <p:nvPr/>
-        </p:nvSpPr>
-        <p:spPr>
-          <a:xfrm>
-            <a:off x="10241280" y="-731520"/>
-            <a:ext cx="3108960" cy="3108960"/>
-          </a:xfrm>
-          <a:prstGeom prst="ellipse">
-            <a:avLst/>
-          </a:prstGeom>
-          <a:solidFill>
-            <a:srgbClr val="22C55E"/>
-          </a:solidFill>
-          <a:ln>
-            <a:noFill/>
-          </a:ln>
-        </p:spPr>
-        <p:style>
-          <a:lnRef idx="1">
-            <a:schemeClr val="accent1"/>
-          </a:lnRef>
-          <a:fillRef idx="3">
-            <a:schemeClr val="accent1"/>
-          </a:fillRef>
-          <a:effectRef idx="2">
-            <a:schemeClr val="accent1"/>
-          </a:effectRef>
-          <a:fontRef idx="minor">
-            <a:schemeClr val="lt1"/>
-          </a:fontRef>
-        </p:style>
-        <p:txBody>
-          <a:bodyPr rtlCol="0" anchor="ctr"/>
-          <a:lstStyle/>
-          <a:p>
-            <a:pPr algn="ctr"/>
-          </a:p>
-        </p:txBody>
-      </p:sp>
-      <p:sp>
-        <p:nvSpPr>
-          <p:cNvPr id="5" name="Oval 4"/>
-          <p:cNvSpPr/>
-          <p:nvPr/>
-        </p:nvSpPr>
-        <p:spPr>
-          <a:xfrm>
-            <a:off x="-1280160" y="5577840"/>
-            <a:ext cx="2743200" cy="2743200"/>
-          </a:xfrm>
-          <a:prstGeom prst="ellipse">
-            <a:avLst/>
-          </a:prstGeom>
-          <a:solidFill>
-            <a:srgbClr val="3B82F6"/>
-          </a:solidFill>
-          <a:ln>
-            <a:noFill/>
-          </a:ln>
-        </p:spPr>
-        <p:style>
-          <a:lnRef idx="1">
-            <a:schemeClr val="accent1"/>
-          </a:lnRef>
-          <a:fillRef idx="3">
-            <a:schemeClr val="accent1"/>
-          </a:fillRef>
-          <a:effectRef idx="2">
-            <a:schemeClr val="accent1"/>
-          </a:effectRef>
-          <a:fontRef idx="minor">
-            <a:schemeClr val="lt1"/>
-          </a:fontRef>
-        </p:style>
-        <p:txBody>
-          <a:bodyPr rtlCol="0" anchor="ctr"/>
-          <a:lstStyle/>
-          <a:p>
-            <a:pPr algn="ctr"/>
-          </a:p>
-        </p:txBody>
-      </p:sp>
-      <p:sp>
-        <p:nvSpPr>
-          <p:cNvPr id="6" name="Rectangle 5"/>
-          <p:cNvSpPr/>
-          <p:nvPr/>
-        </p:nvSpPr>
-        <p:spPr>
-          <a:xfrm>
-            <a:off x="274320" y="1143000"/>
-            <a:ext cx="11658600" cy="5486400"/>
-          </a:xfrm>
-          <a:prstGeom prst="rect">
-            <a:avLst/>
-          </a:prstGeom>
-          <a:solidFill>
-            <a:srgbClr val="0F172A"/>
-          </a:solidFill>
-          <a:ln>
-            <a:noFill/>
-          </a:ln>
-        </p:spPr>
-        <p:style>
-          <a:lnRef idx="1">
-            <a:schemeClr val="accent1"/>
-          </a:lnRef>
-          <a:fillRef idx="3">
-            <a:schemeClr val="accent1"/>
-          </a:fillRef>
-          <a:effectRef idx="2">
-            <a:schemeClr val="accent1"/>
-          </a:effectRef>
-          <a:fontRef idx="minor">
-            <a:schemeClr val="lt1"/>
-          </a:fontRef>
-        </p:style>
-        <p:txBody>
-          <a:bodyPr rtlCol="0" anchor="ctr"/>
-          <a:lstStyle/>
-          <a:p>
-            <a:pPr algn="ctr"/>
-          </a:p>
-        </p:txBody>
-      </p:sp>
-      <p:sp>
-        <p:nvSpPr>
-          <p:cNvPr id="7" name="TextBox 6"/>
+          <p:cNvPr id="3" name="TextBox 2"/>
           <p:cNvSpPr txBox="1"/>
           <p:nvPr/>
         </p:nvSpPr>
@@ -10069,7 +7360,7 @@
           <a:noFill/>
         </p:spPr>
         <p:txBody>
-          <a:bodyPr wrap="square" lIns="127000" rIns="127000" tIns="76200" bIns="76200">
+          <a:bodyPr wrap="square" lIns="101600" rIns="101600" tIns="50800" bIns="50800">
             <a:spAutoFit/>
           </a:bodyPr>
           <a:lstStyle/>
@@ -10090,50 +7381,7 @@
       </p:sp>
       <p:sp>
         <p:nvSpPr>
-          <p:cNvPr id="8" name="Rounded Rectangle 7"/>
-          <p:cNvSpPr/>
-          <p:nvPr/>
-        </p:nvSpPr>
-        <p:spPr>
-          <a:xfrm>
-            <a:off x="649224" y="1014984"/>
-            <a:ext cx="11247120" cy="2468880"/>
-          </a:xfrm>
-          <a:prstGeom prst="roundRect">
-            <a:avLst/>
-          </a:prstGeom>
-          <a:solidFill>
-            <a:srgbClr val="000000"/>
-          </a:solidFill>
-          <a:ln>
-            <a:noFill/>
-          </a:ln>
-        </p:spPr>
-        <p:style>
-          <a:lnRef idx="1">
-            <a:schemeClr val="accent1"/>
-          </a:lnRef>
-          <a:fillRef idx="3">
-            <a:schemeClr val="accent1"/>
-          </a:fillRef>
-          <a:effectRef idx="2">
-            <a:schemeClr val="accent1"/>
-          </a:effectRef>
-          <a:fontRef idx="minor">
-            <a:schemeClr val="lt1"/>
-          </a:fontRef>
-        </p:style>
-        <p:txBody>
-          <a:bodyPr rtlCol="0" anchor="ctr"/>
-          <a:lstStyle/>
-          <a:p>
-            <a:pPr algn="ctr"/>
-          </a:p>
-        </p:txBody>
-      </p:sp>
-      <p:sp>
-        <p:nvSpPr>
-          <p:cNvPr id="9" name="Rounded Rectangle 8"/>
+          <p:cNvPr id="4" name="Rectangle 3"/>
           <p:cNvSpPr/>
           <p:nvPr/>
         </p:nvSpPr>
@@ -10142,7 +7390,7 @@
             <a:off x="594360" y="960120"/>
             <a:ext cx="11247120" cy="2468880"/>
           </a:xfrm>
-          <a:prstGeom prst="roundRect">
+          <a:prstGeom prst="rect">
             <a:avLst/>
           </a:prstGeom>
           <a:solidFill>
@@ -10178,7 +7426,7 @@
       </p:sp>
       <p:sp>
         <p:nvSpPr>
-          <p:cNvPr id="10" name="TextBox 9"/>
+          <p:cNvPr id="5" name="TextBox 4"/>
           <p:cNvSpPr txBox="1"/>
           <p:nvPr/>
         </p:nvSpPr>
@@ -10193,7 +7441,7 @@
           <a:noFill/>
         </p:spPr>
         <p:txBody>
-          <a:bodyPr wrap="square" lIns="127000" rIns="127000" tIns="76200" bIns="76200">
+          <a:bodyPr wrap="square" lIns="101600" rIns="101600" tIns="50800" bIns="50800">
             <a:spAutoFit/>
           </a:bodyPr>
           <a:lstStyle/>
@@ -10214,7 +7462,7 @@
       </p:sp>
       <p:sp>
         <p:nvSpPr>
-          <p:cNvPr id="11" name="TextBox 10"/>
+          <p:cNvPr id="6" name="TextBox 5"/>
           <p:cNvSpPr txBox="1"/>
           <p:nvPr/>
         </p:nvSpPr>
@@ -10229,7 +7477,7 @@
           <a:noFill/>
         </p:spPr>
         <p:txBody>
-          <a:bodyPr wrap="square" lIns="127000" rIns="127000" tIns="76200" bIns="76200">
+          <a:bodyPr wrap="square" lIns="101600" rIns="101600" tIns="50800" bIns="50800">
             <a:spAutoFit/>
           </a:bodyPr>
           <a:lstStyle/>
@@ -10250,50 +7498,7 @@
       </p:sp>
       <p:sp>
         <p:nvSpPr>
-          <p:cNvPr id="12" name="Rounded Rectangle 11"/>
-          <p:cNvSpPr/>
-          <p:nvPr/>
-        </p:nvSpPr>
-        <p:spPr>
-          <a:xfrm>
-            <a:off x="649224" y="3666744"/>
-            <a:ext cx="5532120" cy="2971800"/>
-          </a:xfrm>
-          <a:prstGeom prst="roundRect">
-            <a:avLst/>
-          </a:prstGeom>
-          <a:solidFill>
-            <a:srgbClr val="000000"/>
-          </a:solidFill>
-          <a:ln>
-            <a:noFill/>
-          </a:ln>
-        </p:spPr>
-        <p:style>
-          <a:lnRef idx="1">
-            <a:schemeClr val="accent1"/>
-          </a:lnRef>
-          <a:fillRef idx="3">
-            <a:schemeClr val="accent1"/>
-          </a:fillRef>
-          <a:effectRef idx="2">
-            <a:schemeClr val="accent1"/>
-          </a:effectRef>
-          <a:fontRef idx="minor">
-            <a:schemeClr val="lt1"/>
-          </a:fontRef>
-        </p:style>
-        <p:txBody>
-          <a:bodyPr rtlCol="0" anchor="ctr"/>
-          <a:lstStyle/>
-          <a:p>
-            <a:pPr algn="ctr"/>
-          </a:p>
-        </p:txBody>
-      </p:sp>
-      <p:sp>
-        <p:nvSpPr>
-          <p:cNvPr id="13" name="Rounded Rectangle 12"/>
+          <p:cNvPr id="7" name="Rectangle 6"/>
           <p:cNvSpPr/>
           <p:nvPr/>
         </p:nvSpPr>
@@ -10302,7 +7507,7 @@
             <a:off x="594360" y="3611880"/>
             <a:ext cx="5532120" cy="2971800"/>
           </a:xfrm>
-          <a:prstGeom prst="roundRect">
+          <a:prstGeom prst="rect">
             <a:avLst/>
           </a:prstGeom>
           <a:solidFill>
@@ -10338,7 +7543,7 @@
       </p:sp>
       <p:sp>
         <p:nvSpPr>
-          <p:cNvPr id="14" name="TextBox 13"/>
+          <p:cNvPr id="8" name="TextBox 7"/>
           <p:cNvSpPr txBox="1"/>
           <p:nvPr/>
         </p:nvSpPr>
@@ -10353,7 +7558,7 @@
           <a:noFill/>
         </p:spPr>
         <p:txBody>
-          <a:bodyPr wrap="square" lIns="127000" rIns="127000" tIns="76200" bIns="76200">
+          <a:bodyPr wrap="square" lIns="101600" rIns="101600" tIns="50800" bIns="50800">
             <a:spAutoFit/>
           </a:bodyPr>
           <a:lstStyle/>
@@ -10374,7 +7579,7 @@
       </p:sp>
       <p:sp>
         <p:nvSpPr>
-          <p:cNvPr id="15" name="TextBox 14"/>
+          <p:cNvPr id="9" name="TextBox 8"/>
           <p:cNvSpPr txBox="1"/>
           <p:nvPr/>
         </p:nvSpPr>
@@ -10389,7 +7594,7 @@
           <a:noFill/>
         </p:spPr>
         <p:txBody>
-          <a:bodyPr wrap="square" lIns="127000" rIns="127000" tIns="76200" bIns="76200">
+          <a:bodyPr wrap="square" lIns="101600" rIns="101600" tIns="50800" bIns="50800">
             <a:spAutoFit/>
           </a:bodyPr>
           <a:lstStyle/>
@@ -10410,50 +7615,7 @@
       </p:sp>
       <p:sp>
         <p:nvSpPr>
-          <p:cNvPr id="16" name="Rounded Rectangle 15"/>
-          <p:cNvSpPr/>
-          <p:nvPr/>
-        </p:nvSpPr>
-        <p:spPr>
-          <a:xfrm>
-            <a:off x="6364224" y="3666744"/>
-            <a:ext cx="5532120" cy="2971800"/>
-          </a:xfrm>
-          <a:prstGeom prst="roundRect">
-            <a:avLst/>
-          </a:prstGeom>
-          <a:solidFill>
-            <a:srgbClr val="000000"/>
-          </a:solidFill>
-          <a:ln>
-            <a:noFill/>
-          </a:ln>
-        </p:spPr>
-        <p:style>
-          <a:lnRef idx="1">
-            <a:schemeClr val="accent1"/>
-          </a:lnRef>
-          <a:fillRef idx="3">
-            <a:schemeClr val="accent1"/>
-          </a:fillRef>
-          <a:effectRef idx="2">
-            <a:schemeClr val="accent1"/>
-          </a:effectRef>
-          <a:fontRef idx="minor">
-            <a:schemeClr val="lt1"/>
-          </a:fontRef>
-        </p:style>
-        <p:txBody>
-          <a:bodyPr rtlCol="0" anchor="ctr"/>
-          <a:lstStyle/>
-          <a:p>
-            <a:pPr algn="ctr"/>
-          </a:p>
-        </p:txBody>
-      </p:sp>
-      <p:sp>
-        <p:nvSpPr>
-          <p:cNvPr id="17" name="Rounded Rectangle 16"/>
+          <p:cNvPr id="10" name="Rectangle 9"/>
           <p:cNvSpPr/>
           <p:nvPr/>
         </p:nvSpPr>
@@ -10462,7 +7624,7 @@
             <a:off x="6309360" y="3611880"/>
             <a:ext cx="5532120" cy="2971800"/>
           </a:xfrm>
-          <a:prstGeom prst="roundRect">
+          <a:prstGeom prst="rect">
             <a:avLst/>
           </a:prstGeom>
           <a:solidFill>
@@ -10498,7 +7660,7 @@
       </p:sp>
       <p:sp>
         <p:nvSpPr>
-          <p:cNvPr id="18" name="TextBox 17"/>
+          <p:cNvPr id="11" name="TextBox 10"/>
           <p:cNvSpPr txBox="1"/>
           <p:nvPr/>
         </p:nvSpPr>
@@ -10513,7 +7675,7 @@
           <a:noFill/>
         </p:spPr>
         <p:txBody>
-          <a:bodyPr wrap="square" lIns="127000" rIns="127000" tIns="76200" bIns="76200">
+          <a:bodyPr wrap="square" lIns="101600" rIns="101600" tIns="50800" bIns="50800">
             <a:spAutoFit/>
           </a:bodyPr>
           <a:lstStyle/>
@@ -10534,7 +7696,7 @@
       </p:sp>
       <p:sp>
         <p:nvSpPr>
-          <p:cNvPr id="19" name="TextBox 18"/>
+          <p:cNvPr id="12" name="TextBox 11"/>
           <p:cNvSpPr txBox="1"/>
           <p:nvPr/>
         </p:nvSpPr>
@@ -10549,7 +7711,7 @@
           <a:noFill/>
         </p:spPr>
         <p:txBody>
-          <a:bodyPr wrap="square" lIns="127000" rIns="127000" tIns="76200" bIns="76200">
+          <a:bodyPr wrap="square" lIns="101600" rIns="101600" tIns="50800" bIns="50800">
             <a:spAutoFit/>
           </a:bodyPr>
           <a:lstStyle/>
@@ -10603,50 +7765,7 @@
         <p:spPr>
           <a:xfrm>
             <a:off x="0" y="0"/>
-            <a:ext cx="12191695" cy="960120"/>
-          </a:xfrm>
-          <a:prstGeom prst="rect">
-            <a:avLst/>
-          </a:prstGeom>
-          <a:solidFill>
-            <a:srgbClr val="0F172A"/>
-          </a:solidFill>
-          <a:ln>
-            <a:noFill/>
-          </a:ln>
-        </p:spPr>
-        <p:style>
-          <a:lnRef idx="1">
-            <a:schemeClr val="accent1"/>
-          </a:lnRef>
-          <a:fillRef idx="3">
-            <a:schemeClr val="accent1"/>
-          </a:fillRef>
-          <a:effectRef idx="2">
-            <a:schemeClr val="accent1"/>
-          </a:effectRef>
-          <a:fontRef idx="minor">
-            <a:schemeClr val="lt1"/>
-          </a:fontRef>
-        </p:style>
-        <p:txBody>
-          <a:bodyPr rtlCol="0" anchor="ctr"/>
-          <a:lstStyle/>
-          <a:p>
-            <a:pPr algn="ctr"/>
-          </a:p>
-        </p:txBody>
-      </p:sp>
-      <p:sp>
-        <p:nvSpPr>
-          <p:cNvPr id="3" name="Rectangle 2"/>
-          <p:cNvSpPr/>
-          <p:nvPr/>
-        </p:nvSpPr>
-        <p:spPr>
-          <a:xfrm>
-            <a:off x="0" y="896112"/>
-            <a:ext cx="12191695" cy="54864"/>
+            <a:ext cx="12191695" cy="73152"/>
           </a:xfrm>
           <a:prstGeom prst="rect">
             <a:avLst/>
@@ -10682,136 +7801,7 @@
       </p:sp>
       <p:sp>
         <p:nvSpPr>
-          <p:cNvPr id="4" name="Oval 3"/>
-          <p:cNvSpPr/>
-          <p:nvPr/>
-        </p:nvSpPr>
-        <p:spPr>
-          <a:xfrm>
-            <a:off x="10241280" y="-731520"/>
-            <a:ext cx="3108960" cy="3108960"/>
-          </a:xfrm>
-          <a:prstGeom prst="ellipse">
-            <a:avLst/>
-          </a:prstGeom>
-          <a:solidFill>
-            <a:srgbClr val="22C55E"/>
-          </a:solidFill>
-          <a:ln>
-            <a:noFill/>
-          </a:ln>
-        </p:spPr>
-        <p:style>
-          <a:lnRef idx="1">
-            <a:schemeClr val="accent1"/>
-          </a:lnRef>
-          <a:fillRef idx="3">
-            <a:schemeClr val="accent1"/>
-          </a:fillRef>
-          <a:effectRef idx="2">
-            <a:schemeClr val="accent1"/>
-          </a:effectRef>
-          <a:fontRef idx="minor">
-            <a:schemeClr val="lt1"/>
-          </a:fontRef>
-        </p:style>
-        <p:txBody>
-          <a:bodyPr rtlCol="0" anchor="ctr"/>
-          <a:lstStyle/>
-          <a:p>
-            <a:pPr algn="ctr"/>
-          </a:p>
-        </p:txBody>
-      </p:sp>
-      <p:sp>
-        <p:nvSpPr>
-          <p:cNvPr id="5" name="Oval 4"/>
-          <p:cNvSpPr/>
-          <p:nvPr/>
-        </p:nvSpPr>
-        <p:spPr>
-          <a:xfrm>
-            <a:off x="-1280160" y="5577840"/>
-            <a:ext cx="2743200" cy="2743200"/>
-          </a:xfrm>
-          <a:prstGeom prst="ellipse">
-            <a:avLst/>
-          </a:prstGeom>
-          <a:solidFill>
-            <a:srgbClr val="3B82F6"/>
-          </a:solidFill>
-          <a:ln>
-            <a:noFill/>
-          </a:ln>
-        </p:spPr>
-        <p:style>
-          <a:lnRef idx="1">
-            <a:schemeClr val="accent1"/>
-          </a:lnRef>
-          <a:fillRef idx="3">
-            <a:schemeClr val="accent1"/>
-          </a:fillRef>
-          <a:effectRef idx="2">
-            <a:schemeClr val="accent1"/>
-          </a:effectRef>
-          <a:fontRef idx="minor">
-            <a:schemeClr val="lt1"/>
-          </a:fontRef>
-        </p:style>
-        <p:txBody>
-          <a:bodyPr rtlCol="0" anchor="ctr"/>
-          <a:lstStyle/>
-          <a:p>
-            <a:pPr algn="ctr"/>
-          </a:p>
-        </p:txBody>
-      </p:sp>
-      <p:sp>
-        <p:nvSpPr>
-          <p:cNvPr id="6" name="Rectangle 5"/>
-          <p:cNvSpPr/>
-          <p:nvPr/>
-        </p:nvSpPr>
-        <p:spPr>
-          <a:xfrm>
-            <a:off x="274320" y="1143000"/>
-            <a:ext cx="11658600" cy="5486400"/>
-          </a:xfrm>
-          <a:prstGeom prst="rect">
-            <a:avLst/>
-          </a:prstGeom>
-          <a:solidFill>
-            <a:srgbClr val="0F172A"/>
-          </a:solidFill>
-          <a:ln>
-            <a:noFill/>
-          </a:ln>
-        </p:spPr>
-        <p:style>
-          <a:lnRef idx="1">
-            <a:schemeClr val="accent1"/>
-          </a:lnRef>
-          <a:fillRef idx="3">
-            <a:schemeClr val="accent1"/>
-          </a:fillRef>
-          <a:effectRef idx="2">
-            <a:schemeClr val="accent1"/>
-          </a:effectRef>
-          <a:fontRef idx="minor">
-            <a:schemeClr val="lt1"/>
-          </a:fontRef>
-        </p:style>
-        <p:txBody>
-          <a:bodyPr rtlCol="0" anchor="ctr"/>
-          <a:lstStyle/>
-          <a:p>
-            <a:pPr algn="ctr"/>
-          </a:p>
-        </p:txBody>
-      </p:sp>
-      <p:sp>
-        <p:nvSpPr>
-          <p:cNvPr id="7" name="TextBox 6"/>
+          <p:cNvPr id="3" name="TextBox 2"/>
           <p:cNvSpPr txBox="1"/>
           <p:nvPr/>
         </p:nvSpPr>
@@ -10826,7 +7816,7 @@
           <a:noFill/>
         </p:spPr>
         <p:txBody>
-          <a:bodyPr wrap="square" lIns="127000" rIns="127000" tIns="76200" bIns="76200">
+          <a:bodyPr wrap="square" lIns="101600" rIns="101600" tIns="50800" bIns="50800">
             <a:spAutoFit/>
           </a:bodyPr>
           <a:lstStyle/>
@@ -10847,50 +7837,7 @@
       </p:sp>
       <p:sp>
         <p:nvSpPr>
-          <p:cNvPr id="8" name="Rounded Rectangle 7"/>
-          <p:cNvSpPr/>
-          <p:nvPr/>
-        </p:nvSpPr>
-        <p:spPr>
-          <a:xfrm>
-            <a:off x="649224" y="1014984"/>
-            <a:ext cx="11247120" cy="2240280"/>
-          </a:xfrm>
-          <a:prstGeom prst="roundRect">
-            <a:avLst/>
-          </a:prstGeom>
-          <a:solidFill>
-            <a:srgbClr val="000000"/>
-          </a:solidFill>
-          <a:ln>
-            <a:noFill/>
-          </a:ln>
-        </p:spPr>
-        <p:style>
-          <a:lnRef idx="1">
-            <a:schemeClr val="accent1"/>
-          </a:lnRef>
-          <a:fillRef idx="3">
-            <a:schemeClr val="accent1"/>
-          </a:fillRef>
-          <a:effectRef idx="2">
-            <a:schemeClr val="accent1"/>
-          </a:effectRef>
-          <a:fontRef idx="minor">
-            <a:schemeClr val="lt1"/>
-          </a:fontRef>
-        </p:style>
-        <p:txBody>
-          <a:bodyPr rtlCol="0" anchor="ctr"/>
-          <a:lstStyle/>
-          <a:p>
-            <a:pPr algn="ctr"/>
-          </a:p>
-        </p:txBody>
-      </p:sp>
-      <p:sp>
-        <p:nvSpPr>
-          <p:cNvPr id="9" name="Rounded Rectangle 8"/>
+          <p:cNvPr id="4" name="Rectangle 3"/>
           <p:cNvSpPr/>
           <p:nvPr/>
         </p:nvSpPr>
@@ -10899,7 +7846,7 @@
             <a:off x="594360" y="960120"/>
             <a:ext cx="11247120" cy="2240280"/>
           </a:xfrm>
-          <a:prstGeom prst="roundRect">
+          <a:prstGeom prst="rect">
             <a:avLst/>
           </a:prstGeom>
           <a:solidFill>
@@ -10935,7 +7882,7 @@
       </p:sp>
       <p:sp>
         <p:nvSpPr>
-          <p:cNvPr id="10" name="TextBox 9"/>
+          <p:cNvPr id="5" name="TextBox 4"/>
           <p:cNvSpPr txBox="1"/>
           <p:nvPr/>
         </p:nvSpPr>
@@ -10950,7 +7897,7 @@
           <a:noFill/>
         </p:spPr>
         <p:txBody>
-          <a:bodyPr wrap="square" lIns="127000" rIns="127000" tIns="76200" bIns="76200">
+          <a:bodyPr wrap="square" lIns="101600" rIns="101600" tIns="50800" bIns="50800">
             <a:spAutoFit/>
           </a:bodyPr>
           <a:lstStyle/>
@@ -10971,7 +7918,7 @@
       </p:sp>
       <p:sp>
         <p:nvSpPr>
-          <p:cNvPr id="11" name="TextBox 10"/>
+          <p:cNvPr id="6" name="TextBox 5"/>
           <p:cNvSpPr txBox="1"/>
           <p:nvPr/>
         </p:nvSpPr>
@@ -10986,7 +7933,7 @@
           <a:noFill/>
         </p:spPr>
         <p:txBody>
-          <a:bodyPr wrap="square" lIns="127000" rIns="127000" tIns="76200" bIns="76200">
+          <a:bodyPr wrap="square" lIns="101600" rIns="101600" tIns="50800" bIns="50800">
             <a:spAutoFit/>
           </a:bodyPr>
           <a:lstStyle/>
@@ -11007,50 +7954,7 @@
       </p:sp>
       <p:sp>
         <p:nvSpPr>
-          <p:cNvPr id="12" name="Rounded Rectangle 11"/>
-          <p:cNvSpPr/>
-          <p:nvPr/>
-        </p:nvSpPr>
-        <p:spPr>
-          <a:xfrm>
-            <a:off x="649224" y="3392424"/>
-            <a:ext cx="5532120" cy="3246120"/>
-          </a:xfrm>
-          <a:prstGeom prst="roundRect">
-            <a:avLst/>
-          </a:prstGeom>
-          <a:solidFill>
-            <a:srgbClr val="000000"/>
-          </a:solidFill>
-          <a:ln>
-            <a:noFill/>
-          </a:ln>
-        </p:spPr>
-        <p:style>
-          <a:lnRef idx="1">
-            <a:schemeClr val="accent1"/>
-          </a:lnRef>
-          <a:fillRef idx="3">
-            <a:schemeClr val="accent1"/>
-          </a:fillRef>
-          <a:effectRef idx="2">
-            <a:schemeClr val="accent1"/>
-          </a:effectRef>
-          <a:fontRef idx="minor">
-            <a:schemeClr val="lt1"/>
-          </a:fontRef>
-        </p:style>
-        <p:txBody>
-          <a:bodyPr rtlCol="0" anchor="ctr"/>
-          <a:lstStyle/>
-          <a:p>
-            <a:pPr algn="ctr"/>
-          </a:p>
-        </p:txBody>
-      </p:sp>
-      <p:sp>
-        <p:nvSpPr>
-          <p:cNvPr id="13" name="Rounded Rectangle 12"/>
+          <p:cNvPr id="7" name="Rectangle 6"/>
           <p:cNvSpPr/>
           <p:nvPr/>
         </p:nvSpPr>
@@ -11059,7 +7963,7 @@
             <a:off x="594360" y="3337560"/>
             <a:ext cx="5532120" cy="3246120"/>
           </a:xfrm>
-          <a:prstGeom prst="roundRect">
+          <a:prstGeom prst="rect">
             <a:avLst/>
           </a:prstGeom>
           <a:solidFill>
@@ -11095,7 +7999,7 @@
       </p:sp>
       <p:sp>
         <p:nvSpPr>
-          <p:cNvPr id="14" name="TextBox 13"/>
+          <p:cNvPr id="8" name="TextBox 7"/>
           <p:cNvSpPr txBox="1"/>
           <p:nvPr/>
         </p:nvSpPr>
@@ -11110,7 +8014,7 @@
           <a:noFill/>
         </p:spPr>
         <p:txBody>
-          <a:bodyPr wrap="square" lIns="127000" rIns="127000" tIns="76200" bIns="76200">
+          <a:bodyPr wrap="square" lIns="101600" rIns="101600" tIns="50800" bIns="50800">
             <a:spAutoFit/>
           </a:bodyPr>
           <a:lstStyle/>
@@ -11131,7 +8035,7 @@
       </p:sp>
       <p:sp>
         <p:nvSpPr>
-          <p:cNvPr id="15" name="TextBox 14"/>
+          <p:cNvPr id="9" name="TextBox 8"/>
           <p:cNvSpPr txBox="1"/>
           <p:nvPr/>
         </p:nvSpPr>
@@ -11146,7 +8050,7 @@
           <a:noFill/>
         </p:spPr>
         <p:txBody>
-          <a:bodyPr wrap="square" lIns="127000" rIns="127000" tIns="76200" bIns="76200">
+          <a:bodyPr wrap="square" lIns="101600" rIns="101600" tIns="50800" bIns="50800">
             <a:spAutoFit/>
           </a:bodyPr>
           <a:lstStyle/>
@@ -11167,50 +8071,7 @@
       </p:sp>
       <p:sp>
         <p:nvSpPr>
-          <p:cNvPr id="16" name="Rounded Rectangle 15"/>
-          <p:cNvSpPr/>
-          <p:nvPr/>
-        </p:nvSpPr>
-        <p:spPr>
-          <a:xfrm>
-            <a:off x="6364224" y="3392424"/>
-            <a:ext cx="5532120" cy="3246120"/>
-          </a:xfrm>
-          <a:prstGeom prst="roundRect">
-            <a:avLst/>
-          </a:prstGeom>
-          <a:solidFill>
-            <a:srgbClr val="000000"/>
-          </a:solidFill>
-          <a:ln>
-            <a:noFill/>
-          </a:ln>
-        </p:spPr>
-        <p:style>
-          <a:lnRef idx="1">
-            <a:schemeClr val="accent1"/>
-          </a:lnRef>
-          <a:fillRef idx="3">
-            <a:schemeClr val="accent1"/>
-          </a:fillRef>
-          <a:effectRef idx="2">
-            <a:schemeClr val="accent1"/>
-          </a:effectRef>
-          <a:fontRef idx="minor">
-            <a:schemeClr val="lt1"/>
-          </a:fontRef>
-        </p:style>
-        <p:txBody>
-          <a:bodyPr rtlCol="0" anchor="ctr"/>
-          <a:lstStyle/>
-          <a:p>
-            <a:pPr algn="ctr"/>
-          </a:p>
-        </p:txBody>
-      </p:sp>
-      <p:sp>
-        <p:nvSpPr>
-          <p:cNvPr id="17" name="Rounded Rectangle 16"/>
+          <p:cNvPr id="10" name="Rectangle 9"/>
           <p:cNvSpPr/>
           <p:nvPr/>
         </p:nvSpPr>
@@ -11219,7 +8080,7 @@
             <a:off x="6309360" y="3337560"/>
             <a:ext cx="5532120" cy="3246120"/>
           </a:xfrm>
-          <a:prstGeom prst="roundRect">
+          <a:prstGeom prst="rect">
             <a:avLst/>
           </a:prstGeom>
           <a:solidFill>
@@ -11255,7 +8116,7 @@
       </p:sp>
       <p:sp>
         <p:nvSpPr>
-          <p:cNvPr id="18" name="TextBox 17"/>
+          <p:cNvPr id="11" name="TextBox 10"/>
           <p:cNvSpPr txBox="1"/>
           <p:nvPr/>
         </p:nvSpPr>
@@ -11270,7 +8131,7 @@
           <a:noFill/>
         </p:spPr>
         <p:txBody>
-          <a:bodyPr wrap="square" lIns="127000" rIns="127000" tIns="76200" bIns="76200">
+          <a:bodyPr wrap="square" lIns="101600" rIns="101600" tIns="50800" bIns="50800">
             <a:spAutoFit/>
           </a:bodyPr>
           <a:lstStyle/>
@@ -11291,7 +8152,7 @@
       </p:sp>
       <p:sp>
         <p:nvSpPr>
-          <p:cNvPr id="19" name="TextBox 18"/>
+          <p:cNvPr id="12" name="TextBox 11"/>
           <p:cNvSpPr txBox="1"/>
           <p:nvPr/>
         </p:nvSpPr>
@@ -11306,7 +8167,7 @@
           <a:noFill/>
         </p:spPr>
         <p:txBody>
-          <a:bodyPr wrap="square" lIns="127000" rIns="127000" tIns="76200" bIns="76200">
+          <a:bodyPr wrap="square" lIns="101600" rIns="101600" tIns="50800" bIns="50800">
             <a:spAutoFit/>
           </a:bodyPr>
           <a:lstStyle/>
